--- a/PPTs/ProgramacionII_Clase_02-2018.pptx
+++ b/PPTs/ProgramacionII_Clase_02-2018.pptx
@@ -5,7 +5,7 @@
     <p:sldMasterId id="2147483648" r:id="rId1"/>
   </p:sldMasterIdLst>
   <p:notesMasterIdLst>
-    <p:notesMasterId r:id="rId9"/>
+    <p:notesMasterId r:id="rId12"/>
   </p:notesMasterIdLst>
   <p:sldIdLst>
     <p:sldId id="256" r:id="rId2"/>
@@ -15,6 +15,9 @@
     <p:sldId id="260" r:id="rId6"/>
     <p:sldId id="261" r:id="rId7"/>
     <p:sldId id="262" r:id="rId8"/>
+    <p:sldId id="263" r:id="rId9"/>
+    <p:sldId id="264" r:id="rId10"/>
+    <p:sldId id="265" r:id="rId11"/>
   </p:sldIdLst>
   <p:sldSz cx="12192000" cy="6858000"/>
   <p:notesSz cx="6858000" cy="9144000"/>
@@ -113,6 +116,11 @@
       </a:defRPr>
     </a:lvl9pPr>
   </p:defaultTextStyle>
+  <p:extLst>
+    <p:ext uri="{EFAFB233-063F-42B5-8137-9DF3F51BA10A}">
+      <p15:sldGuideLst xmlns:p15="http://schemas.microsoft.com/office/powerpoint/2012/main"/>
+    </p:ext>
+  </p:extLst>
 </p:presentation>
 </file>
 
@@ -210,7 +218,7 @@
           <a:p>
             <a:fld id="{D0683491-89D4-49E1-9471-94C7F2E3C116}" type="datetimeFigureOut">
               <a:rPr lang="es-AR" smtClean="0"/>
-              <a:t>30/08/2018</a:t>
+              <a:t>31/08/2018</a:t>
             </a:fld>
             <a:endParaRPr lang="es-AR"/>
           </a:p>
@@ -852,6 +860,215 @@
 </p:notes>
 </file>
 
+<file path=ppt/notesSlides/notesSlide4.xml><?xml version="1.0" encoding="utf-8"?>
+<p:notes xmlns:a="http://schemas.openxmlformats.org/drawingml/2006/main" xmlns:r="http://schemas.openxmlformats.org/officeDocument/2006/relationships" xmlns:p="http://schemas.openxmlformats.org/presentationml/2006/main">
+  <p:cSld>
+    <p:spTree>
+      <p:nvGrpSpPr>
+        <p:cNvPr id="1" name=""/>
+        <p:cNvGrpSpPr/>
+        <p:nvPr/>
+      </p:nvGrpSpPr>
+      <p:grpSpPr>
+        <a:xfrm>
+          <a:off x="0" y="0"/>
+          <a:ext cx="0" cy="0"/>
+          <a:chOff x="0" y="0"/>
+          <a:chExt cx="0" cy="0"/>
+        </a:xfrm>
+      </p:grpSpPr>
+      <p:sp>
+        <p:nvSpPr>
+          <p:cNvPr id="2" name="Marcador de imagen de diapositiva 1"/>
+          <p:cNvSpPr>
+            <a:spLocks noGrp="1" noRot="1" noChangeAspect="1"/>
+          </p:cNvSpPr>
+          <p:nvPr>
+            <p:ph type="sldImg"/>
+          </p:nvPr>
+        </p:nvSpPr>
+        <p:spPr/>
+      </p:sp>
+      <p:sp>
+        <p:nvSpPr>
+          <p:cNvPr id="3" name="Marcador de notas 2"/>
+          <p:cNvSpPr>
+            <a:spLocks noGrp="1"/>
+          </p:cNvSpPr>
+          <p:nvPr>
+            <p:ph type="body" idx="1"/>
+          </p:nvPr>
+        </p:nvSpPr>
+        <p:spPr/>
+        <p:txBody>
+          <a:bodyPr/>
+          <a:lstStyle/>
+          <a:p>
+            <a:pPr eaLnBrk="1" hangingPunct="1"/>
+            <a:r>
+              <a:rPr lang="es-AR" altLang="es-AR" dirty="0" smtClean="0">
+                <a:latin typeface="Arial" panose="020B0604020202020204" pitchFamily="34" charset="0"/>
+              </a:rPr>
+              <a:t>Las clases son declaraciones de objetos, también se podrían definir como abstracciones de objetos. Esto quiere decir que la definición de un objeto es la clase. Cuando programamos un objeto y definimos sus características y funcionalidades en realidad lo que estamos haciendo es programar una clase. </a:t>
+            </a:r>
+          </a:p>
+          <a:p>
+            <a:pPr eaLnBrk="1" hangingPunct="1"/>
+            <a:endParaRPr lang="es-AR" altLang="es-AR" dirty="0" smtClean="0">
+              <a:latin typeface="Arial" panose="020B0604020202020204" pitchFamily="34" charset="0"/>
+            </a:endParaRPr>
+          </a:p>
+          <a:p>
+            <a:pPr eaLnBrk="1" hangingPunct="1"/>
+            <a:r>
+              <a:rPr lang="es-CR" altLang="es-AR" dirty="0" smtClean="0">
+                <a:latin typeface="Arial" panose="020B0604020202020204" pitchFamily="34" charset="0"/>
+                <a:sym typeface="Wingdings" panose="05000000000000000000" pitchFamily="2" charset="2"/>
+              </a:rPr>
+              <a:t>La clasificación se basa en un comportamiento y atributos comunes. Permite crear un vocabulario estandarizado para comunicarse y pensar dentro del equipo de trabajo.</a:t>
+            </a:r>
+          </a:p>
+        </p:txBody>
+      </p:sp>
+      <p:sp>
+        <p:nvSpPr>
+          <p:cNvPr id="4" name="Marcador de número de diapositiva 3"/>
+          <p:cNvSpPr>
+            <a:spLocks noGrp="1"/>
+          </p:cNvSpPr>
+          <p:nvPr>
+            <p:ph type="sldNum" sz="quarter" idx="10"/>
+          </p:nvPr>
+        </p:nvSpPr>
+        <p:spPr/>
+        <p:txBody>
+          <a:bodyPr/>
+          <a:lstStyle/>
+          <a:p>
+            <a:fld id="{1FBD2CA0-9C61-4239-A28D-F73B9C6EE9A8}" type="slidenum">
+              <a:rPr lang="es-AR" smtClean="0"/>
+              <a:t>8</a:t>
+            </a:fld>
+            <a:endParaRPr lang="es-AR"/>
+          </a:p>
+        </p:txBody>
+      </p:sp>
+    </p:spTree>
+    <p:extLst>
+      <p:ext uri="{BB962C8B-B14F-4D97-AF65-F5344CB8AC3E}">
+        <p14:creationId xmlns:p14="http://schemas.microsoft.com/office/powerpoint/2010/main" val="3727624279"/>
+      </p:ext>
+    </p:extLst>
+  </p:cSld>
+  <p:clrMapOvr>
+    <a:masterClrMapping/>
+  </p:clrMapOvr>
+</p:notes>
+</file>
+
+<file path=ppt/notesSlides/notesSlide5.xml><?xml version="1.0" encoding="utf-8"?>
+<p:notes xmlns:a="http://schemas.openxmlformats.org/drawingml/2006/main" xmlns:r="http://schemas.openxmlformats.org/officeDocument/2006/relationships" xmlns:p="http://schemas.openxmlformats.org/presentationml/2006/main">
+  <p:cSld>
+    <p:spTree>
+      <p:nvGrpSpPr>
+        <p:cNvPr id="1" name=""/>
+        <p:cNvGrpSpPr/>
+        <p:nvPr/>
+      </p:nvGrpSpPr>
+      <p:grpSpPr>
+        <a:xfrm>
+          <a:off x="0" y="0"/>
+          <a:ext cx="0" cy="0"/>
+          <a:chOff x="0" y="0"/>
+          <a:chExt cx="0" cy="0"/>
+        </a:xfrm>
+      </p:grpSpPr>
+      <p:sp>
+        <p:nvSpPr>
+          <p:cNvPr id="2" name="Marcador de imagen de diapositiva 1"/>
+          <p:cNvSpPr>
+            <a:spLocks noGrp="1" noRot="1" noChangeAspect="1"/>
+          </p:cNvSpPr>
+          <p:nvPr>
+            <p:ph type="sldImg"/>
+          </p:nvPr>
+        </p:nvSpPr>
+        <p:spPr/>
+      </p:sp>
+      <p:sp>
+        <p:nvSpPr>
+          <p:cNvPr id="3" name="Marcador de notas 2"/>
+          <p:cNvSpPr>
+            <a:spLocks noGrp="1"/>
+          </p:cNvSpPr>
+          <p:nvPr>
+            <p:ph type="body" idx="1"/>
+          </p:nvPr>
+        </p:nvSpPr>
+        <p:spPr/>
+        <p:txBody>
+          <a:bodyPr/>
+          <a:lstStyle/>
+          <a:p>
+            <a:pPr marL="0" marR="0" indent="0" algn="l" defTabSz="914400" rtl="0" eaLnBrk="1" fontAlgn="auto" latinLnBrk="0" hangingPunct="1">
+              <a:lnSpc>
+                <a:spcPct val="100000"/>
+              </a:lnSpc>
+              <a:spcBef>
+                <a:spcPts val="0"/>
+              </a:spcBef>
+              <a:spcAft>
+                <a:spcPts val="0"/>
+              </a:spcAft>
+              <a:buClrTx/>
+              <a:buSzTx/>
+              <a:buFontTx/>
+              <a:buNone/>
+              <a:tabLst/>
+              <a:defRPr/>
+            </a:pPr>
+            <a:endParaRPr lang="en-US" altLang="es-AR" dirty="0" smtClean="0">
+              <a:latin typeface="Arial" panose="020B0604020202020204" pitchFamily="34" charset="0"/>
+            </a:endParaRPr>
+          </a:p>
+        </p:txBody>
+      </p:sp>
+      <p:sp>
+        <p:nvSpPr>
+          <p:cNvPr id="4" name="Marcador de número de diapositiva 3"/>
+          <p:cNvSpPr>
+            <a:spLocks noGrp="1"/>
+          </p:cNvSpPr>
+          <p:nvPr>
+            <p:ph type="sldNum" sz="quarter" idx="10"/>
+          </p:nvPr>
+        </p:nvSpPr>
+        <p:spPr/>
+        <p:txBody>
+          <a:bodyPr/>
+          <a:lstStyle/>
+          <a:p>
+            <a:fld id="{1FBD2CA0-9C61-4239-A28D-F73B9C6EE9A8}" type="slidenum">
+              <a:rPr lang="es-AR" smtClean="0"/>
+              <a:t>9</a:t>
+            </a:fld>
+            <a:endParaRPr lang="es-AR"/>
+          </a:p>
+        </p:txBody>
+      </p:sp>
+    </p:spTree>
+    <p:extLst>
+      <p:ext uri="{BB962C8B-B14F-4D97-AF65-F5344CB8AC3E}">
+        <p14:creationId xmlns:p14="http://schemas.microsoft.com/office/powerpoint/2010/main" val="2960439626"/>
+      </p:ext>
+    </p:extLst>
+  </p:cSld>
+  <p:clrMapOvr>
+    <a:masterClrMapping/>
+  </p:clrMapOvr>
+</p:notes>
+</file>
+
 <file path=ppt/slideLayouts/slideLayout1.xml><?xml version="1.0" encoding="utf-8"?>
 <p:sldLayout xmlns:a="http://schemas.openxmlformats.org/drawingml/2006/main" xmlns:r="http://schemas.openxmlformats.org/officeDocument/2006/relationships" xmlns:p="http://schemas.openxmlformats.org/presentationml/2006/main" type="title" preserve="1">
   <p:cSld name="Diapositiva de título">
@@ -1126,7 +1343,7 @@
           <a:p>
             <a:fld id="{78ABE3C1-DBE1-495D-B57B-2849774B866A}" type="datetimeFigureOut">
               <a:rPr lang="en-US" dirty="0"/>
-              <a:t>8/30/2018</a:t>
+              <a:t>8/31/2018</a:t>
             </a:fld>
             <a:endParaRPr lang="en-US" dirty="0"/>
           </a:p>
@@ -1535,7 +1752,7 @@
           <a:p>
             <a:fld id="{446C117F-5CCF-4837-BE5F-2B92066CAFAF}" type="datetimeFigureOut">
               <a:rPr lang="en-US" dirty="0"/>
-              <a:t>8/30/2018</a:t>
+              <a:t>8/31/2018</a:t>
             </a:fld>
             <a:endParaRPr lang="en-US" dirty="0"/>
           </a:p>
@@ -1866,7 +2083,7 @@
           <a:p>
             <a:fld id="{84EB90BD-B6CE-46B7-997F-7313B992CCDC}" type="datetimeFigureOut">
               <a:rPr lang="en-US" dirty="0"/>
-              <a:t>8/30/2018</a:t>
+              <a:t>8/31/2018</a:t>
             </a:fld>
             <a:endParaRPr lang="en-US" dirty="0"/>
           </a:p>
@@ -2266,7 +2483,7 @@
           <a:p>
             <a:fld id="{CDB9D11F-B188-461D-B23F-39381795C052}" type="datetimeFigureOut">
               <a:rPr lang="en-US" dirty="0"/>
-              <a:t>8/30/2018</a:t>
+              <a:t>8/31/2018</a:t>
             </a:fld>
             <a:endParaRPr lang="en-US" dirty="0"/>
           </a:p>
@@ -2829,7 +3046,7 @@
           <a:p>
             <a:fld id="{52E6D8D9-55A2-4063-B0F3-121F44549695}" type="datetimeFigureOut">
               <a:rPr lang="en-US" dirty="0"/>
-              <a:t>8/30/2018</a:t>
+              <a:t>8/31/2018</a:t>
             </a:fld>
             <a:endParaRPr lang="en-US" dirty="0"/>
           </a:p>
@@ -3505,7 +3722,7 @@
           <a:p>
             <a:fld id="{D4B24536-994D-4021-A283-9F449C0DB509}" type="datetimeFigureOut">
               <a:rPr lang="en-US" dirty="0"/>
-              <a:t>8/30/2018</a:t>
+              <a:t>8/31/2018</a:t>
             </a:fld>
             <a:endParaRPr lang="en-US" dirty="0"/>
           </a:p>
@@ -4413,7 +4630,7 @@
           <a:p>
             <a:fld id="{3CBBBB78-C96F-47B7-AB17-D852CA960AC9}" type="datetimeFigureOut">
               <a:rPr lang="en-US" dirty="0"/>
-              <a:t>8/30/2018</a:t>
+              <a:t>8/31/2018</a:t>
             </a:fld>
             <a:endParaRPr lang="en-US" dirty="0"/>
           </a:p>
@@ -4721,7 +4938,7 @@
           <a:p>
             <a:fld id="{1FA3F48C-C7C6-4055-9F49-3777875E72AE}" type="datetimeFigureOut">
               <a:rPr lang="en-US" dirty="0"/>
-              <a:t>8/30/2018</a:t>
+              <a:t>8/31/2018</a:t>
             </a:fld>
             <a:endParaRPr lang="en-US" dirty="0"/>
           </a:p>
@@ -4980,7 +5197,7 @@
           <a:p>
             <a:fld id="{6178E61D-D431-422C-9764-11DAFE33AB63}" type="datetimeFigureOut">
               <a:rPr lang="en-US" dirty="0"/>
-              <a:t>8/30/2018</a:t>
+              <a:t>8/31/2018</a:t>
             </a:fld>
             <a:endParaRPr lang="en-US" dirty="0"/>
           </a:p>
@@ -5299,7 +5516,7 @@
           <a:p>
             <a:fld id="{12DE42F4-6EEF-4EF7-8ED4-2208F0F89A08}" type="datetimeFigureOut">
               <a:rPr lang="en-US" dirty="0"/>
-              <a:t>8/30/2018</a:t>
+              <a:t>8/31/2018</a:t>
             </a:fld>
             <a:endParaRPr lang="en-US" dirty="0"/>
           </a:p>
@@ -5683,7 +5900,7 @@
           <a:p>
             <a:fld id="{30578ACC-22D6-47C1-A373-4FD133E34F3C}" type="datetimeFigureOut">
               <a:rPr lang="en-US" dirty="0"/>
-              <a:t>8/30/2018</a:t>
+              <a:t>8/31/2018</a:t>
             </a:fld>
             <a:endParaRPr lang="en-US" dirty="0"/>
           </a:p>
@@ -6054,7 +6271,7 @@
           <a:p>
             <a:fld id="{4E5A6C69-6797-4E8A-BF37-F2C3751466E9}" type="datetimeFigureOut">
               <a:rPr lang="en-US" dirty="0"/>
-              <a:t>8/30/2018</a:t>
+              <a:t>8/31/2018</a:t>
             </a:fld>
             <a:endParaRPr lang="en-US" dirty="0"/>
           </a:p>
@@ -6555,7 +6772,7 @@
           <a:p>
             <a:fld id="{D82014A1-A632-4878-A0D3-F52BA7563730}" type="datetimeFigureOut">
               <a:rPr lang="en-US" dirty="0"/>
-              <a:t>8/30/2018</a:t>
+              <a:t>8/31/2018</a:t>
             </a:fld>
             <a:endParaRPr lang="en-US" dirty="0"/>
           </a:p>
@@ -6807,7 +7024,7 @@
           <a:p>
             <a:fld id="{CE99F462-093F-4566-844B-4C71F2739DA5}" type="datetimeFigureOut">
               <a:rPr lang="en-US" dirty="0"/>
-              <a:t>8/30/2018</a:t>
+              <a:t>8/31/2018</a:t>
             </a:fld>
             <a:endParaRPr lang="en-US" dirty="0"/>
           </a:p>
@@ -6965,7 +7182,7 @@
           <a:p>
             <a:fld id="{3D24A7AC-904D-4781-85BA-7D10C17ED021}" type="datetimeFigureOut">
               <a:rPr lang="en-US" dirty="0"/>
-              <a:t>8/30/2018</a:t>
+              <a:t>8/31/2018</a:t>
             </a:fld>
             <a:endParaRPr lang="en-US" dirty="0"/>
           </a:p>
@@ -7350,7 +7567,7 @@
           <a:p>
             <a:fld id="{E331444B-B92B-4E27-8C94-BB93EAF5CB18}" type="datetimeFigureOut">
               <a:rPr lang="en-US" dirty="0"/>
-              <a:t>8/30/2018</a:t>
+              <a:t>8/31/2018</a:t>
             </a:fld>
             <a:endParaRPr lang="en-US" dirty="0"/>
           </a:p>
@@ -7754,7 +7971,7 @@
           <a:p>
             <a:fld id="{363EFA5E-FA76-400D-B3DC-F0BA90E6D107}" type="datetimeFigureOut">
               <a:rPr lang="en-US" dirty="0"/>
-              <a:t>8/30/2018</a:t>
+              <a:t>8/31/2018</a:t>
             </a:fld>
             <a:endParaRPr lang="en-US" dirty="0"/>
           </a:p>
@@ -7993,7 +8210,7 @@
           <a:p>
             <a:fld id="{9D6E9DEC-419B-4CC5-A080-3B06BD5A8291}" type="datetimeFigureOut">
               <a:rPr lang="en-US" dirty="0"/>
-              <a:t>8/30/2018</a:t>
+              <a:t>8/31/2018</a:t>
             </a:fld>
             <a:endParaRPr lang="en-US" dirty="0"/>
           </a:p>
@@ -8589,6 +8806,681 @@
 </p:sld>
 </file>
 
+<file path=ppt/slides/slide10.xml><?xml version="1.0" encoding="utf-8"?>
+<p:sld xmlns:a="http://schemas.openxmlformats.org/drawingml/2006/main" xmlns:r="http://schemas.openxmlformats.org/officeDocument/2006/relationships" xmlns:p="http://schemas.openxmlformats.org/presentationml/2006/main">
+  <p:cSld>
+    <p:spTree>
+      <p:nvGrpSpPr>
+        <p:cNvPr id="1" name=""/>
+        <p:cNvGrpSpPr/>
+        <p:nvPr/>
+      </p:nvGrpSpPr>
+      <p:grpSpPr>
+        <a:xfrm>
+          <a:off x="0" y="0"/>
+          <a:ext cx="0" cy="0"/>
+          <a:chOff x="0" y="0"/>
+          <a:chExt cx="0" cy="0"/>
+        </a:xfrm>
+      </p:grpSpPr>
+      <p:sp>
+        <p:nvSpPr>
+          <p:cNvPr id="2" name="Título 1"/>
+          <p:cNvSpPr>
+            <a:spLocks noGrp="1"/>
+          </p:cNvSpPr>
+          <p:nvPr>
+            <p:ph type="title"/>
+          </p:nvPr>
+        </p:nvSpPr>
+        <p:spPr/>
+        <p:txBody>
+          <a:bodyPr/>
+          <a:lstStyle/>
+          <a:p>
+            <a:endParaRPr lang="es-AR"/>
+          </a:p>
+        </p:txBody>
+      </p:sp>
+      <p:graphicFrame>
+        <p:nvGraphicFramePr>
+          <p:cNvPr id="4" name="Tabla 3"/>
+          <p:cNvGraphicFramePr>
+            <a:graphicFrameLocks noGrp="1"/>
+          </p:cNvGraphicFramePr>
+          <p:nvPr>
+            <p:extLst>
+              <p:ext uri="{D42A27DB-BD31-4B8C-83A1-F6EECF244321}">
+                <p14:modId xmlns:p14="http://schemas.microsoft.com/office/powerpoint/2010/main" val="1544539290"/>
+              </p:ext>
+            </p:extLst>
+          </p:nvPr>
+        </p:nvGraphicFramePr>
+        <p:xfrm>
+          <a:off x="377370" y="2098523"/>
+          <a:ext cx="11263086" cy="3935472"/>
+        </p:xfrm>
+        <a:graphic>
+          <a:graphicData uri="http://schemas.openxmlformats.org/drawingml/2006/table">
+            <a:tbl>
+              <a:tblPr firstRow="1" bandRow="1">
+                <a:tableStyleId>{5C22544A-7EE6-4342-B048-85BDC9FD1C3A}</a:tableStyleId>
+              </a:tblPr>
+              <a:tblGrid>
+                <a:gridCol w="5631543"/>
+                <a:gridCol w="5631543"/>
+              </a:tblGrid>
+              <a:tr h="370840">
+                <a:tc>
+                  <a:txBody>
+                    <a:bodyPr/>
+                    <a:lstStyle/>
+                    <a:p>
+                      <a:pPr marL="0" marR="0" lvl="0" indent="0" algn="l" defTabSz="914400" rtl="0" eaLnBrk="1" fontAlgn="base" latinLnBrk="0" hangingPunct="1">
+                        <a:lnSpc>
+                          <a:spcPct val="90000"/>
+                        </a:lnSpc>
+                        <a:spcBef>
+                          <a:spcPct val="25000"/>
+                        </a:spcBef>
+                        <a:spcAft>
+                          <a:spcPct val="0"/>
+                        </a:spcAft>
+                        <a:buClr>
+                          <a:schemeClr val="tx2"/>
+                        </a:buClr>
+                        <a:buSzPct val="75000"/>
+                        <a:buFont typeface="Wingdings" pitchFamily="2" charset="2"/>
+                        <a:buNone/>
+                        <a:tabLst/>
+                      </a:pPr>
+                      <a:r>
+                        <a:rPr kumimoji="0" lang="es-ES" sz="2200" b="0" i="0" u="none" strike="noStrike" cap="none" normalizeH="0" baseline="0" dirty="0" smtClean="0">
+                          <a:ln>
+                            <a:noFill/>
+                          </a:ln>
+                          <a:solidFill>
+                            <a:schemeClr val="tx1"/>
+                          </a:solidFill>
+                          <a:effectLst/>
+                          <a:latin typeface="Franklin Gothic Medium" pitchFamily="34" charset="0"/>
+                        </a:rPr>
+                        <a:t>Nombre</a:t>
+                      </a:r>
+                    </a:p>
+                  </a:txBody>
+                  <a:tcPr marL="90000" marR="90000" marT="46778" marB="46778" horzOverflow="overflow"/>
+                </a:tc>
+                <a:tc>
+                  <a:txBody>
+                    <a:bodyPr/>
+                    <a:lstStyle/>
+                    <a:p>
+                      <a:pPr marL="0" marR="0" lvl="0" indent="0" algn="ctr" defTabSz="914400" rtl="0" eaLnBrk="1" fontAlgn="base" latinLnBrk="0" hangingPunct="1">
+                        <a:lnSpc>
+                          <a:spcPct val="90000"/>
+                        </a:lnSpc>
+                        <a:spcBef>
+                          <a:spcPct val="25000"/>
+                        </a:spcBef>
+                        <a:spcAft>
+                          <a:spcPct val="0"/>
+                        </a:spcAft>
+                        <a:buClr>
+                          <a:schemeClr val="tx2"/>
+                        </a:buClr>
+                        <a:buSzPct val="75000"/>
+                        <a:buFont typeface="Wingdings" pitchFamily="2" charset="2"/>
+                        <a:buNone/>
+                        <a:tabLst/>
+                      </a:pPr>
+                      <a:r>
+                        <a:rPr kumimoji="0" lang="es-ES" sz="2200" b="0" i="0" u="none" strike="noStrike" cap="none" normalizeH="0" baseline="0" dirty="0" smtClean="0">
+                          <a:ln>
+                            <a:noFill/>
+                          </a:ln>
+                          <a:solidFill>
+                            <a:schemeClr val="tx1"/>
+                          </a:solidFill>
+                          <a:effectLst/>
+                          <a:latin typeface="Franklin Gothic Medium" pitchFamily="34" charset="0"/>
+                        </a:rPr>
+                        <a:t>Descripción</a:t>
+                      </a:r>
+                    </a:p>
+                  </a:txBody>
+                  <a:tcPr marL="90000" marR="90000" marT="46778" marB="46778" horzOverflow="overflow"/>
+                </a:tc>
+              </a:tr>
+              <a:tr h="370840">
+                <a:tc>
+                  <a:txBody>
+                    <a:bodyPr/>
+                    <a:lstStyle/>
+                    <a:p>
+                      <a:pPr marL="0" marR="0" lvl="0" indent="0" algn="l" defTabSz="914400" rtl="0" eaLnBrk="1" fontAlgn="base" latinLnBrk="0" hangingPunct="1">
+                        <a:lnSpc>
+                          <a:spcPct val="90000"/>
+                        </a:lnSpc>
+                        <a:spcBef>
+                          <a:spcPct val="25000"/>
+                        </a:spcBef>
+                        <a:spcAft>
+                          <a:spcPct val="0"/>
+                        </a:spcAft>
+                        <a:buClr>
+                          <a:schemeClr val="tx2"/>
+                        </a:buClr>
+                        <a:buSzPct val="75000"/>
+                        <a:buFont typeface="Wingdings" pitchFamily="2" charset="2"/>
+                        <a:buNone/>
+                        <a:tabLst/>
+                      </a:pPr>
+                      <a:r>
+                        <a:rPr kumimoji="0" lang="es-ES" sz="2800" b="0" i="0" u="none" strike="noStrike" cap="none" normalizeH="0" baseline="0" dirty="0" smtClean="0">
+                          <a:ln>
+                            <a:noFill/>
+                          </a:ln>
+                          <a:solidFill>
+                            <a:srgbClr val="9D360E"/>
+                          </a:solidFill>
+                          <a:effectLst>
+                            <a:outerShdw blurRad="38100" dist="38100" dir="2700000" algn="tl">
+                              <a:srgbClr val="000000"/>
+                            </a:outerShdw>
+                          </a:effectLst>
+                          <a:latin typeface="Franklin Gothic Medium" pitchFamily="34" charset="0"/>
+                        </a:rPr>
+                        <a:t>abstract</a:t>
+                      </a:r>
+                    </a:p>
+                  </a:txBody>
+                  <a:tcPr marL="90000" marR="90000" marT="46778" marB="46778" horzOverflow="overflow"/>
+                </a:tc>
+                <a:tc>
+                  <a:txBody>
+                    <a:bodyPr/>
+                    <a:lstStyle/>
+                    <a:p>
+                      <a:pPr marL="0" marR="0" lvl="0" indent="0" algn="l" defTabSz="914400" rtl="0" eaLnBrk="1" fontAlgn="base" latinLnBrk="0" hangingPunct="1">
+                        <a:lnSpc>
+                          <a:spcPct val="90000"/>
+                        </a:lnSpc>
+                        <a:spcBef>
+                          <a:spcPct val="25000"/>
+                        </a:spcBef>
+                        <a:spcAft>
+                          <a:spcPct val="0"/>
+                        </a:spcAft>
+                        <a:buClr>
+                          <a:schemeClr val="tx2"/>
+                        </a:buClr>
+                        <a:buSzPct val="75000"/>
+                        <a:buFont typeface="Wingdings" pitchFamily="2" charset="2"/>
+                        <a:buNone/>
+                        <a:tabLst/>
+                      </a:pPr>
+                      <a:r>
+                        <a:rPr kumimoji="0" lang="es-ES" sz="2800" b="0" i="0" u="none" strike="noStrike" cap="none" normalizeH="0" baseline="0" dirty="0" smtClean="0">
+                          <a:ln>
+                            <a:noFill/>
+                          </a:ln>
+                          <a:solidFill>
+                            <a:srgbClr val="9D360E"/>
+                          </a:solidFill>
+                          <a:effectLst>
+                            <a:outerShdw blurRad="38100" dist="38100" dir="2700000" algn="tl">
+                              <a:srgbClr val="000000"/>
+                            </a:outerShdw>
+                          </a:effectLst>
+                          <a:latin typeface="Franklin Gothic Medium" pitchFamily="34" charset="0"/>
+                        </a:rPr>
+                        <a:t>Indica que la clase no podrá instanciarse.</a:t>
+                      </a:r>
+                    </a:p>
+                  </a:txBody>
+                  <a:tcPr marL="90000" marR="90000" marT="46778" marB="46778" horzOverflow="overflow"/>
+                </a:tc>
+              </a:tr>
+              <a:tr h="370840">
+                <a:tc>
+                  <a:txBody>
+                    <a:bodyPr/>
+                    <a:lstStyle/>
+                    <a:p>
+                      <a:pPr marL="0" marR="0" lvl="0" indent="0" algn="l" defTabSz="914400" rtl="0" eaLnBrk="1" fontAlgn="base" latinLnBrk="0" hangingPunct="1">
+                        <a:lnSpc>
+                          <a:spcPct val="90000"/>
+                        </a:lnSpc>
+                        <a:spcBef>
+                          <a:spcPct val="25000"/>
+                        </a:spcBef>
+                        <a:spcAft>
+                          <a:spcPct val="0"/>
+                        </a:spcAft>
+                        <a:buClr>
+                          <a:schemeClr val="tx2"/>
+                        </a:buClr>
+                        <a:buSzPct val="75000"/>
+                        <a:buFont typeface="Wingdings" pitchFamily="2" charset="2"/>
+                        <a:buNone/>
+                        <a:tabLst/>
+                      </a:pPr>
+                      <a:r>
+                        <a:rPr kumimoji="0" lang="es-ES" sz="2800" b="0" i="0" u="none" strike="noStrike" cap="none" normalizeH="0" baseline="0" dirty="0" smtClean="0">
+                          <a:ln>
+                            <a:noFill/>
+                          </a:ln>
+                          <a:solidFill>
+                            <a:srgbClr val="9D360E"/>
+                          </a:solidFill>
+                          <a:effectLst>
+                            <a:outerShdw blurRad="38100" dist="38100" dir="2700000" algn="tl">
+                              <a:srgbClr val="000000"/>
+                            </a:outerShdw>
+                          </a:effectLst>
+                          <a:latin typeface="Franklin Gothic Medium" pitchFamily="34" charset="0"/>
+                        </a:rPr>
+                        <a:t>internal (*)</a:t>
+                      </a:r>
+                    </a:p>
+                  </a:txBody>
+                  <a:tcPr marL="90000" marR="90000" marT="46778" marB="46778" horzOverflow="overflow"/>
+                </a:tc>
+                <a:tc>
+                  <a:txBody>
+                    <a:bodyPr/>
+                    <a:lstStyle/>
+                    <a:p>
+                      <a:pPr marL="0" marR="0" lvl="0" indent="0" algn="l" defTabSz="914400" rtl="0" eaLnBrk="1" fontAlgn="base" latinLnBrk="0" hangingPunct="1">
+                        <a:lnSpc>
+                          <a:spcPct val="90000"/>
+                        </a:lnSpc>
+                        <a:spcBef>
+                          <a:spcPct val="25000"/>
+                        </a:spcBef>
+                        <a:spcAft>
+                          <a:spcPct val="0"/>
+                        </a:spcAft>
+                        <a:buClr>
+                          <a:schemeClr val="tx2"/>
+                        </a:buClr>
+                        <a:buSzPct val="75000"/>
+                        <a:buFont typeface="Wingdings" pitchFamily="2" charset="2"/>
+                        <a:buNone/>
+                        <a:tabLst/>
+                      </a:pPr>
+                      <a:r>
+                        <a:rPr kumimoji="0" lang="es-ES" sz="2800" b="0" i="0" u="none" strike="noStrike" cap="none" normalizeH="0" baseline="0" dirty="0" smtClean="0">
+                          <a:ln>
+                            <a:noFill/>
+                          </a:ln>
+                          <a:solidFill>
+                            <a:srgbClr val="9D360E"/>
+                          </a:solidFill>
+                          <a:effectLst>
+                            <a:outerShdw blurRad="38100" dist="38100" dir="2700000" algn="tl">
+                              <a:srgbClr val="000000"/>
+                            </a:outerShdw>
+                          </a:effectLst>
+                          <a:latin typeface="Franklin Gothic Medium" pitchFamily="34" charset="0"/>
+                        </a:rPr>
+                        <a:t>Accesible en todo el proyecto (Assembly).</a:t>
+                      </a:r>
+                    </a:p>
+                  </a:txBody>
+                  <a:tcPr marL="90000" marR="90000" marT="46778" marB="46778" horzOverflow="overflow"/>
+                </a:tc>
+              </a:tr>
+              <a:tr h="370840">
+                <a:tc>
+                  <a:txBody>
+                    <a:bodyPr/>
+                    <a:lstStyle/>
+                    <a:p>
+                      <a:pPr marL="0" marR="0" lvl="0" indent="0" algn="l" defTabSz="914400" rtl="0" eaLnBrk="1" fontAlgn="base" latinLnBrk="0" hangingPunct="1">
+                        <a:lnSpc>
+                          <a:spcPct val="90000"/>
+                        </a:lnSpc>
+                        <a:spcBef>
+                          <a:spcPct val="25000"/>
+                        </a:spcBef>
+                        <a:spcAft>
+                          <a:spcPct val="0"/>
+                        </a:spcAft>
+                        <a:buClr>
+                          <a:schemeClr val="tx2"/>
+                        </a:buClr>
+                        <a:buSzPct val="75000"/>
+                        <a:buFont typeface="Wingdings" pitchFamily="2" charset="2"/>
+                        <a:buNone/>
+                        <a:tabLst/>
+                      </a:pPr>
+                      <a:r>
+                        <a:rPr kumimoji="0" lang="es-ES" sz="2800" b="0" i="0" u="none" strike="noStrike" cap="none" normalizeH="0" baseline="0" dirty="0" smtClean="0">
+                          <a:ln>
+                            <a:noFill/>
+                          </a:ln>
+                          <a:solidFill>
+                            <a:srgbClr val="9D360E"/>
+                          </a:solidFill>
+                          <a:effectLst>
+                            <a:outerShdw blurRad="38100" dist="38100" dir="2700000" algn="tl">
+                              <a:srgbClr val="000000"/>
+                            </a:outerShdw>
+                          </a:effectLst>
+                          <a:latin typeface="Franklin Gothic Medium" pitchFamily="34" charset="0"/>
+                        </a:rPr>
+                        <a:t>public   (*)</a:t>
+                      </a:r>
+                    </a:p>
+                  </a:txBody>
+                  <a:tcPr marL="90000" marR="90000" marT="46778" marB="46778" horzOverflow="overflow"/>
+                </a:tc>
+                <a:tc>
+                  <a:txBody>
+                    <a:bodyPr/>
+                    <a:lstStyle/>
+                    <a:p>
+                      <a:pPr marL="0" marR="0" lvl="0" indent="0" algn="l" defTabSz="914400" rtl="0" eaLnBrk="1" fontAlgn="base" latinLnBrk="0" hangingPunct="1">
+                        <a:lnSpc>
+                          <a:spcPct val="90000"/>
+                        </a:lnSpc>
+                        <a:spcBef>
+                          <a:spcPct val="25000"/>
+                        </a:spcBef>
+                        <a:spcAft>
+                          <a:spcPct val="0"/>
+                        </a:spcAft>
+                        <a:buClr>
+                          <a:schemeClr val="tx2"/>
+                        </a:buClr>
+                        <a:buSzPct val="75000"/>
+                        <a:buFont typeface="Wingdings" pitchFamily="2" charset="2"/>
+                        <a:buNone/>
+                        <a:tabLst/>
+                      </a:pPr>
+                      <a:r>
+                        <a:rPr kumimoji="0" lang="es-ES" sz="2800" b="0" i="0" u="none" strike="noStrike" cap="none" normalizeH="0" baseline="0" dirty="0" smtClean="0">
+                          <a:ln>
+                            <a:noFill/>
+                          </a:ln>
+                          <a:solidFill>
+                            <a:srgbClr val="9D360E"/>
+                          </a:solidFill>
+                          <a:effectLst>
+                            <a:outerShdw blurRad="38100" dist="38100" dir="2700000" algn="tl">
+                              <a:srgbClr val="000000"/>
+                            </a:outerShdw>
+                          </a:effectLst>
+                          <a:latin typeface="Franklin Gothic Medium" pitchFamily="34" charset="0"/>
+                        </a:rPr>
+                        <a:t>Accesible desde cualquier proyecto.</a:t>
+                      </a:r>
+                    </a:p>
+                  </a:txBody>
+                  <a:tcPr marL="90000" marR="90000" marT="46778" marB="46778" horzOverflow="overflow"/>
+                </a:tc>
+              </a:tr>
+              <a:tr h="370840">
+                <a:tc>
+                  <a:txBody>
+                    <a:bodyPr/>
+                    <a:lstStyle/>
+                    <a:p>
+                      <a:pPr marL="0" marR="0" lvl="0" indent="0" algn="l" defTabSz="914400" rtl="0" eaLnBrk="1" fontAlgn="base" latinLnBrk="0" hangingPunct="1">
+                        <a:lnSpc>
+                          <a:spcPct val="90000"/>
+                        </a:lnSpc>
+                        <a:spcBef>
+                          <a:spcPct val="25000"/>
+                        </a:spcBef>
+                        <a:spcAft>
+                          <a:spcPct val="0"/>
+                        </a:spcAft>
+                        <a:buClr>
+                          <a:schemeClr val="tx2"/>
+                        </a:buClr>
+                        <a:buSzPct val="75000"/>
+                        <a:buFont typeface="Wingdings" pitchFamily="2" charset="2"/>
+                        <a:buNone/>
+                        <a:tabLst/>
+                      </a:pPr>
+                      <a:r>
+                        <a:rPr kumimoji="0" lang="es-ES" sz="2800" b="0" i="0" u="none" strike="noStrike" cap="none" normalizeH="0" baseline="0" dirty="0" smtClean="0">
+                          <a:ln>
+                            <a:noFill/>
+                          </a:ln>
+                          <a:solidFill>
+                            <a:srgbClr val="9D360E"/>
+                          </a:solidFill>
+                          <a:effectLst>
+                            <a:outerShdw blurRad="38100" dist="38100" dir="2700000" algn="tl">
+                              <a:srgbClr val="000000"/>
+                            </a:outerShdw>
+                          </a:effectLst>
+                          <a:latin typeface="Franklin Gothic Medium" pitchFamily="34" charset="0"/>
+                        </a:rPr>
+                        <a:t>private  (*)</a:t>
+                      </a:r>
+                    </a:p>
+                  </a:txBody>
+                  <a:tcPr marL="90000" marR="90000" marT="46778" marB="46778" horzOverflow="overflow"/>
+                </a:tc>
+                <a:tc>
+                  <a:txBody>
+                    <a:bodyPr/>
+                    <a:lstStyle/>
+                    <a:p>
+                      <a:pPr marL="0" marR="0" lvl="0" indent="0" algn="l" defTabSz="914400" rtl="0" eaLnBrk="1" fontAlgn="base" latinLnBrk="0" hangingPunct="1">
+                        <a:lnSpc>
+                          <a:spcPct val="90000"/>
+                        </a:lnSpc>
+                        <a:spcBef>
+                          <a:spcPct val="25000"/>
+                        </a:spcBef>
+                        <a:spcAft>
+                          <a:spcPct val="0"/>
+                        </a:spcAft>
+                        <a:buClr>
+                          <a:schemeClr val="tx2"/>
+                        </a:buClr>
+                        <a:buSzPct val="75000"/>
+                        <a:buFont typeface="Wingdings" pitchFamily="2" charset="2"/>
+                        <a:buNone/>
+                        <a:tabLst/>
+                      </a:pPr>
+                      <a:r>
+                        <a:rPr kumimoji="0" lang="es-ES" sz="2800" b="0" i="0" u="none" strike="noStrike" cap="none" normalizeH="0" baseline="0" dirty="0" smtClean="0">
+                          <a:ln>
+                            <a:noFill/>
+                          </a:ln>
+                          <a:solidFill>
+                            <a:srgbClr val="9D360E"/>
+                          </a:solidFill>
+                          <a:effectLst>
+                            <a:outerShdw blurRad="38100" dist="38100" dir="2700000" algn="tl">
+                              <a:srgbClr val="000000"/>
+                            </a:outerShdw>
+                          </a:effectLst>
+                          <a:latin typeface="Franklin Gothic Medium" pitchFamily="34" charset="0"/>
+                        </a:rPr>
+                        <a:t>Accesor por defecto.</a:t>
+                      </a:r>
+                    </a:p>
+                  </a:txBody>
+                  <a:tcPr marL="90000" marR="90000" marT="46778" marB="46778" horzOverflow="overflow"/>
+                </a:tc>
+              </a:tr>
+              <a:tr h="370840">
+                <a:tc>
+                  <a:txBody>
+                    <a:bodyPr/>
+                    <a:lstStyle/>
+                    <a:p>
+                      <a:pPr marL="0" marR="0" lvl="0" indent="0" algn="l" defTabSz="914400" rtl="0" eaLnBrk="1" fontAlgn="base" latinLnBrk="0" hangingPunct="1">
+                        <a:lnSpc>
+                          <a:spcPct val="90000"/>
+                        </a:lnSpc>
+                        <a:spcBef>
+                          <a:spcPct val="25000"/>
+                        </a:spcBef>
+                        <a:spcAft>
+                          <a:spcPct val="0"/>
+                        </a:spcAft>
+                        <a:buClr>
+                          <a:schemeClr val="tx2"/>
+                        </a:buClr>
+                        <a:buSzPct val="75000"/>
+                        <a:buFont typeface="Wingdings" pitchFamily="2" charset="2"/>
+                        <a:buNone/>
+                        <a:tabLst/>
+                      </a:pPr>
+                      <a:r>
+                        <a:rPr kumimoji="0" lang="es-ES" sz="2800" b="0" i="0" u="none" strike="noStrike" cap="none" normalizeH="0" baseline="0" dirty="0" smtClean="0">
+                          <a:ln>
+                            <a:noFill/>
+                          </a:ln>
+                          <a:solidFill>
+                            <a:srgbClr val="9D360E"/>
+                          </a:solidFill>
+                          <a:effectLst>
+                            <a:outerShdw blurRad="38100" dist="38100" dir="2700000" algn="tl">
+                              <a:srgbClr val="000000"/>
+                            </a:outerShdw>
+                          </a:effectLst>
+                          <a:latin typeface="Franklin Gothic Medium" pitchFamily="34" charset="0"/>
+                        </a:rPr>
+                        <a:t>sealed</a:t>
+                      </a:r>
+                    </a:p>
+                  </a:txBody>
+                  <a:tcPr marL="90000" marR="90000" marT="46778" marB="46778" horzOverflow="overflow"/>
+                </a:tc>
+                <a:tc>
+                  <a:txBody>
+                    <a:bodyPr/>
+                    <a:lstStyle/>
+                    <a:p>
+                      <a:pPr marL="0" marR="0" lvl="0" indent="0" algn="l" defTabSz="914400" rtl="0" eaLnBrk="1" fontAlgn="base" latinLnBrk="0" hangingPunct="1">
+                        <a:lnSpc>
+                          <a:spcPct val="90000"/>
+                        </a:lnSpc>
+                        <a:spcBef>
+                          <a:spcPct val="25000"/>
+                        </a:spcBef>
+                        <a:spcAft>
+                          <a:spcPct val="0"/>
+                        </a:spcAft>
+                        <a:buClr>
+                          <a:schemeClr val="tx2"/>
+                        </a:buClr>
+                        <a:buSzPct val="75000"/>
+                        <a:buFont typeface="Wingdings" pitchFamily="2" charset="2"/>
+                        <a:buNone/>
+                        <a:tabLst/>
+                      </a:pPr>
+                      <a:r>
+                        <a:rPr kumimoji="0" lang="es-ES" sz="2800" b="0" i="0" u="none" strike="noStrike" cap="none" normalizeH="0" baseline="0" dirty="0" smtClean="0">
+                          <a:ln>
+                            <a:noFill/>
+                          </a:ln>
+                          <a:solidFill>
+                            <a:srgbClr val="9D360E"/>
+                          </a:solidFill>
+                          <a:effectLst>
+                            <a:outerShdw blurRad="38100" dist="38100" dir="2700000" algn="tl">
+                              <a:srgbClr val="000000"/>
+                            </a:outerShdw>
+                          </a:effectLst>
+                          <a:latin typeface="Franklin Gothic Medium" pitchFamily="34" charset="0"/>
+                        </a:rPr>
+                        <a:t>Indica que la clase no podrá heredar.</a:t>
+                      </a:r>
+                    </a:p>
+                  </a:txBody>
+                  <a:tcPr marL="90000" marR="90000" marT="46778" marB="46778" horzOverflow="overflow"/>
+                </a:tc>
+              </a:tr>
+            </a:tbl>
+          </a:graphicData>
+        </a:graphic>
+      </p:graphicFrame>
+      <p:sp>
+        <p:nvSpPr>
+          <p:cNvPr id="5" name="CuadroTexto 4"/>
+          <p:cNvSpPr txBox="1"/>
+          <p:nvPr/>
+        </p:nvSpPr>
+        <p:spPr>
+          <a:xfrm>
+            <a:off x="680321" y="6226628"/>
+            <a:ext cx="3370090" cy="369332"/>
+          </a:xfrm>
+          <a:prstGeom prst="rect">
+            <a:avLst/>
+          </a:prstGeom>
+          <a:noFill/>
+        </p:spPr>
+        <p:txBody>
+          <a:bodyPr wrap="none" rtlCol="0">
+            <a:spAutoFit/>
+          </a:bodyPr>
+          <a:lstStyle/>
+          <a:p>
+            <a:r>
+              <a:rPr lang="es-ES" dirty="0">
+                <a:effectLst>
+                  <a:outerShdw blurRad="38100" dist="38100" dir="2700000" algn="tl">
+                    <a:srgbClr val="000000"/>
+                  </a:outerShdw>
+                </a:effectLst>
+                <a:latin typeface="Franklin Gothic Medium" pitchFamily="34" charset="0"/>
+              </a:rPr>
+              <a:t>(*): Modificadores de visibilidad</a:t>
+            </a:r>
+            <a:r>
+              <a:rPr lang="es-ES" dirty="0" smtClean="0">
+                <a:effectLst>
+                  <a:outerShdw blurRad="38100" dist="38100" dir="2700000" algn="tl">
+                    <a:srgbClr val="000000"/>
+                  </a:outerShdw>
+                </a:effectLst>
+                <a:latin typeface="Franklin Gothic Medium" pitchFamily="34" charset="0"/>
+              </a:rPr>
+              <a:t>.</a:t>
+            </a:r>
+            <a:endParaRPr lang="es-ES" dirty="0">
+              <a:effectLst>
+                <a:outerShdw blurRad="38100" dist="38100" dir="2700000" algn="tl">
+                  <a:srgbClr val="000000"/>
+                </a:outerShdw>
+              </a:effectLst>
+              <a:latin typeface="Franklin Gothic Medium" pitchFamily="34" charset="0"/>
+            </a:endParaRPr>
+          </a:p>
+        </p:txBody>
+      </p:sp>
+    </p:spTree>
+    <p:extLst>
+      <p:ext uri="{BB962C8B-B14F-4D97-AF65-F5344CB8AC3E}">
+        <p14:creationId xmlns:p14="http://schemas.microsoft.com/office/powerpoint/2010/main" val="4009602160"/>
+      </p:ext>
+    </p:extLst>
+  </p:cSld>
+  <p:clrMapOvr>
+    <a:masterClrMapping/>
+  </p:clrMapOvr>
+  <p:timing>
+    <p:tnLst>
+      <p:par>
+        <p:cTn id="1" dur="indefinite" restart="never" nodeType="tmRoot"/>
+      </p:par>
+    </p:tnLst>
+  </p:timing>
+</p:sld>
+</file>
+
 <file path=ppt/slides/slide2.xml><?xml version="1.0" encoding="utf-8"?>
 <p:sld xmlns:a="http://schemas.openxmlformats.org/drawingml/2006/main" xmlns:r="http://schemas.openxmlformats.org/officeDocument/2006/relationships" xmlns:p="http://schemas.openxmlformats.org/presentationml/2006/main">
   <p:cSld>
@@ -10149,7 +11041,7 @@
           <p:nvPr>
             <p:extLst>
               <p:ext uri="{D42A27DB-BD31-4B8C-83A1-F6EECF244321}">
-                <p14:modId xmlns:p14="http://schemas.microsoft.com/office/powerpoint/2010/main" val="632911383"/>
+                <p14:modId xmlns:p14="http://schemas.microsoft.com/office/powerpoint/2010/main" val="3918250341"/>
               </p:ext>
             </p:extLst>
           </p:nvPr>
@@ -10175,7 +11067,7 @@
                     <a:p>
                       <a:r>
                         <a:rPr lang="es-AR" dirty="0" smtClean="0"/>
-                        <a:t>Transporte</a:t>
+                        <a:t>Figura</a:t>
                       </a:r>
                       <a:endParaRPr lang="es-AR" dirty="0"/>
                     </a:p>
@@ -10190,8 +11082,16 @@
                     <a:lstStyle/>
                     <a:p>
                       <a:r>
+                        <a:rPr lang="es-AR" dirty="0" err="1" smtClean="0"/>
+                        <a:t>area</a:t>
+                      </a:r>
+                      <a:r>
                         <a:rPr lang="es-AR" dirty="0" smtClean="0"/>
-                        <a:t>Acelerar() : </a:t>
+                        <a:t>() </a:t>
+                      </a:r>
+                      <a:r>
+                        <a:rPr lang="es-AR" dirty="0" smtClean="0"/>
+                        <a:t>: </a:t>
                       </a:r>
                       <a:r>
                         <a:rPr lang="es-AR" dirty="0" err="1" smtClean="0"/>
@@ -10210,8 +11110,16 @@
                     <a:lstStyle/>
                     <a:p>
                       <a:r>
+                        <a:rPr lang="es-AR" dirty="0" err="1" smtClean="0"/>
+                        <a:t>perimetro</a:t>
+                      </a:r>
+                      <a:r>
                         <a:rPr lang="es-AR" dirty="0" smtClean="0"/>
-                        <a:t>Frenar() : </a:t>
+                        <a:t>() </a:t>
+                      </a:r>
+                      <a:r>
+                        <a:rPr lang="es-AR" dirty="0" smtClean="0"/>
+                        <a:t>: </a:t>
                       </a:r>
                       <a:r>
                         <a:rPr lang="es-AR" dirty="0" err="1" smtClean="0"/>
@@ -10236,7 +11144,7 @@
           <p:nvPr>
             <p:extLst>
               <p:ext uri="{D42A27DB-BD31-4B8C-83A1-F6EECF244321}">
-                <p14:modId xmlns:p14="http://schemas.microsoft.com/office/powerpoint/2010/main" val="3659977951"/>
+                <p14:modId xmlns:p14="http://schemas.microsoft.com/office/powerpoint/2010/main" val="3281183795"/>
               </p:ext>
             </p:extLst>
           </p:nvPr>
@@ -10262,7 +11170,7 @@
                     <a:p>
                       <a:r>
                         <a:rPr lang="es-AR" dirty="0" smtClean="0"/>
-                        <a:t>Automóvil</a:t>
+                        <a:t>Círculo</a:t>
                       </a:r>
                       <a:endParaRPr lang="es-AR" dirty="0"/>
                     </a:p>
@@ -10362,11 +11270,11 @@
   <p:clrMapOvr>
     <a:masterClrMapping/>
   </p:clrMapOvr>
-  <mc:AlternateContent xmlns:mc="http://schemas.openxmlformats.org/markup-compatibility/2006">
-    <mc:Choice xmlns:p14="http://schemas.microsoft.com/office/powerpoint/2010/main" Requires="p14">
+  <mc:AlternateContent xmlns:mc="http://schemas.openxmlformats.org/markup-compatibility/2006" xmlns:p14="http://schemas.microsoft.com/office/powerpoint/2010/main">
+    <mc:Choice Requires="p14">
       <p:transition p14:dur="0"/>
     </mc:Choice>
-    <mc:Fallback>
+    <mc:Fallback xmlns="">
       <p:transition/>
     </mc:Fallback>
   </mc:AlternateContent>
@@ -10785,7 +11693,12 @@
             <p:ph idx="1"/>
           </p:nvPr>
         </p:nvSpPr>
-        <p:spPr/>
+        <p:spPr>
+          <a:xfrm>
+            <a:off x="680321" y="2173097"/>
+            <a:ext cx="9613861" cy="3599316"/>
+          </a:xfrm>
+        </p:spPr>
         <p:txBody>
           <a:bodyPr/>
           <a:lstStyle/>
@@ -10848,10 +11761,1705 @@
           </a:p>
         </p:txBody>
       </p:sp>
+      <p:graphicFrame>
+        <p:nvGraphicFramePr>
+          <p:cNvPr id="5" name="Tabla 4"/>
+          <p:cNvGraphicFramePr>
+            <a:graphicFrameLocks noGrp="1"/>
+          </p:cNvGraphicFramePr>
+          <p:nvPr>
+            <p:extLst>
+              <p:ext uri="{D42A27DB-BD31-4B8C-83A1-F6EECF244321}">
+                <p14:modId xmlns:p14="http://schemas.microsoft.com/office/powerpoint/2010/main" val="4063217099"/>
+              </p:ext>
+            </p:extLst>
+          </p:nvPr>
+        </p:nvGraphicFramePr>
+        <p:xfrm>
+          <a:off x="4284047" y="4083708"/>
+          <a:ext cx="3081020" cy="1112520"/>
+        </p:xfrm>
+        <a:graphic>
+          <a:graphicData uri="http://schemas.openxmlformats.org/drawingml/2006/table">
+            <a:tbl>
+              <a:tblPr firstRow="1" bandRow="1">
+                <a:tableStyleId>{5C22544A-7EE6-4342-B048-85BDC9FD1C3A}</a:tableStyleId>
+              </a:tblPr>
+              <a:tblGrid>
+                <a:gridCol w="3081020"/>
+              </a:tblGrid>
+              <a:tr h="370840">
+                <a:tc>
+                  <a:txBody>
+                    <a:bodyPr/>
+                    <a:lstStyle/>
+                    <a:p>
+                      <a:r>
+                        <a:rPr lang="es-AR" dirty="0" smtClean="0"/>
+                        <a:t>Figura</a:t>
+                      </a:r>
+                      <a:endParaRPr lang="es-AR" dirty="0"/>
+                    </a:p>
+                  </a:txBody>
+                  <a:tcPr/>
+                </a:tc>
+              </a:tr>
+              <a:tr h="370840">
+                <a:tc>
+                  <a:txBody>
+                    <a:bodyPr/>
+                    <a:lstStyle/>
+                    <a:p>
+                      <a:r>
+                        <a:rPr lang="es-AR" dirty="0" err="1" smtClean="0"/>
+                        <a:t>area</a:t>
+                      </a:r>
+                      <a:r>
+                        <a:rPr lang="es-AR" dirty="0" smtClean="0"/>
+                        <a:t>() : </a:t>
+                      </a:r>
+                      <a:r>
+                        <a:rPr lang="es-AR" dirty="0" err="1" smtClean="0"/>
+                        <a:t>void</a:t>
+                      </a:r>
+                      <a:endParaRPr lang="es-AR" dirty="0"/>
+                    </a:p>
+                  </a:txBody>
+                  <a:tcPr/>
+                </a:tc>
+              </a:tr>
+              <a:tr h="370840">
+                <a:tc>
+                  <a:txBody>
+                    <a:bodyPr/>
+                    <a:lstStyle/>
+                    <a:p>
+                      <a:r>
+                        <a:rPr lang="es-AR" dirty="0" err="1" smtClean="0"/>
+                        <a:t>perimetro</a:t>
+                      </a:r>
+                      <a:r>
+                        <a:rPr lang="es-AR" dirty="0" smtClean="0"/>
+                        <a:t>() : </a:t>
+                      </a:r>
+                      <a:r>
+                        <a:rPr lang="es-AR" dirty="0" err="1" smtClean="0"/>
+                        <a:t>void</a:t>
+                      </a:r>
+                      <a:endParaRPr lang="es-AR" dirty="0"/>
+                    </a:p>
+                  </a:txBody>
+                  <a:tcPr/>
+                </a:tc>
+              </a:tr>
+            </a:tbl>
+          </a:graphicData>
+        </a:graphic>
+      </p:graphicFrame>
+      <p:graphicFrame>
+        <p:nvGraphicFramePr>
+          <p:cNvPr id="6" name="Tabla 5"/>
+          <p:cNvGraphicFramePr>
+            <a:graphicFrameLocks noGrp="1"/>
+          </p:cNvGraphicFramePr>
+          <p:nvPr>
+            <p:extLst>
+              <p:ext uri="{D42A27DB-BD31-4B8C-83A1-F6EECF244321}">
+                <p14:modId xmlns:p14="http://schemas.microsoft.com/office/powerpoint/2010/main" val="239388746"/>
+              </p:ext>
+            </p:extLst>
+          </p:nvPr>
+        </p:nvGraphicFramePr>
+        <p:xfrm>
+          <a:off x="301175" y="4563659"/>
+          <a:ext cx="3081020" cy="1112520"/>
+        </p:xfrm>
+        <a:graphic>
+          <a:graphicData uri="http://schemas.openxmlformats.org/drawingml/2006/table">
+            <a:tbl>
+              <a:tblPr firstRow="1" bandRow="1">
+                <a:tableStyleId>{5C22544A-7EE6-4342-B048-85BDC9FD1C3A}</a:tableStyleId>
+              </a:tblPr>
+              <a:tblGrid>
+                <a:gridCol w="3081020"/>
+              </a:tblGrid>
+              <a:tr h="370840">
+                <a:tc>
+                  <a:txBody>
+                    <a:bodyPr/>
+                    <a:lstStyle/>
+                    <a:p>
+                      <a:r>
+                        <a:rPr lang="es-AR" dirty="0" smtClean="0"/>
+                        <a:t>Círculo</a:t>
+                      </a:r>
+                      <a:endParaRPr lang="es-AR" dirty="0"/>
+                    </a:p>
+                  </a:txBody>
+                  <a:tcPr/>
+                </a:tc>
+              </a:tr>
+              <a:tr h="370840">
+                <a:tc>
+                  <a:txBody>
+                    <a:bodyPr/>
+                    <a:lstStyle/>
+                    <a:p>
+                      <a:r>
+                        <a:rPr lang="es-AR" dirty="0" err="1" smtClean="0"/>
+                        <a:t>area</a:t>
+                      </a:r>
+                      <a:r>
+                        <a:rPr lang="es-AR" dirty="0" smtClean="0"/>
+                        <a:t>() : </a:t>
+                      </a:r>
+                      <a:r>
+                        <a:rPr lang="es-AR" dirty="0" err="1" smtClean="0"/>
+                        <a:t>void</a:t>
+                      </a:r>
+                      <a:endParaRPr lang="es-AR" dirty="0"/>
+                    </a:p>
+                  </a:txBody>
+                  <a:tcPr/>
+                </a:tc>
+              </a:tr>
+              <a:tr h="370840">
+                <a:tc>
+                  <a:txBody>
+                    <a:bodyPr/>
+                    <a:lstStyle/>
+                    <a:p>
+                      <a:r>
+                        <a:rPr lang="es-AR" dirty="0" err="1" smtClean="0"/>
+                        <a:t>perimetro</a:t>
+                      </a:r>
+                      <a:r>
+                        <a:rPr lang="es-AR" dirty="0" smtClean="0"/>
+                        <a:t>() : </a:t>
+                      </a:r>
+                      <a:r>
+                        <a:rPr lang="es-AR" dirty="0" err="1" smtClean="0"/>
+                        <a:t>void</a:t>
+                      </a:r>
+                      <a:endParaRPr lang="es-AR" dirty="0"/>
+                    </a:p>
+                  </a:txBody>
+                  <a:tcPr/>
+                </a:tc>
+              </a:tr>
+            </a:tbl>
+          </a:graphicData>
+        </a:graphic>
+      </p:graphicFrame>
+      <p:graphicFrame>
+        <p:nvGraphicFramePr>
+          <p:cNvPr id="7" name="Tabla 6"/>
+          <p:cNvGraphicFramePr>
+            <a:graphicFrameLocks noGrp="1"/>
+          </p:cNvGraphicFramePr>
+          <p:nvPr>
+            <p:extLst>
+              <p:ext uri="{D42A27DB-BD31-4B8C-83A1-F6EECF244321}">
+                <p14:modId xmlns:p14="http://schemas.microsoft.com/office/powerpoint/2010/main" val="4251432180"/>
+              </p:ext>
+            </p:extLst>
+          </p:nvPr>
+        </p:nvGraphicFramePr>
+        <p:xfrm>
+          <a:off x="8753672" y="4932148"/>
+          <a:ext cx="3081020" cy="1112520"/>
+        </p:xfrm>
+        <a:graphic>
+          <a:graphicData uri="http://schemas.openxmlformats.org/drawingml/2006/table">
+            <a:tbl>
+              <a:tblPr firstRow="1" bandRow="1">
+                <a:tableStyleId>{5C22544A-7EE6-4342-B048-85BDC9FD1C3A}</a:tableStyleId>
+              </a:tblPr>
+              <a:tblGrid>
+                <a:gridCol w="3081020"/>
+              </a:tblGrid>
+              <a:tr h="370840">
+                <a:tc>
+                  <a:txBody>
+                    <a:bodyPr/>
+                    <a:lstStyle/>
+                    <a:p>
+                      <a:r>
+                        <a:rPr lang="es-AR" dirty="0" smtClean="0"/>
+                        <a:t>Cuadrado</a:t>
+                      </a:r>
+                      <a:endParaRPr lang="es-AR" dirty="0"/>
+                    </a:p>
+                  </a:txBody>
+                  <a:tcPr/>
+                </a:tc>
+              </a:tr>
+              <a:tr h="370840">
+                <a:tc>
+                  <a:txBody>
+                    <a:bodyPr/>
+                    <a:lstStyle/>
+                    <a:p>
+                      <a:r>
+                        <a:rPr lang="es-AR" dirty="0" err="1" smtClean="0"/>
+                        <a:t>area</a:t>
+                      </a:r>
+                      <a:r>
+                        <a:rPr lang="es-AR" dirty="0" smtClean="0"/>
+                        <a:t>() : </a:t>
+                      </a:r>
+                      <a:r>
+                        <a:rPr lang="es-AR" dirty="0" err="1" smtClean="0"/>
+                        <a:t>void</a:t>
+                      </a:r>
+                      <a:endParaRPr lang="es-AR" dirty="0"/>
+                    </a:p>
+                  </a:txBody>
+                  <a:tcPr/>
+                </a:tc>
+              </a:tr>
+              <a:tr h="370840">
+                <a:tc>
+                  <a:txBody>
+                    <a:bodyPr/>
+                    <a:lstStyle/>
+                    <a:p>
+                      <a:r>
+                        <a:rPr lang="es-AR" dirty="0" err="1" smtClean="0"/>
+                        <a:t>perimetro</a:t>
+                      </a:r>
+                      <a:r>
+                        <a:rPr lang="es-AR" dirty="0" smtClean="0"/>
+                        <a:t>() : </a:t>
+                      </a:r>
+                      <a:r>
+                        <a:rPr lang="es-AR" dirty="0" err="1" smtClean="0"/>
+                        <a:t>void</a:t>
+                      </a:r>
+                      <a:endParaRPr lang="es-AR" dirty="0"/>
+                    </a:p>
+                  </a:txBody>
+                  <a:tcPr/>
+                </a:tc>
+              </a:tr>
+            </a:tbl>
+          </a:graphicData>
+        </a:graphic>
+      </p:graphicFrame>
+      <p:graphicFrame>
+        <p:nvGraphicFramePr>
+          <p:cNvPr id="8" name="Tabla 7"/>
+          <p:cNvGraphicFramePr>
+            <a:graphicFrameLocks noGrp="1"/>
+          </p:cNvGraphicFramePr>
+          <p:nvPr>
+            <p:extLst>
+              <p:ext uri="{D42A27DB-BD31-4B8C-83A1-F6EECF244321}">
+                <p14:modId xmlns:p14="http://schemas.microsoft.com/office/powerpoint/2010/main" val="41472650"/>
+              </p:ext>
+            </p:extLst>
+          </p:nvPr>
+        </p:nvGraphicFramePr>
+        <p:xfrm>
+          <a:off x="4980083" y="5639558"/>
+          <a:ext cx="3081020" cy="1112520"/>
+        </p:xfrm>
+        <a:graphic>
+          <a:graphicData uri="http://schemas.openxmlformats.org/drawingml/2006/table">
+            <a:tbl>
+              <a:tblPr firstRow="1" bandRow="1">
+                <a:tableStyleId>{5C22544A-7EE6-4342-B048-85BDC9FD1C3A}</a:tableStyleId>
+              </a:tblPr>
+              <a:tblGrid>
+                <a:gridCol w="3081020"/>
+              </a:tblGrid>
+              <a:tr h="370840">
+                <a:tc>
+                  <a:txBody>
+                    <a:bodyPr/>
+                    <a:lstStyle/>
+                    <a:p>
+                      <a:r>
+                        <a:rPr lang="es-AR" dirty="0" smtClean="0"/>
+                        <a:t>Triangulo</a:t>
+                      </a:r>
+                      <a:endParaRPr lang="es-AR" dirty="0"/>
+                    </a:p>
+                  </a:txBody>
+                  <a:tcPr/>
+                </a:tc>
+              </a:tr>
+              <a:tr h="370840">
+                <a:tc>
+                  <a:txBody>
+                    <a:bodyPr/>
+                    <a:lstStyle/>
+                    <a:p>
+                      <a:r>
+                        <a:rPr lang="es-AR" dirty="0" err="1" smtClean="0"/>
+                        <a:t>area</a:t>
+                      </a:r>
+                      <a:r>
+                        <a:rPr lang="es-AR" dirty="0" smtClean="0"/>
+                        <a:t>() : </a:t>
+                      </a:r>
+                      <a:r>
+                        <a:rPr lang="es-AR" dirty="0" err="1" smtClean="0"/>
+                        <a:t>void</a:t>
+                      </a:r>
+                      <a:endParaRPr lang="es-AR" dirty="0"/>
+                    </a:p>
+                  </a:txBody>
+                  <a:tcPr/>
+                </a:tc>
+              </a:tr>
+              <a:tr h="370840">
+                <a:tc>
+                  <a:txBody>
+                    <a:bodyPr/>
+                    <a:lstStyle/>
+                    <a:p>
+                      <a:r>
+                        <a:rPr lang="es-AR" dirty="0" err="1" smtClean="0"/>
+                        <a:t>perimetro</a:t>
+                      </a:r>
+                      <a:r>
+                        <a:rPr lang="es-AR" dirty="0" smtClean="0"/>
+                        <a:t>() : </a:t>
+                      </a:r>
+                      <a:r>
+                        <a:rPr lang="es-AR" dirty="0" err="1" smtClean="0"/>
+                        <a:t>void</a:t>
+                      </a:r>
+                      <a:endParaRPr lang="es-AR" dirty="0"/>
+                    </a:p>
+                  </a:txBody>
+                  <a:tcPr/>
+                </a:tc>
+              </a:tr>
+            </a:tbl>
+          </a:graphicData>
+        </a:graphic>
+      </p:graphicFrame>
+      <p:cxnSp>
+        <p:nvCxnSpPr>
+          <p:cNvPr id="10" name="Conector recto de flecha 9"/>
+          <p:cNvCxnSpPr>
+            <a:stCxn id="7" idx="0"/>
+            <a:endCxn id="5" idx="3"/>
+          </p:cNvCxnSpPr>
+          <p:nvPr/>
+        </p:nvCxnSpPr>
+        <p:spPr>
+          <a:xfrm flipH="1" flipV="1">
+            <a:off x="7365067" y="4639968"/>
+            <a:ext cx="2929115" cy="292180"/>
+          </a:xfrm>
+          <a:prstGeom prst="straightConnector1">
+            <a:avLst/>
+          </a:prstGeom>
+          <a:ln>
+            <a:tailEnd type="triangle"/>
+          </a:ln>
+        </p:spPr>
+        <p:style>
+          <a:lnRef idx="1">
+            <a:schemeClr val="accent1"/>
+          </a:lnRef>
+          <a:fillRef idx="0">
+            <a:schemeClr val="accent1"/>
+          </a:fillRef>
+          <a:effectRef idx="0">
+            <a:schemeClr val="accent1"/>
+          </a:effectRef>
+          <a:fontRef idx="minor">
+            <a:schemeClr val="tx1"/>
+          </a:fontRef>
+        </p:style>
+      </p:cxnSp>
+      <p:cxnSp>
+        <p:nvCxnSpPr>
+          <p:cNvPr id="12" name="Conector recto de flecha 11"/>
+          <p:cNvCxnSpPr>
+            <a:stCxn id="6" idx="3"/>
+            <a:endCxn id="5" idx="1"/>
+          </p:cNvCxnSpPr>
+          <p:nvPr/>
+        </p:nvCxnSpPr>
+        <p:spPr>
+          <a:xfrm flipV="1">
+            <a:off x="3382195" y="4639968"/>
+            <a:ext cx="901852" cy="479951"/>
+          </a:xfrm>
+          <a:prstGeom prst="straightConnector1">
+            <a:avLst/>
+          </a:prstGeom>
+          <a:ln>
+            <a:tailEnd type="triangle"/>
+          </a:ln>
+        </p:spPr>
+        <p:style>
+          <a:lnRef idx="1">
+            <a:schemeClr val="accent1"/>
+          </a:lnRef>
+          <a:fillRef idx="0">
+            <a:schemeClr val="accent1"/>
+          </a:fillRef>
+          <a:effectRef idx="0">
+            <a:schemeClr val="accent1"/>
+          </a:effectRef>
+          <a:fontRef idx="minor">
+            <a:schemeClr val="tx1"/>
+          </a:fontRef>
+        </p:style>
+      </p:cxnSp>
+      <p:cxnSp>
+        <p:nvCxnSpPr>
+          <p:cNvPr id="16" name="Conector recto de flecha 15"/>
+          <p:cNvCxnSpPr>
+            <a:stCxn id="8" idx="0"/>
+            <a:endCxn id="5" idx="2"/>
+          </p:cNvCxnSpPr>
+          <p:nvPr/>
+        </p:nvCxnSpPr>
+        <p:spPr>
+          <a:xfrm flipH="1" flipV="1">
+            <a:off x="5824557" y="5196228"/>
+            <a:ext cx="696036" cy="443330"/>
+          </a:xfrm>
+          <a:prstGeom prst="straightConnector1">
+            <a:avLst/>
+          </a:prstGeom>
+          <a:ln>
+            <a:tailEnd type="triangle"/>
+          </a:ln>
+        </p:spPr>
+        <p:style>
+          <a:lnRef idx="1">
+            <a:schemeClr val="accent1"/>
+          </a:lnRef>
+          <a:fillRef idx="0">
+            <a:schemeClr val="accent1"/>
+          </a:fillRef>
+          <a:effectRef idx="0">
+            <a:schemeClr val="accent1"/>
+          </a:effectRef>
+          <a:fontRef idx="minor">
+            <a:schemeClr val="tx1"/>
+          </a:fontRef>
+        </p:style>
+      </p:cxnSp>
     </p:spTree>
     <p:extLst>
       <p:ext uri="{BB962C8B-B14F-4D97-AF65-F5344CB8AC3E}">
         <p14:creationId xmlns:p14="http://schemas.microsoft.com/office/powerpoint/2010/main" val="3664737648"/>
+      </p:ext>
+    </p:extLst>
+  </p:cSld>
+  <p:clrMapOvr>
+    <a:masterClrMapping/>
+  </p:clrMapOvr>
+  <p:timing>
+    <p:tnLst>
+      <p:par>
+        <p:cTn id="1" dur="indefinite" restart="never" nodeType="tmRoot">
+          <p:childTnLst>
+            <p:seq concurrent="1" nextAc="seek">
+              <p:cTn id="2" dur="indefinite" nodeType="mainSeq">
+                <p:childTnLst>
+                  <p:par>
+                    <p:cTn id="3" fill="hold">
+                      <p:stCondLst>
+                        <p:cond delay="indefinite"/>
+                      </p:stCondLst>
+                      <p:childTnLst>
+                        <p:par>
+                          <p:cTn id="4" fill="hold">
+                            <p:stCondLst>
+                              <p:cond delay="0"/>
+                            </p:stCondLst>
+                            <p:childTnLst>
+                              <p:par>
+                                <p:cTn id="5" presetID="1" presetClass="entr" presetSubtype="0" fill="hold" nodeType="clickEffect">
+                                  <p:stCondLst>
+                                    <p:cond delay="0"/>
+                                  </p:stCondLst>
+                                  <p:childTnLst>
+                                    <p:set>
+                                      <p:cBhvr>
+                                        <p:cTn id="6" dur="1" fill="hold">
+                                          <p:stCondLst>
+                                            <p:cond delay="0"/>
+                                          </p:stCondLst>
+                                        </p:cTn>
+                                        <p:tgtEl>
+                                          <p:spTgt spid="5"/>
+                                        </p:tgtEl>
+                                        <p:attrNameLst>
+                                          <p:attrName>style.visibility</p:attrName>
+                                        </p:attrNameLst>
+                                      </p:cBhvr>
+                                      <p:to>
+                                        <p:strVal val="visible"/>
+                                      </p:to>
+                                    </p:set>
+                                  </p:childTnLst>
+                                </p:cTn>
+                              </p:par>
+                            </p:childTnLst>
+                          </p:cTn>
+                        </p:par>
+                      </p:childTnLst>
+                    </p:cTn>
+                  </p:par>
+                  <p:par>
+                    <p:cTn id="7" fill="hold">
+                      <p:stCondLst>
+                        <p:cond delay="indefinite"/>
+                      </p:stCondLst>
+                      <p:childTnLst>
+                        <p:par>
+                          <p:cTn id="8" fill="hold">
+                            <p:stCondLst>
+                              <p:cond delay="0"/>
+                            </p:stCondLst>
+                            <p:childTnLst>
+                              <p:par>
+                                <p:cTn id="9" presetID="1" presetClass="entr" presetSubtype="0" fill="hold" nodeType="clickEffect">
+                                  <p:stCondLst>
+                                    <p:cond delay="0"/>
+                                  </p:stCondLst>
+                                  <p:childTnLst>
+                                    <p:set>
+                                      <p:cBhvr>
+                                        <p:cTn id="10" dur="1" fill="hold">
+                                          <p:stCondLst>
+                                            <p:cond delay="0"/>
+                                          </p:stCondLst>
+                                        </p:cTn>
+                                        <p:tgtEl>
+                                          <p:spTgt spid="6"/>
+                                        </p:tgtEl>
+                                        <p:attrNameLst>
+                                          <p:attrName>style.visibility</p:attrName>
+                                        </p:attrNameLst>
+                                      </p:cBhvr>
+                                      <p:to>
+                                        <p:strVal val="visible"/>
+                                      </p:to>
+                                    </p:set>
+                                  </p:childTnLst>
+                                </p:cTn>
+                              </p:par>
+                              <p:par>
+                                <p:cTn id="11" presetID="1" presetClass="entr" presetSubtype="0" fill="hold" nodeType="withEffect">
+                                  <p:stCondLst>
+                                    <p:cond delay="0"/>
+                                  </p:stCondLst>
+                                  <p:childTnLst>
+                                    <p:set>
+                                      <p:cBhvr>
+                                        <p:cTn id="12" dur="1" fill="hold">
+                                          <p:stCondLst>
+                                            <p:cond delay="0"/>
+                                          </p:stCondLst>
+                                        </p:cTn>
+                                        <p:tgtEl>
+                                          <p:spTgt spid="7"/>
+                                        </p:tgtEl>
+                                        <p:attrNameLst>
+                                          <p:attrName>style.visibility</p:attrName>
+                                        </p:attrNameLst>
+                                      </p:cBhvr>
+                                      <p:to>
+                                        <p:strVal val="visible"/>
+                                      </p:to>
+                                    </p:set>
+                                  </p:childTnLst>
+                                </p:cTn>
+                              </p:par>
+                              <p:par>
+                                <p:cTn id="13" presetID="1" presetClass="entr" presetSubtype="0" fill="hold" nodeType="withEffect">
+                                  <p:stCondLst>
+                                    <p:cond delay="0"/>
+                                  </p:stCondLst>
+                                  <p:childTnLst>
+                                    <p:set>
+                                      <p:cBhvr>
+                                        <p:cTn id="14" dur="1" fill="hold">
+                                          <p:stCondLst>
+                                            <p:cond delay="0"/>
+                                          </p:stCondLst>
+                                        </p:cTn>
+                                        <p:tgtEl>
+                                          <p:spTgt spid="8"/>
+                                        </p:tgtEl>
+                                        <p:attrNameLst>
+                                          <p:attrName>style.visibility</p:attrName>
+                                        </p:attrNameLst>
+                                      </p:cBhvr>
+                                      <p:to>
+                                        <p:strVal val="visible"/>
+                                      </p:to>
+                                    </p:set>
+                                  </p:childTnLst>
+                                </p:cTn>
+                              </p:par>
+                              <p:par>
+                                <p:cTn id="15" presetID="1" presetClass="entr" presetSubtype="0" fill="hold" nodeType="withEffect">
+                                  <p:stCondLst>
+                                    <p:cond delay="0"/>
+                                  </p:stCondLst>
+                                  <p:childTnLst>
+                                    <p:set>
+                                      <p:cBhvr>
+                                        <p:cTn id="16" dur="1" fill="hold">
+                                          <p:stCondLst>
+                                            <p:cond delay="0"/>
+                                          </p:stCondLst>
+                                        </p:cTn>
+                                        <p:tgtEl>
+                                          <p:spTgt spid="10"/>
+                                        </p:tgtEl>
+                                        <p:attrNameLst>
+                                          <p:attrName>style.visibility</p:attrName>
+                                        </p:attrNameLst>
+                                      </p:cBhvr>
+                                      <p:to>
+                                        <p:strVal val="visible"/>
+                                      </p:to>
+                                    </p:set>
+                                  </p:childTnLst>
+                                </p:cTn>
+                              </p:par>
+                              <p:par>
+                                <p:cTn id="17" presetID="1" presetClass="entr" presetSubtype="0" fill="hold" nodeType="withEffect">
+                                  <p:stCondLst>
+                                    <p:cond delay="0"/>
+                                  </p:stCondLst>
+                                  <p:childTnLst>
+                                    <p:set>
+                                      <p:cBhvr>
+                                        <p:cTn id="18" dur="1" fill="hold">
+                                          <p:stCondLst>
+                                            <p:cond delay="0"/>
+                                          </p:stCondLst>
+                                        </p:cTn>
+                                        <p:tgtEl>
+                                          <p:spTgt spid="12"/>
+                                        </p:tgtEl>
+                                        <p:attrNameLst>
+                                          <p:attrName>style.visibility</p:attrName>
+                                        </p:attrNameLst>
+                                      </p:cBhvr>
+                                      <p:to>
+                                        <p:strVal val="visible"/>
+                                      </p:to>
+                                    </p:set>
+                                  </p:childTnLst>
+                                </p:cTn>
+                              </p:par>
+                              <p:par>
+                                <p:cTn id="19" presetID="1" presetClass="entr" presetSubtype="0" fill="hold" nodeType="withEffect">
+                                  <p:stCondLst>
+                                    <p:cond delay="0"/>
+                                  </p:stCondLst>
+                                  <p:childTnLst>
+                                    <p:set>
+                                      <p:cBhvr>
+                                        <p:cTn id="20" dur="1" fill="hold">
+                                          <p:stCondLst>
+                                            <p:cond delay="0"/>
+                                          </p:stCondLst>
+                                        </p:cTn>
+                                        <p:tgtEl>
+                                          <p:spTgt spid="16"/>
+                                        </p:tgtEl>
+                                        <p:attrNameLst>
+                                          <p:attrName>style.visibility</p:attrName>
+                                        </p:attrNameLst>
+                                      </p:cBhvr>
+                                      <p:to>
+                                        <p:strVal val="visible"/>
+                                      </p:to>
+                                    </p:set>
+                                  </p:childTnLst>
+                                </p:cTn>
+                              </p:par>
+                            </p:childTnLst>
+                          </p:cTn>
+                        </p:par>
+                      </p:childTnLst>
+                    </p:cTn>
+                  </p:par>
+                </p:childTnLst>
+              </p:cTn>
+              <p:prevCondLst>
+                <p:cond evt="onPrev" delay="0">
+                  <p:tgtEl>
+                    <p:sldTgt/>
+                  </p:tgtEl>
+                </p:cond>
+              </p:prevCondLst>
+              <p:nextCondLst>
+                <p:cond evt="onNext" delay="0">
+                  <p:tgtEl>
+                    <p:sldTgt/>
+                  </p:tgtEl>
+                </p:cond>
+              </p:nextCondLst>
+            </p:seq>
+          </p:childTnLst>
+        </p:cTn>
+      </p:par>
+    </p:tnLst>
+  </p:timing>
+</p:sld>
+</file>
+
+<file path=ppt/slides/slide8.xml><?xml version="1.0" encoding="utf-8"?>
+<p:sld xmlns:a="http://schemas.openxmlformats.org/drawingml/2006/main" xmlns:r="http://schemas.openxmlformats.org/officeDocument/2006/relationships" xmlns:p="http://schemas.openxmlformats.org/presentationml/2006/main">
+  <p:cSld>
+    <p:spTree>
+      <p:nvGrpSpPr>
+        <p:cNvPr id="1" name=""/>
+        <p:cNvGrpSpPr/>
+        <p:nvPr/>
+      </p:nvGrpSpPr>
+      <p:grpSpPr>
+        <a:xfrm>
+          <a:off x="0" y="0"/>
+          <a:ext cx="0" cy="0"/>
+          <a:chOff x="0" y="0"/>
+          <a:chExt cx="0" cy="0"/>
+        </a:xfrm>
+      </p:grpSpPr>
+      <p:sp>
+        <p:nvSpPr>
+          <p:cNvPr id="2" name="Título 1"/>
+          <p:cNvSpPr>
+            <a:spLocks noGrp="1"/>
+          </p:cNvSpPr>
+          <p:nvPr>
+            <p:ph type="title"/>
+          </p:nvPr>
+        </p:nvSpPr>
+        <p:spPr/>
+        <p:txBody>
+          <a:bodyPr/>
+          <a:lstStyle/>
+          <a:p>
+            <a:r>
+              <a:rPr lang="es-ES" dirty="0"/>
+              <a:t>¿Qué es una clase?</a:t>
+            </a:r>
+            <a:endParaRPr lang="es-AR" dirty="0"/>
+          </a:p>
+        </p:txBody>
+      </p:sp>
+      <p:sp>
+        <p:nvSpPr>
+          <p:cNvPr id="3" name="Marcador de contenido 2"/>
+          <p:cNvSpPr>
+            <a:spLocks noGrp="1"/>
+          </p:cNvSpPr>
+          <p:nvPr>
+            <p:ph idx="1"/>
+          </p:nvPr>
+        </p:nvSpPr>
+        <p:spPr/>
+        <p:txBody>
+          <a:bodyPr>
+            <a:noAutofit/>
+          </a:bodyPr>
+          <a:lstStyle/>
+          <a:p>
+            <a:pPr>
+              <a:defRPr/>
+            </a:pPr>
+            <a:r>
+              <a:rPr lang="es-AR" sz="2800" dirty="0">
+                <a:effectLst>
+                  <a:outerShdw blurRad="38100" dist="38100" dir="2700000" algn="tl">
+                    <a:srgbClr val="000000">
+                      <a:alpha val="43137"/>
+                    </a:srgbClr>
+                  </a:outerShdw>
+                </a:effectLst>
+                <a:latin typeface="Franklin Gothic Medium" panose="020B0603020102020204" pitchFamily="34" charset="0"/>
+              </a:rPr>
+              <a:t>Una clase </a:t>
+            </a:r>
+            <a:r>
+              <a:rPr lang="es-AR" sz="2800" dirty="0">
+                <a:effectLst>
+                  <a:outerShdw blurRad="38100" dist="38100" dir="2700000" algn="tl">
+                    <a:srgbClr val="000000">
+                      <a:alpha val="43137"/>
+                    </a:srgbClr>
+                  </a:outerShdw>
+                </a:effectLst>
+                <a:latin typeface="Franklin Gothic Medium" panose="020B0603020102020204" pitchFamily="34" charset="0"/>
+                <a:sym typeface="Wingdings" pitchFamily="2" charset="2"/>
+              </a:rPr>
+              <a:t>es una Clasificación.</a:t>
+            </a:r>
+          </a:p>
+          <a:p>
+            <a:pPr>
+              <a:defRPr/>
+            </a:pPr>
+            <a:endParaRPr lang="es-AR" sz="2800" dirty="0">
+              <a:effectLst>
+                <a:outerShdw blurRad="38100" dist="38100" dir="2700000" algn="tl">
+                  <a:srgbClr val="000000">
+                    <a:alpha val="43137"/>
+                  </a:srgbClr>
+                </a:outerShdw>
+              </a:effectLst>
+              <a:latin typeface="Franklin Gothic Medium" panose="020B0603020102020204" pitchFamily="34" charset="0"/>
+              <a:sym typeface="Wingdings" pitchFamily="2" charset="2"/>
+            </a:endParaRPr>
+          </a:p>
+          <a:p>
+            <a:pPr>
+              <a:defRPr/>
+            </a:pPr>
+            <a:r>
+              <a:rPr lang="es-AR" sz="2800" dirty="0">
+                <a:effectLst>
+                  <a:outerShdw blurRad="38100" dist="38100" dir="2700000" algn="tl">
+                    <a:srgbClr val="000000">
+                      <a:alpha val="43137"/>
+                    </a:srgbClr>
+                  </a:outerShdw>
+                </a:effectLst>
+                <a:latin typeface="Franklin Gothic Medium" panose="020B0603020102020204" pitchFamily="34" charset="0"/>
+                <a:sym typeface="Wingdings" pitchFamily="2" charset="2"/>
+              </a:rPr>
+              <a:t>Clasificamos en base a comportamientos y atributos comunes.</a:t>
+            </a:r>
+          </a:p>
+          <a:p>
+            <a:pPr>
+              <a:defRPr/>
+            </a:pPr>
+            <a:endParaRPr lang="es-AR" sz="2800" dirty="0">
+              <a:effectLst>
+                <a:outerShdw blurRad="38100" dist="38100" dir="2700000" algn="tl">
+                  <a:srgbClr val="000000">
+                    <a:alpha val="43137"/>
+                  </a:srgbClr>
+                </a:outerShdw>
+              </a:effectLst>
+              <a:latin typeface="Franklin Gothic Medium" panose="020B0603020102020204" pitchFamily="34" charset="0"/>
+              <a:sym typeface="Wingdings" pitchFamily="2" charset="2"/>
+            </a:endParaRPr>
+          </a:p>
+          <a:p>
+            <a:pPr>
+              <a:defRPr/>
+            </a:pPr>
+            <a:r>
+              <a:rPr lang="es-AR" sz="2800" dirty="0">
+                <a:effectLst>
+                  <a:outerShdw blurRad="38100" dist="38100" dir="2700000" algn="tl">
+                    <a:srgbClr val="000000">
+                      <a:alpha val="43137"/>
+                    </a:srgbClr>
+                  </a:outerShdw>
+                </a:effectLst>
+                <a:latin typeface="Franklin Gothic Medium" panose="020B0603020102020204" pitchFamily="34" charset="0"/>
+                <a:sym typeface="Wingdings" pitchFamily="2" charset="2"/>
+              </a:rPr>
+              <a:t>A partir de la clasificación se crea un vocabulario.</a:t>
+            </a:r>
+          </a:p>
+          <a:p>
+            <a:pPr>
+              <a:defRPr/>
+            </a:pPr>
+            <a:endParaRPr lang="es-ES" sz="2800" dirty="0">
+              <a:effectLst>
+                <a:outerShdw blurRad="38100" dist="38100" dir="2700000" algn="tl">
+                  <a:srgbClr val="000000">
+                    <a:alpha val="43137"/>
+                  </a:srgbClr>
+                </a:outerShdw>
+              </a:effectLst>
+              <a:latin typeface="Franklin Gothic Medium" panose="020B0603020102020204" pitchFamily="34" charset="0"/>
+              <a:sym typeface="Wingdings" pitchFamily="2" charset="2"/>
+            </a:endParaRPr>
+          </a:p>
+          <a:p>
+            <a:pPr>
+              <a:defRPr/>
+            </a:pPr>
+            <a:r>
+              <a:rPr lang="es-ES" sz="2800" dirty="0">
+                <a:effectLst>
+                  <a:outerShdw blurRad="38100" dist="38100" dir="2700000" algn="tl">
+                    <a:srgbClr val="000000">
+                      <a:alpha val="43137"/>
+                    </a:srgbClr>
+                  </a:outerShdw>
+                </a:effectLst>
+                <a:latin typeface="Franklin Gothic Medium" panose="020B0603020102020204" pitchFamily="34" charset="0"/>
+                <a:sym typeface="Wingdings" pitchFamily="2" charset="2"/>
+              </a:rPr>
+              <a:t>Es una abstracción de un objeto</a:t>
+            </a:r>
+            <a:r>
+              <a:rPr lang="es-ES" sz="2800" dirty="0" smtClean="0">
+                <a:effectLst>
+                  <a:outerShdw blurRad="38100" dist="38100" dir="2700000" algn="tl">
+                    <a:srgbClr val="000000">
+                      <a:alpha val="43137"/>
+                    </a:srgbClr>
+                  </a:outerShdw>
+                </a:effectLst>
+                <a:latin typeface="Franklin Gothic Medium" panose="020B0603020102020204" pitchFamily="34" charset="0"/>
+                <a:sym typeface="Wingdings" pitchFamily="2" charset="2"/>
+              </a:rPr>
+              <a:t>.</a:t>
+            </a:r>
+            <a:endParaRPr lang="es-AR" sz="2800" dirty="0">
+              <a:effectLst>
+                <a:outerShdw blurRad="38100" dist="38100" dir="2700000" algn="tl">
+                  <a:srgbClr val="000000">
+                    <a:alpha val="43137"/>
+                  </a:srgbClr>
+                </a:outerShdw>
+              </a:effectLst>
+              <a:latin typeface="Franklin Gothic Medium" panose="020B0603020102020204" pitchFamily="34" charset="0"/>
+              <a:sym typeface="Wingdings" pitchFamily="2" charset="2"/>
+            </a:endParaRPr>
+          </a:p>
+        </p:txBody>
+      </p:sp>
+    </p:spTree>
+    <p:extLst>
+      <p:ext uri="{BB962C8B-B14F-4D97-AF65-F5344CB8AC3E}">
+        <p14:creationId xmlns:p14="http://schemas.microsoft.com/office/powerpoint/2010/main" val="2410986986"/>
+      </p:ext>
+    </p:extLst>
+  </p:cSld>
+  <p:clrMapOvr>
+    <a:masterClrMapping/>
+  </p:clrMapOvr>
+  <p:timing>
+    <p:tnLst>
+      <p:par>
+        <p:cTn id="1" dur="indefinite" restart="never" nodeType="tmRoot"/>
+      </p:par>
+    </p:tnLst>
+  </p:timing>
+</p:sld>
+</file>
+
+<file path=ppt/slides/slide9.xml><?xml version="1.0" encoding="utf-8"?>
+<p:sld xmlns:a="http://schemas.openxmlformats.org/drawingml/2006/main" xmlns:r="http://schemas.openxmlformats.org/officeDocument/2006/relationships" xmlns:p="http://schemas.openxmlformats.org/presentationml/2006/main">
+  <p:cSld>
+    <p:spTree>
+      <p:nvGrpSpPr>
+        <p:cNvPr id="1" name=""/>
+        <p:cNvGrpSpPr/>
+        <p:nvPr/>
+      </p:nvGrpSpPr>
+      <p:grpSpPr>
+        <a:xfrm>
+          <a:off x="0" y="0"/>
+          <a:ext cx="0" cy="0"/>
+          <a:chOff x="0" y="0"/>
+          <a:chExt cx="0" cy="0"/>
+        </a:xfrm>
+      </p:grpSpPr>
+      <p:sp>
+        <p:nvSpPr>
+          <p:cNvPr id="2" name="Título 1"/>
+          <p:cNvSpPr>
+            <a:spLocks noGrp="1"/>
+          </p:cNvSpPr>
+          <p:nvPr>
+            <p:ph type="title"/>
+          </p:nvPr>
+        </p:nvSpPr>
+        <p:spPr/>
+        <p:txBody>
+          <a:bodyPr/>
+          <a:lstStyle/>
+          <a:p>
+            <a:r>
+              <a:rPr lang="es-AR" dirty="0" smtClean="0"/>
+              <a:t>Sintaxis</a:t>
+            </a:r>
+            <a:endParaRPr lang="es-AR" dirty="0"/>
+          </a:p>
+        </p:txBody>
+      </p:sp>
+      <p:sp>
+        <p:nvSpPr>
+          <p:cNvPr id="3" name="Marcador de contenido 2"/>
+          <p:cNvSpPr>
+            <a:spLocks noGrp="1"/>
+          </p:cNvSpPr>
+          <p:nvPr>
+            <p:ph idx="1"/>
+          </p:nvPr>
+        </p:nvSpPr>
+        <p:spPr>
+          <a:xfrm>
+            <a:off x="680321" y="3497939"/>
+            <a:ext cx="9613861" cy="3338132"/>
+          </a:xfrm>
+        </p:spPr>
+        <p:txBody>
+          <a:bodyPr>
+            <a:normAutofit lnSpcReduction="10000"/>
+          </a:bodyPr>
+          <a:lstStyle/>
+          <a:p>
+            <a:pPr>
+              <a:lnSpc>
+                <a:spcPct val="80000"/>
+              </a:lnSpc>
+              <a:defRPr/>
+            </a:pPr>
+            <a:r>
+              <a:rPr lang="es-ES" sz="2800" b="1" dirty="0">
+                <a:effectLst>
+                  <a:outerShdw blurRad="38100" dist="38100" dir="2700000" algn="tl">
+                    <a:srgbClr val="000000">
+                      <a:alpha val="43137"/>
+                    </a:srgbClr>
+                  </a:outerShdw>
+                </a:effectLst>
+                <a:latin typeface="Franklin Gothic Medium" panose="020B0603020102020204" pitchFamily="34" charset="0"/>
+              </a:rPr>
+              <a:t>modificador</a:t>
+            </a:r>
+            <a:r>
+              <a:rPr lang="es-ES" sz="2800" dirty="0">
+                <a:effectLst>
+                  <a:outerShdw blurRad="38100" dist="38100" dir="2700000" algn="tl">
+                    <a:srgbClr val="000000">
+                      <a:alpha val="43137"/>
+                    </a:srgbClr>
+                  </a:outerShdw>
+                </a:effectLst>
+                <a:latin typeface="Franklin Gothic Medium" panose="020B0603020102020204" pitchFamily="34" charset="0"/>
+              </a:rPr>
+              <a:t>: Determina la accesibilidad que tendrán sobre ella otras clases.</a:t>
+            </a:r>
+          </a:p>
+          <a:p>
+            <a:pPr>
+              <a:lnSpc>
+                <a:spcPct val="80000"/>
+              </a:lnSpc>
+              <a:defRPr/>
+            </a:pPr>
+            <a:r>
+              <a:rPr lang="es-ES" sz="2800" b="1" dirty="0" err="1">
+                <a:effectLst>
+                  <a:outerShdw blurRad="38100" dist="38100" dir="2700000" algn="tl">
+                    <a:srgbClr val="000000">
+                      <a:alpha val="43137"/>
+                    </a:srgbClr>
+                  </a:outerShdw>
+                </a:effectLst>
+                <a:latin typeface="Franklin Gothic Medium" panose="020B0603020102020204" pitchFamily="34" charset="0"/>
+              </a:rPr>
+              <a:t>class</a:t>
+            </a:r>
+            <a:r>
+              <a:rPr lang="es-ES" sz="2800" dirty="0">
+                <a:effectLst>
+                  <a:outerShdw blurRad="38100" dist="38100" dir="2700000" algn="tl">
+                    <a:srgbClr val="000000">
+                      <a:alpha val="43137"/>
+                    </a:srgbClr>
+                  </a:outerShdw>
+                </a:effectLst>
+                <a:latin typeface="Franklin Gothic Medium" panose="020B0603020102020204" pitchFamily="34" charset="0"/>
+              </a:rPr>
+              <a:t>: Es una palabra reservada que le indica al compilador que el siguiente código es una clase. </a:t>
+            </a:r>
+          </a:p>
+          <a:p>
+            <a:pPr>
+              <a:lnSpc>
+                <a:spcPct val="80000"/>
+              </a:lnSpc>
+              <a:defRPr/>
+            </a:pPr>
+            <a:r>
+              <a:rPr lang="es-ES" sz="2800" b="1" dirty="0">
+                <a:effectLst>
+                  <a:outerShdw blurRad="38100" dist="38100" dir="2700000" algn="tl">
+                    <a:srgbClr val="000000">
+                      <a:alpha val="43137"/>
+                    </a:srgbClr>
+                  </a:outerShdw>
+                </a:effectLst>
+                <a:latin typeface="Franklin Gothic Medium" panose="020B0603020102020204" pitchFamily="34" charset="0"/>
+              </a:rPr>
+              <a:t>Identificador</a:t>
+            </a:r>
+            <a:r>
+              <a:rPr lang="es-ES" sz="2800" dirty="0">
+                <a:effectLst>
+                  <a:outerShdw blurRad="38100" dist="38100" dir="2700000" algn="tl">
+                    <a:srgbClr val="000000">
+                      <a:alpha val="43137"/>
+                    </a:srgbClr>
+                  </a:outerShdw>
+                </a:effectLst>
+                <a:latin typeface="Franklin Gothic Medium" panose="020B0603020102020204" pitchFamily="34" charset="0"/>
+              </a:rPr>
+              <a:t>: Indica el nombre de la clase.</a:t>
+            </a:r>
+          </a:p>
+          <a:p>
+            <a:pPr lvl="1">
+              <a:lnSpc>
+                <a:spcPct val="80000"/>
+              </a:lnSpc>
+              <a:defRPr/>
+            </a:pPr>
+            <a:r>
+              <a:rPr lang="es-ES" sz="2400" dirty="0">
+                <a:effectLst>
+                  <a:outerShdw blurRad="38100" dist="38100" dir="2700000" algn="tl">
+                    <a:srgbClr val="000000">
+                      <a:alpha val="43137"/>
+                    </a:srgbClr>
+                  </a:outerShdw>
+                </a:effectLst>
+                <a:latin typeface="Franklin Gothic Medium" panose="020B0603020102020204" pitchFamily="34" charset="0"/>
+              </a:rPr>
+              <a:t>Los nombres deben ser sustantivos, con la primera letra en mayúscula y el resto en minúscula.</a:t>
+            </a:r>
+          </a:p>
+          <a:p>
+            <a:pPr lvl="1">
+              <a:lnSpc>
+                <a:spcPct val="80000"/>
+              </a:lnSpc>
+              <a:defRPr/>
+            </a:pPr>
+            <a:r>
+              <a:rPr lang="es-ES" sz="2400" dirty="0">
+                <a:effectLst>
+                  <a:outerShdw blurRad="38100" dist="38100" dir="2700000" algn="tl">
+                    <a:srgbClr val="000000">
+                      <a:alpha val="43137"/>
+                    </a:srgbClr>
+                  </a:outerShdw>
+                </a:effectLst>
+                <a:latin typeface="Franklin Gothic Medium" panose="020B0603020102020204" pitchFamily="34" charset="0"/>
+              </a:rPr>
+              <a:t>Si el nombre es compuesto, las primeras letras de cada palabra en mayúsculas, las demás en minúsculas.  </a:t>
+            </a:r>
+          </a:p>
+          <a:p>
+            <a:pPr lvl="1">
+              <a:lnSpc>
+                <a:spcPct val="80000"/>
+              </a:lnSpc>
+              <a:buNone/>
+              <a:defRPr/>
+            </a:pPr>
+            <a:r>
+              <a:rPr lang="es-ES" sz="2400" dirty="0">
+                <a:effectLst>
+                  <a:outerShdw blurRad="38100" dist="38100" dir="2700000" algn="tl">
+                    <a:srgbClr val="000000">
+                      <a:alpha val="43137"/>
+                    </a:srgbClr>
+                  </a:outerShdw>
+                </a:effectLst>
+                <a:latin typeface="Franklin Gothic Medium" panose="020B0603020102020204" pitchFamily="34" charset="0"/>
+              </a:rPr>
+              <a:t>	Ejemplo: </a:t>
+            </a:r>
+            <a:r>
+              <a:rPr lang="es-ES" sz="2400" dirty="0" err="1" smtClean="0">
+                <a:effectLst>
+                  <a:outerShdw blurRad="38100" dist="38100" dir="2700000" algn="tl">
+                    <a:srgbClr val="000000">
+                      <a:alpha val="43137"/>
+                    </a:srgbClr>
+                  </a:outerShdw>
+                </a:effectLst>
+                <a:latin typeface="Franklin Gothic Medium" panose="020B0603020102020204" pitchFamily="34" charset="0"/>
+              </a:rPr>
+              <a:t>MiClase</a:t>
+            </a:r>
+            <a:endParaRPr lang="es-ES" sz="2400" dirty="0">
+              <a:effectLst>
+                <a:outerShdw blurRad="38100" dist="38100" dir="2700000" algn="tl">
+                  <a:srgbClr val="000000">
+                    <a:alpha val="43137"/>
+                  </a:srgbClr>
+                </a:outerShdw>
+              </a:effectLst>
+              <a:latin typeface="Franklin Gothic Medium" panose="020B0603020102020204" pitchFamily="34" charset="0"/>
+            </a:endParaRPr>
+          </a:p>
+        </p:txBody>
+      </p:sp>
+      <p:sp>
+        <p:nvSpPr>
+          <p:cNvPr id="4" name="Google Shape;408;p22"/>
+          <p:cNvSpPr txBox="1">
+            <a:spLocks/>
+          </p:cNvSpPr>
+          <p:nvPr/>
+        </p:nvSpPr>
+        <p:spPr>
+          <a:xfrm>
+            <a:off x="680321" y="2059800"/>
+            <a:ext cx="10588693" cy="1336541"/>
+          </a:xfrm>
+          <a:prstGeom prst="rect">
+            <a:avLst/>
+          </a:prstGeom>
+          <a:solidFill>
+            <a:srgbClr val="FFFFFF"/>
+          </a:solidFill>
+          <a:ln>
+            <a:noFill/>
+          </a:ln>
+        </p:spPr>
+        <p:txBody>
+          <a:bodyPr spcFirstLastPara="1" wrap="square" lIns="91425" tIns="45700" rIns="91425" bIns="45700" anchor="t" anchorCtr="0">
+            <a:noAutofit/>
+          </a:bodyPr>
+          <a:lstStyle>
+            <a:defPPr marR="0" lvl="0" algn="l" rtl="0">
+              <a:lnSpc>
+                <a:spcPct val="100000"/>
+              </a:lnSpc>
+              <a:spcBef>
+                <a:spcPts val="0"/>
+              </a:spcBef>
+              <a:spcAft>
+                <a:spcPts val="0"/>
+              </a:spcAft>
+            </a:defPPr>
+            <a:lvl1pPr marL="457200" marR="0" lvl="0" indent="-381000" algn="l" rtl="0">
+              <a:lnSpc>
+                <a:spcPct val="90000"/>
+              </a:lnSpc>
+              <a:spcBef>
+                <a:spcPts val="1000"/>
+              </a:spcBef>
+              <a:spcAft>
+                <a:spcPts val="0"/>
+              </a:spcAft>
+              <a:buClr>
+                <a:schemeClr val="lt1"/>
+              </a:buClr>
+              <a:buSzPts val="2400"/>
+              <a:buFont typeface="Arial"/>
+              <a:buChar char="•"/>
+              <a:defRPr sz="2400" b="0" i="0" u="none" strike="noStrike" cap="none">
+                <a:solidFill>
+                  <a:schemeClr val="lt1"/>
+                </a:solidFill>
+                <a:latin typeface="Trebuchet MS"/>
+                <a:ea typeface="Trebuchet MS"/>
+                <a:cs typeface="Trebuchet MS"/>
+                <a:sym typeface="Trebuchet MS"/>
+              </a:defRPr>
+            </a:lvl1pPr>
+            <a:lvl2pPr marL="914400" marR="0" lvl="1" indent="-355600" algn="l" rtl="0">
+              <a:lnSpc>
+                <a:spcPct val="90000"/>
+              </a:lnSpc>
+              <a:spcBef>
+                <a:spcPts val="500"/>
+              </a:spcBef>
+              <a:spcAft>
+                <a:spcPts val="0"/>
+              </a:spcAft>
+              <a:buClr>
+                <a:schemeClr val="lt1"/>
+              </a:buClr>
+              <a:buSzPts val="2000"/>
+              <a:buFont typeface="Arial"/>
+              <a:buChar char="•"/>
+              <a:defRPr sz="2000" b="0" i="0" u="none" strike="noStrike" cap="none">
+                <a:solidFill>
+                  <a:schemeClr val="lt1"/>
+                </a:solidFill>
+                <a:latin typeface="Trebuchet MS"/>
+                <a:ea typeface="Trebuchet MS"/>
+                <a:cs typeface="Trebuchet MS"/>
+                <a:sym typeface="Trebuchet MS"/>
+              </a:defRPr>
+            </a:lvl2pPr>
+            <a:lvl3pPr marL="1371600" marR="0" lvl="2" indent="-342900" algn="l" rtl="0">
+              <a:lnSpc>
+                <a:spcPct val="90000"/>
+              </a:lnSpc>
+              <a:spcBef>
+                <a:spcPts val="500"/>
+              </a:spcBef>
+              <a:spcAft>
+                <a:spcPts val="0"/>
+              </a:spcAft>
+              <a:buClr>
+                <a:schemeClr val="lt1"/>
+              </a:buClr>
+              <a:buSzPts val="1800"/>
+              <a:buFont typeface="Arial"/>
+              <a:buChar char="•"/>
+              <a:defRPr sz="1800" b="0" i="0" u="none" strike="noStrike" cap="none">
+                <a:solidFill>
+                  <a:schemeClr val="lt1"/>
+                </a:solidFill>
+                <a:latin typeface="Trebuchet MS"/>
+                <a:ea typeface="Trebuchet MS"/>
+                <a:cs typeface="Trebuchet MS"/>
+                <a:sym typeface="Trebuchet MS"/>
+              </a:defRPr>
+            </a:lvl3pPr>
+            <a:lvl4pPr marL="1828800" marR="0" lvl="3" indent="-330200" algn="l" rtl="0">
+              <a:lnSpc>
+                <a:spcPct val="90000"/>
+              </a:lnSpc>
+              <a:spcBef>
+                <a:spcPts val="500"/>
+              </a:spcBef>
+              <a:spcAft>
+                <a:spcPts val="0"/>
+              </a:spcAft>
+              <a:buClr>
+                <a:schemeClr val="lt1"/>
+              </a:buClr>
+              <a:buSzPts val="1600"/>
+              <a:buFont typeface="Arial"/>
+              <a:buChar char="•"/>
+              <a:defRPr sz="1600" b="0" i="0" u="none" strike="noStrike" cap="none">
+                <a:solidFill>
+                  <a:schemeClr val="lt1"/>
+                </a:solidFill>
+                <a:latin typeface="Trebuchet MS"/>
+                <a:ea typeface="Trebuchet MS"/>
+                <a:cs typeface="Trebuchet MS"/>
+                <a:sym typeface="Trebuchet MS"/>
+              </a:defRPr>
+            </a:lvl4pPr>
+            <a:lvl5pPr marL="2286000" marR="0" lvl="4" indent="-330200" algn="l" rtl="0">
+              <a:lnSpc>
+                <a:spcPct val="90000"/>
+              </a:lnSpc>
+              <a:spcBef>
+                <a:spcPts val="500"/>
+              </a:spcBef>
+              <a:spcAft>
+                <a:spcPts val="0"/>
+              </a:spcAft>
+              <a:buClr>
+                <a:schemeClr val="lt1"/>
+              </a:buClr>
+              <a:buSzPts val="1600"/>
+              <a:buFont typeface="Arial"/>
+              <a:buChar char="•"/>
+              <a:defRPr sz="1600" b="0" i="0" u="none" strike="noStrike" cap="none">
+                <a:solidFill>
+                  <a:schemeClr val="lt1"/>
+                </a:solidFill>
+                <a:latin typeface="Trebuchet MS"/>
+                <a:ea typeface="Trebuchet MS"/>
+                <a:cs typeface="Trebuchet MS"/>
+                <a:sym typeface="Trebuchet MS"/>
+              </a:defRPr>
+            </a:lvl5pPr>
+            <a:lvl6pPr marL="2743200" marR="0" lvl="5" indent="-317500" algn="l" rtl="0">
+              <a:lnSpc>
+                <a:spcPct val="90000"/>
+              </a:lnSpc>
+              <a:spcBef>
+                <a:spcPts val="500"/>
+              </a:spcBef>
+              <a:spcAft>
+                <a:spcPts val="0"/>
+              </a:spcAft>
+              <a:buClr>
+                <a:schemeClr val="lt1"/>
+              </a:buClr>
+              <a:buSzPts val="1400"/>
+              <a:buFont typeface="Arial"/>
+              <a:buChar char="•"/>
+              <a:defRPr sz="1400" b="0" i="0" u="none" strike="noStrike" cap="none">
+                <a:solidFill>
+                  <a:schemeClr val="lt1"/>
+                </a:solidFill>
+                <a:latin typeface="Trebuchet MS"/>
+                <a:ea typeface="Trebuchet MS"/>
+                <a:cs typeface="Trebuchet MS"/>
+                <a:sym typeface="Trebuchet MS"/>
+              </a:defRPr>
+            </a:lvl6pPr>
+            <a:lvl7pPr marL="3200400" marR="0" lvl="6" indent="-317500" algn="l" rtl="0">
+              <a:lnSpc>
+                <a:spcPct val="90000"/>
+              </a:lnSpc>
+              <a:spcBef>
+                <a:spcPts val="500"/>
+              </a:spcBef>
+              <a:spcAft>
+                <a:spcPts val="0"/>
+              </a:spcAft>
+              <a:buClr>
+                <a:schemeClr val="lt1"/>
+              </a:buClr>
+              <a:buSzPts val="1400"/>
+              <a:buFont typeface="Arial"/>
+              <a:buChar char="•"/>
+              <a:defRPr sz="1400" b="0" i="0" u="none" strike="noStrike" cap="none">
+                <a:solidFill>
+                  <a:schemeClr val="lt1"/>
+                </a:solidFill>
+                <a:latin typeface="Trebuchet MS"/>
+                <a:ea typeface="Trebuchet MS"/>
+                <a:cs typeface="Trebuchet MS"/>
+                <a:sym typeface="Trebuchet MS"/>
+              </a:defRPr>
+            </a:lvl7pPr>
+            <a:lvl8pPr marL="3657600" marR="0" lvl="7" indent="-317500" algn="l" rtl="0">
+              <a:lnSpc>
+                <a:spcPct val="90000"/>
+              </a:lnSpc>
+              <a:spcBef>
+                <a:spcPts val="500"/>
+              </a:spcBef>
+              <a:spcAft>
+                <a:spcPts val="0"/>
+              </a:spcAft>
+              <a:buClr>
+                <a:schemeClr val="lt1"/>
+              </a:buClr>
+              <a:buSzPts val="1400"/>
+              <a:buFont typeface="Arial"/>
+              <a:buChar char="•"/>
+              <a:defRPr sz="1400" b="0" i="0" u="none" strike="noStrike" cap="none">
+                <a:solidFill>
+                  <a:schemeClr val="lt1"/>
+                </a:solidFill>
+                <a:latin typeface="Trebuchet MS"/>
+                <a:ea typeface="Trebuchet MS"/>
+                <a:cs typeface="Trebuchet MS"/>
+                <a:sym typeface="Trebuchet MS"/>
+              </a:defRPr>
+            </a:lvl8pPr>
+            <a:lvl9pPr marL="4114800" marR="0" lvl="8" indent="-317500" algn="l" rtl="0">
+              <a:lnSpc>
+                <a:spcPct val="90000"/>
+              </a:lnSpc>
+              <a:spcBef>
+                <a:spcPts val="500"/>
+              </a:spcBef>
+              <a:spcAft>
+                <a:spcPts val="0"/>
+              </a:spcAft>
+              <a:buClr>
+                <a:schemeClr val="lt1"/>
+              </a:buClr>
+              <a:buSzPts val="1400"/>
+              <a:buFont typeface="Arial"/>
+              <a:buChar char="•"/>
+              <a:defRPr sz="1400" b="0" i="0" u="none" strike="noStrike" cap="none">
+                <a:solidFill>
+                  <a:schemeClr val="lt1"/>
+                </a:solidFill>
+                <a:latin typeface="Trebuchet MS"/>
+                <a:ea typeface="Trebuchet MS"/>
+                <a:cs typeface="Trebuchet MS"/>
+                <a:sym typeface="Trebuchet MS"/>
+              </a:defRPr>
+            </a:lvl9pPr>
+          </a:lstStyle>
+          <a:p>
+            <a:pPr marL="0" lvl="0" indent="0" defTabSz="914400" fontAlgn="base">
+              <a:lnSpc>
+                <a:spcPct val="100000"/>
+              </a:lnSpc>
+              <a:spcBef>
+                <a:spcPct val="0"/>
+              </a:spcBef>
+              <a:spcAft>
+                <a:spcPct val="0"/>
+              </a:spcAft>
+              <a:buClrTx/>
+              <a:buSzTx/>
+              <a:buNone/>
+            </a:pPr>
+            <a:r>
+              <a:rPr lang="es-AR" altLang="es-AR" sz="2000" b="1" dirty="0">
+                <a:solidFill>
+                  <a:srgbClr val="0000FF"/>
+                </a:solidFill>
+                <a:latin typeface="Arial Narrow" panose="020B0606020202030204" pitchFamily="34" charset="0"/>
+                <a:cs typeface="Times New Roman" panose="02020603050405020304" pitchFamily="18" charset="0"/>
+              </a:rPr>
+              <a:t>[modificador] </a:t>
+            </a:r>
+            <a:r>
+              <a:rPr lang="es-AR" altLang="es-AR" sz="2000" b="1" dirty="0" err="1">
+                <a:solidFill>
+                  <a:srgbClr val="0000FF"/>
+                </a:solidFill>
+                <a:latin typeface="Arial Narrow" panose="020B0606020202030204" pitchFamily="34" charset="0"/>
+                <a:cs typeface="Times New Roman" panose="02020603050405020304" pitchFamily="18" charset="0"/>
+              </a:rPr>
+              <a:t>class</a:t>
+            </a:r>
+            <a:r>
+              <a:rPr lang="es-AR" altLang="es-AR" sz="2000" b="1" dirty="0">
+                <a:solidFill>
+                  <a:srgbClr val="0000FF"/>
+                </a:solidFill>
+                <a:latin typeface="Arial Narrow" panose="020B0606020202030204" pitchFamily="34" charset="0"/>
+                <a:cs typeface="Times New Roman" panose="02020603050405020304" pitchFamily="18" charset="0"/>
+              </a:rPr>
+              <a:t> </a:t>
+            </a:r>
+            <a:r>
+              <a:rPr lang="es-AR" altLang="es-AR" sz="2000" b="1" dirty="0">
+                <a:solidFill>
+                  <a:srgbClr val="00B0F0"/>
+                </a:solidFill>
+                <a:latin typeface="Arial Narrow" panose="020B0606020202030204" pitchFamily="34" charset="0"/>
+                <a:cs typeface="Times New Roman" panose="02020603050405020304" pitchFamily="18" charset="0"/>
+              </a:rPr>
+              <a:t>Identificador</a:t>
+            </a:r>
+            <a:r>
+              <a:rPr lang="es-AR" altLang="es-AR" sz="2000" b="1" dirty="0">
+                <a:solidFill>
+                  <a:srgbClr val="000000"/>
+                </a:solidFill>
+                <a:latin typeface="Arial Narrow" panose="020B0606020202030204" pitchFamily="34" charset="0"/>
+                <a:cs typeface="Times New Roman" panose="02020603050405020304" pitchFamily="18" charset="0"/>
+              </a:rPr>
+              <a:t> </a:t>
+            </a:r>
+          </a:p>
+          <a:p>
+            <a:pPr marL="0" lvl="0" indent="0" defTabSz="914400" fontAlgn="base">
+              <a:lnSpc>
+                <a:spcPct val="100000"/>
+              </a:lnSpc>
+              <a:spcBef>
+                <a:spcPct val="0"/>
+              </a:spcBef>
+              <a:spcAft>
+                <a:spcPct val="0"/>
+              </a:spcAft>
+              <a:buClrTx/>
+              <a:buSzTx/>
+              <a:buNone/>
+            </a:pPr>
+            <a:r>
+              <a:rPr lang="es-AR" altLang="es-AR" sz="2000" b="1" dirty="0">
+                <a:solidFill>
+                  <a:srgbClr val="000000"/>
+                </a:solidFill>
+                <a:latin typeface="Arial Narrow" panose="020B0606020202030204" pitchFamily="34" charset="0"/>
+                <a:cs typeface="Times New Roman" panose="02020603050405020304" pitchFamily="18" charset="0"/>
+              </a:rPr>
+              <a:t>{</a:t>
+            </a:r>
+          </a:p>
+          <a:p>
+            <a:pPr marL="0" lvl="0" indent="0" defTabSz="914400" fontAlgn="base">
+              <a:lnSpc>
+                <a:spcPct val="100000"/>
+              </a:lnSpc>
+              <a:spcBef>
+                <a:spcPct val="0"/>
+              </a:spcBef>
+              <a:spcAft>
+                <a:spcPct val="0"/>
+              </a:spcAft>
+              <a:buClrTx/>
+              <a:buSzTx/>
+              <a:buNone/>
+            </a:pPr>
+            <a:r>
+              <a:rPr lang="es-AR" altLang="es-AR" sz="2000" b="1" dirty="0" smtClean="0">
+                <a:solidFill>
+                  <a:srgbClr val="000000"/>
+                </a:solidFill>
+                <a:latin typeface="Arial Narrow" panose="020B0606020202030204" pitchFamily="34" charset="0"/>
+                <a:cs typeface="Times New Roman" panose="02020603050405020304" pitchFamily="18" charset="0"/>
+              </a:rPr>
+              <a:t>        </a:t>
+            </a:r>
+            <a:r>
+              <a:rPr lang="es-AR" altLang="es-AR" sz="2000" b="1" dirty="0" smtClean="0">
+                <a:solidFill>
+                  <a:srgbClr val="66CC66"/>
+                </a:solidFill>
+                <a:latin typeface="Arial Narrow" panose="020B0606020202030204" pitchFamily="34" charset="0"/>
+                <a:cs typeface="Times New Roman" panose="02020603050405020304" pitchFamily="18" charset="0"/>
+              </a:rPr>
+              <a:t>// </a:t>
+            </a:r>
+            <a:r>
+              <a:rPr lang="es-AR" altLang="es-AR" sz="2000" b="1" dirty="0">
+                <a:solidFill>
+                  <a:srgbClr val="66CC66"/>
+                </a:solidFill>
+                <a:latin typeface="Arial Narrow" panose="020B0606020202030204" pitchFamily="34" charset="0"/>
+                <a:cs typeface="Times New Roman" panose="02020603050405020304" pitchFamily="18" charset="0"/>
+              </a:rPr>
+              <a:t>miembros: atributos y métodos</a:t>
+            </a:r>
+          </a:p>
+          <a:p>
+            <a:pPr marL="0" lvl="0" indent="0" defTabSz="914400" fontAlgn="base">
+              <a:lnSpc>
+                <a:spcPct val="100000"/>
+              </a:lnSpc>
+              <a:spcBef>
+                <a:spcPct val="0"/>
+              </a:spcBef>
+              <a:spcAft>
+                <a:spcPct val="0"/>
+              </a:spcAft>
+              <a:buClrTx/>
+              <a:buSzTx/>
+              <a:buNone/>
+            </a:pPr>
+            <a:r>
+              <a:rPr lang="es-AR" altLang="es-AR" sz="2000" b="1" dirty="0">
+                <a:solidFill>
+                  <a:srgbClr val="000000"/>
+                </a:solidFill>
+                <a:latin typeface="Arial Narrow" panose="020B0606020202030204" pitchFamily="34" charset="0"/>
+                <a:cs typeface="Times New Roman" panose="02020603050405020304" pitchFamily="18" charset="0"/>
+              </a:rPr>
+              <a:t>}</a:t>
+            </a:r>
+            <a:endParaRPr lang="es-AR" altLang="es-AR" sz="2000" b="1" dirty="0">
+              <a:solidFill>
+                <a:srgbClr val="000000"/>
+              </a:solidFill>
+              <a:latin typeface="Arial Narrow" panose="020B0606020202030204" pitchFamily="34" charset="0"/>
+              <a:cs typeface="Times New Roman" panose="02020603050405020304" pitchFamily="18" charset="0"/>
+            </a:endParaRPr>
+          </a:p>
+        </p:txBody>
+      </p:sp>
+    </p:spTree>
+    <p:extLst>
+      <p:ext uri="{BB962C8B-B14F-4D97-AF65-F5344CB8AC3E}">
+        <p14:creationId xmlns:p14="http://schemas.microsoft.com/office/powerpoint/2010/main" val="1689135014"/>
       </p:ext>
     </p:extLst>
   </p:cSld>

--- a/PPTs/ProgramacionII_Clase_02-2018.pptx
+++ b/PPTs/ProgramacionII_Clase_02-2018.pptx
@@ -5,7 +5,7 @@
     <p:sldMasterId id="2147483648" r:id="rId1"/>
   </p:sldMasterIdLst>
   <p:notesMasterIdLst>
-    <p:notesMasterId r:id="rId12"/>
+    <p:notesMasterId r:id="rId25"/>
   </p:notesMasterIdLst>
   <p:sldIdLst>
     <p:sldId id="256" r:id="rId2"/>
@@ -18,6 +18,19 @@
     <p:sldId id="263" r:id="rId9"/>
     <p:sldId id="264" r:id="rId10"/>
     <p:sldId id="265" r:id="rId11"/>
+    <p:sldId id="266" r:id="rId12"/>
+    <p:sldId id="267" r:id="rId13"/>
+    <p:sldId id="268" r:id="rId14"/>
+    <p:sldId id="270" r:id="rId15"/>
+    <p:sldId id="269" r:id="rId16"/>
+    <p:sldId id="271" r:id="rId17"/>
+    <p:sldId id="272" r:id="rId18"/>
+    <p:sldId id="273" r:id="rId19"/>
+    <p:sldId id="274" r:id="rId20"/>
+    <p:sldId id="275" r:id="rId21"/>
+    <p:sldId id="276" r:id="rId22"/>
+    <p:sldId id="277" r:id="rId23"/>
+    <p:sldId id="278" r:id="rId24"/>
   </p:sldIdLst>
   <p:sldSz cx="12192000" cy="6858000"/>
   <p:notesSz cx="6858000" cy="9144000"/>
@@ -218,7 +231,7 @@
           <a:p>
             <a:fld id="{D0683491-89D4-49E1-9471-94C7F2E3C116}" type="datetimeFigureOut">
               <a:rPr lang="es-AR" smtClean="0"/>
-              <a:t>31/08/2018</a:t>
+              <a:t>03/09/2018</a:t>
             </a:fld>
             <a:endParaRPr lang="es-AR"/>
           </a:p>
@@ -1343,7 +1356,7 @@
           <a:p>
             <a:fld id="{78ABE3C1-DBE1-495D-B57B-2849774B866A}" type="datetimeFigureOut">
               <a:rPr lang="en-US" dirty="0"/>
-              <a:t>8/31/2018</a:t>
+              <a:t>9/3/2018</a:t>
             </a:fld>
             <a:endParaRPr lang="en-US" dirty="0"/>
           </a:p>
@@ -1752,7 +1765,7 @@
           <a:p>
             <a:fld id="{446C117F-5CCF-4837-BE5F-2B92066CAFAF}" type="datetimeFigureOut">
               <a:rPr lang="en-US" dirty="0"/>
-              <a:t>8/31/2018</a:t>
+              <a:t>9/3/2018</a:t>
             </a:fld>
             <a:endParaRPr lang="en-US" dirty="0"/>
           </a:p>
@@ -2083,7 +2096,7 @@
           <a:p>
             <a:fld id="{84EB90BD-B6CE-46B7-997F-7313B992CCDC}" type="datetimeFigureOut">
               <a:rPr lang="en-US" dirty="0"/>
-              <a:t>8/31/2018</a:t>
+              <a:t>9/3/2018</a:t>
             </a:fld>
             <a:endParaRPr lang="en-US" dirty="0"/>
           </a:p>
@@ -2483,7 +2496,7 @@
           <a:p>
             <a:fld id="{CDB9D11F-B188-461D-B23F-39381795C052}" type="datetimeFigureOut">
               <a:rPr lang="en-US" dirty="0"/>
-              <a:t>8/31/2018</a:t>
+              <a:t>9/3/2018</a:t>
             </a:fld>
             <a:endParaRPr lang="en-US" dirty="0"/>
           </a:p>
@@ -3046,7 +3059,7 @@
           <a:p>
             <a:fld id="{52E6D8D9-55A2-4063-B0F3-121F44549695}" type="datetimeFigureOut">
               <a:rPr lang="en-US" dirty="0"/>
-              <a:t>8/31/2018</a:t>
+              <a:t>9/3/2018</a:t>
             </a:fld>
             <a:endParaRPr lang="en-US" dirty="0"/>
           </a:p>
@@ -3722,7 +3735,7 @@
           <a:p>
             <a:fld id="{D4B24536-994D-4021-A283-9F449C0DB509}" type="datetimeFigureOut">
               <a:rPr lang="en-US" dirty="0"/>
-              <a:t>8/31/2018</a:t>
+              <a:t>9/3/2018</a:t>
             </a:fld>
             <a:endParaRPr lang="en-US" dirty="0"/>
           </a:p>
@@ -4630,7 +4643,7 @@
           <a:p>
             <a:fld id="{3CBBBB78-C96F-47B7-AB17-D852CA960AC9}" type="datetimeFigureOut">
               <a:rPr lang="en-US" dirty="0"/>
-              <a:t>8/31/2018</a:t>
+              <a:t>9/3/2018</a:t>
             </a:fld>
             <a:endParaRPr lang="en-US" dirty="0"/>
           </a:p>
@@ -4938,7 +4951,7 @@
           <a:p>
             <a:fld id="{1FA3F48C-C7C6-4055-9F49-3777875E72AE}" type="datetimeFigureOut">
               <a:rPr lang="en-US" dirty="0"/>
-              <a:t>8/31/2018</a:t>
+              <a:t>9/3/2018</a:t>
             </a:fld>
             <a:endParaRPr lang="en-US" dirty="0"/>
           </a:p>
@@ -5197,7 +5210,7 @@
           <a:p>
             <a:fld id="{6178E61D-D431-422C-9764-11DAFE33AB63}" type="datetimeFigureOut">
               <a:rPr lang="en-US" dirty="0"/>
-              <a:t>8/31/2018</a:t>
+              <a:t>9/3/2018</a:t>
             </a:fld>
             <a:endParaRPr lang="en-US" dirty="0"/>
           </a:p>
@@ -5516,7 +5529,7 @@
           <a:p>
             <a:fld id="{12DE42F4-6EEF-4EF7-8ED4-2208F0F89A08}" type="datetimeFigureOut">
               <a:rPr lang="en-US" dirty="0"/>
-              <a:t>8/31/2018</a:t>
+              <a:t>9/3/2018</a:t>
             </a:fld>
             <a:endParaRPr lang="en-US" dirty="0"/>
           </a:p>
@@ -5900,7 +5913,7 @@
           <a:p>
             <a:fld id="{30578ACC-22D6-47C1-A373-4FD133E34F3C}" type="datetimeFigureOut">
               <a:rPr lang="en-US" dirty="0"/>
-              <a:t>8/31/2018</a:t>
+              <a:t>9/3/2018</a:t>
             </a:fld>
             <a:endParaRPr lang="en-US" dirty="0"/>
           </a:p>
@@ -6271,7 +6284,7 @@
           <a:p>
             <a:fld id="{4E5A6C69-6797-4E8A-BF37-F2C3751466E9}" type="datetimeFigureOut">
               <a:rPr lang="en-US" dirty="0"/>
-              <a:t>8/31/2018</a:t>
+              <a:t>9/3/2018</a:t>
             </a:fld>
             <a:endParaRPr lang="en-US" dirty="0"/>
           </a:p>
@@ -6772,7 +6785,7 @@
           <a:p>
             <a:fld id="{D82014A1-A632-4878-A0D3-F52BA7563730}" type="datetimeFigureOut">
               <a:rPr lang="en-US" dirty="0"/>
-              <a:t>8/31/2018</a:t>
+              <a:t>9/3/2018</a:t>
             </a:fld>
             <a:endParaRPr lang="en-US" dirty="0"/>
           </a:p>
@@ -7024,7 +7037,7 @@
           <a:p>
             <a:fld id="{CE99F462-093F-4566-844B-4C71F2739DA5}" type="datetimeFigureOut">
               <a:rPr lang="en-US" dirty="0"/>
-              <a:t>8/31/2018</a:t>
+              <a:t>9/3/2018</a:t>
             </a:fld>
             <a:endParaRPr lang="en-US" dirty="0"/>
           </a:p>
@@ -7182,7 +7195,7 @@
           <a:p>
             <a:fld id="{3D24A7AC-904D-4781-85BA-7D10C17ED021}" type="datetimeFigureOut">
               <a:rPr lang="en-US" dirty="0"/>
-              <a:t>8/31/2018</a:t>
+              <a:t>9/3/2018</a:t>
             </a:fld>
             <a:endParaRPr lang="en-US" dirty="0"/>
           </a:p>
@@ -7567,7 +7580,7 @@
           <a:p>
             <a:fld id="{E331444B-B92B-4E27-8C94-BB93EAF5CB18}" type="datetimeFigureOut">
               <a:rPr lang="en-US" dirty="0"/>
-              <a:t>8/31/2018</a:t>
+              <a:t>9/3/2018</a:t>
             </a:fld>
             <a:endParaRPr lang="en-US" dirty="0"/>
           </a:p>
@@ -7971,7 +7984,7 @@
           <a:p>
             <a:fld id="{363EFA5E-FA76-400D-B3DC-F0BA90E6D107}" type="datetimeFigureOut">
               <a:rPr lang="en-US" dirty="0"/>
-              <a:t>8/31/2018</a:t>
+              <a:t>9/3/2018</a:t>
             </a:fld>
             <a:endParaRPr lang="en-US" dirty="0"/>
           </a:p>
@@ -8210,7 +8223,7 @@
           <a:p>
             <a:fld id="{9D6E9DEC-419B-4CC5-A080-3B06BD5A8291}" type="datetimeFigureOut">
               <a:rPr lang="en-US" dirty="0"/>
-              <a:t>8/31/2018</a:t>
+              <a:t>9/3/2018</a:t>
             </a:fld>
             <a:endParaRPr lang="en-US" dirty="0"/>
           </a:p>
@@ -8838,7 +8851,11 @@
           <a:bodyPr/>
           <a:lstStyle/>
           <a:p>
-            <a:endParaRPr lang="es-AR"/>
+            <a:r>
+              <a:rPr lang="es-AR" dirty="0" smtClean="0"/>
+              <a:t>Modificadores Clases</a:t>
+            </a:r>
+            <a:endParaRPr lang="es-AR" dirty="0"/>
           </a:p>
         </p:txBody>
       </p:sp>
@@ -8851,7 +8868,7 @@
           <p:nvPr>
             <p:extLst>
               <p:ext uri="{D42A27DB-BD31-4B8C-83A1-F6EECF244321}">
-                <p14:modId xmlns:p14="http://schemas.microsoft.com/office/powerpoint/2010/main" val="1544539290"/>
+                <p14:modId xmlns:p14="http://schemas.microsoft.com/office/powerpoint/2010/main" val="1323572792"/>
               </p:ext>
             </p:extLst>
           </p:nvPr>
@@ -8984,11 +9001,7 @@
                           <a:solidFill>
                             <a:srgbClr val="9D360E"/>
                           </a:solidFill>
-                          <a:effectLst>
-                            <a:outerShdw blurRad="38100" dist="38100" dir="2700000" algn="tl">
-                              <a:srgbClr val="000000"/>
-                            </a:outerShdw>
-                          </a:effectLst>
+                          <a:effectLst/>
                           <a:latin typeface="Franklin Gothic Medium" pitchFamily="34" charset="0"/>
                         </a:rPr>
                         <a:t>abstract</a:t>
@@ -9028,11 +9041,7 @@
                           <a:solidFill>
                             <a:srgbClr val="9D360E"/>
                           </a:solidFill>
-                          <a:effectLst>
-                            <a:outerShdw blurRad="38100" dist="38100" dir="2700000" algn="tl">
-                              <a:srgbClr val="000000"/>
-                            </a:outerShdw>
-                          </a:effectLst>
+                          <a:effectLst/>
                           <a:latin typeface="Franklin Gothic Medium" pitchFamily="34" charset="0"/>
                         </a:rPr>
                         <a:t>Indica que la clase no podrá instanciarse.</a:t>
@@ -9074,11 +9083,7 @@
                           <a:solidFill>
                             <a:srgbClr val="9D360E"/>
                           </a:solidFill>
-                          <a:effectLst>
-                            <a:outerShdw blurRad="38100" dist="38100" dir="2700000" algn="tl">
-                              <a:srgbClr val="000000"/>
-                            </a:outerShdw>
-                          </a:effectLst>
+                          <a:effectLst/>
                           <a:latin typeface="Franklin Gothic Medium" pitchFamily="34" charset="0"/>
                         </a:rPr>
                         <a:t>internal (*)</a:t>
@@ -9118,11 +9123,7 @@
                           <a:solidFill>
                             <a:srgbClr val="9D360E"/>
                           </a:solidFill>
-                          <a:effectLst>
-                            <a:outerShdw blurRad="38100" dist="38100" dir="2700000" algn="tl">
-                              <a:srgbClr val="000000"/>
-                            </a:outerShdw>
-                          </a:effectLst>
+                          <a:effectLst/>
                           <a:latin typeface="Franklin Gothic Medium" pitchFamily="34" charset="0"/>
                         </a:rPr>
                         <a:t>Accesible en todo el proyecto (Assembly).</a:t>
@@ -9164,11 +9165,7 @@
                           <a:solidFill>
                             <a:srgbClr val="9D360E"/>
                           </a:solidFill>
-                          <a:effectLst>
-                            <a:outerShdw blurRad="38100" dist="38100" dir="2700000" algn="tl">
-                              <a:srgbClr val="000000"/>
-                            </a:outerShdw>
-                          </a:effectLst>
+                          <a:effectLst/>
                           <a:latin typeface="Franklin Gothic Medium" pitchFamily="34" charset="0"/>
                         </a:rPr>
                         <a:t>public   (*)</a:t>
@@ -9208,11 +9205,7 @@
                           <a:solidFill>
                             <a:srgbClr val="9D360E"/>
                           </a:solidFill>
-                          <a:effectLst>
-                            <a:outerShdw blurRad="38100" dist="38100" dir="2700000" algn="tl">
-                              <a:srgbClr val="000000"/>
-                            </a:outerShdw>
-                          </a:effectLst>
+                          <a:effectLst/>
                           <a:latin typeface="Franklin Gothic Medium" pitchFamily="34" charset="0"/>
                         </a:rPr>
                         <a:t>Accesible desde cualquier proyecto.</a:t>
@@ -9254,11 +9247,7 @@
                           <a:solidFill>
                             <a:srgbClr val="9D360E"/>
                           </a:solidFill>
-                          <a:effectLst>
-                            <a:outerShdw blurRad="38100" dist="38100" dir="2700000" algn="tl">
-                              <a:srgbClr val="000000"/>
-                            </a:outerShdw>
-                          </a:effectLst>
+                          <a:effectLst/>
                           <a:latin typeface="Franklin Gothic Medium" pitchFamily="34" charset="0"/>
                         </a:rPr>
                         <a:t>private  (*)</a:t>
@@ -9298,11 +9287,7 @@
                           <a:solidFill>
                             <a:srgbClr val="9D360E"/>
                           </a:solidFill>
-                          <a:effectLst>
-                            <a:outerShdw blurRad="38100" dist="38100" dir="2700000" algn="tl">
-                              <a:srgbClr val="000000"/>
-                            </a:outerShdw>
-                          </a:effectLst>
+                          <a:effectLst/>
                           <a:latin typeface="Franklin Gothic Medium" pitchFamily="34" charset="0"/>
                         </a:rPr>
                         <a:t>Accesor por defecto.</a:t>
@@ -9344,11 +9329,7 @@
                           <a:solidFill>
                             <a:srgbClr val="9D360E"/>
                           </a:solidFill>
-                          <a:effectLst>
-                            <a:outerShdw blurRad="38100" dist="38100" dir="2700000" algn="tl">
-                              <a:srgbClr val="000000"/>
-                            </a:outerShdw>
-                          </a:effectLst>
+                          <a:effectLst/>
                           <a:latin typeface="Franklin Gothic Medium" pitchFamily="34" charset="0"/>
                         </a:rPr>
                         <a:t>sealed</a:t>
@@ -9388,11 +9369,7 @@
                           <a:solidFill>
                             <a:srgbClr val="9D360E"/>
                           </a:solidFill>
-                          <a:effectLst>
-                            <a:outerShdw blurRad="38100" dist="38100" dir="2700000" algn="tl">
-                              <a:srgbClr val="000000"/>
-                            </a:outerShdw>
-                          </a:effectLst>
+                          <a:effectLst/>
                           <a:latin typeface="Franklin Gothic Medium" pitchFamily="34" charset="0"/>
                         </a:rPr>
                         <a:t>Indica que la clase no podrá heredar.</a:t>
@@ -9481,6 +9458,5742 @@
 </p:sld>
 </file>
 
+<file path=ppt/slides/slide11.xml><?xml version="1.0" encoding="utf-8"?>
+<p:sld xmlns:a="http://schemas.openxmlformats.org/drawingml/2006/main" xmlns:r="http://schemas.openxmlformats.org/officeDocument/2006/relationships" xmlns:p="http://schemas.openxmlformats.org/presentationml/2006/main">
+  <p:cSld>
+    <p:spTree>
+      <p:nvGrpSpPr>
+        <p:cNvPr id="1" name=""/>
+        <p:cNvGrpSpPr/>
+        <p:nvPr/>
+      </p:nvGrpSpPr>
+      <p:grpSpPr>
+        <a:xfrm>
+          <a:off x="0" y="0"/>
+          <a:ext cx="0" cy="0"/>
+          <a:chOff x="0" y="0"/>
+          <a:chExt cx="0" cy="0"/>
+        </a:xfrm>
+      </p:grpSpPr>
+      <p:sp>
+        <p:nvSpPr>
+          <p:cNvPr id="2" name="Título 1"/>
+          <p:cNvSpPr>
+            <a:spLocks noGrp="1"/>
+          </p:cNvSpPr>
+          <p:nvPr>
+            <p:ph type="title"/>
+          </p:nvPr>
+        </p:nvSpPr>
+        <p:spPr/>
+        <p:txBody>
+          <a:bodyPr/>
+          <a:lstStyle/>
+          <a:p>
+            <a:r>
+              <a:rPr lang="es-AR" dirty="0" smtClean="0"/>
+              <a:t>Atributos</a:t>
+            </a:r>
+            <a:endParaRPr lang="es-AR" dirty="0"/>
+          </a:p>
+        </p:txBody>
+      </p:sp>
+      <p:sp>
+        <p:nvSpPr>
+          <p:cNvPr id="3" name="Marcador de contenido 2"/>
+          <p:cNvSpPr>
+            <a:spLocks noGrp="1"/>
+          </p:cNvSpPr>
+          <p:nvPr>
+            <p:ph idx="1"/>
+          </p:nvPr>
+        </p:nvSpPr>
+        <p:spPr>
+          <a:xfrm>
+            <a:off x="680321" y="3078353"/>
+            <a:ext cx="9613861" cy="3599316"/>
+          </a:xfrm>
+        </p:spPr>
+        <p:txBody>
+          <a:bodyPr/>
+          <a:lstStyle/>
+          <a:p>
+            <a:pPr>
+              <a:defRPr/>
+            </a:pPr>
+            <a:r>
+              <a:rPr lang="es-ES" b="1" dirty="0">
+                <a:effectLst>
+                  <a:outerShdw blurRad="38100" dist="38100" dir="2700000" algn="tl">
+                    <a:srgbClr val="000000">
+                      <a:alpha val="43137"/>
+                    </a:srgbClr>
+                  </a:outerShdw>
+                </a:effectLst>
+                <a:latin typeface="Franklin Gothic Medium" panose="020B0603020102020204" pitchFamily="34" charset="0"/>
+              </a:rPr>
+              <a:t>modificador</a:t>
+            </a:r>
+            <a:r>
+              <a:rPr lang="es-ES" dirty="0">
+                <a:effectLst>
+                  <a:outerShdw blurRad="38100" dist="38100" dir="2700000" algn="tl">
+                    <a:srgbClr val="000000">
+                      <a:alpha val="43137"/>
+                    </a:srgbClr>
+                  </a:outerShdw>
+                </a:effectLst>
+                <a:latin typeface="Franklin Gothic Medium" panose="020B0603020102020204" pitchFamily="34" charset="0"/>
+              </a:rPr>
+              <a:t>: Determina la accesibilidad que tendrán sobre él las demás clases. Por defecto son </a:t>
+            </a:r>
+            <a:r>
+              <a:rPr lang="es-ES" b="1" dirty="0" err="1">
+                <a:effectLst>
+                  <a:outerShdw blurRad="38100" dist="38100" dir="2700000" algn="tl">
+                    <a:srgbClr val="000000">
+                      <a:alpha val="43137"/>
+                    </a:srgbClr>
+                  </a:outerShdw>
+                </a:effectLst>
+                <a:latin typeface="Franklin Gothic Medium" panose="020B0603020102020204" pitchFamily="34" charset="0"/>
+              </a:rPr>
+              <a:t>private</a:t>
+            </a:r>
+            <a:r>
+              <a:rPr lang="es-ES" dirty="0">
+                <a:effectLst>
+                  <a:outerShdw blurRad="38100" dist="38100" dir="2700000" algn="tl">
+                    <a:srgbClr val="000000">
+                      <a:alpha val="43137"/>
+                    </a:srgbClr>
+                  </a:outerShdw>
+                </a:effectLst>
+                <a:latin typeface="Franklin Gothic Medium" panose="020B0603020102020204" pitchFamily="34" charset="0"/>
+              </a:rPr>
+              <a:t>.</a:t>
+            </a:r>
+            <a:endParaRPr lang="es-ES" b="1" dirty="0">
+              <a:effectLst>
+                <a:outerShdw blurRad="38100" dist="38100" dir="2700000" algn="tl">
+                  <a:srgbClr val="000000">
+                    <a:alpha val="43137"/>
+                  </a:srgbClr>
+                </a:outerShdw>
+              </a:effectLst>
+              <a:latin typeface="Franklin Gothic Medium" panose="020B0603020102020204" pitchFamily="34" charset="0"/>
+            </a:endParaRPr>
+          </a:p>
+          <a:p>
+            <a:pPr>
+              <a:defRPr/>
+            </a:pPr>
+            <a:r>
+              <a:rPr lang="es-ES" b="1" dirty="0">
+                <a:effectLst>
+                  <a:outerShdw blurRad="38100" dist="38100" dir="2700000" algn="tl">
+                    <a:srgbClr val="000000">
+                      <a:alpha val="43137"/>
+                    </a:srgbClr>
+                  </a:outerShdw>
+                </a:effectLst>
+                <a:latin typeface="Franklin Gothic Medium" panose="020B0603020102020204" pitchFamily="34" charset="0"/>
+              </a:rPr>
+              <a:t>tipo</a:t>
+            </a:r>
+            <a:r>
+              <a:rPr lang="es-ES" dirty="0">
+                <a:effectLst>
+                  <a:outerShdw blurRad="38100" dist="38100" dir="2700000" algn="tl">
+                    <a:srgbClr val="000000">
+                      <a:alpha val="43137"/>
+                    </a:srgbClr>
+                  </a:outerShdw>
+                </a:effectLst>
+                <a:latin typeface="Franklin Gothic Medium" panose="020B0603020102020204" pitchFamily="34" charset="0"/>
+              </a:rPr>
+              <a:t>: Representa al tipo de dato. Ejemplo: </a:t>
+            </a:r>
+            <a:r>
+              <a:rPr lang="es-ES" dirty="0" err="1">
+                <a:effectLst>
+                  <a:outerShdw blurRad="38100" dist="38100" dir="2700000" algn="tl">
+                    <a:srgbClr val="000000">
+                      <a:alpha val="43137"/>
+                    </a:srgbClr>
+                  </a:outerShdw>
+                </a:effectLst>
+                <a:latin typeface="Franklin Gothic Medium" panose="020B0603020102020204" pitchFamily="34" charset="0"/>
+              </a:rPr>
+              <a:t>int</a:t>
+            </a:r>
+            <a:r>
+              <a:rPr lang="es-ES" dirty="0">
+                <a:effectLst>
+                  <a:outerShdw blurRad="38100" dist="38100" dir="2700000" algn="tl">
+                    <a:srgbClr val="000000">
+                      <a:alpha val="43137"/>
+                    </a:srgbClr>
+                  </a:outerShdw>
+                </a:effectLst>
+                <a:latin typeface="Franklin Gothic Medium" panose="020B0603020102020204" pitchFamily="34" charset="0"/>
+              </a:rPr>
+              <a:t>, </a:t>
+            </a:r>
+            <a:r>
+              <a:rPr lang="es-ES" dirty="0" err="1">
+                <a:effectLst>
+                  <a:outerShdw blurRad="38100" dist="38100" dir="2700000" algn="tl">
+                    <a:srgbClr val="000000">
+                      <a:alpha val="43137"/>
+                    </a:srgbClr>
+                  </a:outerShdw>
+                </a:effectLst>
+                <a:latin typeface="Franklin Gothic Medium" panose="020B0603020102020204" pitchFamily="34" charset="0"/>
+              </a:rPr>
+              <a:t>float</a:t>
+            </a:r>
+            <a:r>
+              <a:rPr lang="es-ES" dirty="0">
+                <a:effectLst>
+                  <a:outerShdw blurRad="38100" dist="38100" dir="2700000" algn="tl">
+                    <a:srgbClr val="000000">
+                      <a:alpha val="43137"/>
+                    </a:srgbClr>
+                  </a:outerShdw>
+                </a:effectLst>
+                <a:latin typeface="Franklin Gothic Medium" panose="020B0603020102020204" pitchFamily="34" charset="0"/>
+              </a:rPr>
+              <a:t>, etc. </a:t>
+            </a:r>
+          </a:p>
+          <a:p>
+            <a:pPr>
+              <a:defRPr/>
+            </a:pPr>
+            <a:r>
+              <a:rPr lang="es-ES" b="1" dirty="0">
+                <a:effectLst>
+                  <a:outerShdw blurRad="38100" dist="38100" dir="2700000" algn="tl">
+                    <a:srgbClr val="000000">
+                      <a:alpha val="43137"/>
+                    </a:srgbClr>
+                  </a:outerShdw>
+                </a:effectLst>
+                <a:latin typeface="Franklin Gothic Medium" panose="020B0603020102020204" pitchFamily="34" charset="0"/>
+              </a:rPr>
+              <a:t>Identificador</a:t>
+            </a:r>
+            <a:r>
+              <a:rPr lang="es-ES" dirty="0">
+                <a:effectLst>
+                  <a:outerShdw blurRad="38100" dist="38100" dir="2700000" algn="tl">
+                    <a:srgbClr val="000000">
+                      <a:alpha val="43137"/>
+                    </a:srgbClr>
+                  </a:outerShdw>
+                </a:effectLst>
+                <a:latin typeface="Franklin Gothic Medium" panose="020B0603020102020204" pitchFamily="34" charset="0"/>
+              </a:rPr>
+              <a:t>: Indica el nombre del atributo.</a:t>
+            </a:r>
+          </a:p>
+          <a:p>
+            <a:pPr lvl="1">
+              <a:defRPr/>
+            </a:pPr>
+            <a:r>
+              <a:rPr lang="es-ES" sz="2400" dirty="0">
+                <a:effectLst>
+                  <a:outerShdw blurRad="38100" dist="38100" dir="2700000" algn="tl">
+                    <a:srgbClr val="000000">
+                      <a:alpha val="43137"/>
+                    </a:srgbClr>
+                  </a:outerShdw>
+                </a:effectLst>
+                <a:latin typeface="Franklin Gothic Medium" panose="020B0603020102020204" pitchFamily="34" charset="0"/>
+              </a:rPr>
+              <a:t>Los nombres deben tener todas sus letras en minúsculas.</a:t>
+            </a:r>
+          </a:p>
+          <a:p>
+            <a:pPr lvl="1">
+              <a:defRPr/>
+            </a:pPr>
+            <a:r>
+              <a:rPr lang="es-ES" sz="2400" dirty="0">
+                <a:effectLst>
+                  <a:outerShdw blurRad="38100" dist="38100" dir="2700000" algn="tl">
+                    <a:srgbClr val="000000">
+                      <a:alpha val="43137"/>
+                    </a:srgbClr>
+                  </a:outerShdw>
+                </a:effectLst>
+                <a:latin typeface="Franklin Gothic Medium" panose="020B0603020102020204" pitchFamily="34" charset="0"/>
+              </a:rPr>
+              <a:t>Si el nombre es compuesto, la primera letra de la segunda palabra estará en mayúsculas, las demás en minúsculas.  </a:t>
+            </a:r>
+          </a:p>
+          <a:p>
+            <a:pPr lvl="1">
+              <a:buNone/>
+              <a:defRPr/>
+            </a:pPr>
+            <a:r>
+              <a:rPr lang="es-ES" sz="2400" dirty="0">
+                <a:effectLst>
+                  <a:outerShdw blurRad="38100" dist="38100" dir="2700000" algn="tl">
+                    <a:srgbClr val="000000">
+                      <a:alpha val="43137"/>
+                    </a:srgbClr>
+                  </a:outerShdw>
+                </a:effectLst>
+                <a:latin typeface="Franklin Gothic Medium" panose="020B0603020102020204" pitchFamily="34" charset="0"/>
+              </a:rPr>
+              <a:t>	</a:t>
+            </a:r>
+            <a:r>
+              <a:rPr lang="es-ES" sz="2400" b="1" dirty="0">
+                <a:effectLst>
+                  <a:outerShdw blurRad="38100" dist="38100" dir="2700000" algn="tl">
+                    <a:srgbClr val="000000">
+                      <a:alpha val="43137"/>
+                    </a:srgbClr>
+                  </a:outerShdw>
+                </a:effectLst>
+                <a:latin typeface="Franklin Gothic Medium" panose="020B0603020102020204" pitchFamily="34" charset="0"/>
+              </a:rPr>
+              <a:t>Ejemplo</a:t>
+            </a:r>
+            <a:r>
+              <a:rPr lang="es-ES" sz="2400" dirty="0">
+                <a:effectLst>
+                  <a:outerShdw blurRad="38100" dist="38100" dir="2700000" algn="tl">
+                    <a:srgbClr val="000000">
+                      <a:alpha val="43137"/>
+                    </a:srgbClr>
+                  </a:outerShdw>
+                </a:effectLst>
+                <a:latin typeface="Franklin Gothic Medium" panose="020B0603020102020204" pitchFamily="34" charset="0"/>
+              </a:rPr>
+              <a:t>: </a:t>
+            </a:r>
+          </a:p>
+          <a:p>
+            <a:pPr lvl="1">
+              <a:buNone/>
+              <a:defRPr/>
+            </a:pPr>
+            <a:r>
+              <a:rPr lang="es-ES" sz="2400" dirty="0">
+                <a:effectLst>
+                  <a:outerShdw blurRad="38100" dist="38100" dir="2700000" algn="tl">
+                    <a:srgbClr val="000000">
+                      <a:alpha val="43137"/>
+                    </a:srgbClr>
+                  </a:outerShdw>
+                </a:effectLst>
+                <a:latin typeface="Franklin Gothic Medium" panose="020B0603020102020204" pitchFamily="34" charset="0"/>
+              </a:rPr>
+              <a:t>	</a:t>
+            </a:r>
+            <a:r>
+              <a:rPr lang="es-ES" sz="2400" dirty="0" err="1">
+                <a:effectLst>
+                  <a:outerShdw blurRad="38100" dist="38100" dir="2700000" algn="tl">
+                    <a:srgbClr val="000000">
+                      <a:alpha val="43137"/>
+                    </a:srgbClr>
+                  </a:outerShdw>
+                </a:effectLst>
+                <a:latin typeface="Franklin Gothic Medium" panose="020B0603020102020204" pitchFamily="34" charset="0"/>
+              </a:rPr>
+              <a:t>string</a:t>
+            </a:r>
+            <a:r>
+              <a:rPr lang="es-ES" sz="2400" dirty="0">
+                <a:effectLst>
+                  <a:outerShdw blurRad="38100" dist="38100" dir="2700000" algn="tl">
+                    <a:srgbClr val="000000">
+                      <a:alpha val="43137"/>
+                    </a:srgbClr>
+                  </a:outerShdw>
+                </a:effectLst>
+                <a:latin typeface="Franklin Gothic Medium" panose="020B0603020102020204" pitchFamily="34" charset="0"/>
+              </a:rPr>
+              <a:t> </a:t>
+            </a:r>
+            <a:r>
+              <a:rPr lang="es-ES" sz="2400" dirty="0" err="1">
+                <a:effectLst>
+                  <a:outerShdw blurRad="38100" dist="38100" dir="2700000" algn="tl">
+                    <a:srgbClr val="000000">
+                      <a:alpha val="43137"/>
+                    </a:srgbClr>
+                  </a:outerShdw>
+                </a:effectLst>
+                <a:latin typeface="Franklin Gothic Medium" panose="020B0603020102020204" pitchFamily="34" charset="0"/>
+              </a:rPr>
+              <a:t>miNombre</a:t>
+            </a:r>
+            <a:r>
+              <a:rPr lang="es-ES" sz="2400" dirty="0" smtClean="0">
+                <a:effectLst>
+                  <a:outerShdw blurRad="38100" dist="38100" dir="2700000" algn="tl">
+                    <a:srgbClr val="000000">
+                      <a:alpha val="43137"/>
+                    </a:srgbClr>
+                  </a:outerShdw>
+                </a:effectLst>
+                <a:latin typeface="Franklin Gothic Medium" panose="020B0603020102020204" pitchFamily="34" charset="0"/>
+              </a:rPr>
+              <a:t>;</a:t>
+            </a:r>
+            <a:endParaRPr lang="es-ES" sz="2400" dirty="0">
+              <a:effectLst>
+                <a:outerShdw blurRad="38100" dist="38100" dir="2700000" algn="tl">
+                  <a:srgbClr val="000000">
+                    <a:alpha val="43137"/>
+                  </a:srgbClr>
+                </a:outerShdw>
+              </a:effectLst>
+              <a:latin typeface="Franklin Gothic Medium" panose="020B0603020102020204" pitchFamily="34" charset="0"/>
+            </a:endParaRPr>
+          </a:p>
+        </p:txBody>
+      </p:sp>
+      <p:sp>
+        <p:nvSpPr>
+          <p:cNvPr id="4" name="Google Shape;408;p22"/>
+          <p:cNvSpPr txBox="1">
+            <a:spLocks/>
+          </p:cNvSpPr>
+          <p:nvPr/>
+        </p:nvSpPr>
+        <p:spPr>
+          <a:xfrm>
+            <a:off x="680321" y="2219457"/>
+            <a:ext cx="10588693" cy="538257"/>
+          </a:xfrm>
+          <a:prstGeom prst="rect">
+            <a:avLst/>
+          </a:prstGeom>
+          <a:solidFill>
+            <a:srgbClr val="FFFFFF"/>
+          </a:solidFill>
+          <a:ln>
+            <a:noFill/>
+          </a:ln>
+        </p:spPr>
+        <p:txBody>
+          <a:bodyPr spcFirstLastPara="1" wrap="square" lIns="91425" tIns="45700" rIns="91425" bIns="45700" anchor="t" anchorCtr="0">
+            <a:noAutofit/>
+          </a:bodyPr>
+          <a:lstStyle>
+            <a:defPPr marR="0" lvl="0" algn="l" rtl="0">
+              <a:lnSpc>
+                <a:spcPct val="100000"/>
+              </a:lnSpc>
+              <a:spcBef>
+                <a:spcPts val="0"/>
+              </a:spcBef>
+              <a:spcAft>
+                <a:spcPts val="0"/>
+              </a:spcAft>
+            </a:defPPr>
+            <a:lvl1pPr marL="457200" marR="0" lvl="0" indent="-381000" algn="l" rtl="0">
+              <a:lnSpc>
+                <a:spcPct val="90000"/>
+              </a:lnSpc>
+              <a:spcBef>
+                <a:spcPts val="1000"/>
+              </a:spcBef>
+              <a:spcAft>
+                <a:spcPts val="0"/>
+              </a:spcAft>
+              <a:buClr>
+                <a:schemeClr val="lt1"/>
+              </a:buClr>
+              <a:buSzPts val="2400"/>
+              <a:buFont typeface="Arial"/>
+              <a:buChar char="•"/>
+              <a:defRPr sz="2400" b="0" i="0" u="none" strike="noStrike" cap="none">
+                <a:solidFill>
+                  <a:schemeClr val="lt1"/>
+                </a:solidFill>
+                <a:latin typeface="Trebuchet MS"/>
+                <a:ea typeface="Trebuchet MS"/>
+                <a:cs typeface="Trebuchet MS"/>
+                <a:sym typeface="Trebuchet MS"/>
+              </a:defRPr>
+            </a:lvl1pPr>
+            <a:lvl2pPr marL="914400" marR="0" lvl="1" indent="-355600" algn="l" rtl="0">
+              <a:lnSpc>
+                <a:spcPct val="90000"/>
+              </a:lnSpc>
+              <a:spcBef>
+                <a:spcPts val="500"/>
+              </a:spcBef>
+              <a:spcAft>
+                <a:spcPts val="0"/>
+              </a:spcAft>
+              <a:buClr>
+                <a:schemeClr val="lt1"/>
+              </a:buClr>
+              <a:buSzPts val="2000"/>
+              <a:buFont typeface="Arial"/>
+              <a:buChar char="•"/>
+              <a:defRPr sz="2000" b="0" i="0" u="none" strike="noStrike" cap="none">
+                <a:solidFill>
+                  <a:schemeClr val="lt1"/>
+                </a:solidFill>
+                <a:latin typeface="Trebuchet MS"/>
+                <a:ea typeface="Trebuchet MS"/>
+                <a:cs typeface="Trebuchet MS"/>
+                <a:sym typeface="Trebuchet MS"/>
+              </a:defRPr>
+            </a:lvl2pPr>
+            <a:lvl3pPr marL="1371600" marR="0" lvl="2" indent="-342900" algn="l" rtl="0">
+              <a:lnSpc>
+                <a:spcPct val="90000"/>
+              </a:lnSpc>
+              <a:spcBef>
+                <a:spcPts val="500"/>
+              </a:spcBef>
+              <a:spcAft>
+                <a:spcPts val="0"/>
+              </a:spcAft>
+              <a:buClr>
+                <a:schemeClr val="lt1"/>
+              </a:buClr>
+              <a:buSzPts val="1800"/>
+              <a:buFont typeface="Arial"/>
+              <a:buChar char="•"/>
+              <a:defRPr sz="1800" b="0" i="0" u="none" strike="noStrike" cap="none">
+                <a:solidFill>
+                  <a:schemeClr val="lt1"/>
+                </a:solidFill>
+                <a:latin typeface="Trebuchet MS"/>
+                <a:ea typeface="Trebuchet MS"/>
+                <a:cs typeface="Trebuchet MS"/>
+                <a:sym typeface="Trebuchet MS"/>
+              </a:defRPr>
+            </a:lvl3pPr>
+            <a:lvl4pPr marL="1828800" marR="0" lvl="3" indent="-330200" algn="l" rtl="0">
+              <a:lnSpc>
+                <a:spcPct val="90000"/>
+              </a:lnSpc>
+              <a:spcBef>
+                <a:spcPts val="500"/>
+              </a:spcBef>
+              <a:spcAft>
+                <a:spcPts val="0"/>
+              </a:spcAft>
+              <a:buClr>
+                <a:schemeClr val="lt1"/>
+              </a:buClr>
+              <a:buSzPts val="1600"/>
+              <a:buFont typeface="Arial"/>
+              <a:buChar char="•"/>
+              <a:defRPr sz="1600" b="0" i="0" u="none" strike="noStrike" cap="none">
+                <a:solidFill>
+                  <a:schemeClr val="lt1"/>
+                </a:solidFill>
+                <a:latin typeface="Trebuchet MS"/>
+                <a:ea typeface="Trebuchet MS"/>
+                <a:cs typeface="Trebuchet MS"/>
+                <a:sym typeface="Trebuchet MS"/>
+              </a:defRPr>
+            </a:lvl4pPr>
+            <a:lvl5pPr marL="2286000" marR="0" lvl="4" indent="-330200" algn="l" rtl="0">
+              <a:lnSpc>
+                <a:spcPct val="90000"/>
+              </a:lnSpc>
+              <a:spcBef>
+                <a:spcPts val="500"/>
+              </a:spcBef>
+              <a:spcAft>
+                <a:spcPts val="0"/>
+              </a:spcAft>
+              <a:buClr>
+                <a:schemeClr val="lt1"/>
+              </a:buClr>
+              <a:buSzPts val="1600"/>
+              <a:buFont typeface="Arial"/>
+              <a:buChar char="•"/>
+              <a:defRPr sz="1600" b="0" i="0" u="none" strike="noStrike" cap="none">
+                <a:solidFill>
+                  <a:schemeClr val="lt1"/>
+                </a:solidFill>
+                <a:latin typeface="Trebuchet MS"/>
+                <a:ea typeface="Trebuchet MS"/>
+                <a:cs typeface="Trebuchet MS"/>
+                <a:sym typeface="Trebuchet MS"/>
+              </a:defRPr>
+            </a:lvl5pPr>
+            <a:lvl6pPr marL="2743200" marR="0" lvl="5" indent="-317500" algn="l" rtl="0">
+              <a:lnSpc>
+                <a:spcPct val="90000"/>
+              </a:lnSpc>
+              <a:spcBef>
+                <a:spcPts val="500"/>
+              </a:spcBef>
+              <a:spcAft>
+                <a:spcPts val="0"/>
+              </a:spcAft>
+              <a:buClr>
+                <a:schemeClr val="lt1"/>
+              </a:buClr>
+              <a:buSzPts val="1400"/>
+              <a:buFont typeface="Arial"/>
+              <a:buChar char="•"/>
+              <a:defRPr sz="1400" b="0" i="0" u="none" strike="noStrike" cap="none">
+                <a:solidFill>
+                  <a:schemeClr val="lt1"/>
+                </a:solidFill>
+                <a:latin typeface="Trebuchet MS"/>
+                <a:ea typeface="Trebuchet MS"/>
+                <a:cs typeface="Trebuchet MS"/>
+                <a:sym typeface="Trebuchet MS"/>
+              </a:defRPr>
+            </a:lvl6pPr>
+            <a:lvl7pPr marL="3200400" marR="0" lvl="6" indent="-317500" algn="l" rtl="0">
+              <a:lnSpc>
+                <a:spcPct val="90000"/>
+              </a:lnSpc>
+              <a:spcBef>
+                <a:spcPts val="500"/>
+              </a:spcBef>
+              <a:spcAft>
+                <a:spcPts val="0"/>
+              </a:spcAft>
+              <a:buClr>
+                <a:schemeClr val="lt1"/>
+              </a:buClr>
+              <a:buSzPts val="1400"/>
+              <a:buFont typeface="Arial"/>
+              <a:buChar char="•"/>
+              <a:defRPr sz="1400" b="0" i="0" u="none" strike="noStrike" cap="none">
+                <a:solidFill>
+                  <a:schemeClr val="lt1"/>
+                </a:solidFill>
+                <a:latin typeface="Trebuchet MS"/>
+                <a:ea typeface="Trebuchet MS"/>
+                <a:cs typeface="Trebuchet MS"/>
+                <a:sym typeface="Trebuchet MS"/>
+              </a:defRPr>
+            </a:lvl7pPr>
+            <a:lvl8pPr marL="3657600" marR="0" lvl="7" indent="-317500" algn="l" rtl="0">
+              <a:lnSpc>
+                <a:spcPct val="90000"/>
+              </a:lnSpc>
+              <a:spcBef>
+                <a:spcPts val="500"/>
+              </a:spcBef>
+              <a:spcAft>
+                <a:spcPts val="0"/>
+              </a:spcAft>
+              <a:buClr>
+                <a:schemeClr val="lt1"/>
+              </a:buClr>
+              <a:buSzPts val="1400"/>
+              <a:buFont typeface="Arial"/>
+              <a:buChar char="•"/>
+              <a:defRPr sz="1400" b="0" i="0" u="none" strike="noStrike" cap="none">
+                <a:solidFill>
+                  <a:schemeClr val="lt1"/>
+                </a:solidFill>
+                <a:latin typeface="Trebuchet MS"/>
+                <a:ea typeface="Trebuchet MS"/>
+                <a:cs typeface="Trebuchet MS"/>
+                <a:sym typeface="Trebuchet MS"/>
+              </a:defRPr>
+            </a:lvl8pPr>
+            <a:lvl9pPr marL="4114800" marR="0" lvl="8" indent="-317500" algn="l" rtl="0">
+              <a:lnSpc>
+                <a:spcPct val="90000"/>
+              </a:lnSpc>
+              <a:spcBef>
+                <a:spcPts val="500"/>
+              </a:spcBef>
+              <a:spcAft>
+                <a:spcPts val="0"/>
+              </a:spcAft>
+              <a:buClr>
+                <a:schemeClr val="lt1"/>
+              </a:buClr>
+              <a:buSzPts val="1400"/>
+              <a:buFont typeface="Arial"/>
+              <a:buChar char="•"/>
+              <a:defRPr sz="1400" b="0" i="0" u="none" strike="noStrike" cap="none">
+                <a:solidFill>
+                  <a:schemeClr val="lt1"/>
+                </a:solidFill>
+                <a:latin typeface="Trebuchet MS"/>
+                <a:ea typeface="Trebuchet MS"/>
+                <a:cs typeface="Trebuchet MS"/>
+                <a:sym typeface="Trebuchet MS"/>
+              </a:defRPr>
+            </a:lvl9pPr>
+          </a:lstStyle>
+          <a:p>
+            <a:pPr marL="0" lvl="0" indent="0" defTabSz="914400" fontAlgn="base">
+              <a:lnSpc>
+                <a:spcPct val="100000"/>
+              </a:lnSpc>
+              <a:spcBef>
+                <a:spcPct val="0"/>
+              </a:spcBef>
+              <a:spcAft>
+                <a:spcPct val="0"/>
+              </a:spcAft>
+              <a:buClrTx/>
+              <a:buSzTx/>
+              <a:buNone/>
+            </a:pPr>
+            <a:r>
+              <a:rPr lang="es-AR" altLang="es-AR" sz="2000" b="1" dirty="0">
+                <a:solidFill>
+                  <a:srgbClr val="0000FF"/>
+                </a:solidFill>
+                <a:latin typeface="Arial Narrow" panose="020B0606020202030204" pitchFamily="34" charset="0"/>
+                <a:cs typeface="Times New Roman" panose="02020603050405020304" pitchFamily="18" charset="0"/>
+              </a:rPr>
+              <a:t>[modificador] </a:t>
+            </a:r>
+            <a:r>
+              <a:rPr lang="es-AR" altLang="es-AR" sz="2000" b="1" dirty="0" smtClean="0">
+                <a:solidFill>
+                  <a:srgbClr val="0000FF"/>
+                </a:solidFill>
+                <a:latin typeface="Arial Narrow" panose="020B0606020202030204" pitchFamily="34" charset="0"/>
+                <a:cs typeface="Times New Roman" panose="02020603050405020304" pitchFamily="18" charset="0"/>
+              </a:rPr>
+              <a:t>tipo </a:t>
+            </a:r>
+            <a:r>
+              <a:rPr lang="es-AR" altLang="es-AR" sz="2000" b="1" dirty="0" smtClean="0">
+                <a:solidFill>
+                  <a:srgbClr val="00B0F0"/>
+                </a:solidFill>
+                <a:latin typeface="Arial Narrow" panose="020B0606020202030204" pitchFamily="34" charset="0"/>
+                <a:cs typeface="Times New Roman" panose="02020603050405020304" pitchFamily="18" charset="0"/>
+              </a:rPr>
+              <a:t>Identificador</a:t>
+            </a:r>
+            <a:r>
+              <a:rPr lang="es-AR" altLang="es-AR" sz="2000" b="1" dirty="0" smtClean="0">
+                <a:solidFill>
+                  <a:srgbClr val="000000"/>
+                </a:solidFill>
+                <a:latin typeface="Arial Narrow" panose="020B0606020202030204" pitchFamily="34" charset="0"/>
+                <a:cs typeface="Times New Roman" panose="02020603050405020304" pitchFamily="18" charset="0"/>
+              </a:rPr>
+              <a:t>;</a:t>
+            </a:r>
+            <a:endParaRPr lang="es-AR" altLang="es-AR" sz="2000" b="1" dirty="0">
+              <a:solidFill>
+                <a:srgbClr val="000000"/>
+              </a:solidFill>
+              <a:latin typeface="Arial Narrow" panose="020B0606020202030204" pitchFamily="34" charset="0"/>
+              <a:cs typeface="Times New Roman" panose="02020603050405020304" pitchFamily="18" charset="0"/>
+            </a:endParaRPr>
+          </a:p>
+        </p:txBody>
+      </p:sp>
+    </p:spTree>
+    <p:extLst>
+      <p:ext uri="{BB962C8B-B14F-4D97-AF65-F5344CB8AC3E}">
+        <p14:creationId xmlns:p14="http://schemas.microsoft.com/office/powerpoint/2010/main" val="3400253060"/>
+      </p:ext>
+    </p:extLst>
+  </p:cSld>
+  <p:clrMapOvr>
+    <a:masterClrMapping/>
+  </p:clrMapOvr>
+</p:sld>
+</file>
+
+<file path=ppt/slides/slide12.xml><?xml version="1.0" encoding="utf-8"?>
+<p:sld xmlns:a="http://schemas.openxmlformats.org/drawingml/2006/main" xmlns:r="http://schemas.openxmlformats.org/officeDocument/2006/relationships" xmlns:p="http://schemas.openxmlformats.org/presentationml/2006/main">
+  <p:cSld>
+    <p:spTree>
+      <p:nvGrpSpPr>
+        <p:cNvPr id="1" name=""/>
+        <p:cNvGrpSpPr/>
+        <p:nvPr/>
+      </p:nvGrpSpPr>
+      <p:grpSpPr>
+        <a:xfrm>
+          <a:off x="0" y="0"/>
+          <a:ext cx="0" cy="0"/>
+          <a:chOff x="0" y="0"/>
+          <a:chExt cx="0" cy="0"/>
+        </a:xfrm>
+      </p:grpSpPr>
+      <p:sp>
+        <p:nvSpPr>
+          <p:cNvPr id="2" name="Título 1"/>
+          <p:cNvSpPr>
+            <a:spLocks noGrp="1"/>
+          </p:cNvSpPr>
+          <p:nvPr>
+            <p:ph type="title"/>
+          </p:nvPr>
+        </p:nvSpPr>
+        <p:spPr/>
+        <p:txBody>
+          <a:bodyPr/>
+          <a:lstStyle/>
+          <a:p>
+            <a:r>
+              <a:rPr lang="es-AR" dirty="0" smtClean="0"/>
+              <a:t>Modificadores Atributos</a:t>
+            </a:r>
+            <a:endParaRPr lang="es-AR" dirty="0"/>
+          </a:p>
+        </p:txBody>
+      </p:sp>
+      <p:graphicFrame>
+        <p:nvGraphicFramePr>
+          <p:cNvPr id="4" name="Tabla 3"/>
+          <p:cNvGraphicFramePr>
+            <a:graphicFrameLocks noGrp="1"/>
+          </p:cNvGraphicFramePr>
+          <p:nvPr>
+            <p:extLst>
+              <p:ext uri="{D42A27DB-BD31-4B8C-83A1-F6EECF244321}">
+                <p14:modId xmlns:p14="http://schemas.microsoft.com/office/powerpoint/2010/main" val="1740482864"/>
+              </p:ext>
+            </p:extLst>
+          </p:nvPr>
+        </p:nvGraphicFramePr>
+        <p:xfrm>
+          <a:off x="377370" y="2098523"/>
+          <a:ext cx="11263086" cy="3935700"/>
+        </p:xfrm>
+        <a:graphic>
+          <a:graphicData uri="http://schemas.openxmlformats.org/drawingml/2006/table">
+            <a:tbl>
+              <a:tblPr firstRow="1" bandRow="1">
+                <a:tableStyleId>{5C22544A-7EE6-4342-B048-85BDC9FD1C3A}</a:tableStyleId>
+              </a:tblPr>
+              <a:tblGrid>
+                <a:gridCol w="5631543"/>
+                <a:gridCol w="5631543"/>
+              </a:tblGrid>
+              <a:tr h="370840">
+                <a:tc>
+                  <a:txBody>
+                    <a:bodyPr/>
+                    <a:lstStyle/>
+                    <a:p>
+                      <a:pPr marL="0" marR="0" lvl="0" indent="0" algn="l" defTabSz="914400" rtl="0" eaLnBrk="1" fontAlgn="base" latinLnBrk="0" hangingPunct="1">
+                        <a:lnSpc>
+                          <a:spcPct val="90000"/>
+                        </a:lnSpc>
+                        <a:spcBef>
+                          <a:spcPct val="25000"/>
+                        </a:spcBef>
+                        <a:spcAft>
+                          <a:spcPct val="0"/>
+                        </a:spcAft>
+                        <a:buClr>
+                          <a:schemeClr val="tx2"/>
+                        </a:buClr>
+                        <a:buSzPct val="75000"/>
+                        <a:buFont typeface="Wingdings" pitchFamily="2" charset="2"/>
+                        <a:buNone/>
+                        <a:tabLst/>
+                      </a:pPr>
+                      <a:r>
+                        <a:rPr kumimoji="0" lang="es-ES" sz="2200" b="0" i="0" u="none" strike="noStrike" cap="none" normalizeH="0" baseline="0" dirty="0" smtClean="0">
+                          <a:ln>
+                            <a:noFill/>
+                          </a:ln>
+                          <a:solidFill>
+                            <a:schemeClr val="tx1"/>
+                          </a:solidFill>
+                          <a:effectLst/>
+                          <a:latin typeface="Franklin Gothic Medium" pitchFamily="34" charset="0"/>
+                        </a:rPr>
+                        <a:t>Nombre</a:t>
+                      </a:r>
+                    </a:p>
+                  </a:txBody>
+                  <a:tcPr marL="90000" marR="90000" marT="46797" marB="46797" horzOverflow="overflow"/>
+                </a:tc>
+                <a:tc>
+                  <a:txBody>
+                    <a:bodyPr/>
+                    <a:lstStyle/>
+                    <a:p>
+                      <a:pPr marL="0" marR="0" lvl="0" indent="0" algn="ctr" defTabSz="914400" rtl="0" eaLnBrk="1" fontAlgn="base" latinLnBrk="0" hangingPunct="1">
+                        <a:lnSpc>
+                          <a:spcPct val="90000"/>
+                        </a:lnSpc>
+                        <a:spcBef>
+                          <a:spcPct val="25000"/>
+                        </a:spcBef>
+                        <a:spcAft>
+                          <a:spcPct val="0"/>
+                        </a:spcAft>
+                        <a:buClr>
+                          <a:schemeClr val="tx2"/>
+                        </a:buClr>
+                        <a:buSzPct val="75000"/>
+                        <a:buFont typeface="Wingdings" pitchFamily="2" charset="2"/>
+                        <a:buNone/>
+                        <a:tabLst/>
+                      </a:pPr>
+                      <a:r>
+                        <a:rPr kumimoji="0" lang="es-ES" sz="2200" b="0" i="0" u="none" strike="noStrike" cap="none" normalizeH="0" baseline="0" dirty="0" smtClean="0">
+                          <a:ln>
+                            <a:noFill/>
+                          </a:ln>
+                          <a:solidFill>
+                            <a:schemeClr val="tx1"/>
+                          </a:solidFill>
+                          <a:effectLst/>
+                          <a:latin typeface="Franklin Gothic Medium" pitchFamily="34" charset="0"/>
+                        </a:rPr>
+                        <a:t>Puede ser accedido por...</a:t>
+                      </a:r>
+                    </a:p>
+                  </a:txBody>
+                  <a:tcPr marL="90000" marR="90000" marT="46797" marB="46797" horzOverflow="overflow"/>
+                </a:tc>
+              </a:tr>
+              <a:tr h="370840">
+                <a:tc>
+                  <a:txBody>
+                    <a:bodyPr/>
+                    <a:lstStyle/>
+                    <a:p>
+                      <a:pPr marL="0" marR="0" lvl="0" indent="0" algn="l" defTabSz="914400" rtl="0" eaLnBrk="1" fontAlgn="base" latinLnBrk="0" hangingPunct="1">
+                        <a:lnSpc>
+                          <a:spcPct val="90000"/>
+                        </a:lnSpc>
+                        <a:spcBef>
+                          <a:spcPct val="25000"/>
+                        </a:spcBef>
+                        <a:spcAft>
+                          <a:spcPct val="0"/>
+                        </a:spcAft>
+                        <a:buClr>
+                          <a:schemeClr val="tx2"/>
+                        </a:buClr>
+                        <a:buSzPct val="75000"/>
+                        <a:buFont typeface="Wingdings" pitchFamily="2" charset="2"/>
+                        <a:buNone/>
+                        <a:tabLst/>
+                      </a:pPr>
+                      <a:r>
+                        <a:rPr kumimoji="0" lang="es-ES" sz="2800" b="0" i="0" u="none" strike="noStrike" cap="none" normalizeH="0" baseline="0" dirty="0" smtClean="0">
+                          <a:ln>
+                            <a:noFill/>
+                          </a:ln>
+                          <a:solidFill>
+                            <a:srgbClr val="9D360E"/>
+                          </a:solidFill>
+                          <a:effectLst/>
+                          <a:latin typeface="Franklin Gothic Medium" pitchFamily="34" charset="0"/>
+                        </a:rPr>
+                        <a:t>private  (*)</a:t>
+                      </a:r>
+                    </a:p>
+                  </a:txBody>
+                  <a:tcPr marL="90000" marR="90000" marT="46797" marB="46797" horzOverflow="overflow"/>
+                </a:tc>
+                <a:tc>
+                  <a:txBody>
+                    <a:bodyPr/>
+                    <a:lstStyle/>
+                    <a:p>
+                      <a:pPr marL="0" marR="0" lvl="0" indent="0" algn="l" defTabSz="914400" rtl="0" eaLnBrk="1" fontAlgn="base" latinLnBrk="0" hangingPunct="1">
+                        <a:lnSpc>
+                          <a:spcPct val="90000"/>
+                        </a:lnSpc>
+                        <a:spcBef>
+                          <a:spcPct val="25000"/>
+                        </a:spcBef>
+                        <a:spcAft>
+                          <a:spcPct val="0"/>
+                        </a:spcAft>
+                        <a:buClr>
+                          <a:schemeClr val="tx2"/>
+                        </a:buClr>
+                        <a:buSzPct val="75000"/>
+                        <a:buFont typeface="Wingdings" pitchFamily="2" charset="2"/>
+                        <a:buNone/>
+                        <a:tabLst/>
+                      </a:pPr>
+                      <a:r>
+                        <a:rPr kumimoji="0" lang="es-ES" sz="2800" b="0" i="0" u="none" strike="noStrike" cap="none" normalizeH="0" baseline="0" dirty="0" smtClean="0">
+                          <a:ln>
+                            <a:noFill/>
+                          </a:ln>
+                          <a:solidFill>
+                            <a:srgbClr val="9D360E"/>
+                          </a:solidFill>
+                          <a:effectLst/>
+                          <a:latin typeface="Franklin Gothic Medium" pitchFamily="34" charset="0"/>
+                        </a:rPr>
+                        <a:t>Los miembros de la misma clase.</a:t>
+                      </a:r>
+                    </a:p>
+                  </a:txBody>
+                  <a:tcPr marL="90000" marR="90000" marT="46797" marB="46797" horzOverflow="overflow"/>
+                </a:tc>
+              </a:tr>
+              <a:tr h="370840">
+                <a:tc>
+                  <a:txBody>
+                    <a:bodyPr/>
+                    <a:lstStyle/>
+                    <a:p>
+                      <a:pPr marL="0" marR="0" lvl="0" indent="0" algn="l" defTabSz="914400" rtl="0" eaLnBrk="1" fontAlgn="base" latinLnBrk="0" hangingPunct="1">
+                        <a:lnSpc>
+                          <a:spcPct val="90000"/>
+                        </a:lnSpc>
+                        <a:spcBef>
+                          <a:spcPct val="25000"/>
+                        </a:spcBef>
+                        <a:spcAft>
+                          <a:spcPct val="0"/>
+                        </a:spcAft>
+                        <a:buClr>
+                          <a:schemeClr val="tx2"/>
+                        </a:buClr>
+                        <a:buSzPct val="75000"/>
+                        <a:buFont typeface="Wingdings" pitchFamily="2" charset="2"/>
+                        <a:buNone/>
+                        <a:tabLst/>
+                      </a:pPr>
+                      <a:r>
+                        <a:rPr kumimoji="0" lang="es-ES" sz="2800" b="0" i="0" u="none" strike="noStrike" cap="none" normalizeH="0" baseline="0" dirty="0" smtClean="0">
+                          <a:ln>
+                            <a:noFill/>
+                          </a:ln>
+                          <a:solidFill>
+                            <a:srgbClr val="9D360E"/>
+                          </a:solidFill>
+                          <a:effectLst/>
+                          <a:latin typeface="Franklin Gothic Medium" pitchFamily="34" charset="0"/>
+                        </a:rPr>
+                        <a:t>protected</a:t>
+                      </a:r>
+                    </a:p>
+                  </a:txBody>
+                  <a:tcPr marL="90000" marR="90000" marT="46797" marB="46797" horzOverflow="overflow"/>
+                </a:tc>
+                <a:tc>
+                  <a:txBody>
+                    <a:bodyPr/>
+                    <a:lstStyle/>
+                    <a:p>
+                      <a:pPr marL="0" marR="0" lvl="0" indent="0" algn="l" defTabSz="914400" rtl="0" eaLnBrk="1" fontAlgn="base" latinLnBrk="0" hangingPunct="1">
+                        <a:lnSpc>
+                          <a:spcPct val="90000"/>
+                        </a:lnSpc>
+                        <a:spcBef>
+                          <a:spcPct val="25000"/>
+                        </a:spcBef>
+                        <a:spcAft>
+                          <a:spcPct val="0"/>
+                        </a:spcAft>
+                        <a:buClr>
+                          <a:schemeClr val="tx2"/>
+                        </a:buClr>
+                        <a:buSzPct val="75000"/>
+                        <a:buFont typeface="Wingdings" pitchFamily="2" charset="2"/>
+                        <a:buNone/>
+                        <a:tabLst/>
+                      </a:pPr>
+                      <a:r>
+                        <a:rPr kumimoji="0" lang="es-ES" sz="2800" b="0" i="0" u="none" strike="noStrike" cap="none" normalizeH="0" baseline="0" dirty="0" smtClean="0">
+                          <a:ln>
+                            <a:noFill/>
+                          </a:ln>
+                          <a:solidFill>
+                            <a:srgbClr val="9D360E"/>
+                          </a:solidFill>
+                          <a:effectLst/>
+                          <a:latin typeface="Franklin Gothic Medium" pitchFamily="34" charset="0"/>
+                        </a:rPr>
+                        <a:t>Los miembros de la misma clase y clases derivadas o hijas.</a:t>
+                      </a:r>
+                    </a:p>
+                  </a:txBody>
+                  <a:tcPr marL="90000" marR="90000" marT="46797" marB="46797" horzOverflow="overflow"/>
+                </a:tc>
+              </a:tr>
+              <a:tr h="370840">
+                <a:tc>
+                  <a:txBody>
+                    <a:bodyPr/>
+                    <a:lstStyle/>
+                    <a:p>
+                      <a:pPr marL="0" marR="0" lvl="0" indent="0" algn="l" defTabSz="914400" rtl="0" eaLnBrk="1" fontAlgn="base" latinLnBrk="0" hangingPunct="1">
+                        <a:lnSpc>
+                          <a:spcPct val="90000"/>
+                        </a:lnSpc>
+                        <a:spcBef>
+                          <a:spcPct val="25000"/>
+                        </a:spcBef>
+                        <a:spcAft>
+                          <a:spcPct val="0"/>
+                        </a:spcAft>
+                        <a:buClr>
+                          <a:schemeClr val="tx2"/>
+                        </a:buClr>
+                        <a:buSzPct val="75000"/>
+                        <a:buFont typeface="Wingdings" pitchFamily="2" charset="2"/>
+                        <a:buNone/>
+                        <a:tabLst/>
+                      </a:pPr>
+                      <a:r>
+                        <a:rPr kumimoji="0" lang="es-ES" sz="2800" b="0" i="0" u="none" strike="noStrike" cap="none" normalizeH="0" baseline="0" dirty="0" smtClean="0">
+                          <a:ln>
+                            <a:noFill/>
+                          </a:ln>
+                          <a:solidFill>
+                            <a:srgbClr val="9D360E"/>
+                          </a:solidFill>
+                          <a:effectLst/>
+                          <a:latin typeface="Franklin Gothic Medium" pitchFamily="34" charset="0"/>
+                        </a:rPr>
+                        <a:t>internal</a:t>
+                      </a:r>
+                    </a:p>
+                  </a:txBody>
+                  <a:tcPr marL="90000" marR="90000" marT="46797" marB="46797" horzOverflow="overflow"/>
+                </a:tc>
+                <a:tc>
+                  <a:txBody>
+                    <a:bodyPr/>
+                    <a:lstStyle/>
+                    <a:p>
+                      <a:pPr marL="0" marR="0" lvl="0" indent="0" algn="l" defTabSz="914400" rtl="0" eaLnBrk="1" fontAlgn="base" latinLnBrk="0" hangingPunct="1">
+                        <a:lnSpc>
+                          <a:spcPct val="90000"/>
+                        </a:lnSpc>
+                        <a:spcBef>
+                          <a:spcPct val="25000"/>
+                        </a:spcBef>
+                        <a:spcAft>
+                          <a:spcPct val="0"/>
+                        </a:spcAft>
+                        <a:buClr>
+                          <a:schemeClr val="tx2"/>
+                        </a:buClr>
+                        <a:buSzPct val="75000"/>
+                        <a:buFont typeface="Wingdings" pitchFamily="2" charset="2"/>
+                        <a:buNone/>
+                        <a:tabLst/>
+                      </a:pPr>
+                      <a:r>
+                        <a:rPr kumimoji="0" lang="es-ES" sz="2800" b="0" i="0" u="none" strike="noStrike" cap="none" normalizeH="0" baseline="0" dirty="0" smtClean="0">
+                          <a:ln>
+                            <a:noFill/>
+                          </a:ln>
+                          <a:solidFill>
+                            <a:srgbClr val="9D360E"/>
+                          </a:solidFill>
+                          <a:effectLst/>
+                          <a:latin typeface="Franklin Gothic Medium" pitchFamily="34" charset="0"/>
+                        </a:rPr>
+                        <a:t>Los miembros del mismo proyecto.</a:t>
+                      </a:r>
+                    </a:p>
+                  </a:txBody>
+                  <a:tcPr marL="90000" marR="90000" marT="46797" marB="46797" horzOverflow="overflow"/>
+                </a:tc>
+              </a:tr>
+              <a:tr h="370840">
+                <a:tc>
+                  <a:txBody>
+                    <a:bodyPr/>
+                    <a:lstStyle/>
+                    <a:p>
+                      <a:pPr marL="0" marR="0" lvl="0" indent="0" algn="l" defTabSz="914400" rtl="0" eaLnBrk="1" fontAlgn="base" latinLnBrk="0" hangingPunct="1">
+                        <a:lnSpc>
+                          <a:spcPct val="90000"/>
+                        </a:lnSpc>
+                        <a:spcBef>
+                          <a:spcPct val="25000"/>
+                        </a:spcBef>
+                        <a:spcAft>
+                          <a:spcPct val="0"/>
+                        </a:spcAft>
+                        <a:buClr>
+                          <a:schemeClr val="tx2"/>
+                        </a:buClr>
+                        <a:buSzPct val="75000"/>
+                        <a:buFont typeface="Wingdings" pitchFamily="2" charset="2"/>
+                        <a:buNone/>
+                        <a:tabLst/>
+                      </a:pPr>
+                      <a:r>
+                        <a:rPr kumimoji="0" lang="es-ES" sz="2800" b="0" i="0" u="none" strike="noStrike" cap="none" normalizeH="0" baseline="0" dirty="0" smtClean="0">
+                          <a:ln>
+                            <a:noFill/>
+                          </a:ln>
+                          <a:solidFill>
+                            <a:srgbClr val="9D360E"/>
+                          </a:solidFill>
+                          <a:effectLst/>
+                          <a:latin typeface="Franklin Gothic Medium" pitchFamily="34" charset="0"/>
+                        </a:rPr>
+                        <a:t>internal protected</a:t>
+                      </a:r>
+                    </a:p>
+                  </a:txBody>
+                  <a:tcPr marL="90000" marR="90000" marT="46797" marB="46797" horzOverflow="overflow"/>
+                </a:tc>
+                <a:tc>
+                  <a:txBody>
+                    <a:bodyPr/>
+                    <a:lstStyle/>
+                    <a:p>
+                      <a:pPr marL="0" marR="0" lvl="0" indent="0" algn="l" defTabSz="914400" rtl="0" eaLnBrk="1" fontAlgn="base" latinLnBrk="0" hangingPunct="1">
+                        <a:lnSpc>
+                          <a:spcPct val="90000"/>
+                        </a:lnSpc>
+                        <a:spcBef>
+                          <a:spcPct val="25000"/>
+                        </a:spcBef>
+                        <a:spcAft>
+                          <a:spcPct val="0"/>
+                        </a:spcAft>
+                        <a:buClr>
+                          <a:schemeClr val="tx2"/>
+                        </a:buClr>
+                        <a:buSzPct val="75000"/>
+                        <a:buFont typeface="Wingdings" pitchFamily="2" charset="2"/>
+                        <a:buNone/>
+                        <a:tabLst/>
+                      </a:pPr>
+                      <a:r>
+                        <a:rPr kumimoji="0" lang="es-ES" sz="2800" b="0" i="0" u="none" strike="noStrike" cap="none" normalizeH="0" baseline="0" dirty="0" smtClean="0">
+                          <a:ln>
+                            <a:noFill/>
+                          </a:ln>
+                          <a:solidFill>
+                            <a:srgbClr val="9D360E"/>
+                          </a:solidFill>
+                          <a:effectLst/>
+                          <a:latin typeface="Franklin Gothic Medium" pitchFamily="34" charset="0"/>
+                        </a:rPr>
+                        <a:t>Los miembros del mismo proyecto o clases derivadas.</a:t>
+                      </a:r>
+                    </a:p>
+                  </a:txBody>
+                  <a:tcPr marL="90000" marR="90000" marT="46797" marB="46797" horzOverflow="overflow"/>
+                </a:tc>
+              </a:tr>
+              <a:tr h="370840">
+                <a:tc>
+                  <a:txBody>
+                    <a:bodyPr/>
+                    <a:lstStyle/>
+                    <a:p>
+                      <a:pPr marL="0" marR="0" lvl="0" indent="0" algn="l" defTabSz="914400" rtl="0" eaLnBrk="1" fontAlgn="base" latinLnBrk="0" hangingPunct="1">
+                        <a:lnSpc>
+                          <a:spcPct val="90000"/>
+                        </a:lnSpc>
+                        <a:spcBef>
+                          <a:spcPct val="25000"/>
+                        </a:spcBef>
+                        <a:spcAft>
+                          <a:spcPct val="0"/>
+                        </a:spcAft>
+                        <a:buClr>
+                          <a:schemeClr val="tx2"/>
+                        </a:buClr>
+                        <a:buSzPct val="75000"/>
+                        <a:buFont typeface="Wingdings" pitchFamily="2" charset="2"/>
+                        <a:buNone/>
+                        <a:tabLst/>
+                      </a:pPr>
+                      <a:r>
+                        <a:rPr kumimoji="0" lang="es-ES" sz="2800" b="0" i="0" u="none" strike="noStrike" cap="none" normalizeH="0" baseline="0" dirty="0" smtClean="0">
+                          <a:ln>
+                            <a:noFill/>
+                          </a:ln>
+                          <a:solidFill>
+                            <a:srgbClr val="9D360E"/>
+                          </a:solidFill>
+                          <a:effectLst/>
+                          <a:latin typeface="Franklin Gothic Medium" pitchFamily="34" charset="0"/>
+                        </a:rPr>
+                        <a:t>public</a:t>
+                      </a:r>
+                    </a:p>
+                  </a:txBody>
+                  <a:tcPr marL="90000" marR="90000" marT="46797" marB="46797" horzOverflow="overflow"/>
+                </a:tc>
+                <a:tc>
+                  <a:txBody>
+                    <a:bodyPr/>
+                    <a:lstStyle/>
+                    <a:p>
+                      <a:pPr marL="0" marR="0" lvl="0" indent="0" algn="l" defTabSz="914400" rtl="0" eaLnBrk="1" fontAlgn="base" latinLnBrk="0" hangingPunct="1">
+                        <a:lnSpc>
+                          <a:spcPct val="90000"/>
+                        </a:lnSpc>
+                        <a:spcBef>
+                          <a:spcPct val="25000"/>
+                        </a:spcBef>
+                        <a:spcAft>
+                          <a:spcPct val="0"/>
+                        </a:spcAft>
+                        <a:buClr>
+                          <a:schemeClr val="tx2"/>
+                        </a:buClr>
+                        <a:buSzPct val="75000"/>
+                        <a:buFont typeface="Wingdings" pitchFamily="2" charset="2"/>
+                        <a:buNone/>
+                        <a:tabLst/>
+                      </a:pPr>
+                      <a:r>
+                        <a:rPr kumimoji="0" lang="es-ES" sz="2800" b="0" i="0" u="none" strike="noStrike" cap="none" normalizeH="0" baseline="0" dirty="0" smtClean="0">
+                          <a:ln>
+                            <a:noFill/>
+                          </a:ln>
+                          <a:solidFill>
+                            <a:srgbClr val="9D360E"/>
+                          </a:solidFill>
+                          <a:effectLst/>
+                          <a:latin typeface="Franklin Gothic Medium" pitchFamily="34" charset="0"/>
+                        </a:rPr>
+                        <a:t>Cualquier miembro. Accesibilidad abierta.</a:t>
+                      </a:r>
+                    </a:p>
+                  </a:txBody>
+                  <a:tcPr marL="90000" marR="90000" marT="46797" marB="46797" horzOverflow="overflow"/>
+                </a:tc>
+              </a:tr>
+            </a:tbl>
+          </a:graphicData>
+        </a:graphic>
+      </p:graphicFrame>
+      <p:sp>
+        <p:nvSpPr>
+          <p:cNvPr id="5" name="CuadroTexto 4"/>
+          <p:cNvSpPr txBox="1"/>
+          <p:nvPr/>
+        </p:nvSpPr>
+        <p:spPr>
+          <a:xfrm>
+            <a:off x="680321" y="6226628"/>
+            <a:ext cx="2445093" cy="369332"/>
+          </a:xfrm>
+          <a:prstGeom prst="rect">
+            <a:avLst/>
+          </a:prstGeom>
+          <a:noFill/>
+        </p:spPr>
+        <p:txBody>
+          <a:bodyPr wrap="none" rtlCol="0">
+            <a:spAutoFit/>
+          </a:bodyPr>
+          <a:lstStyle/>
+          <a:p>
+            <a:r>
+              <a:rPr lang="es-ES" dirty="0">
+                <a:effectLst>
+                  <a:outerShdw blurRad="38100" dist="38100" dir="2700000" algn="tl">
+                    <a:srgbClr val="000000"/>
+                  </a:outerShdw>
+                </a:effectLst>
+                <a:latin typeface="Franklin Gothic Medium" pitchFamily="34" charset="0"/>
+              </a:rPr>
+              <a:t>(*): </a:t>
+            </a:r>
+            <a:r>
+              <a:rPr lang="es-ES" dirty="0" smtClean="0">
+                <a:effectLst>
+                  <a:outerShdw blurRad="38100" dist="38100" dir="2700000" algn="tl">
+                    <a:srgbClr val="000000"/>
+                  </a:outerShdw>
+                </a:effectLst>
+                <a:latin typeface="Franklin Gothic Medium" pitchFamily="34" charset="0"/>
+              </a:rPr>
+              <a:t>Acceso por defecto</a:t>
+            </a:r>
+            <a:endParaRPr lang="es-ES" dirty="0">
+              <a:effectLst>
+                <a:outerShdw blurRad="38100" dist="38100" dir="2700000" algn="tl">
+                  <a:srgbClr val="000000"/>
+                </a:outerShdw>
+              </a:effectLst>
+              <a:latin typeface="Franklin Gothic Medium" pitchFamily="34" charset="0"/>
+            </a:endParaRPr>
+          </a:p>
+        </p:txBody>
+      </p:sp>
+    </p:spTree>
+    <p:extLst>
+      <p:ext uri="{BB962C8B-B14F-4D97-AF65-F5344CB8AC3E}">
+        <p14:creationId xmlns:p14="http://schemas.microsoft.com/office/powerpoint/2010/main" val="3600921689"/>
+      </p:ext>
+    </p:extLst>
+  </p:cSld>
+  <p:clrMapOvr>
+    <a:masterClrMapping/>
+  </p:clrMapOvr>
+  <p:timing>
+    <p:tnLst>
+      <p:par>
+        <p:cTn id="1" dur="indefinite" restart="never" nodeType="tmRoot"/>
+      </p:par>
+    </p:tnLst>
+  </p:timing>
+</p:sld>
+</file>
+
+<file path=ppt/slides/slide13.xml><?xml version="1.0" encoding="utf-8"?>
+<p:sld xmlns:a="http://schemas.openxmlformats.org/drawingml/2006/main" xmlns:r="http://schemas.openxmlformats.org/officeDocument/2006/relationships" xmlns:p="http://schemas.openxmlformats.org/presentationml/2006/main">
+  <p:cSld>
+    <p:spTree>
+      <p:nvGrpSpPr>
+        <p:cNvPr id="1" name=""/>
+        <p:cNvGrpSpPr/>
+        <p:nvPr/>
+      </p:nvGrpSpPr>
+      <p:grpSpPr>
+        <a:xfrm>
+          <a:off x="0" y="0"/>
+          <a:ext cx="0" cy="0"/>
+          <a:chOff x="0" y="0"/>
+          <a:chExt cx="0" cy="0"/>
+        </a:xfrm>
+      </p:grpSpPr>
+      <p:sp>
+        <p:nvSpPr>
+          <p:cNvPr id="2" name="Título 1"/>
+          <p:cNvSpPr>
+            <a:spLocks noGrp="1"/>
+          </p:cNvSpPr>
+          <p:nvPr>
+            <p:ph type="title"/>
+          </p:nvPr>
+        </p:nvSpPr>
+        <p:spPr/>
+        <p:txBody>
+          <a:bodyPr/>
+          <a:lstStyle/>
+          <a:p>
+            <a:r>
+              <a:rPr lang="es-AR" dirty="0" smtClean="0"/>
+              <a:t>Métodos (1/2)</a:t>
+            </a:r>
+            <a:endParaRPr lang="es-AR" dirty="0"/>
+          </a:p>
+        </p:txBody>
+      </p:sp>
+      <p:sp>
+        <p:nvSpPr>
+          <p:cNvPr id="3" name="Marcador de contenido 2"/>
+          <p:cNvSpPr>
+            <a:spLocks noGrp="1"/>
+          </p:cNvSpPr>
+          <p:nvPr>
+            <p:ph idx="1"/>
+          </p:nvPr>
+        </p:nvSpPr>
+        <p:spPr>
+          <a:xfrm>
+            <a:off x="680321" y="3585023"/>
+            <a:ext cx="10742422" cy="3353898"/>
+          </a:xfrm>
+        </p:spPr>
+        <p:txBody>
+          <a:bodyPr>
+            <a:normAutofit lnSpcReduction="10000"/>
+          </a:bodyPr>
+          <a:lstStyle/>
+          <a:p>
+            <a:pPr>
+              <a:lnSpc>
+                <a:spcPct val="80000"/>
+              </a:lnSpc>
+              <a:defRPr/>
+            </a:pPr>
+            <a:r>
+              <a:rPr lang="es-ES" sz="2800" b="1" dirty="0">
+                <a:effectLst>
+                  <a:outerShdw blurRad="38100" dist="38100" dir="2700000" algn="tl">
+                    <a:srgbClr val="000000">
+                      <a:alpha val="43137"/>
+                    </a:srgbClr>
+                  </a:outerShdw>
+                </a:effectLst>
+                <a:latin typeface="Franklin Gothic Medium" panose="020B0603020102020204" pitchFamily="34" charset="0"/>
+              </a:rPr>
+              <a:t>modificador</a:t>
+            </a:r>
+            <a:r>
+              <a:rPr lang="es-ES" sz="2800" dirty="0">
+                <a:effectLst>
+                  <a:outerShdw blurRad="38100" dist="38100" dir="2700000" algn="tl">
+                    <a:srgbClr val="000000">
+                      <a:alpha val="43137"/>
+                    </a:srgbClr>
+                  </a:outerShdw>
+                </a:effectLst>
+                <a:latin typeface="Franklin Gothic Medium" panose="020B0603020102020204" pitchFamily="34" charset="0"/>
+              </a:rPr>
+              <a:t>: Determina la forma en que los métodos serán usados.</a:t>
+            </a:r>
+          </a:p>
+          <a:p>
+            <a:pPr>
+              <a:lnSpc>
+                <a:spcPct val="80000"/>
+              </a:lnSpc>
+              <a:defRPr/>
+            </a:pPr>
+            <a:r>
+              <a:rPr lang="es-ES" sz="2800" b="1" dirty="0">
+                <a:effectLst>
+                  <a:outerShdw blurRad="38100" dist="38100" dir="2700000" algn="tl">
+                    <a:srgbClr val="000000">
+                      <a:alpha val="43137"/>
+                    </a:srgbClr>
+                  </a:outerShdw>
+                </a:effectLst>
+                <a:latin typeface="Franklin Gothic Medium" panose="020B0603020102020204" pitchFamily="34" charset="0"/>
+              </a:rPr>
+              <a:t>retorno</a:t>
+            </a:r>
+            <a:r>
+              <a:rPr lang="es-ES" sz="2800" dirty="0">
+                <a:effectLst>
+                  <a:outerShdw blurRad="38100" dist="38100" dir="2700000" algn="tl">
+                    <a:srgbClr val="000000">
+                      <a:alpha val="43137"/>
+                    </a:srgbClr>
+                  </a:outerShdw>
+                </a:effectLst>
+                <a:latin typeface="Franklin Gothic Medium" panose="020B0603020102020204" pitchFamily="34" charset="0"/>
+              </a:rPr>
+              <a:t>: Es el tipo de valor devuelto por el método (sólo </a:t>
+            </a:r>
+            <a:r>
+              <a:rPr lang="es-ES" sz="2800" dirty="0" err="1">
+                <a:effectLst>
+                  <a:outerShdw blurRad="38100" dist="38100" dir="2700000" algn="tl">
+                    <a:srgbClr val="000000">
+                      <a:alpha val="43137"/>
+                    </a:srgbClr>
+                  </a:outerShdw>
+                </a:effectLst>
+                <a:latin typeface="Franklin Gothic Medium" panose="020B0603020102020204" pitchFamily="34" charset="0"/>
+              </a:rPr>
+              <a:t>retornán</a:t>
+            </a:r>
+            <a:r>
+              <a:rPr lang="es-ES" sz="2800" dirty="0">
+                <a:effectLst>
+                  <a:outerShdw blurRad="38100" dist="38100" dir="2700000" algn="tl">
+                    <a:srgbClr val="000000">
+                      <a:alpha val="43137"/>
+                    </a:srgbClr>
+                  </a:outerShdw>
+                </a:effectLst>
+                <a:latin typeface="Franklin Gothic Medium" panose="020B0603020102020204" pitchFamily="34" charset="0"/>
+              </a:rPr>
+              <a:t> un único valor). </a:t>
+            </a:r>
+          </a:p>
+          <a:p>
+            <a:pPr>
+              <a:lnSpc>
+                <a:spcPct val="80000"/>
+              </a:lnSpc>
+              <a:defRPr/>
+            </a:pPr>
+            <a:r>
+              <a:rPr lang="es-ES" sz="2800" b="1" dirty="0">
+                <a:effectLst>
+                  <a:outerShdw blurRad="38100" dist="38100" dir="2700000" algn="tl">
+                    <a:srgbClr val="000000">
+                      <a:alpha val="43137"/>
+                    </a:srgbClr>
+                  </a:outerShdw>
+                </a:effectLst>
+                <a:latin typeface="Franklin Gothic Medium" panose="020B0603020102020204" pitchFamily="34" charset="0"/>
+              </a:rPr>
+              <a:t>Identificador</a:t>
+            </a:r>
+            <a:r>
+              <a:rPr lang="es-ES" sz="2800" dirty="0">
+                <a:effectLst>
+                  <a:outerShdw blurRad="38100" dist="38100" dir="2700000" algn="tl">
+                    <a:srgbClr val="000000">
+                      <a:alpha val="43137"/>
+                    </a:srgbClr>
+                  </a:outerShdw>
+                </a:effectLst>
+                <a:latin typeface="Franklin Gothic Medium" panose="020B0603020102020204" pitchFamily="34" charset="0"/>
+              </a:rPr>
+              <a:t>: Indica el nombre del método.</a:t>
+            </a:r>
+          </a:p>
+          <a:p>
+            <a:pPr lvl="1">
+              <a:lnSpc>
+                <a:spcPct val="80000"/>
+              </a:lnSpc>
+              <a:defRPr/>
+            </a:pPr>
+            <a:r>
+              <a:rPr lang="es-ES" sz="2400" dirty="0">
+                <a:effectLst>
+                  <a:outerShdw blurRad="38100" dist="38100" dir="2700000" algn="tl">
+                    <a:srgbClr val="000000">
+                      <a:alpha val="43137"/>
+                    </a:srgbClr>
+                  </a:outerShdw>
+                </a:effectLst>
+                <a:latin typeface="Franklin Gothic Medium" panose="020B0603020102020204" pitchFamily="34" charset="0"/>
+              </a:rPr>
+              <a:t>Los nombres deben ser verbos, con la primera letra en mayúscula y el resto en minúscula.</a:t>
+            </a:r>
+          </a:p>
+          <a:p>
+            <a:pPr lvl="1">
+              <a:lnSpc>
+                <a:spcPct val="80000"/>
+              </a:lnSpc>
+              <a:defRPr/>
+            </a:pPr>
+            <a:r>
+              <a:rPr lang="es-ES" sz="2400" dirty="0">
+                <a:effectLst>
+                  <a:outerShdw blurRad="38100" dist="38100" dir="2700000" algn="tl">
+                    <a:srgbClr val="000000">
+                      <a:alpha val="43137"/>
+                    </a:srgbClr>
+                  </a:outerShdw>
+                </a:effectLst>
+                <a:latin typeface="Franklin Gothic Medium" panose="020B0603020102020204" pitchFamily="34" charset="0"/>
+              </a:rPr>
+              <a:t>Si el nombre es compuesto, las primeras letras de cada palabra en mayúsculas, las demás en minúsculas.  </a:t>
+            </a:r>
+          </a:p>
+          <a:p>
+            <a:pPr lvl="1">
+              <a:lnSpc>
+                <a:spcPct val="80000"/>
+              </a:lnSpc>
+              <a:buNone/>
+              <a:defRPr/>
+            </a:pPr>
+            <a:r>
+              <a:rPr lang="es-ES" sz="2400" dirty="0">
+                <a:effectLst>
+                  <a:outerShdw blurRad="38100" dist="38100" dir="2700000" algn="tl">
+                    <a:srgbClr val="000000">
+                      <a:alpha val="43137"/>
+                    </a:srgbClr>
+                  </a:outerShdw>
+                </a:effectLst>
+                <a:latin typeface="Franklin Gothic Medium" panose="020B0603020102020204" pitchFamily="34" charset="0"/>
+              </a:rPr>
+              <a:t>	Ejemplo: </a:t>
+            </a:r>
+            <a:r>
+              <a:rPr lang="es-ES" sz="2400" dirty="0" err="1">
+                <a:effectLst>
+                  <a:outerShdw blurRad="38100" dist="38100" dir="2700000" algn="tl">
+                    <a:srgbClr val="000000">
+                      <a:alpha val="43137"/>
+                    </a:srgbClr>
+                  </a:outerShdw>
+                </a:effectLst>
+                <a:latin typeface="Franklin Gothic Medium" panose="020B0603020102020204" pitchFamily="34" charset="0"/>
+              </a:rPr>
+              <a:t>AgregarAlumno</a:t>
+            </a:r>
+            <a:endParaRPr lang="es-ES" sz="2400" dirty="0">
+              <a:effectLst>
+                <a:outerShdw blurRad="38100" dist="38100" dir="2700000" algn="tl">
+                  <a:srgbClr val="000000">
+                    <a:alpha val="43137"/>
+                  </a:srgbClr>
+                </a:outerShdw>
+              </a:effectLst>
+              <a:latin typeface="Franklin Gothic Medium" panose="020B0603020102020204" pitchFamily="34" charset="0"/>
+            </a:endParaRPr>
+          </a:p>
+        </p:txBody>
+      </p:sp>
+      <p:sp>
+        <p:nvSpPr>
+          <p:cNvPr id="4" name="Google Shape;408;p22"/>
+          <p:cNvSpPr txBox="1">
+            <a:spLocks/>
+          </p:cNvSpPr>
+          <p:nvPr/>
+        </p:nvSpPr>
+        <p:spPr>
+          <a:xfrm>
+            <a:off x="680321" y="2075543"/>
+            <a:ext cx="10588693" cy="1393368"/>
+          </a:xfrm>
+          <a:prstGeom prst="rect">
+            <a:avLst/>
+          </a:prstGeom>
+          <a:solidFill>
+            <a:srgbClr val="FFFFFF"/>
+          </a:solidFill>
+          <a:ln>
+            <a:noFill/>
+          </a:ln>
+        </p:spPr>
+        <p:txBody>
+          <a:bodyPr spcFirstLastPara="1" wrap="square" lIns="91425" tIns="45700" rIns="91425" bIns="45700" anchor="t" anchorCtr="0">
+            <a:noAutofit/>
+          </a:bodyPr>
+          <a:lstStyle>
+            <a:defPPr marR="0" lvl="0" algn="l" rtl="0">
+              <a:lnSpc>
+                <a:spcPct val="100000"/>
+              </a:lnSpc>
+              <a:spcBef>
+                <a:spcPts val="0"/>
+              </a:spcBef>
+              <a:spcAft>
+                <a:spcPts val="0"/>
+              </a:spcAft>
+            </a:defPPr>
+            <a:lvl1pPr marL="457200" marR="0" lvl="0" indent="-381000" algn="l" rtl="0">
+              <a:lnSpc>
+                <a:spcPct val="90000"/>
+              </a:lnSpc>
+              <a:spcBef>
+                <a:spcPts val="1000"/>
+              </a:spcBef>
+              <a:spcAft>
+                <a:spcPts val="0"/>
+              </a:spcAft>
+              <a:buClr>
+                <a:schemeClr val="lt1"/>
+              </a:buClr>
+              <a:buSzPts val="2400"/>
+              <a:buFont typeface="Arial"/>
+              <a:buChar char="•"/>
+              <a:defRPr sz="2400" b="0" i="0" u="none" strike="noStrike" cap="none">
+                <a:solidFill>
+                  <a:schemeClr val="lt1"/>
+                </a:solidFill>
+                <a:latin typeface="Trebuchet MS"/>
+                <a:ea typeface="Trebuchet MS"/>
+                <a:cs typeface="Trebuchet MS"/>
+                <a:sym typeface="Trebuchet MS"/>
+              </a:defRPr>
+            </a:lvl1pPr>
+            <a:lvl2pPr marL="914400" marR="0" lvl="1" indent="-355600" algn="l" rtl="0">
+              <a:lnSpc>
+                <a:spcPct val="90000"/>
+              </a:lnSpc>
+              <a:spcBef>
+                <a:spcPts val="500"/>
+              </a:spcBef>
+              <a:spcAft>
+                <a:spcPts val="0"/>
+              </a:spcAft>
+              <a:buClr>
+                <a:schemeClr val="lt1"/>
+              </a:buClr>
+              <a:buSzPts val="2000"/>
+              <a:buFont typeface="Arial"/>
+              <a:buChar char="•"/>
+              <a:defRPr sz="2000" b="0" i="0" u="none" strike="noStrike" cap="none">
+                <a:solidFill>
+                  <a:schemeClr val="lt1"/>
+                </a:solidFill>
+                <a:latin typeface="Trebuchet MS"/>
+                <a:ea typeface="Trebuchet MS"/>
+                <a:cs typeface="Trebuchet MS"/>
+                <a:sym typeface="Trebuchet MS"/>
+              </a:defRPr>
+            </a:lvl2pPr>
+            <a:lvl3pPr marL="1371600" marR="0" lvl="2" indent="-342900" algn="l" rtl="0">
+              <a:lnSpc>
+                <a:spcPct val="90000"/>
+              </a:lnSpc>
+              <a:spcBef>
+                <a:spcPts val="500"/>
+              </a:spcBef>
+              <a:spcAft>
+                <a:spcPts val="0"/>
+              </a:spcAft>
+              <a:buClr>
+                <a:schemeClr val="lt1"/>
+              </a:buClr>
+              <a:buSzPts val="1800"/>
+              <a:buFont typeface="Arial"/>
+              <a:buChar char="•"/>
+              <a:defRPr sz="1800" b="0" i="0" u="none" strike="noStrike" cap="none">
+                <a:solidFill>
+                  <a:schemeClr val="lt1"/>
+                </a:solidFill>
+                <a:latin typeface="Trebuchet MS"/>
+                <a:ea typeface="Trebuchet MS"/>
+                <a:cs typeface="Trebuchet MS"/>
+                <a:sym typeface="Trebuchet MS"/>
+              </a:defRPr>
+            </a:lvl3pPr>
+            <a:lvl4pPr marL="1828800" marR="0" lvl="3" indent="-330200" algn="l" rtl="0">
+              <a:lnSpc>
+                <a:spcPct val="90000"/>
+              </a:lnSpc>
+              <a:spcBef>
+                <a:spcPts val="500"/>
+              </a:spcBef>
+              <a:spcAft>
+                <a:spcPts val="0"/>
+              </a:spcAft>
+              <a:buClr>
+                <a:schemeClr val="lt1"/>
+              </a:buClr>
+              <a:buSzPts val="1600"/>
+              <a:buFont typeface="Arial"/>
+              <a:buChar char="•"/>
+              <a:defRPr sz="1600" b="0" i="0" u="none" strike="noStrike" cap="none">
+                <a:solidFill>
+                  <a:schemeClr val="lt1"/>
+                </a:solidFill>
+                <a:latin typeface="Trebuchet MS"/>
+                <a:ea typeface="Trebuchet MS"/>
+                <a:cs typeface="Trebuchet MS"/>
+                <a:sym typeface="Trebuchet MS"/>
+              </a:defRPr>
+            </a:lvl4pPr>
+            <a:lvl5pPr marL="2286000" marR="0" lvl="4" indent="-330200" algn="l" rtl="0">
+              <a:lnSpc>
+                <a:spcPct val="90000"/>
+              </a:lnSpc>
+              <a:spcBef>
+                <a:spcPts val="500"/>
+              </a:spcBef>
+              <a:spcAft>
+                <a:spcPts val="0"/>
+              </a:spcAft>
+              <a:buClr>
+                <a:schemeClr val="lt1"/>
+              </a:buClr>
+              <a:buSzPts val="1600"/>
+              <a:buFont typeface="Arial"/>
+              <a:buChar char="•"/>
+              <a:defRPr sz="1600" b="0" i="0" u="none" strike="noStrike" cap="none">
+                <a:solidFill>
+                  <a:schemeClr val="lt1"/>
+                </a:solidFill>
+                <a:latin typeface="Trebuchet MS"/>
+                <a:ea typeface="Trebuchet MS"/>
+                <a:cs typeface="Trebuchet MS"/>
+                <a:sym typeface="Trebuchet MS"/>
+              </a:defRPr>
+            </a:lvl5pPr>
+            <a:lvl6pPr marL="2743200" marR="0" lvl="5" indent="-317500" algn="l" rtl="0">
+              <a:lnSpc>
+                <a:spcPct val="90000"/>
+              </a:lnSpc>
+              <a:spcBef>
+                <a:spcPts val="500"/>
+              </a:spcBef>
+              <a:spcAft>
+                <a:spcPts val="0"/>
+              </a:spcAft>
+              <a:buClr>
+                <a:schemeClr val="lt1"/>
+              </a:buClr>
+              <a:buSzPts val="1400"/>
+              <a:buFont typeface="Arial"/>
+              <a:buChar char="•"/>
+              <a:defRPr sz="1400" b="0" i="0" u="none" strike="noStrike" cap="none">
+                <a:solidFill>
+                  <a:schemeClr val="lt1"/>
+                </a:solidFill>
+                <a:latin typeface="Trebuchet MS"/>
+                <a:ea typeface="Trebuchet MS"/>
+                <a:cs typeface="Trebuchet MS"/>
+                <a:sym typeface="Trebuchet MS"/>
+              </a:defRPr>
+            </a:lvl6pPr>
+            <a:lvl7pPr marL="3200400" marR="0" lvl="6" indent="-317500" algn="l" rtl="0">
+              <a:lnSpc>
+                <a:spcPct val="90000"/>
+              </a:lnSpc>
+              <a:spcBef>
+                <a:spcPts val="500"/>
+              </a:spcBef>
+              <a:spcAft>
+                <a:spcPts val="0"/>
+              </a:spcAft>
+              <a:buClr>
+                <a:schemeClr val="lt1"/>
+              </a:buClr>
+              <a:buSzPts val="1400"/>
+              <a:buFont typeface="Arial"/>
+              <a:buChar char="•"/>
+              <a:defRPr sz="1400" b="0" i="0" u="none" strike="noStrike" cap="none">
+                <a:solidFill>
+                  <a:schemeClr val="lt1"/>
+                </a:solidFill>
+                <a:latin typeface="Trebuchet MS"/>
+                <a:ea typeface="Trebuchet MS"/>
+                <a:cs typeface="Trebuchet MS"/>
+                <a:sym typeface="Trebuchet MS"/>
+              </a:defRPr>
+            </a:lvl7pPr>
+            <a:lvl8pPr marL="3657600" marR="0" lvl="7" indent="-317500" algn="l" rtl="0">
+              <a:lnSpc>
+                <a:spcPct val="90000"/>
+              </a:lnSpc>
+              <a:spcBef>
+                <a:spcPts val="500"/>
+              </a:spcBef>
+              <a:spcAft>
+                <a:spcPts val="0"/>
+              </a:spcAft>
+              <a:buClr>
+                <a:schemeClr val="lt1"/>
+              </a:buClr>
+              <a:buSzPts val="1400"/>
+              <a:buFont typeface="Arial"/>
+              <a:buChar char="•"/>
+              <a:defRPr sz="1400" b="0" i="0" u="none" strike="noStrike" cap="none">
+                <a:solidFill>
+                  <a:schemeClr val="lt1"/>
+                </a:solidFill>
+                <a:latin typeface="Trebuchet MS"/>
+                <a:ea typeface="Trebuchet MS"/>
+                <a:cs typeface="Trebuchet MS"/>
+                <a:sym typeface="Trebuchet MS"/>
+              </a:defRPr>
+            </a:lvl8pPr>
+            <a:lvl9pPr marL="4114800" marR="0" lvl="8" indent="-317500" algn="l" rtl="0">
+              <a:lnSpc>
+                <a:spcPct val="90000"/>
+              </a:lnSpc>
+              <a:spcBef>
+                <a:spcPts val="500"/>
+              </a:spcBef>
+              <a:spcAft>
+                <a:spcPts val="0"/>
+              </a:spcAft>
+              <a:buClr>
+                <a:schemeClr val="lt1"/>
+              </a:buClr>
+              <a:buSzPts val="1400"/>
+              <a:buFont typeface="Arial"/>
+              <a:buChar char="•"/>
+              <a:defRPr sz="1400" b="0" i="0" u="none" strike="noStrike" cap="none">
+                <a:solidFill>
+                  <a:schemeClr val="lt1"/>
+                </a:solidFill>
+                <a:latin typeface="Trebuchet MS"/>
+                <a:ea typeface="Trebuchet MS"/>
+                <a:cs typeface="Trebuchet MS"/>
+                <a:sym typeface="Trebuchet MS"/>
+              </a:defRPr>
+            </a:lvl9pPr>
+          </a:lstStyle>
+          <a:p>
+            <a:pPr marL="0" lvl="0" indent="0" defTabSz="914400" fontAlgn="base">
+              <a:lnSpc>
+                <a:spcPct val="100000"/>
+              </a:lnSpc>
+              <a:spcBef>
+                <a:spcPct val="0"/>
+              </a:spcBef>
+              <a:spcAft>
+                <a:spcPct val="0"/>
+              </a:spcAft>
+              <a:buClrTx/>
+              <a:buSzTx/>
+              <a:buNone/>
+            </a:pPr>
+            <a:r>
+              <a:rPr lang="es-AR" altLang="es-AR" sz="2000" b="1" dirty="0">
+                <a:solidFill>
+                  <a:srgbClr val="0000FF"/>
+                </a:solidFill>
+                <a:latin typeface="Arial Narrow" panose="020B0606020202030204" pitchFamily="34" charset="0"/>
+                <a:cs typeface="Times New Roman" panose="02020603050405020304" pitchFamily="18" charset="0"/>
+              </a:rPr>
+              <a:t>[modificador] </a:t>
+            </a:r>
+            <a:r>
+              <a:rPr lang="es-AR" altLang="es-AR" sz="2000" b="1" dirty="0" smtClean="0">
+                <a:solidFill>
+                  <a:srgbClr val="0000FF"/>
+                </a:solidFill>
+                <a:latin typeface="Arial Narrow" panose="020B0606020202030204" pitchFamily="34" charset="0"/>
+                <a:cs typeface="Times New Roman" panose="02020603050405020304" pitchFamily="18" charset="0"/>
+              </a:rPr>
+              <a:t>retorno </a:t>
+            </a:r>
+            <a:r>
+              <a:rPr lang="es-AR" altLang="es-AR" sz="2000" b="1" dirty="0">
+                <a:solidFill>
+                  <a:srgbClr val="00B0F0"/>
+                </a:solidFill>
+                <a:latin typeface="Arial Narrow" panose="020B0606020202030204" pitchFamily="34" charset="0"/>
+                <a:cs typeface="Times New Roman" panose="02020603050405020304" pitchFamily="18" charset="0"/>
+              </a:rPr>
+              <a:t>Identificador</a:t>
+            </a:r>
+            <a:r>
+              <a:rPr lang="es-AR" altLang="es-AR" sz="2000" b="1" dirty="0">
+                <a:solidFill>
+                  <a:srgbClr val="000000"/>
+                </a:solidFill>
+                <a:latin typeface="Arial Narrow" panose="020B0606020202030204" pitchFamily="34" charset="0"/>
+                <a:cs typeface="Times New Roman" panose="02020603050405020304" pitchFamily="18" charset="0"/>
+              </a:rPr>
+              <a:t> </a:t>
+            </a:r>
+            <a:r>
+              <a:rPr lang="es-AR" altLang="es-AR" sz="2000" b="1" dirty="0" smtClean="0">
+                <a:solidFill>
+                  <a:srgbClr val="000000"/>
+                </a:solidFill>
+                <a:latin typeface="Arial Narrow" panose="020B0606020202030204" pitchFamily="34" charset="0"/>
+                <a:cs typeface="Times New Roman" panose="02020603050405020304" pitchFamily="18" charset="0"/>
+              </a:rPr>
+              <a:t>( [</a:t>
+            </a:r>
+            <a:r>
+              <a:rPr lang="es-AR" altLang="es-AR" sz="2000" b="1" dirty="0" err="1" smtClean="0">
+                <a:solidFill>
+                  <a:srgbClr val="000000"/>
+                </a:solidFill>
+                <a:latin typeface="Arial Narrow" panose="020B0606020202030204" pitchFamily="34" charset="0"/>
+                <a:cs typeface="Times New Roman" panose="02020603050405020304" pitchFamily="18" charset="0"/>
+              </a:rPr>
+              <a:t>args</a:t>
+            </a:r>
+            <a:r>
+              <a:rPr lang="es-AR" altLang="es-AR" sz="2000" b="1" dirty="0" smtClean="0">
+                <a:solidFill>
+                  <a:srgbClr val="000000"/>
+                </a:solidFill>
+                <a:latin typeface="Arial Narrow" panose="020B0606020202030204" pitchFamily="34" charset="0"/>
+                <a:cs typeface="Times New Roman" panose="02020603050405020304" pitchFamily="18" charset="0"/>
+              </a:rPr>
+              <a:t>] )</a:t>
+            </a:r>
+            <a:endParaRPr lang="es-AR" altLang="es-AR" sz="2000" b="1" dirty="0">
+              <a:solidFill>
+                <a:srgbClr val="000000"/>
+              </a:solidFill>
+              <a:latin typeface="Arial Narrow" panose="020B0606020202030204" pitchFamily="34" charset="0"/>
+              <a:cs typeface="Times New Roman" panose="02020603050405020304" pitchFamily="18" charset="0"/>
+            </a:endParaRPr>
+          </a:p>
+          <a:p>
+            <a:pPr marL="0" lvl="0" indent="0" defTabSz="914400" fontAlgn="base">
+              <a:lnSpc>
+                <a:spcPct val="100000"/>
+              </a:lnSpc>
+              <a:spcBef>
+                <a:spcPct val="0"/>
+              </a:spcBef>
+              <a:spcAft>
+                <a:spcPct val="0"/>
+              </a:spcAft>
+              <a:buClrTx/>
+              <a:buSzTx/>
+              <a:buNone/>
+            </a:pPr>
+            <a:r>
+              <a:rPr lang="es-AR" altLang="es-AR" sz="2000" b="1" dirty="0">
+                <a:solidFill>
+                  <a:srgbClr val="000000"/>
+                </a:solidFill>
+                <a:latin typeface="Arial Narrow" panose="020B0606020202030204" pitchFamily="34" charset="0"/>
+                <a:cs typeface="Times New Roman" panose="02020603050405020304" pitchFamily="18" charset="0"/>
+              </a:rPr>
+              <a:t>{</a:t>
+            </a:r>
+          </a:p>
+          <a:p>
+            <a:pPr marL="0" lvl="0" indent="0" defTabSz="914400" fontAlgn="base">
+              <a:lnSpc>
+                <a:spcPct val="100000"/>
+              </a:lnSpc>
+              <a:spcBef>
+                <a:spcPct val="0"/>
+              </a:spcBef>
+              <a:spcAft>
+                <a:spcPct val="0"/>
+              </a:spcAft>
+              <a:buClrTx/>
+              <a:buSzTx/>
+              <a:buNone/>
+            </a:pPr>
+            <a:r>
+              <a:rPr lang="es-AR" altLang="es-AR" sz="2000" b="1" dirty="0">
+                <a:solidFill>
+                  <a:srgbClr val="000000"/>
+                </a:solidFill>
+                <a:latin typeface="Arial Narrow" panose="020B0606020202030204" pitchFamily="34" charset="0"/>
+                <a:cs typeface="Times New Roman" panose="02020603050405020304" pitchFamily="18" charset="0"/>
+              </a:rPr>
+              <a:t>        </a:t>
+            </a:r>
+            <a:r>
+              <a:rPr lang="es-AR" altLang="es-AR" sz="2000" b="1" dirty="0">
+                <a:solidFill>
+                  <a:srgbClr val="66CC66"/>
+                </a:solidFill>
+                <a:latin typeface="Arial Narrow" panose="020B0606020202030204" pitchFamily="34" charset="0"/>
+                <a:cs typeface="Times New Roman" panose="02020603050405020304" pitchFamily="18" charset="0"/>
+              </a:rPr>
+              <a:t>// </a:t>
+            </a:r>
+            <a:r>
+              <a:rPr lang="es-AR" altLang="es-AR" sz="2000" b="1" dirty="0" smtClean="0">
+                <a:solidFill>
+                  <a:srgbClr val="66CC66"/>
+                </a:solidFill>
+                <a:latin typeface="Arial Narrow" panose="020B0606020202030204" pitchFamily="34" charset="0"/>
+                <a:cs typeface="Times New Roman" panose="02020603050405020304" pitchFamily="18" charset="0"/>
+              </a:rPr>
+              <a:t>Sentencias</a:t>
+            </a:r>
+            <a:endParaRPr lang="es-AR" altLang="es-AR" sz="2000" b="1" dirty="0">
+              <a:solidFill>
+                <a:srgbClr val="66CC66"/>
+              </a:solidFill>
+              <a:latin typeface="Arial Narrow" panose="020B0606020202030204" pitchFamily="34" charset="0"/>
+              <a:cs typeface="Times New Roman" panose="02020603050405020304" pitchFamily="18" charset="0"/>
+            </a:endParaRPr>
+          </a:p>
+          <a:p>
+            <a:pPr marL="0" lvl="0" indent="0" defTabSz="914400" fontAlgn="base">
+              <a:lnSpc>
+                <a:spcPct val="100000"/>
+              </a:lnSpc>
+              <a:spcBef>
+                <a:spcPct val="0"/>
+              </a:spcBef>
+              <a:spcAft>
+                <a:spcPct val="0"/>
+              </a:spcAft>
+              <a:buClrTx/>
+              <a:buSzTx/>
+              <a:buNone/>
+            </a:pPr>
+            <a:r>
+              <a:rPr lang="es-AR" altLang="es-AR" sz="2000" b="1" dirty="0">
+                <a:solidFill>
+                  <a:srgbClr val="000000"/>
+                </a:solidFill>
+                <a:latin typeface="Arial Narrow" panose="020B0606020202030204" pitchFamily="34" charset="0"/>
+                <a:cs typeface="Times New Roman" panose="02020603050405020304" pitchFamily="18" charset="0"/>
+              </a:rPr>
+              <a:t>}</a:t>
+            </a:r>
+          </a:p>
+          <a:p>
+            <a:pPr marL="0" lvl="0" indent="0" defTabSz="914400" fontAlgn="base">
+              <a:lnSpc>
+                <a:spcPct val="100000"/>
+              </a:lnSpc>
+              <a:spcBef>
+                <a:spcPct val="0"/>
+              </a:spcBef>
+              <a:spcAft>
+                <a:spcPct val="0"/>
+              </a:spcAft>
+              <a:buClrTx/>
+              <a:buSzTx/>
+              <a:buNone/>
+            </a:pPr>
+            <a:endParaRPr lang="es-AR" altLang="es-AR" sz="2000" b="1" dirty="0">
+              <a:solidFill>
+                <a:srgbClr val="000000"/>
+              </a:solidFill>
+              <a:latin typeface="Arial Narrow" panose="020B0606020202030204" pitchFamily="34" charset="0"/>
+              <a:cs typeface="Times New Roman" panose="02020603050405020304" pitchFamily="18" charset="0"/>
+            </a:endParaRPr>
+          </a:p>
+        </p:txBody>
+      </p:sp>
+    </p:spTree>
+    <p:extLst>
+      <p:ext uri="{BB962C8B-B14F-4D97-AF65-F5344CB8AC3E}">
+        <p14:creationId xmlns:p14="http://schemas.microsoft.com/office/powerpoint/2010/main" val="1274950846"/>
+      </p:ext>
+    </p:extLst>
+  </p:cSld>
+  <p:clrMapOvr>
+    <a:masterClrMapping/>
+  </p:clrMapOvr>
+</p:sld>
+</file>
+
+<file path=ppt/slides/slide14.xml><?xml version="1.0" encoding="utf-8"?>
+<p:sld xmlns:a="http://schemas.openxmlformats.org/drawingml/2006/main" xmlns:r="http://schemas.openxmlformats.org/officeDocument/2006/relationships" xmlns:p="http://schemas.openxmlformats.org/presentationml/2006/main">
+  <p:cSld>
+    <p:spTree>
+      <p:nvGrpSpPr>
+        <p:cNvPr id="1" name=""/>
+        <p:cNvGrpSpPr/>
+        <p:nvPr/>
+      </p:nvGrpSpPr>
+      <p:grpSpPr>
+        <a:xfrm>
+          <a:off x="0" y="0"/>
+          <a:ext cx="0" cy="0"/>
+          <a:chOff x="0" y="0"/>
+          <a:chExt cx="0" cy="0"/>
+        </a:xfrm>
+      </p:grpSpPr>
+      <p:sp>
+        <p:nvSpPr>
+          <p:cNvPr id="2" name="Título 1"/>
+          <p:cNvSpPr>
+            <a:spLocks noGrp="1"/>
+          </p:cNvSpPr>
+          <p:nvPr>
+            <p:ph type="title"/>
+          </p:nvPr>
+        </p:nvSpPr>
+        <p:spPr/>
+        <p:txBody>
+          <a:bodyPr/>
+          <a:lstStyle/>
+          <a:p>
+            <a:r>
+              <a:rPr lang="es-AR" dirty="0"/>
+              <a:t>Métodos </a:t>
+            </a:r>
+            <a:r>
+              <a:rPr lang="es-AR" dirty="0" smtClean="0"/>
+              <a:t>(2/2</a:t>
+            </a:r>
+            <a:r>
+              <a:rPr lang="es-AR" dirty="0"/>
+              <a:t>)</a:t>
+            </a:r>
+          </a:p>
+        </p:txBody>
+      </p:sp>
+      <p:sp>
+        <p:nvSpPr>
+          <p:cNvPr id="3" name="Marcador de contenido 2"/>
+          <p:cNvSpPr>
+            <a:spLocks noGrp="1"/>
+          </p:cNvSpPr>
+          <p:nvPr>
+            <p:ph idx="1"/>
+          </p:nvPr>
+        </p:nvSpPr>
+        <p:spPr>
+          <a:xfrm>
+            <a:off x="680321" y="2336873"/>
+            <a:ext cx="9613861" cy="4209070"/>
+          </a:xfrm>
+        </p:spPr>
+        <p:txBody>
+          <a:bodyPr>
+            <a:normAutofit fontScale="92500" lnSpcReduction="10000"/>
+          </a:bodyPr>
+          <a:lstStyle/>
+          <a:p>
+            <a:pPr>
+              <a:defRPr/>
+            </a:pPr>
+            <a:r>
+              <a:rPr lang="es-ES" sz="2800" b="1" dirty="0" err="1">
+                <a:effectLst>
+                  <a:outerShdw blurRad="38100" dist="38100" dir="2700000" algn="tl">
+                    <a:srgbClr val="000000">
+                      <a:alpha val="43137"/>
+                    </a:srgbClr>
+                  </a:outerShdw>
+                </a:effectLst>
+                <a:latin typeface="Franklin Gothic Medium" panose="020B0603020102020204" pitchFamily="34" charset="0"/>
+              </a:rPr>
+              <a:t>args</a:t>
+            </a:r>
+            <a:r>
+              <a:rPr lang="es-ES" sz="2800" dirty="0">
+                <a:effectLst>
+                  <a:outerShdw blurRad="38100" dist="38100" dir="2700000" algn="tl">
+                    <a:srgbClr val="000000">
+                      <a:alpha val="43137"/>
+                    </a:srgbClr>
+                  </a:outerShdw>
+                </a:effectLst>
+                <a:latin typeface="Franklin Gothic Medium" panose="020B0603020102020204" pitchFamily="34" charset="0"/>
+              </a:rPr>
+              <a:t>: Representan una lista de variables cuyos valores son pasados al método para ser usados por este. Los corchetes indican que los parámetros son opcionales. </a:t>
+            </a:r>
+          </a:p>
+          <a:p>
+            <a:pPr>
+              <a:defRPr/>
+            </a:pPr>
+            <a:r>
+              <a:rPr lang="es-ES" sz="2800" dirty="0">
+                <a:effectLst>
+                  <a:outerShdw blurRad="38100" dist="38100" dir="2700000" algn="tl">
+                    <a:srgbClr val="000000">
+                      <a:alpha val="43137"/>
+                    </a:srgbClr>
+                  </a:outerShdw>
+                </a:effectLst>
+                <a:latin typeface="Franklin Gothic Medium" panose="020B0603020102020204" pitchFamily="34" charset="0"/>
+              </a:rPr>
+              <a:t>Los parámetros se definen como</a:t>
+            </a:r>
+            <a:r>
+              <a:rPr lang="es-ES" sz="2800" dirty="0" smtClean="0">
+                <a:effectLst>
+                  <a:outerShdw blurRad="38100" dist="38100" dir="2700000" algn="tl">
+                    <a:srgbClr val="000000">
+                      <a:alpha val="43137"/>
+                    </a:srgbClr>
+                  </a:outerShdw>
+                </a:effectLst>
+                <a:latin typeface="Franklin Gothic Medium" panose="020B0603020102020204" pitchFamily="34" charset="0"/>
+              </a:rPr>
+              <a:t>:</a:t>
+            </a:r>
+          </a:p>
+          <a:p>
+            <a:pPr>
+              <a:defRPr/>
+            </a:pPr>
+            <a:endParaRPr lang="es-ES" sz="2800" dirty="0">
+              <a:effectLst>
+                <a:outerShdw blurRad="38100" dist="38100" dir="2700000" algn="tl">
+                  <a:srgbClr val="000000">
+                    <a:alpha val="43137"/>
+                  </a:srgbClr>
+                </a:outerShdw>
+              </a:effectLst>
+              <a:latin typeface="Franklin Gothic Medium" panose="020B0603020102020204" pitchFamily="34" charset="0"/>
+            </a:endParaRPr>
+          </a:p>
+          <a:p>
+            <a:pPr lvl="1">
+              <a:defRPr/>
+            </a:pPr>
+            <a:endParaRPr lang="es-ES" b="1" dirty="0">
+              <a:solidFill>
+                <a:schemeClr val="bg2"/>
+              </a:solidFill>
+              <a:effectLst>
+                <a:outerShdw blurRad="38100" dist="38100" dir="2700000" algn="tl">
+                  <a:srgbClr val="000000">
+                    <a:alpha val="43137"/>
+                  </a:srgbClr>
+                </a:outerShdw>
+              </a:effectLst>
+              <a:latin typeface="Franklin Gothic Medium" panose="020B0603020102020204" pitchFamily="34" charset="0"/>
+            </a:endParaRPr>
+          </a:p>
+          <a:p>
+            <a:pPr>
+              <a:defRPr/>
+            </a:pPr>
+            <a:r>
+              <a:rPr lang="es-ES" sz="2800" dirty="0">
+                <a:effectLst>
+                  <a:outerShdw blurRad="38100" dist="38100" dir="2700000" algn="tl">
+                    <a:srgbClr val="000000">
+                      <a:alpha val="43137"/>
+                    </a:srgbClr>
+                  </a:outerShdw>
+                </a:effectLst>
+                <a:latin typeface="Franklin Gothic Medium" panose="020B0603020102020204" pitchFamily="34" charset="0"/>
+              </a:rPr>
+              <a:t>Si hay más de un parámetro, serán separados por una coma ( , ).</a:t>
+            </a:r>
+          </a:p>
+          <a:p>
+            <a:pPr>
+              <a:defRPr/>
+            </a:pPr>
+            <a:r>
+              <a:rPr lang="es-ES" sz="2800" dirty="0">
+                <a:effectLst>
+                  <a:outerShdw blurRad="38100" dist="38100" dir="2700000" algn="tl">
+                    <a:srgbClr val="000000">
+                      <a:alpha val="43137"/>
+                    </a:srgbClr>
+                  </a:outerShdw>
+                </a:effectLst>
+                <a:latin typeface="Franklin Gothic Medium" panose="020B0603020102020204" pitchFamily="34" charset="0"/>
+              </a:rPr>
+              <a:t>Si un método no retorna ningún valor se usará la palabra reservada </a:t>
+            </a:r>
+            <a:r>
+              <a:rPr lang="es-ES" sz="2800" b="1" dirty="0" err="1">
+                <a:effectLst>
+                  <a:outerShdw blurRad="38100" dist="38100" dir="2700000" algn="tl">
+                    <a:srgbClr val="000000">
+                      <a:alpha val="43137"/>
+                    </a:srgbClr>
+                  </a:outerShdw>
+                </a:effectLst>
+                <a:latin typeface="Franklin Gothic Medium" panose="020B0603020102020204" pitchFamily="34" charset="0"/>
+              </a:rPr>
+              <a:t>void</a:t>
+            </a:r>
+            <a:r>
+              <a:rPr lang="es-ES" sz="2800" dirty="0">
+                <a:effectLst>
+                  <a:outerShdw blurRad="38100" dist="38100" dir="2700000" algn="tl">
+                    <a:srgbClr val="000000">
+                      <a:alpha val="43137"/>
+                    </a:srgbClr>
+                  </a:outerShdw>
+                </a:effectLst>
+                <a:latin typeface="Franklin Gothic Medium" panose="020B0603020102020204" pitchFamily="34" charset="0"/>
+              </a:rPr>
+              <a:t>.</a:t>
+            </a:r>
+          </a:p>
+          <a:p>
+            <a:pPr>
+              <a:defRPr/>
+            </a:pPr>
+            <a:r>
+              <a:rPr lang="es-ES" sz="2800" dirty="0">
+                <a:effectLst>
+                  <a:outerShdw blurRad="38100" dist="38100" dir="2700000" algn="tl">
+                    <a:srgbClr val="000000">
+                      <a:alpha val="43137"/>
+                    </a:srgbClr>
+                  </a:outerShdw>
+                </a:effectLst>
+                <a:latin typeface="Franklin Gothic Medium" panose="020B0603020102020204" pitchFamily="34" charset="0"/>
+              </a:rPr>
+              <a:t>Para retornar algún valor del método se utilizará la palabra reservada </a:t>
+            </a:r>
+            <a:r>
+              <a:rPr lang="es-ES" sz="2800" b="1" dirty="0" err="1">
+                <a:effectLst>
+                  <a:outerShdw blurRad="38100" dist="38100" dir="2700000" algn="tl">
+                    <a:srgbClr val="000000">
+                      <a:alpha val="43137"/>
+                    </a:srgbClr>
+                  </a:outerShdw>
+                </a:effectLst>
+                <a:latin typeface="Franklin Gothic Medium" panose="020B0603020102020204" pitchFamily="34" charset="0"/>
+              </a:rPr>
+              <a:t>return</a:t>
+            </a:r>
+            <a:r>
+              <a:rPr lang="es-ES" sz="2800" dirty="0" smtClean="0">
+                <a:effectLst>
+                  <a:outerShdw blurRad="38100" dist="38100" dir="2700000" algn="tl">
+                    <a:srgbClr val="000000">
+                      <a:alpha val="43137"/>
+                    </a:srgbClr>
+                  </a:outerShdw>
+                </a:effectLst>
+                <a:latin typeface="Franklin Gothic Medium" panose="020B0603020102020204" pitchFamily="34" charset="0"/>
+              </a:rPr>
+              <a:t>.</a:t>
+            </a:r>
+            <a:endParaRPr lang="es-ES" dirty="0">
+              <a:effectLst>
+                <a:outerShdw blurRad="38100" dist="38100" dir="2700000" algn="tl">
+                  <a:srgbClr val="000000">
+                    <a:alpha val="43137"/>
+                  </a:srgbClr>
+                </a:outerShdw>
+              </a:effectLst>
+              <a:latin typeface="Franklin Gothic Medium" panose="020B0603020102020204" pitchFamily="34" charset="0"/>
+            </a:endParaRPr>
+          </a:p>
+        </p:txBody>
+      </p:sp>
+      <p:sp>
+        <p:nvSpPr>
+          <p:cNvPr id="4" name="Google Shape;408;p22"/>
+          <p:cNvSpPr txBox="1">
+            <a:spLocks/>
+          </p:cNvSpPr>
+          <p:nvPr/>
+        </p:nvSpPr>
+        <p:spPr>
+          <a:xfrm>
+            <a:off x="796435" y="3903151"/>
+            <a:ext cx="9497747" cy="538257"/>
+          </a:xfrm>
+          <a:prstGeom prst="rect">
+            <a:avLst/>
+          </a:prstGeom>
+          <a:solidFill>
+            <a:srgbClr val="FFFFFF"/>
+          </a:solidFill>
+          <a:ln>
+            <a:noFill/>
+          </a:ln>
+        </p:spPr>
+        <p:txBody>
+          <a:bodyPr spcFirstLastPara="1" wrap="square" lIns="91425" tIns="45700" rIns="91425" bIns="45700" anchor="t" anchorCtr="0">
+            <a:noAutofit/>
+          </a:bodyPr>
+          <a:lstStyle>
+            <a:defPPr marR="0" lvl="0" algn="l" rtl="0">
+              <a:lnSpc>
+                <a:spcPct val="100000"/>
+              </a:lnSpc>
+              <a:spcBef>
+                <a:spcPts val="0"/>
+              </a:spcBef>
+              <a:spcAft>
+                <a:spcPts val="0"/>
+              </a:spcAft>
+            </a:defPPr>
+            <a:lvl1pPr marL="457200" marR="0" lvl="0" indent="-381000" algn="l" rtl="0">
+              <a:lnSpc>
+                <a:spcPct val="90000"/>
+              </a:lnSpc>
+              <a:spcBef>
+                <a:spcPts val="1000"/>
+              </a:spcBef>
+              <a:spcAft>
+                <a:spcPts val="0"/>
+              </a:spcAft>
+              <a:buClr>
+                <a:schemeClr val="lt1"/>
+              </a:buClr>
+              <a:buSzPts val="2400"/>
+              <a:buFont typeface="Arial"/>
+              <a:buChar char="•"/>
+              <a:defRPr sz="2400" b="0" i="0" u="none" strike="noStrike" cap="none">
+                <a:solidFill>
+                  <a:schemeClr val="lt1"/>
+                </a:solidFill>
+                <a:latin typeface="Trebuchet MS"/>
+                <a:ea typeface="Trebuchet MS"/>
+                <a:cs typeface="Trebuchet MS"/>
+                <a:sym typeface="Trebuchet MS"/>
+              </a:defRPr>
+            </a:lvl1pPr>
+            <a:lvl2pPr marL="914400" marR="0" lvl="1" indent="-355600" algn="l" rtl="0">
+              <a:lnSpc>
+                <a:spcPct val="90000"/>
+              </a:lnSpc>
+              <a:spcBef>
+                <a:spcPts val="500"/>
+              </a:spcBef>
+              <a:spcAft>
+                <a:spcPts val="0"/>
+              </a:spcAft>
+              <a:buClr>
+                <a:schemeClr val="lt1"/>
+              </a:buClr>
+              <a:buSzPts val="2000"/>
+              <a:buFont typeface="Arial"/>
+              <a:buChar char="•"/>
+              <a:defRPr sz="2000" b="0" i="0" u="none" strike="noStrike" cap="none">
+                <a:solidFill>
+                  <a:schemeClr val="lt1"/>
+                </a:solidFill>
+                <a:latin typeface="Trebuchet MS"/>
+                <a:ea typeface="Trebuchet MS"/>
+                <a:cs typeface="Trebuchet MS"/>
+                <a:sym typeface="Trebuchet MS"/>
+              </a:defRPr>
+            </a:lvl2pPr>
+            <a:lvl3pPr marL="1371600" marR="0" lvl="2" indent="-342900" algn="l" rtl="0">
+              <a:lnSpc>
+                <a:spcPct val="90000"/>
+              </a:lnSpc>
+              <a:spcBef>
+                <a:spcPts val="500"/>
+              </a:spcBef>
+              <a:spcAft>
+                <a:spcPts val="0"/>
+              </a:spcAft>
+              <a:buClr>
+                <a:schemeClr val="lt1"/>
+              </a:buClr>
+              <a:buSzPts val="1800"/>
+              <a:buFont typeface="Arial"/>
+              <a:buChar char="•"/>
+              <a:defRPr sz="1800" b="0" i="0" u="none" strike="noStrike" cap="none">
+                <a:solidFill>
+                  <a:schemeClr val="lt1"/>
+                </a:solidFill>
+                <a:latin typeface="Trebuchet MS"/>
+                <a:ea typeface="Trebuchet MS"/>
+                <a:cs typeface="Trebuchet MS"/>
+                <a:sym typeface="Trebuchet MS"/>
+              </a:defRPr>
+            </a:lvl3pPr>
+            <a:lvl4pPr marL="1828800" marR="0" lvl="3" indent="-330200" algn="l" rtl="0">
+              <a:lnSpc>
+                <a:spcPct val="90000"/>
+              </a:lnSpc>
+              <a:spcBef>
+                <a:spcPts val="500"/>
+              </a:spcBef>
+              <a:spcAft>
+                <a:spcPts val="0"/>
+              </a:spcAft>
+              <a:buClr>
+                <a:schemeClr val="lt1"/>
+              </a:buClr>
+              <a:buSzPts val="1600"/>
+              <a:buFont typeface="Arial"/>
+              <a:buChar char="•"/>
+              <a:defRPr sz="1600" b="0" i="0" u="none" strike="noStrike" cap="none">
+                <a:solidFill>
+                  <a:schemeClr val="lt1"/>
+                </a:solidFill>
+                <a:latin typeface="Trebuchet MS"/>
+                <a:ea typeface="Trebuchet MS"/>
+                <a:cs typeface="Trebuchet MS"/>
+                <a:sym typeface="Trebuchet MS"/>
+              </a:defRPr>
+            </a:lvl4pPr>
+            <a:lvl5pPr marL="2286000" marR="0" lvl="4" indent="-330200" algn="l" rtl="0">
+              <a:lnSpc>
+                <a:spcPct val="90000"/>
+              </a:lnSpc>
+              <a:spcBef>
+                <a:spcPts val="500"/>
+              </a:spcBef>
+              <a:spcAft>
+                <a:spcPts val="0"/>
+              </a:spcAft>
+              <a:buClr>
+                <a:schemeClr val="lt1"/>
+              </a:buClr>
+              <a:buSzPts val="1600"/>
+              <a:buFont typeface="Arial"/>
+              <a:buChar char="•"/>
+              <a:defRPr sz="1600" b="0" i="0" u="none" strike="noStrike" cap="none">
+                <a:solidFill>
+                  <a:schemeClr val="lt1"/>
+                </a:solidFill>
+                <a:latin typeface="Trebuchet MS"/>
+                <a:ea typeface="Trebuchet MS"/>
+                <a:cs typeface="Trebuchet MS"/>
+                <a:sym typeface="Trebuchet MS"/>
+              </a:defRPr>
+            </a:lvl5pPr>
+            <a:lvl6pPr marL="2743200" marR="0" lvl="5" indent="-317500" algn="l" rtl="0">
+              <a:lnSpc>
+                <a:spcPct val="90000"/>
+              </a:lnSpc>
+              <a:spcBef>
+                <a:spcPts val="500"/>
+              </a:spcBef>
+              <a:spcAft>
+                <a:spcPts val="0"/>
+              </a:spcAft>
+              <a:buClr>
+                <a:schemeClr val="lt1"/>
+              </a:buClr>
+              <a:buSzPts val="1400"/>
+              <a:buFont typeface="Arial"/>
+              <a:buChar char="•"/>
+              <a:defRPr sz="1400" b="0" i="0" u="none" strike="noStrike" cap="none">
+                <a:solidFill>
+                  <a:schemeClr val="lt1"/>
+                </a:solidFill>
+                <a:latin typeface="Trebuchet MS"/>
+                <a:ea typeface="Trebuchet MS"/>
+                <a:cs typeface="Trebuchet MS"/>
+                <a:sym typeface="Trebuchet MS"/>
+              </a:defRPr>
+            </a:lvl6pPr>
+            <a:lvl7pPr marL="3200400" marR="0" lvl="6" indent="-317500" algn="l" rtl="0">
+              <a:lnSpc>
+                <a:spcPct val="90000"/>
+              </a:lnSpc>
+              <a:spcBef>
+                <a:spcPts val="500"/>
+              </a:spcBef>
+              <a:spcAft>
+                <a:spcPts val="0"/>
+              </a:spcAft>
+              <a:buClr>
+                <a:schemeClr val="lt1"/>
+              </a:buClr>
+              <a:buSzPts val="1400"/>
+              <a:buFont typeface="Arial"/>
+              <a:buChar char="•"/>
+              <a:defRPr sz="1400" b="0" i="0" u="none" strike="noStrike" cap="none">
+                <a:solidFill>
+                  <a:schemeClr val="lt1"/>
+                </a:solidFill>
+                <a:latin typeface="Trebuchet MS"/>
+                <a:ea typeface="Trebuchet MS"/>
+                <a:cs typeface="Trebuchet MS"/>
+                <a:sym typeface="Trebuchet MS"/>
+              </a:defRPr>
+            </a:lvl7pPr>
+            <a:lvl8pPr marL="3657600" marR="0" lvl="7" indent="-317500" algn="l" rtl="0">
+              <a:lnSpc>
+                <a:spcPct val="90000"/>
+              </a:lnSpc>
+              <a:spcBef>
+                <a:spcPts val="500"/>
+              </a:spcBef>
+              <a:spcAft>
+                <a:spcPts val="0"/>
+              </a:spcAft>
+              <a:buClr>
+                <a:schemeClr val="lt1"/>
+              </a:buClr>
+              <a:buSzPts val="1400"/>
+              <a:buFont typeface="Arial"/>
+              <a:buChar char="•"/>
+              <a:defRPr sz="1400" b="0" i="0" u="none" strike="noStrike" cap="none">
+                <a:solidFill>
+                  <a:schemeClr val="lt1"/>
+                </a:solidFill>
+                <a:latin typeface="Trebuchet MS"/>
+                <a:ea typeface="Trebuchet MS"/>
+                <a:cs typeface="Trebuchet MS"/>
+                <a:sym typeface="Trebuchet MS"/>
+              </a:defRPr>
+            </a:lvl8pPr>
+            <a:lvl9pPr marL="4114800" marR="0" lvl="8" indent="-317500" algn="l" rtl="0">
+              <a:lnSpc>
+                <a:spcPct val="90000"/>
+              </a:lnSpc>
+              <a:spcBef>
+                <a:spcPts val="500"/>
+              </a:spcBef>
+              <a:spcAft>
+                <a:spcPts val="0"/>
+              </a:spcAft>
+              <a:buClr>
+                <a:schemeClr val="lt1"/>
+              </a:buClr>
+              <a:buSzPts val="1400"/>
+              <a:buFont typeface="Arial"/>
+              <a:buChar char="•"/>
+              <a:defRPr sz="1400" b="0" i="0" u="none" strike="noStrike" cap="none">
+                <a:solidFill>
+                  <a:schemeClr val="lt1"/>
+                </a:solidFill>
+                <a:latin typeface="Trebuchet MS"/>
+                <a:ea typeface="Trebuchet MS"/>
+                <a:cs typeface="Trebuchet MS"/>
+                <a:sym typeface="Trebuchet MS"/>
+              </a:defRPr>
+            </a:lvl9pPr>
+          </a:lstStyle>
+          <a:p>
+            <a:pPr marL="0" lvl="0" indent="0" defTabSz="914400" fontAlgn="base">
+              <a:lnSpc>
+                <a:spcPct val="100000"/>
+              </a:lnSpc>
+              <a:spcBef>
+                <a:spcPct val="0"/>
+              </a:spcBef>
+              <a:spcAft>
+                <a:spcPct val="0"/>
+              </a:spcAft>
+              <a:buClrTx/>
+              <a:buSzTx/>
+              <a:buNone/>
+            </a:pPr>
+            <a:r>
+              <a:rPr lang="es-AR" altLang="es-AR" sz="2000" b="1" dirty="0" smtClean="0">
+                <a:solidFill>
+                  <a:srgbClr val="0000FF"/>
+                </a:solidFill>
+                <a:latin typeface="Arial Narrow" panose="020B0606020202030204" pitchFamily="34" charset="0"/>
+                <a:cs typeface="Times New Roman" panose="02020603050405020304" pitchFamily="18" charset="0"/>
+              </a:rPr>
+              <a:t>tipo </a:t>
+            </a:r>
+            <a:r>
+              <a:rPr lang="es-AR" altLang="es-AR" sz="2000" b="1" dirty="0" smtClean="0">
+                <a:solidFill>
+                  <a:schemeClr val="bg1"/>
+                </a:solidFill>
+                <a:latin typeface="Arial Narrow" panose="020B0606020202030204" pitchFamily="34" charset="0"/>
+                <a:cs typeface="Times New Roman" panose="02020603050405020304" pitchFamily="18" charset="0"/>
+              </a:rPr>
+              <a:t>i</a:t>
+            </a:r>
+            <a:r>
+              <a:rPr lang="es-AR" altLang="es-AR" sz="2000" b="1" dirty="0" smtClean="0">
+                <a:solidFill>
+                  <a:schemeClr val="bg1"/>
+                </a:solidFill>
+                <a:latin typeface="Arial Narrow" panose="020B0606020202030204" pitchFamily="34" charset="0"/>
+                <a:cs typeface="Times New Roman" panose="02020603050405020304" pitchFamily="18" charset="0"/>
+              </a:rPr>
+              <a:t>dentificador</a:t>
+            </a:r>
+            <a:endParaRPr lang="es-AR" altLang="es-AR" sz="2000" b="1" dirty="0">
+              <a:solidFill>
+                <a:srgbClr val="000000"/>
+              </a:solidFill>
+              <a:latin typeface="Arial Narrow" panose="020B0606020202030204" pitchFamily="34" charset="0"/>
+              <a:cs typeface="Times New Roman" panose="02020603050405020304" pitchFamily="18" charset="0"/>
+            </a:endParaRPr>
+          </a:p>
+        </p:txBody>
+      </p:sp>
+    </p:spTree>
+    <p:extLst>
+      <p:ext uri="{BB962C8B-B14F-4D97-AF65-F5344CB8AC3E}">
+        <p14:creationId xmlns:p14="http://schemas.microsoft.com/office/powerpoint/2010/main" val="2281016732"/>
+      </p:ext>
+    </p:extLst>
+  </p:cSld>
+  <p:clrMapOvr>
+    <a:masterClrMapping/>
+  </p:clrMapOvr>
+</p:sld>
+</file>
+
+<file path=ppt/slides/slide15.xml><?xml version="1.0" encoding="utf-8"?>
+<p:sld xmlns:a="http://schemas.openxmlformats.org/drawingml/2006/main" xmlns:r="http://schemas.openxmlformats.org/officeDocument/2006/relationships" xmlns:p="http://schemas.openxmlformats.org/presentationml/2006/main">
+  <p:cSld>
+    <p:spTree>
+      <p:nvGrpSpPr>
+        <p:cNvPr id="1" name=""/>
+        <p:cNvGrpSpPr/>
+        <p:nvPr/>
+      </p:nvGrpSpPr>
+      <p:grpSpPr>
+        <a:xfrm>
+          <a:off x="0" y="0"/>
+          <a:ext cx="0" cy="0"/>
+          <a:chOff x="0" y="0"/>
+          <a:chExt cx="0" cy="0"/>
+        </a:xfrm>
+      </p:grpSpPr>
+      <p:graphicFrame>
+        <p:nvGraphicFramePr>
+          <p:cNvPr id="4" name="Tabla 3"/>
+          <p:cNvGraphicFramePr>
+            <a:graphicFrameLocks noGrp="1"/>
+          </p:cNvGraphicFramePr>
+          <p:nvPr>
+            <p:extLst>
+              <p:ext uri="{D42A27DB-BD31-4B8C-83A1-F6EECF244321}">
+                <p14:modId xmlns:p14="http://schemas.microsoft.com/office/powerpoint/2010/main" val="3183795676"/>
+              </p:ext>
+            </p:extLst>
+          </p:nvPr>
+        </p:nvGraphicFramePr>
+        <p:xfrm>
+          <a:off x="130628" y="91180"/>
+          <a:ext cx="10305144" cy="6504780"/>
+        </p:xfrm>
+        <a:graphic>
+          <a:graphicData uri="http://schemas.openxmlformats.org/drawingml/2006/table">
+            <a:tbl>
+              <a:tblPr firstRow="1" bandRow="1">
+                <a:tableStyleId>{5C22544A-7EE6-4342-B048-85BDC9FD1C3A}</a:tableStyleId>
+              </a:tblPr>
+              <a:tblGrid>
+                <a:gridCol w="5152572"/>
+                <a:gridCol w="5152572"/>
+              </a:tblGrid>
+              <a:tr h="370840">
+                <a:tc>
+                  <a:txBody>
+                    <a:bodyPr/>
+                    <a:lstStyle/>
+                    <a:p>
+                      <a:pPr marL="0" marR="0" lvl="0" indent="0" algn="l" defTabSz="914400" rtl="0" eaLnBrk="1" fontAlgn="base" latinLnBrk="0" hangingPunct="1">
+                        <a:lnSpc>
+                          <a:spcPct val="90000"/>
+                        </a:lnSpc>
+                        <a:spcBef>
+                          <a:spcPct val="25000"/>
+                        </a:spcBef>
+                        <a:spcAft>
+                          <a:spcPct val="0"/>
+                        </a:spcAft>
+                        <a:buClr>
+                          <a:schemeClr val="tx2"/>
+                        </a:buClr>
+                        <a:buSzPct val="75000"/>
+                        <a:buFont typeface="Wingdings" pitchFamily="2" charset="2"/>
+                        <a:buNone/>
+                        <a:tabLst/>
+                      </a:pPr>
+                      <a:r>
+                        <a:rPr kumimoji="0" lang="es-ES" sz="2200" b="0" i="0" u="none" strike="noStrike" cap="none" normalizeH="0" baseline="0" dirty="0" smtClean="0">
+                          <a:ln>
+                            <a:noFill/>
+                          </a:ln>
+                          <a:solidFill>
+                            <a:schemeClr val="tx1"/>
+                          </a:solidFill>
+                          <a:effectLst/>
+                          <a:latin typeface="Franklin Gothic Medium" pitchFamily="34" charset="0"/>
+                        </a:rPr>
+                        <a:t>Nombre</a:t>
+                      </a:r>
+                    </a:p>
+                  </a:txBody>
+                  <a:tcPr marL="90000" marR="90000" marT="46797" marB="46797" horzOverflow="overflow"/>
+                </a:tc>
+                <a:tc>
+                  <a:txBody>
+                    <a:bodyPr/>
+                    <a:lstStyle/>
+                    <a:p>
+                      <a:pPr marL="0" marR="0" lvl="0" indent="0" algn="ctr" defTabSz="914400" rtl="0" eaLnBrk="1" fontAlgn="base" latinLnBrk="0" hangingPunct="1">
+                        <a:lnSpc>
+                          <a:spcPct val="90000"/>
+                        </a:lnSpc>
+                        <a:spcBef>
+                          <a:spcPct val="25000"/>
+                        </a:spcBef>
+                        <a:spcAft>
+                          <a:spcPct val="0"/>
+                        </a:spcAft>
+                        <a:buClr>
+                          <a:schemeClr val="tx2"/>
+                        </a:buClr>
+                        <a:buSzPct val="75000"/>
+                        <a:buFont typeface="Wingdings" pitchFamily="2" charset="2"/>
+                        <a:buNone/>
+                        <a:tabLst/>
+                      </a:pPr>
+                      <a:r>
+                        <a:rPr kumimoji="0" lang="es-ES" sz="2200" b="0" i="0" u="none" strike="noStrike" cap="none" normalizeH="0" baseline="0" dirty="0" smtClean="0">
+                          <a:ln>
+                            <a:noFill/>
+                          </a:ln>
+                          <a:solidFill>
+                            <a:schemeClr val="tx1"/>
+                          </a:solidFill>
+                          <a:effectLst/>
+                          <a:latin typeface="Franklin Gothic Medium" pitchFamily="34" charset="0"/>
+                        </a:rPr>
+                        <a:t>Descripción</a:t>
+                      </a:r>
+                      <a:endParaRPr kumimoji="0" lang="es-ES" sz="2200" b="0" i="0" u="none" strike="noStrike" cap="none" normalizeH="0" baseline="0" dirty="0" smtClean="0">
+                        <a:ln>
+                          <a:noFill/>
+                        </a:ln>
+                        <a:solidFill>
+                          <a:schemeClr val="tx1"/>
+                        </a:solidFill>
+                        <a:effectLst/>
+                        <a:latin typeface="Franklin Gothic Medium" pitchFamily="34" charset="0"/>
+                      </a:endParaRPr>
+                    </a:p>
+                  </a:txBody>
+                  <a:tcPr marL="90000" marR="90000" marT="46797" marB="46797" horzOverflow="overflow"/>
+                </a:tc>
+              </a:tr>
+              <a:tr h="370840">
+                <a:tc>
+                  <a:txBody>
+                    <a:bodyPr/>
+                    <a:lstStyle/>
+                    <a:p>
+                      <a:pPr marL="0" marR="0" lvl="0" indent="0" algn="l" defTabSz="914400" rtl="0" eaLnBrk="1" fontAlgn="base" latinLnBrk="0" hangingPunct="1">
+                        <a:lnSpc>
+                          <a:spcPct val="90000"/>
+                        </a:lnSpc>
+                        <a:spcBef>
+                          <a:spcPct val="25000"/>
+                        </a:spcBef>
+                        <a:spcAft>
+                          <a:spcPct val="0"/>
+                        </a:spcAft>
+                        <a:buClr>
+                          <a:schemeClr val="tx2"/>
+                        </a:buClr>
+                        <a:buSzPct val="75000"/>
+                        <a:buFont typeface="Wingdings" pitchFamily="2" charset="2"/>
+                        <a:buNone/>
+                        <a:tabLst/>
+                      </a:pPr>
+                      <a:r>
+                        <a:rPr kumimoji="0" lang="es-ES" sz="2400" b="0" i="0" u="none" strike="noStrike" cap="none" normalizeH="0" baseline="0" dirty="0" smtClean="0">
+                          <a:ln>
+                            <a:noFill/>
+                          </a:ln>
+                          <a:solidFill>
+                            <a:srgbClr val="9D360E"/>
+                          </a:solidFill>
+                          <a:effectLst/>
+                          <a:latin typeface="Franklin Gothic Medium" pitchFamily="34" charset="0"/>
+                        </a:rPr>
+                        <a:t>abstract</a:t>
+                      </a:r>
+                    </a:p>
+                  </a:txBody>
+                  <a:tcPr marL="90000" marR="90000" marT="46805" marB="46805" horzOverflow="overflow"/>
+                </a:tc>
+                <a:tc>
+                  <a:txBody>
+                    <a:bodyPr/>
+                    <a:lstStyle/>
+                    <a:p>
+                      <a:pPr marL="0" marR="0" lvl="0" indent="0" algn="l" defTabSz="914400" rtl="0" eaLnBrk="1" fontAlgn="base" latinLnBrk="0" hangingPunct="1">
+                        <a:lnSpc>
+                          <a:spcPct val="90000"/>
+                        </a:lnSpc>
+                        <a:spcBef>
+                          <a:spcPct val="25000"/>
+                        </a:spcBef>
+                        <a:spcAft>
+                          <a:spcPct val="0"/>
+                        </a:spcAft>
+                        <a:buClr>
+                          <a:schemeClr val="tx2"/>
+                        </a:buClr>
+                        <a:buSzPct val="75000"/>
+                        <a:buFont typeface="Wingdings" pitchFamily="2" charset="2"/>
+                        <a:buNone/>
+                        <a:tabLst/>
+                      </a:pPr>
+                      <a:r>
+                        <a:rPr kumimoji="0" lang="es-ES" sz="2400" b="0" i="0" u="none" strike="noStrike" cap="none" normalizeH="0" baseline="0" dirty="0" smtClean="0">
+                          <a:ln>
+                            <a:noFill/>
+                          </a:ln>
+                          <a:solidFill>
+                            <a:srgbClr val="9D360E"/>
+                          </a:solidFill>
+                          <a:effectLst/>
+                          <a:latin typeface="Franklin Gothic Medium" pitchFamily="34" charset="0"/>
+                        </a:rPr>
+                        <a:t>Sólo la firma del método, sin implementar.</a:t>
+                      </a:r>
+                    </a:p>
+                  </a:txBody>
+                  <a:tcPr marL="90000" marR="90000" marT="46805" marB="46805" horzOverflow="overflow"/>
+                </a:tc>
+              </a:tr>
+              <a:tr h="370840">
+                <a:tc>
+                  <a:txBody>
+                    <a:bodyPr/>
+                    <a:lstStyle/>
+                    <a:p>
+                      <a:pPr marL="0" marR="0" lvl="0" indent="0" algn="l" defTabSz="914400" rtl="0" eaLnBrk="1" fontAlgn="base" latinLnBrk="0" hangingPunct="1">
+                        <a:lnSpc>
+                          <a:spcPct val="90000"/>
+                        </a:lnSpc>
+                        <a:spcBef>
+                          <a:spcPct val="25000"/>
+                        </a:spcBef>
+                        <a:spcAft>
+                          <a:spcPct val="0"/>
+                        </a:spcAft>
+                        <a:buClr>
+                          <a:schemeClr val="tx2"/>
+                        </a:buClr>
+                        <a:buSzPct val="75000"/>
+                        <a:buFont typeface="Wingdings" pitchFamily="2" charset="2"/>
+                        <a:buNone/>
+                        <a:tabLst/>
+                      </a:pPr>
+                      <a:r>
+                        <a:rPr kumimoji="0" lang="es-ES" sz="2400" b="0" i="0" u="none" strike="noStrike" cap="none" normalizeH="0" baseline="0" dirty="0" smtClean="0">
+                          <a:ln>
+                            <a:noFill/>
+                          </a:ln>
+                          <a:solidFill>
+                            <a:srgbClr val="9D360E"/>
+                          </a:solidFill>
+                          <a:effectLst/>
+                          <a:latin typeface="Franklin Gothic Medium" pitchFamily="34" charset="0"/>
+                        </a:rPr>
+                        <a:t>extern</a:t>
+                      </a:r>
+                    </a:p>
+                  </a:txBody>
+                  <a:tcPr marL="90000" marR="90000" marT="46805" marB="46805" horzOverflow="overflow"/>
+                </a:tc>
+                <a:tc>
+                  <a:txBody>
+                    <a:bodyPr/>
+                    <a:lstStyle/>
+                    <a:p>
+                      <a:pPr marL="0" marR="0" lvl="0" indent="0" algn="l" defTabSz="914400" rtl="0" eaLnBrk="1" fontAlgn="base" latinLnBrk="0" hangingPunct="1">
+                        <a:lnSpc>
+                          <a:spcPct val="90000"/>
+                        </a:lnSpc>
+                        <a:spcBef>
+                          <a:spcPct val="25000"/>
+                        </a:spcBef>
+                        <a:spcAft>
+                          <a:spcPct val="0"/>
+                        </a:spcAft>
+                        <a:buClr>
+                          <a:schemeClr val="tx2"/>
+                        </a:buClr>
+                        <a:buSzPct val="75000"/>
+                        <a:buFont typeface="Wingdings" pitchFamily="2" charset="2"/>
+                        <a:buNone/>
+                        <a:tabLst/>
+                      </a:pPr>
+                      <a:r>
+                        <a:rPr kumimoji="0" lang="es-ES" sz="2400" b="0" i="0" u="none" strike="noStrike" cap="none" normalizeH="0" baseline="0" dirty="0" smtClean="0">
+                          <a:ln>
+                            <a:noFill/>
+                          </a:ln>
+                          <a:solidFill>
+                            <a:srgbClr val="9D360E"/>
+                          </a:solidFill>
+                          <a:effectLst/>
+                          <a:latin typeface="Franklin Gothic Medium" pitchFamily="34" charset="0"/>
+                        </a:rPr>
+                        <a:t>Firma del método (para métodos externos).</a:t>
+                      </a:r>
+                    </a:p>
+                  </a:txBody>
+                  <a:tcPr marL="90000" marR="90000" marT="46805" marB="46805" horzOverflow="overflow"/>
+                </a:tc>
+              </a:tr>
+              <a:tr h="370840">
+                <a:tc>
+                  <a:txBody>
+                    <a:bodyPr/>
+                    <a:lstStyle/>
+                    <a:p>
+                      <a:pPr marL="0" marR="0" lvl="0" indent="0" algn="l" defTabSz="914400" rtl="0" eaLnBrk="1" fontAlgn="base" latinLnBrk="0" hangingPunct="1">
+                        <a:lnSpc>
+                          <a:spcPct val="90000"/>
+                        </a:lnSpc>
+                        <a:spcBef>
+                          <a:spcPct val="25000"/>
+                        </a:spcBef>
+                        <a:spcAft>
+                          <a:spcPct val="0"/>
+                        </a:spcAft>
+                        <a:buClr>
+                          <a:schemeClr val="tx2"/>
+                        </a:buClr>
+                        <a:buSzPct val="75000"/>
+                        <a:buFont typeface="Wingdings" pitchFamily="2" charset="2"/>
+                        <a:buNone/>
+                        <a:tabLst/>
+                      </a:pPr>
+                      <a:r>
+                        <a:rPr kumimoji="0" lang="es-ES" sz="2400" b="0" i="0" u="none" strike="noStrike" cap="none" normalizeH="0" baseline="0" dirty="0" smtClean="0">
+                          <a:ln>
+                            <a:noFill/>
+                          </a:ln>
+                          <a:solidFill>
+                            <a:srgbClr val="9D360E"/>
+                          </a:solidFill>
+                          <a:effectLst/>
+                          <a:latin typeface="Franklin Gothic Medium" pitchFamily="34" charset="0"/>
+                        </a:rPr>
+                        <a:t>internal    (*)</a:t>
+                      </a:r>
+                    </a:p>
+                  </a:txBody>
+                  <a:tcPr marL="90000" marR="90000" marT="46805" marB="46805" horzOverflow="overflow"/>
+                </a:tc>
+                <a:tc>
+                  <a:txBody>
+                    <a:bodyPr/>
+                    <a:lstStyle/>
+                    <a:p>
+                      <a:pPr marL="0" marR="0" lvl="0" indent="0" algn="l" defTabSz="914400" rtl="0" eaLnBrk="1" fontAlgn="base" latinLnBrk="0" hangingPunct="1">
+                        <a:lnSpc>
+                          <a:spcPct val="90000"/>
+                        </a:lnSpc>
+                        <a:spcBef>
+                          <a:spcPct val="25000"/>
+                        </a:spcBef>
+                        <a:spcAft>
+                          <a:spcPct val="0"/>
+                        </a:spcAft>
+                        <a:buClr>
+                          <a:schemeClr val="tx2"/>
+                        </a:buClr>
+                        <a:buSzPct val="75000"/>
+                        <a:buFont typeface="Wingdings" pitchFamily="2" charset="2"/>
+                        <a:buNone/>
+                        <a:tabLst/>
+                      </a:pPr>
+                      <a:r>
+                        <a:rPr kumimoji="0" lang="es-ES" sz="2400" b="0" i="0" u="none" strike="noStrike" cap="none" normalizeH="0" baseline="0" dirty="0" smtClean="0">
+                          <a:ln>
+                            <a:noFill/>
+                          </a:ln>
+                          <a:solidFill>
+                            <a:srgbClr val="9D360E"/>
+                          </a:solidFill>
+                          <a:effectLst/>
+                          <a:latin typeface="Franklin Gothic Medium" pitchFamily="34" charset="0"/>
+                        </a:rPr>
+                        <a:t>Accesible desde el mismo proyecto.</a:t>
+                      </a:r>
+                    </a:p>
+                  </a:txBody>
+                  <a:tcPr marL="90000" marR="90000" marT="46805" marB="46805" horzOverflow="overflow"/>
+                </a:tc>
+              </a:tr>
+              <a:tr h="370840">
+                <a:tc>
+                  <a:txBody>
+                    <a:bodyPr/>
+                    <a:lstStyle/>
+                    <a:p>
+                      <a:pPr marL="0" marR="0" lvl="0" indent="0" algn="l" defTabSz="914400" rtl="0" eaLnBrk="1" fontAlgn="base" latinLnBrk="0" hangingPunct="1">
+                        <a:lnSpc>
+                          <a:spcPct val="90000"/>
+                        </a:lnSpc>
+                        <a:spcBef>
+                          <a:spcPct val="25000"/>
+                        </a:spcBef>
+                        <a:spcAft>
+                          <a:spcPct val="0"/>
+                        </a:spcAft>
+                        <a:buClr>
+                          <a:schemeClr val="tx2"/>
+                        </a:buClr>
+                        <a:buSzPct val="75000"/>
+                        <a:buFont typeface="Wingdings" pitchFamily="2" charset="2"/>
+                        <a:buNone/>
+                        <a:tabLst/>
+                      </a:pPr>
+                      <a:r>
+                        <a:rPr kumimoji="0" lang="es-ES" sz="2400" b="0" i="0" u="none" strike="noStrike" cap="none" normalizeH="0" baseline="0" dirty="0" smtClean="0">
+                          <a:ln>
+                            <a:noFill/>
+                          </a:ln>
+                          <a:solidFill>
+                            <a:srgbClr val="9D360E"/>
+                          </a:solidFill>
+                          <a:effectLst/>
+                          <a:latin typeface="Franklin Gothic Medium" pitchFamily="34" charset="0"/>
+                        </a:rPr>
+                        <a:t>override</a:t>
+                      </a:r>
+                    </a:p>
+                  </a:txBody>
+                  <a:tcPr marL="90000" marR="90000" marT="46805" marB="46805" horzOverflow="overflow"/>
+                </a:tc>
+                <a:tc>
+                  <a:txBody>
+                    <a:bodyPr/>
+                    <a:lstStyle/>
+                    <a:p>
+                      <a:pPr marL="0" marR="0" lvl="0" indent="0" algn="l" defTabSz="914400" rtl="0" eaLnBrk="1" fontAlgn="base" latinLnBrk="0" hangingPunct="1">
+                        <a:lnSpc>
+                          <a:spcPct val="90000"/>
+                        </a:lnSpc>
+                        <a:spcBef>
+                          <a:spcPct val="25000"/>
+                        </a:spcBef>
+                        <a:spcAft>
+                          <a:spcPct val="0"/>
+                        </a:spcAft>
+                        <a:buClr>
+                          <a:schemeClr val="tx2"/>
+                        </a:buClr>
+                        <a:buSzPct val="75000"/>
+                        <a:buFont typeface="Wingdings" pitchFamily="2" charset="2"/>
+                        <a:buNone/>
+                        <a:tabLst/>
+                      </a:pPr>
+                      <a:r>
+                        <a:rPr kumimoji="0" lang="es-ES" sz="2400" b="0" i="0" u="none" strike="noStrike" cap="none" normalizeH="0" baseline="0" dirty="0" smtClean="0">
+                          <a:ln>
+                            <a:noFill/>
+                          </a:ln>
+                          <a:solidFill>
+                            <a:srgbClr val="9D360E"/>
+                          </a:solidFill>
+                          <a:effectLst/>
+                          <a:latin typeface="Franklin Gothic Medium" pitchFamily="34" charset="0"/>
+                        </a:rPr>
+                        <a:t>Reemplaza la implementación del mismo método declarado como </a:t>
+                      </a:r>
+                      <a:r>
+                        <a:rPr kumimoji="0" lang="es-ES" sz="2400" b="1" i="1" u="none" strike="noStrike" cap="none" normalizeH="0" baseline="0" dirty="0" smtClean="0">
+                          <a:ln>
+                            <a:noFill/>
+                          </a:ln>
+                          <a:solidFill>
+                            <a:srgbClr val="9D360E"/>
+                          </a:solidFill>
+                          <a:effectLst/>
+                          <a:latin typeface="Franklin Gothic Medium" pitchFamily="34" charset="0"/>
+                        </a:rPr>
+                        <a:t>virtual</a:t>
+                      </a:r>
+                      <a:r>
+                        <a:rPr kumimoji="0" lang="es-ES" sz="2400" b="0" i="0" u="none" strike="noStrike" cap="none" normalizeH="0" baseline="0" dirty="0" smtClean="0">
+                          <a:ln>
+                            <a:noFill/>
+                          </a:ln>
+                          <a:solidFill>
+                            <a:srgbClr val="9D360E"/>
+                          </a:solidFill>
+                          <a:effectLst/>
+                          <a:latin typeface="Franklin Gothic Medium" pitchFamily="34" charset="0"/>
+                        </a:rPr>
+                        <a:t> en una clase padre.</a:t>
+                      </a:r>
+                    </a:p>
+                  </a:txBody>
+                  <a:tcPr marL="90000" marR="90000" marT="46805" marB="46805" horzOverflow="overflow"/>
+                </a:tc>
+              </a:tr>
+              <a:tr h="0">
+                <a:tc>
+                  <a:txBody>
+                    <a:bodyPr/>
+                    <a:lstStyle/>
+                    <a:p>
+                      <a:pPr marL="0" marR="0" lvl="0" indent="0" algn="l" defTabSz="914400" rtl="0" eaLnBrk="1" fontAlgn="base" latinLnBrk="0" hangingPunct="1">
+                        <a:lnSpc>
+                          <a:spcPct val="90000"/>
+                        </a:lnSpc>
+                        <a:spcBef>
+                          <a:spcPct val="25000"/>
+                        </a:spcBef>
+                        <a:spcAft>
+                          <a:spcPct val="0"/>
+                        </a:spcAft>
+                        <a:buClr>
+                          <a:schemeClr val="tx2"/>
+                        </a:buClr>
+                        <a:buSzPct val="75000"/>
+                        <a:buFont typeface="Wingdings" pitchFamily="2" charset="2"/>
+                        <a:buNone/>
+                        <a:tabLst/>
+                      </a:pPr>
+                      <a:r>
+                        <a:rPr kumimoji="0" lang="es-ES" sz="2400" b="0" i="0" u="none" strike="noStrike" cap="none" normalizeH="0" baseline="0" dirty="0" smtClean="0">
+                          <a:ln>
+                            <a:noFill/>
+                          </a:ln>
+                          <a:solidFill>
+                            <a:srgbClr val="9D360E"/>
+                          </a:solidFill>
+                          <a:effectLst/>
+                          <a:latin typeface="Franklin Gothic Medium" pitchFamily="34" charset="0"/>
+                        </a:rPr>
+                        <a:t>public       (*)</a:t>
+                      </a:r>
+                    </a:p>
+                  </a:txBody>
+                  <a:tcPr marL="90000" marR="90000" marT="46805" marB="46805" horzOverflow="overflow"/>
+                </a:tc>
+                <a:tc>
+                  <a:txBody>
+                    <a:bodyPr/>
+                    <a:lstStyle/>
+                    <a:p>
+                      <a:pPr marL="0" marR="0" lvl="0" indent="0" algn="l" defTabSz="914400" rtl="0" eaLnBrk="1" fontAlgn="base" latinLnBrk="0" hangingPunct="1">
+                        <a:lnSpc>
+                          <a:spcPct val="90000"/>
+                        </a:lnSpc>
+                        <a:spcBef>
+                          <a:spcPct val="25000"/>
+                        </a:spcBef>
+                        <a:spcAft>
+                          <a:spcPct val="0"/>
+                        </a:spcAft>
+                        <a:buClr>
+                          <a:schemeClr val="tx2"/>
+                        </a:buClr>
+                        <a:buSzPct val="75000"/>
+                        <a:buFont typeface="Wingdings" pitchFamily="2" charset="2"/>
+                        <a:buNone/>
+                        <a:tabLst/>
+                      </a:pPr>
+                      <a:r>
+                        <a:rPr kumimoji="0" lang="es-ES" sz="2400" b="0" i="0" u="none" strike="noStrike" cap="none" normalizeH="0" baseline="0" dirty="0" smtClean="0">
+                          <a:ln>
+                            <a:noFill/>
+                          </a:ln>
+                          <a:solidFill>
+                            <a:srgbClr val="9D360E"/>
+                          </a:solidFill>
+                          <a:effectLst/>
+                          <a:latin typeface="Franklin Gothic Medium" pitchFamily="34" charset="0"/>
+                        </a:rPr>
+                        <a:t>Accesible desde cualquier proyecto.</a:t>
+                      </a:r>
+                    </a:p>
+                  </a:txBody>
+                  <a:tcPr marL="90000" marR="90000" marT="46805" marB="46805" horzOverflow="overflow"/>
+                </a:tc>
+              </a:tr>
+              <a:tr h="338235">
+                <a:tc>
+                  <a:txBody>
+                    <a:bodyPr/>
+                    <a:lstStyle/>
+                    <a:p>
+                      <a:pPr marL="0" marR="0" lvl="0" indent="0" algn="l" defTabSz="914400" rtl="0" eaLnBrk="1" fontAlgn="base" latinLnBrk="0" hangingPunct="1">
+                        <a:lnSpc>
+                          <a:spcPct val="90000"/>
+                        </a:lnSpc>
+                        <a:spcBef>
+                          <a:spcPct val="25000"/>
+                        </a:spcBef>
+                        <a:spcAft>
+                          <a:spcPct val="0"/>
+                        </a:spcAft>
+                        <a:buClr>
+                          <a:schemeClr val="tx2"/>
+                        </a:buClr>
+                        <a:buSzPct val="75000"/>
+                        <a:buFont typeface="Wingdings" pitchFamily="2" charset="2"/>
+                        <a:buNone/>
+                        <a:tabLst/>
+                      </a:pPr>
+                      <a:r>
+                        <a:rPr kumimoji="0" lang="es-ES" sz="2400" b="0" i="0" u="none" strike="noStrike" cap="none" normalizeH="0" baseline="0" dirty="0" smtClean="0">
+                          <a:ln>
+                            <a:noFill/>
+                          </a:ln>
+                          <a:solidFill>
+                            <a:srgbClr val="9D360E"/>
+                          </a:solidFill>
+                          <a:effectLst/>
+                          <a:latin typeface="Franklin Gothic Medium" pitchFamily="34" charset="0"/>
+                        </a:rPr>
+                        <a:t>private      (*)</a:t>
+                      </a:r>
+                    </a:p>
+                  </a:txBody>
+                  <a:tcPr marL="90000" marR="90000" marT="46805" marB="46805" horzOverflow="overflow"/>
+                </a:tc>
+                <a:tc>
+                  <a:txBody>
+                    <a:bodyPr/>
+                    <a:lstStyle/>
+                    <a:p>
+                      <a:pPr marL="0" marR="0" lvl="0" indent="0" algn="l" defTabSz="914400" rtl="0" eaLnBrk="1" fontAlgn="base" latinLnBrk="0" hangingPunct="1">
+                        <a:lnSpc>
+                          <a:spcPct val="90000"/>
+                        </a:lnSpc>
+                        <a:spcBef>
+                          <a:spcPct val="25000"/>
+                        </a:spcBef>
+                        <a:spcAft>
+                          <a:spcPct val="0"/>
+                        </a:spcAft>
+                        <a:buClr>
+                          <a:schemeClr val="tx2"/>
+                        </a:buClr>
+                        <a:buSzPct val="75000"/>
+                        <a:buFont typeface="Wingdings" pitchFamily="2" charset="2"/>
+                        <a:buNone/>
+                        <a:tabLst/>
+                      </a:pPr>
+                      <a:r>
+                        <a:rPr kumimoji="0" lang="es-ES" sz="2400" b="0" i="0" u="none" strike="noStrike" cap="none" normalizeH="0" baseline="0" dirty="0" smtClean="0">
+                          <a:ln>
+                            <a:noFill/>
+                          </a:ln>
+                          <a:solidFill>
+                            <a:srgbClr val="9D360E"/>
+                          </a:solidFill>
+                          <a:effectLst/>
+                          <a:latin typeface="Franklin Gothic Medium" pitchFamily="34" charset="0"/>
+                        </a:rPr>
+                        <a:t>Sólo accesible desde la clase.</a:t>
+                      </a:r>
+                    </a:p>
+                  </a:txBody>
+                  <a:tcPr marL="90000" marR="90000" marT="46805" marB="46805" horzOverflow="overflow"/>
+                </a:tc>
+              </a:tr>
+              <a:tr h="253676">
+                <a:tc>
+                  <a:txBody>
+                    <a:bodyPr/>
+                    <a:lstStyle/>
+                    <a:p>
+                      <a:pPr marL="0" marR="0" lvl="0" indent="0" algn="l" defTabSz="914400" rtl="0" eaLnBrk="1" fontAlgn="base" latinLnBrk="0" hangingPunct="1">
+                        <a:lnSpc>
+                          <a:spcPct val="90000"/>
+                        </a:lnSpc>
+                        <a:spcBef>
+                          <a:spcPct val="25000"/>
+                        </a:spcBef>
+                        <a:spcAft>
+                          <a:spcPct val="0"/>
+                        </a:spcAft>
+                        <a:buClr>
+                          <a:schemeClr val="tx2"/>
+                        </a:buClr>
+                        <a:buSzPct val="75000"/>
+                        <a:buFont typeface="Wingdings" pitchFamily="2" charset="2"/>
+                        <a:buNone/>
+                        <a:tabLst/>
+                      </a:pPr>
+                      <a:r>
+                        <a:rPr kumimoji="0" lang="es-ES" sz="2400" b="0" i="0" u="none" strike="noStrike" cap="none" normalizeH="0" baseline="0" dirty="0" smtClean="0">
+                          <a:ln>
+                            <a:noFill/>
+                          </a:ln>
+                          <a:solidFill>
+                            <a:srgbClr val="9D360E"/>
+                          </a:solidFill>
+                          <a:effectLst/>
+                          <a:latin typeface="Franklin Gothic Medium" pitchFamily="34" charset="0"/>
+                        </a:rPr>
+                        <a:t>protected (*)</a:t>
+                      </a:r>
+                    </a:p>
+                  </a:txBody>
+                  <a:tcPr marL="90000" marR="90000" marT="46805" marB="46805" horzOverflow="overflow"/>
+                </a:tc>
+                <a:tc>
+                  <a:txBody>
+                    <a:bodyPr/>
+                    <a:lstStyle/>
+                    <a:p>
+                      <a:pPr marL="0" marR="0" lvl="0" indent="0" algn="l" defTabSz="914400" rtl="0" eaLnBrk="1" fontAlgn="base" latinLnBrk="0" hangingPunct="1">
+                        <a:lnSpc>
+                          <a:spcPct val="90000"/>
+                        </a:lnSpc>
+                        <a:spcBef>
+                          <a:spcPct val="25000"/>
+                        </a:spcBef>
+                        <a:spcAft>
+                          <a:spcPct val="0"/>
+                        </a:spcAft>
+                        <a:buClr>
+                          <a:schemeClr val="tx2"/>
+                        </a:buClr>
+                        <a:buSzPct val="75000"/>
+                        <a:buFont typeface="Wingdings" pitchFamily="2" charset="2"/>
+                        <a:buNone/>
+                        <a:tabLst/>
+                      </a:pPr>
+                      <a:r>
+                        <a:rPr kumimoji="0" lang="es-ES" sz="2400" b="0" i="0" u="none" strike="noStrike" cap="none" normalizeH="0" baseline="0" dirty="0" smtClean="0">
+                          <a:ln>
+                            <a:noFill/>
+                          </a:ln>
+                          <a:solidFill>
+                            <a:srgbClr val="9D360E"/>
+                          </a:solidFill>
+                          <a:effectLst/>
+                          <a:latin typeface="Franklin Gothic Medium" pitchFamily="34" charset="0"/>
+                        </a:rPr>
+                        <a:t>Sólo accesible desde la clase o derivadas.</a:t>
+                      </a:r>
+                    </a:p>
+                  </a:txBody>
+                  <a:tcPr marL="90000" marR="90000" marT="46805" marB="46805" horzOverflow="overflow"/>
+                </a:tc>
+              </a:tr>
+              <a:tr h="169118">
+                <a:tc>
+                  <a:txBody>
+                    <a:bodyPr/>
+                    <a:lstStyle/>
+                    <a:p>
+                      <a:pPr marL="0" marR="0" lvl="0" indent="0" algn="l" defTabSz="914400" rtl="0" eaLnBrk="1" fontAlgn="base" latinLnBrk="0" hangingPunct="1">
+                        <a:lnSpc>
+                          <a:spcPct val="90000"/>
+                        </a:lnSpc>
+                        <a:spcBef>
+                          <a:spcPct val="25000"/>
+                        </a:spcBef>
+                        <a:spcAft>
+                          <a:spcPct val="0"/>
+                        </a:spcAft>
+                        <a:buClr>
+                          <a:schemeClr val="tx2"/>
+                        </a:buClr>
+                        <a:buSzPct val="75000"/>
+                        <a:buFont typeface="Wingdings" pitchFamily="2" charset="2"/>
+                        <a:buNone/>
+                        <a:tabLst/>
+                      </a:pPr>
+                      <a:r>
+                        <a:rPr kumimoji="0" lang="es-ES" sz="2400" b="0" i="0" u="none" strike="noStrike" cap="none" normalizeH="0" baseline="0" dirty="0" smtClean="0">
+                          <a:ln>
+                            <a:noFill/>
+                          </a:ln>
+                          <a:solidFill>
+                            <a:srgbClr val="9D360E"/>
+                          </a:solidFill>
+                          <a:effectLst/>
+                          <a:latin typeface="Franklin Gothic Medium" pitchFamily="34" charset="0"/>
+                        </a:rPr>
+                        <a:t>static</a:t>
+                      </a:r>
+                    </a:p>
+                  </a:txBody>
+                  <a:tcPr marL="90000" marR="90000" marT="46805" marB="46805" horzOverflow="overflow"/>
+                </a:tc>
+                <a:tc>
+                  <a:txBody>
+                    <a:bodyPr/>
+                    <a:lstStyle/>
+                    <a:p>
+                      <a:pPr marL="0" marR="0" lvl="0" indent="0" algn="l" defTabSz="914400" rtl="0" eaLnBrk="1" fontAlgn="base" latinLnBrk="0" hangingPunct="1">
+                        <a:lnSpc>
+                          <a:spcPct val="90000"/>
+                        </a:lnSpc>
+                        <a:spcBef>
+                          <a:spcPct val="25000"/>
+                        </a:spcBef>
+                        <a:spcAft>
+                          <a:spcPct val="0"/>
+                        </a:spcAft>
+                        <a:buClr>
+                          <a:schemeClr val="tx2"/>
+                        </a:buClr>
+                        <a:buSzPct val="75000"/>
+                        <a:buFont typeface="Wingdings" pitchFamily="2" charset="2"/>
+                        <a:buNone/>
+                        <a:tabLst/>
+                      </a:pPr>
+                      <a:r>
+                        <a:rPr kumimoji="0" lang="es-ES" sz="2400" b="0" i="0" u="none" strike="noStrike" cap="none" normalizeH="0" baseline="0" dirty="0" smtClean="0">
+                          <a:ln>
+                            <a:noFill/>
+                          </a:ln>
+                          <a:solidFill>
+                            <a:srgbClr val="9D360E"/>
+                          </a:solidFill>
+                          <a:effectLst/>
+                          <a:latin typeface="Franklin Gothic Medium" pitchFamily="34" charset="0"/>
+                        </a:rPr>
+                        <a:t>Indica que es un método de clase.</a:t>
+                      </a:r>
+                    </a:p>
+                  </a:txBody>
+                  <a:tcPr marL="90000" marR="90000" marT="46805" marB="46805" horzOverflow="overflow"/>
+                </a:tc>
+              </a:tr>
+              <a:tr h="0">
+                <a:tc>
+                  <a:txBody>
+                    <a:bodyPr/>
+                    <a:lstStyle/>
+                    <a:p>
+                      <a:pPr marL="0" marR="0" lvl="0" indent="0" algn="l" defTabSz="914400" rtl="0" eaLnBrk="1" fontAlgn="base" latinLnBrk="0" hangingPunct="1">
+                        <a:lnSpc>
+                          <a:spcPct val="90000"/>
+                        </a:lnSpc>
+                        <a:spcBef>
+                          <a:spcPct val="25000"/>
+                        </a:spcBef>
+                        <a:spcAft>
+                          <a:spcPct val="0"/>
+                        </a:spcAft>
+                        <a:buClr>
+                          <a:schemeClr val="tx2"/>
+                        </a:buClr>
+                        <a:buSzPct val="75000"/>
+                        <a:buFont typeface="Wingdings" pitchFamily="2" charset="2"/>
+                        <a:buNone/>
+                        <a:tabLst/>
+                      </a:pPr>
+                      <a:r>
+                        <a:rPr kumimoji="0" lang="es-ES" sz="2400" b="0" i="0" u="none" strike="noStrike" cap="none" normalizeH="0" baseline="0" dirty="0" smtClean="0">
+                          <a:ln>
+                            <a:noFill/>
+                          </a:ln>
+                          <a:solidFill>
+                            <a:srgbClr val="9D360E"/>
+                          </a:solidFill>
+                          <a:effectLst/>
+                          <a:latin typeface="Franklin Gothic Medium" pitchFamily="34" charset="0"/>
+                        </a:rPr>
+                        <a:t>virtual</a:t>
+                      </a:r>
+                    </a:p>
+                  </a:txBody>
+                  <a:tcPr marL="90000" marR="90000" marT="46805" marB="46805" horzOverflow="overflow"/>
+                </a:tc>
+                <a:tc>
+                  <a:txBody>
+                    <a:bodyPr/>
+                    <a:lstStyle/>
+                    <a:p>
+                      <a:pPr marL="0" marR="0" lvl="0" indent="0" algn="l" defTabSz="914400" rtl="0" eaLnBrk="1" fontAlgn="base" latinLnBrk="0" hangingPunct="1">
+                        <a:lnSpc>
+                          <a:spcPct val="90000"/>
+                        </a:lnSpc>
+                        <a:spcBef>
+                          <a:spcPct val="25000"/>
+                        </a:spcBef>
+                        <a:spcAft>
+                          <a:spcPct val="0"/>
+                        </a:spcAft>
+                        <a:buClr>
+                          <a:schemeClr val="tx2"/>
+                        </a:buClr>
+                        <a:buSzPct val="75000"/>
+                        <a:buFont typeface="Wingdings" pitchFamily="2" charset="2"/>
+                        <a:buNone/>
+                        <a:tabLst/>
+                      </a:pPr>
+                      <a:r>
+                        <a:rPr kumimoji="0" lang="es-ES" sz="2400" b="0" i="0" u="none" strike="noStrike" cap="none" normalizeH="0" baseline="0" dirty="0" smtClean="0">
+                          <a:ln>
+                            <a:noFill/>
+                          </a:ln>
+                          <a:solidFill>
+                            <a:srgbClr val="9D360E"/>
+                          </a:solidFill>
+                          <a:effectLst/>
+                          <a:latin typeface="Franklin Gothic Medium" pitchFamily="34" charset="0"/>
+                        </a:rPr>
+                        <a:t>Permite definir métodos, con su implementación, que podrán ser sobrescritos en clases derivadas. </a:t>
+                      </a:r>
+                    </a:p>
+                  </a:txBody>
+                  <a:tcPr marL="90000" marR="90000" marT="46805" marB="46805" horzOverflow="overflow"/>
+                </a:tc>
+              </a:tr>
+            </a:tbl>
+          </a:graphicData>
+        </a:graphic>
+      </p:graphicFrame>
+      <p:sp>
+        <p:nvSpPr>
+          <p:cNvPr id="5" name="CuadroTexto 4"/>
+          <p:cNvSpPr txBox="1"/>
+          <p:nvPr/>
+        </p:nvSpPr>
+        <p:spPr>
+          <a:xfrm>
+            <a:off x="651293" y="6532210"/>
+            <a:ext cx="2694969" cy="369332"/>
+          </a:xfrm>
+          <a:prstGeom prst="rect">
+            <a:avLst/>
+          </a:prstGeom>
+          <a:noFill/>
+        </p:spPr>
+        <p:txBody>
+          <a:bodyPr wrap="none" rtlCol="0">
+            <a:spAutoFit/>
+          </a:bodyPr>
+          <a:lstStyle/>
+          <a:p>
+            <a:r>
+              <a:rPr lang="es-ES" dirty="0">
+                <a:effectLst>
+                  <a:outerShdw blurRad="38100" dist="38100" dir="2700000" algn="tl">
+                    <a:srgbClr val="000000"/>
+                  </a:outerShdw>
+                </a:effectLst>
+                <a:latin typeface="Franklin Gothic Medium" pitchFamily="34" charset="0"/>
+              </a:rPr>
+              <a:t>(*): </a:t>
+            </a:r>
+            <a:r>
+              <a:rPr lang="es-ES" dirty="0" err="1" smtClean="0">
+                <a:effectLst>
+                  <a:outerShdw blurRad="38100" dist="38100" dir="2700000" algn="tl">
+                    <a:srgbClr val="000000"/>
+                  </a:outerShdw>
+                </a:effectLst>
+                <a:latin typeface="Franklin Gothic Medium" pitchFamily="34" charset="0"/>
+              </a:rPr>
+              <a:t>Accesor</a:t>
+            </a:r>
+            <a:r>
+              <a:rPr lang="es-ES" dirty="0" smtClean="0">
+                <a:effectLst>
+                  <a:outerShdw blurRad="38100" dist="38100" dir="2700000" algn="tl">
+                    <a:srgbClr val="000000"/>
+                  </a:outerShdw>
+                </a:effectLst>
+                <a:latin typeface="Franklin Gothic Medium" pitchFamily="34" charset="0"/>
+              </a:rPr>
+              <a:t> de visibilidad</a:t>
+            </a:r>
+          </a:p>
+        </p:txBody>
+      </p:sp>
+    </p:spTree>
+    <p:extLst>
+      <p:ext uri="{BB962C8B-B14F-4D97-AF65-F5344CB8AC3E}">
+        <p14:creationId xmlns:p14="http://schemas.microsoft.com/office/powerpoint/2010/main" val="1908024275"/>
+      </p:ext>
+    </p:extLst>
+  </p:cSld>
+  <p:clrMapOvr>
+    <a:masterClrMapping/>
+  </p:clrMapOvr>
+  <p:timing>
+    <p:tnLst>
+      <p:par>
+        <p:cTn id="1" dur="indefinite" restart="never" nodeType="tmRoot"/>
+      </p:par>
+    </p:tnLst>
+  </p:timing>
+</p:sld>
+</file>
+
+<file path=ppt/slides/slide16.xml><?xml version="1.0" encoding="utf-8"?>
+<p:sld xmlns:a="http://schemas.openxmlformats.org/drawingml/2006/main" xmlns:r="http://schemas.openxmlformats.org/officeDocument/2006/relationships" xmlns:p="http://schemas.openxmlformats.org/presentationml/2006/main">
+  <p:cSld>
+    <p:spTree>
+      <p:nvGrpSpPr>
+        <p:cNvPr id="1" name=""/>
+        <p:cNvGrpSpPr/>
+        <p:nvPr/>
+      </p:nvGrpSpPr>
+      <p:grpSpPr>
+        <a:xfrm>
+          <a:off x="0" y="0"/>
+          <a:ext cx="0" cy="0"/>
+          <a:chOff x="0" y="0"/>
+          <a:chExt cx="0" cy="0"/>
+        </a:xfrm>
+      </p:grpSpPr>
+      <p:sp>
+        <p:nvSpPr>
+          <p:cNvPr id="2" name="Título 1"/>
+          <p:cNvSpPr>
+            <a:spLocks noGrp="1"/>
+          </p:cNvSpPr>
+          <p:nvPr>
+            <p:ph type="title"/>
+          </p:nvPr>
+        </p:nvSpPr>
+        <p:spPr/>
+        <p:txBody>
+          <a:bodyPr/>
+          <a:lstStyle/>
+          <a:p>
+            <a:r>
+              <a:rPr lang="es-AR" dirty="0" smtClean="0"/>
+              <a:t>Ejemplo</a:t>
+            </a:r>
+            <a:endParaRPr lang="es-AR" dirty="0"/>
+          </a:p>
+        </p:txBody>
+      </p:sp>
+      <p:sp>
+        <p:nvSpPr>
+          <p:cNvPr id="4" name="Google Shape;408;p22"/>
+          <p:cNvSpPr txBox="1">
+            <a:spLocks/>
+          </p:cNvSpPr>
+          <p:nvPr/>
+        </p:nvSpPr>
+        <p:spPr>
+          <a:xfrm>
+            <a:off x="680321" y="2075542"/>
+            <a:ext cx="10588693" cy="4782457"/>
+          </a:xfrm>
+          <a:prstGeom prst="rect">
+            <a:avLst/>
+          </a:prstGeom>
+          <a:solidFill>
+            <a:srgbClr val="FFFFFF"/>
+          </a:solidFill>
+          <a:ln>
+            <a:noFill/>
+          </a:ln>
+        </p:spPr>
+        <p:txBody>
+          <a:bodyPr spcFirstLastPara="1" wrap="square" lIns="91425" tIns="45700" rIns="91425" bIns="45700" anchor="t" anchorCtr="0">
+            <a:noAutofit/>
+          </a:bodyPr>
+          <a:lstStyle>
+            <a:defPPr marR="0" lvl="0" algn="l" rtl="0">
+              <a:lnSpc>
+                <a:spcPct val="100000"/>
+              </a:lnSpc>
+              <a:spcBef>
+                <a:spcPts val="0"/>
+              </a:spcBef>
+              <a:spcAft>
+                <a:spcPts val="0"/>
+              </a:spcAft>
+            </a:defPPr>
+            <a:lvl1pPr marL="457200" marR="0" lvl="0" indent="-381000" algn="l" rtl="0">
+              <a:lnSpc>
+                <a:spcPct val="90000"/>
+              </a:lnSpc>
+              <a:spcBef>
+                <a:spcPts val="1000"/>
+              </a:spcBef>
+              <a:spcAft>
+                <a:spcPts val="0"/>
+              </a:spcAft>
+              <a:buClr>
+                <a:schemeClr val="lt1"/>
+              </a:buClr>
+              <a:buSzPts val="2400"/>
+              <a:buFont typeface="Arial"/>
+              <a:buChar char="•"/>
+              <a:defRPr sz="2400" b="0" i="0" u="none" strike="noStrike" cap="none">
+                <a:solidFill>
+                  <a:schemeClr val="lt1"/>
+                </a:solidFill>
+                <a:latin typeface="Trebuchet MS"/>
+                <a:ea typeface="Trebuchet MS"/>
+                <a:cs typeface="Trebuchet MS"/>
+                <a:sym typeface="Trebuchet MS"/>
+              </a:defRPr>
+            </a:lvl1pPr>
+            <a:lvl2pPr marL="914400" marR="0" lvl="1" indent="-355600" algn="l" rtl="0">
+              <a:lnSpc>
+                <a:spcPct val="90000"/>
+              </a:lnSpc>
+              <a:spcBef>
+                <a:spcPts val="500"/>
+              </a:spcBef>
+              <a:spcAft>
+                <a:spcPts val="0"/>
+              </a:spcAft>
+              <a:buClr>
+                <a:schemeClr val="lt1"/>
+              </a:buClr>
+              <a:buSzPts val="2000"/>
+              <a:buFont typeface="Arial"/>
+              <a:buChar char="•"/>
+              <a:defRPr sz="2000" b="0" i="0" u="none" strike="noStrike" cap="none">
+                <a:solidFill>
+                  <a:schemeClr val="lt1"/>
+                </a:solidFill>
+                <a:latin typeface="Trebuchet MS"/>
+                <a:ea typeface="Trebuchet MS"/>
+                <a:cs typeface="Trebuchet MS"/>
+                <a:sym typeface="Trebuchet MS"/>
+              </a:defRPr>
+            </a:lvl2pPr>
+            <a:lvl3pPr marL="1371600" marR="0" lvl="2" indent="-342900" algn="l" rtl="0">
+              <a:lnSpc>
+                <a:spcPct val="90000"/>
+              </a:lnSpc>
+              <a:spcBef>
+                <a:spcPts val="500"/>
+              </a:spcBef>
+              <a:spcAft>
+                <a:spcPts val="0"/>
+              </a:spcAft>
+              <a:buClr>
+                <a:schemeClr val="lt1"/>
+              </a:buClr>
+              <a:buSzPts val="1800"/>
+              <a:buFont typeface="Arial"/>
+              <a:buChar char="•"/>
+              <a:defRPr sz="1800" b="0" i="0" u="none" strike="noStrike" cap="none">
+                <a:solidFill>
+                  <a:schemeClr val="lt1"/>
+                </a:solidFill>
+                <a:latin typeface="Trebuchet MS"/>
+                <a:ea typeface="Trebuchet MS"/>
+                <a:cs typeface="Trebuchet MS"/>
+                <a:sym typeface="Trebuchet MS"/>
+              </a:defRPr>
+            </a:lvl3pPr>
+            <a:lvl4pPr marL="1828800" marR="0" lvl="3" indent="-330200" algn="l" rtl="0">
+              <a:lnSpc>
+                <a:spcPct val="90000"/>
+              </a:lnSpc>
+              <a:spcBef>
+                <a:spcPts val="500"/>
+              </a:spcBef>
+              <a:spcAft>
+                <a:spcPts val="0"/>
+              </a:spcAft>
+              <a:buClr>
+                <a:schemeClr val="lt1"/>
+              </a:buClr>
+              <a:buSzPts val="1600"/>
+              <a:buFont typeface="Arial"/>
+              <a:buChar char="•"/>
+              <a:defRPr sz="1600" b="0" i="0" u="none" strike="noStrike" cap="none">
+                <a:solidFill>
+                  <a:schemeClr val="lt1"/>
+                </a:solidFill>
+                <a:latin typeface="Trebuchet MS"/>
+                <a:ea typeface="Trebuchet MS"/>
+                <a:cs typeface="Trebuchet MS"/>
+                <a:sym typeface="Trebuchet MS"/>
+              </a:defRPr>
+            </a:lvl4pPr>
+            <a:lvl5pPr marL="2286000" marR="0" lvl="4" indent="-330200" algn="l" rtl="0">
+              <a:lnSpc>
+                <a:spcPct val="90000"/>
+              </a:lnSpc>
+              <a:spcBef>
+                <a:spcPts val="500"/>
+              </a:spcBef>
+              <a:spcAft>
+                <a:spcPts val="0"/>
+              </a:spcAft>
+              <a:buClr>
+                <a:schemeClr val="lt1"/>
+              </a:buClr>
+              <a:buSzPts val="1600"/>
+              <a:buFont typeface="Arial"/>
+              <a:buChar char="•"/>
+              <a:defRPr sz="1600" b="0" i="0" u="none" strike="noStrike" cap="none">
+                <a:solidFill>
+                  <a:schemeClr val="lt1"/>
+                </a:solidFill>
+                <a:latin typeface="Trebuchet MS"/>
+                <a:ea typeface="Trebuchet MS"/>
+                <a:cs typeface="Trebuchet MS"/>
+                <a:sym typeface="Trebuchet MS"/>
+              </a:defRPr>
+            </a:lvl5pPr>
+            <a:lvl6pPr marL="2743200" marR="0" lvl="5" indent="-317500" algn="l" rtl="0">
+              <a:lnSpc>
+                <a:spcPct val="90000"/>
+              </a:lnSpc>
+              <a:spcBef>
+                <a:spcPts val="500"/>
+              </a:spcBef>
+              <a:spcAft>
+                <a:spcPts val="0"/>
+              </a:spcAft>
+              <a:buClr>
+                <a:schemeClr val="lt1"/>
+              </a:buClr>
+              <a:buSzPts val="1400"/>
+              <a:buFont typeface="Arial"/>
+              <a:buChar char="•"/>
+              <a:defRPr sz="1400" b="0" i="0" u="none" strike="noStrike" cap="none">
+                <a:solidFill>
+                  <a:schemeClr val="lt1"/>
+                </a:solidFill>
+                <a:latin typeface="Trebuchet MS"/>
+                <a:ea typeface="Trebuchet MS"/>
+                <a:cs typeface="Trebuchet MS"/>
+                <a:sym typeface="Trebuchet MS"/>
+              </a:defRPr>
+            </a:lvl6pPr>
+            <a:lvl7pPr marL="3200400" marR="0" lvl="6" indent="-317500" algn="l" rtl="0">
+              <a:lnSpc>
+                <a:spcPct val="90000"/>
+              </a:lnSpc>
+              <a:spcBef>
+                <a:spcPts val="500"/>
+              </a:spcBef>
+              <a:spcAft>
+                <a:spcPts val="0"/>
+              </a:spcAft>
+              <a:buClr>
+                <a:schemeClr val="lt1"/>
+              </a:buClr>
+              <a:buSzPts val="1400"/>
+              <a:buFont typeface="Arial"/>
+              <a:buChar char="•"/>
+              <a:defRPr sz="1400" b="0" i="0" u="none" strike="noStrike" cap="none">
+                <a:solidFill>
+                  <a:schemeClr val="lt1"/>
+                </a:solidFill>
+                <a:latin typeface="Trebuchet MS"/>
+                <a:ea typeface="Trebuchet MS"/>
+                <a:cs typeface="Trebuchet MS"/>
+                <a:sym typeface="Trebuchet MS"/>
+              </a:defRPr>
+            </a:lvl7pPr>
+            <a:lvl8pPr marL="3657600" marR="0" lvl="7" indent="-317500" algn="l" rtl="0">
+              <a:lnSpc>
+                <a:spcPct val="90000"/>
+              </a:lnSpc>
+              <a:spcBef>
+                <a:spcPts val="500"/>
+              </a:spcBef>
+              <a:spcAft>
+                <a:spcPts val="0"/>
+              </a:spcAft>
+              <a:buClr>
+                <a:schemeClr val="lt1"/>
+              </a:buClr>
+              <a:buSzPts val="1400"/>
+              <a:buFont typeface="Arial"/>
+              <a:buChar char="•"/>
+              <a:defRPr sz="1400" b="0" i="0" u="none" strike="noStrike" cap="none">
+                <a:solidFill>
+                  <a:schemeClr val="lt1"/>
+                </a:solidFill>
+                <a:latin typeface="Trebuchet MS"/>
+                <a:ea typeface="Trebuchet MS"/>
+                <a:cs typeface="Trebuchet MS"/>
+                <a:sym typeface="Trebuchet MS"/>
+              </a:defRPr>
+            </a:lvl8pPr>
+            <a:lvl9pPr marL="4114800" marR="0" lvl="8" indent="-317500" algn="l" rtl="0">
+              <a:lnSpc>
+                <a:spcPct val="90000"/>
+              </a:lnSpc>
+              <a:spcBef>
+                <a:spcPts val="500"/>
+              </a:spcBef>
+              <a:spcAft>
+                <a:spcPts val="0"/>
+              </a:spcAft>
+              <a:buClr>
+                <a:schemeClr val="lt1"/>
+              </a:buClr>
+              <a:buSzPts val="1400"/>
+              <a:buFont typeface="Arial"/>
+              <a:buChar char="•"/>
+              <a:defRPr sz="1400" b="0" i="0" u="none" strike="noStrike" cap="none">
+                <a:solidFill>
+                  <a:schemeClr val="lt1"/>
+                </a:solidFill>
+                <a:latin typeface="Trebuchet MS"/>
+                <a:ea typeface="Trebuchet MS"/>
+                <a:cs typeface="Trebuchet MS"/>
+                <a:sym typeface="Trebuchet MS"/>
+              </a:defRPr>
+            </a:lvl9pPr>
+          </a:lstStyle>
+          <a:p>
+            <a:pPr marL="76200" indent="0">
+              <a:spcBef>
+                <a:spcPts val="0"/>
+              </a:spcBef>
+              <a:buNone/>
+            </a:pPr>
+            <a:r>
+              <a:rPr lang="es-AR" sz="2000" dirty="0" err="1">
+                <a:solidFill>
+                  <a:srgbClr val="0000FF"/>
+                </a:solidFill>
+                <a:latin typeface="Consolas" panose="020B0609020204030204" pitchFamily="49" charset="0"/>
+              </a:rPr>
+              <a:t>public</a:t>
+            </a:r>
+            <a:r>
+              <a:rPr lang="es-AR" sz="2000" dirty="0">
+                <a:solidFill>
+                  <a:srgbClr val="000000"/>
+                </a:solidFill>
+                <a:latin typeface="Consolas" panose="020B0609020204030204" pitchFamily="49" charset="0"/>
+              </a:rPr>
+              <a:t> </a:t>
+            </a:r>
+            <a:r>
+              <a:rPr lang="es-AR" sz="2000" dirty="0" err="1">
+                <a:solidFill>
+                  <a:srgbClr val="0000FF"/>
+                </a:solidFill>
+                <a:latin typeface="Consolas" panose="020B0609020204030204" pitchFamily="49" charset="0"/>
+              </a:rPr>
+              <a:t>class</a:t>
+            </a:r>
+            <a:r>
+              <a:rPr lang="es-AR" sz="2000" dirty="0">
+                <a:solidFill>
+                  <a:srgbClr val="000000"/>
+                </a:solidFill>
+                <a:latin typeface="Consolas" panose="020B0609020204030204" pitchFamily="49" charset="0"/>
+              </a:rPr>
+              <a:t> </a:t>
+            </a:r>
+            <a:r>
+              <a:rPr lang="es-AR" sz="2000" dirty="0" err="1">
+                <a:solidFill>
+                  <a:srgbClr val="2B91AF"/>
+                </a:solidFill>
+                <a:latin typeface="Consolas" panose="020B0609020204030204" pitchFamily="49" charset="0"/>
+              </a:rPr>
+              <a:t>Automovil</a:t>
+            </a:r>
+            <a:endParaRPr lang="es-AR" sz="2000" dirty="0">
+              <a:solidFill>
+                <a:srgbClr val="000000"/>
+              </a:solidFill>
+              <a:latin typeface="Consolas" panose="020B0609020204030204" pitchFamily="49" charset="0"/>
+            </a:endParaRPr>
+          </a:p>
+          <a:p>
+            <a:pPr marL="76200" indent="0">
+              <a:spcBef>
+                <a:spcPts val="0"/>
+              </a:spcBef>
+              <a:buNone/>
+            </a:pPr>
+            <a:r>
+              <a:rPr lang="es-AR" sz="2000" dirty="0">
+                <a:solidFill>
+                  <a:srgbClr val="000000"/>
+                </a:solidFill>
+                <a:latin typeface="Consolas" panose="020B0609020204030204" pitchFamily="49" charset="0"/>
+              </a:rPr>
+              <a:t>{</a:t>
+            </a:r>
+          </a:p>
+          <a:p>
+            <a:pPr marL="76200" indent="0">
+              <a:spcBef>
+                <a:spcPts val="0"/>
+              </a:spcBef>
+              <a:buNone/>
+            </a:pPr>
+            <a:r>
+              <a:rPr lang="es-AR" sz="2000" dirty="0">
+                <a:solidFill>
+                  <a:srgbClr val="000000"/>
+                </a:solidFill>
+                <a:latin typeface="Consolas" panose="020B0609020204030204" pitchFamily="49" charset="0"/>
+              </a:rPr>
+              <a:t>    </a:t>
+            </a:r>
+            <a:r>
+              <a:rPr lang="es-AR" sz="2000" dirty="0">
+                <a:solidFill>
+                  <a:srgbClr val="008000"/>
+                </a:solidFill>
+                <a:latin typeface="Consolas" panose="020B0609020204030204" pitchFamily="49" charset="0"/>
+              </a:rPr>
+              <a:t>// Atributos NO estáticos</a:t>
+            </a:r>
+            <a:endParaRPr lang="es-AR" sz="2000" dirty="0">
+              <a:solidFill>
+                <a:srgbClr val="000000"/>
+              </a:solidFill>
+              <a:latin typeface="Consolas" panose="020B0609020204030204" pitchFamily="49" charset="0"/>
+            </a:endParaRPr>
+          </a:p>
+          <a:p>
+            <a:pPr marL="76200" indent="0">
+              <a:spcBef>
+                <a:spcPts val="0"/>
+              </a:spcBef>
+              <a:buNone/>
+            </a:pPr>
+            <a:r>
+              <a:rPr lang="es-AR" sz="2000" dirty="0">
+                <a:solidFill>
+                  <a:srgbClr val="000000"/>
+                </a:solidFill>
+                <a:latin typeface="Consolas" panose="020B0609020204030204" pitchFamily="49" charset="0"/>
+              </a:rPr>
+              <a:t>    </a:t>
+            </a:r>
+            <a:r>
+              <a:rPr lang="es-AR" sz="2000" dirty="0" err="1">
+                <a:solidFill>
+                  <a:srgbClr val="0000FF"/>
+                </a:solidFill>
+                <a:latin typeface="Consolas" panose="020B0609020204030204" pitchFamily="49" charset="0"/>
+              </a:rPr>
+              <a:t>public</a:t>
+            </a:r>
+            <a:r>
+              <a:rPr lang="es-AR" sz="2000" dirty="0">
+                <a:solidFill>
+                  <a:srgbClr val="000000"/>
+                </a:solidFill>
+                <a:latin typeface="Consolas" panose="020B0609020204030204" pitchFamily="49" charset="0"/>
+              </a:rPr>
+              <a:t> Single </a:t>
+            </a:r>
+            <a:r>
+              <a:rPr lang="es-AR" sz="2000" dirty="0" err="1">
+                <a:solidFill>
+                  <a:srgbClr val="000000"/>
+                </a:solidFill>
+                <a:latin typeface="Consolas" panose="020B0609020204030204" pitchFamily="49" charset="0"/>
+              </a:rPr>
+              <a:t>velocidadActual</a:t>
+            </a:r>
+            <a:r>
+              <a:rPr lang="es-AR" sz="2000" dirty="0">
+                <a:solidFill>
+                  <a:srgbClr val="000000"/>
+                </a:solidFill>
+                <a:latin typeface="Consolas" panose="020B0609020204030204" pitchFamily="49" charset="0"/>
+              </a:rPr>
+              <a:t>;</a:t>
+            </a:r>
+          </a:p>
+          <a:p>
+            <a:pPr marL="76200" indent="0">
+              <a:spcBef>
+                <a:spcPts val="0"/>
+              </a:spcBef>
+              <a:buNone/>
+            </a:pPr>
+            <a:r>
+              <a:rPr lang="es-AR" sz="2000" dirty="0">
+                <a:solidFill>
+                  <a:srgbClr val="000000"/>
+                </a:solidFill>
+                <a:latin typeface="Consolas" panose="020B0609020204030204" pitchFamily="49" charset="0"/>
+              </a:rPr>
+              <a:t>    </a:t>
+            </a:r>
+            <a:r>
+              <a:rPr lang="es-AR" sz="2000" dirty="0">
+                <a:solidFill>
+                  <a:srgbClr val="008000"/>
+                </a:solidFill>
+                <a:latin typeface="Consolas" panose="020B0609020204030204" pitchFamily="49" charset="0"/>
+              </a:rPr>
+              <a:t>// Atributos estáticos</a:t>
+            </a:r>
+            <a:endParaRPr lang="es-AR" sz="2000" dirty="0">
+              <a:solidFill>
+                <a:srgbClr val="000000"/>
+              </a:solidFill>
+              <a:latin typeface="Consolas" panose="020B0609020204030204" pitchFamily="49" charset="0"/>
+            </a:endParaRPr>
+          </a:p>
+          <a:p>
+            <a:pPr marL="76200" indent="0">
+              <a:spcBef>
+                <a:spcPts val="0"/>
+              </a:spcBef>
+              <a:buNone/>
+            </a:pPr>
+            <a:r>
+              <a:rPr lang="es-AR" sz="2000" dirty="0">
+                <a:solidFill>
+                  <a:srgbClr val="000000"/>
+                </a:solidFill>
+                <a:latin typeface="Consolas" panose="020B0609020204030204" pitchFamily="49" charset="0"/>
+              </a:rPr>
+              <a:t>    </a:t>
+            </a:r>
+            <a:r>
+              <a:rPr lang="es-AR" sz="2000" dirty="0" err="1">
+                <a:solidFill>
+                  <a:srgbClr val="0000FF"/>
+                </a:solidFill>
+                <a:latin typeface="Consolas" panose="020B0609020204030204" pitchFamily="49" charset="0"/>
+              </a:rPr>
+              <a:t>public</a:t>
+            </a:r>
+            <a:r>
+              <a:rPr lang="es-AR" sz="2000" dirty="0">
+                <a:solidFill>
+                  <a:srgbClr val="000000"/>
+                </a:solidFill>
+                <a:latin typeface="Consolas" panose="020B0609020204030204" pitchFamily="49" charset="0"/>
+              </a:rPr>
+              <a:t> </a:t>
+            </a:r>
+            <a:r>
+              <a:rPr lang="es-AR" sz="2000" dirty="0" err="1">
+                <a:solidFill>
+                  <a:srgbClr val="0000FF"/>
+                </a:solidFill>
+                <a:latin typeface="Consolas" panose="020B0609020204030204" pitchFamily="49" charset="0"/>
+              </a:rPr>
+              <a:t>static</a:t>
+            </a:r>
+            <a:r>
+              <a:rPr lang="es-AR" sz="2000" dirty="0">
+                <a:solidFill>
+                  <a:srgbClr val="000000"/>
+                </a:solidFill>
+                <a:latin typeface="Consolas" panose="020B0609020204030204" pitchFamily="49" charset="0"/>
+              </a:rPr>
+              <a:t> Byte </a:t>
+            </a:r>
+            <a:r>
+              <a:rPr lang="es-AR" sz="2000" dirty="0" err="1">
+                <a:solidFill>
+                  <a:srgbClr val="000000"/>
+                </a:solidFill>
+                <a:latin typeface="Consolas" panose="020B0609020204030204" pitchFamily="49" charset="0"/>
+              </a:rPr>
+              <a:t>cantidadRuedas</a:t>
+            </a:r>
+            <a:r>
+              <a:rPr lang="es-AR" sz="2000" dirty="0">
+                <a:solidFill>
+                  <a:srgbClr val="000000"/>
+                </a:solidFill>
+                <a:latin typeface="Consolas" panose="020B0609020204030204" pitchFamily="49" charset="0"/>
+              </a:rPr>
+              <a:t>;</a:t>
+            </a:r>
+          </a:p>
+          <a:p>
+            <a:pPr marL="76200" indent="0">
+              <a:spcBef>
+                <a:spcPts val="0"/>
+              </a:spcBef>
+              <a:buNone/>
+            </a:pPr>
+            <a:r>
+              <a:rPr lang="es-AR" sz="2000" dirty="0">
+                <a:solidFill>
+                  <a:srgbClr val="000000"/>
+                </a:solidFill>
+                <a:latin typeface="Consolas" panose="020B0609020204030204" pitchFamily="49" charset="0"/>
+              </a:rPr>
+              <a:t>    </a:t>
+            </a:r>
+            <a:r>
+              <a:rPr lang="es-AR" sz="2000" dirty="0">
+                <a:solidFill>
+                  <a:srgbClr val="008000"/>
+                </a:solidFill>
+                <a:latin typeface="Consolas" panose="020B0609020204030204" pitchFamily="49" charset="0"/>
+              </a:rPr>
+              <a:t>// Métodos estáticos</a:t>
+            </a:r>
+            <a:endParaRPr lang="es-AR" sz="2000" dirty="0">
+              <a:solidFill>
+                <a:srgbClr val="000000"/>
+              </a:solidFill>
+              <a:latin typeface="Consolas" panose="020B0609020204030204" pitchFamily="49" charset="0"/>
+            </a:endParaRPr>
+          </a:p>
+          <a:p>
+            <a:pPr marL="76200" indent="0">
+              <a:spcBef>
+                <a:spcPts val="0"/>
+              </a:spcBef>
+              <a:buNone/>
+            </a:pPr>
+            <a:r>
+              <a:rPr lang="es-AR" sz="2000" dirty="0">
+                <a:solidFill>
+                  <a:srgbClr val="000000"/>
+                </a:solidFill>
+                <a:latin typeface="Consolas" panose="020B0609020204030204" pitchFamily="49" charset="0"/>
+              </a:rPr>
+              <a:t>    </a:t>
+            </a:r>
+            <a:r>
+              <a:rPr lang="es-AR" sz="2000" dirty="0" err="1">
+                <a:solidFill>
+                  <a:srgbClr val="0000FF"/>
+                </a:solidFill>
+                <a:latin typeface="Consolas" panose="020B0609020204030204" pitchFamily="49" charset="0"/>
+              </a:rPr>
+              <a:t>public</a:t>
+            </a:r>
+            <a:r>
+              <a:rPr lang="es-AR" sz="2000" dirty="0">
+                <a:solidFill>
+                  <a:srgbClr val="000000"/>
+                </a:solidFill>
+                <a:latin typeface="Consolas" panose="020B0609020204030204" pitchFamily="49" charset="0"/>
+              </a:rPr>
+              <a:t> </a:t>
+            </a:r>
+            <a:r>
+              <a:rPr lang="es-AR" sz="2000" dirty="0" err="1">
+                <a:solidFill>
+                  <a:srgbClr val="0000FF"/>
+                </a:solidFill>
+                <a:latin typeface="Consolas" panose="020B0609020204030204" pitchFamily="49" charset="0"/>
+              </a:rPr>
+              <a:t>static</a:t>
+            </a:r>
+            <a:r>
+              <a:rPr lang="es-AR" sz="2000" dirty="0">
+                <a:solidFill>
+                  <a:srgbClr val="000000"/>
+                </a:solidFill>
+                <a:latin typeface="Consolas" panose="020B0609020204030204" pitchFamily="49" charset="0"/>
+              </a:rPr>
+              <a:t> </a:t>
+            </a:r>
+            <a:r>
+              <a:rPr lang="es-AR" sz="2000" dirty="0" err="1">
+                <a:solidFill>
+                  <a:srgbClr val="0000FF"/>
+                </a:solidFill>
+                <a:latin typeface="Consolas" panose="020B0609020204030204" pitchFamily="49" charset="0"/>
+              </a:rPr>
+              <a:t>void</a:t>
+            </a:r>
+            <a:r>
+              <a:rPr lang="es-AR" sz="2000" dirty="0">
+                <a:solidFill>
+                  <a:srgbClr val="000000"/>
+                </a:solidFill>
+                <a:latin typeface="Consolas" panose="020B0609020204030204" pitchFamily="49" charset="0"/>
+              </a:rPr>
+              <a:t> </a:t>
+            </a:r>
+            <a:r>
+              <a:rPr lang="es-AR" sz="2000" dirty="0" err="1">
+                <a:solidFill>
+                  <a:srgbClr val="000000"/>
+                </a:solidFill>
+                <a:latin typeface="Consolas" panose="020B0609020204030204" pitchFamily="49" charset="0"/>
+              </a:rPr>
+              <a:t>MostrarCantidadRuedas</a:t>
+            </a:r>
+            <a:r>
+              <a:rPr lang="es-AR" sz="2000" dirty="0">
+                <a:solidFill>
+                  <a:srgbClr val="000000"/>
+                </a:solidFill>
+                <a:latin typeface="Consolas" panose="020B0609020204030204" pitchFamily="49" charset="0"/>
+              </a:rPr>
+              <a:t>()</a:t>
+            </a:r>
+          </a:p>
+          <a:p>
+            <a:pPr marL="76200" indent="0">
+              <a:spcBef>
+                <a:spcPts val="0"/>
+              </a:spcBef>
+              <a:buNone/>
+            </a:pPr>
+            <a:r>
+              <a:rPr lang="es-AR" sz="2000" dirty="0">
+                <a:solidFill>
+                  <a:srgbClr val="000000"/>
+                </a:solidFill>
+                <a:latin typeface="Consolas" panose="020B0609020204030204" pitchFamily="49" charset="0"/>
+              </a:rPr>
+              <a:t>    {</a:t>
+            </a:r>
+          </a:p>
+          <a:p>
+            <a:pPr marL="76200" indent="0">
+              <a:spcBef>
+                <a:spcPts val="0"/>
+              </a:spcBef>
+              <a:buNone/>
+            </a:pPr>
+            <a:r>
+              <a:rPr lang="es-AR" sz="2000" dirty="0">
+                <a:solidFill>
+                  <a:srgbClr val="000000"/>
+                </a:solidFill>
+                <a:latin typeface="Consolas" panose="020B0609020204030204" pitchFamily="49" charset="0"/>
+              </a:rPr>
+              <a:t>        </a:t>
+            </a:r>
+            <a:r>
+              <a:rPr lang="es-AR" sz="2000" dirty="0" err="1">
+                <a:solidFill>
+                  <a:srgbClr val="000000"/>
+                </a:solidFill>
+                <a:latin typeface="Consolas" panose="020B0609020204030204" pitchFamily="49" charset="0"/>
+              </a:rPr>
+              <a:t>Console.Write</a:t>
+            </a:r>
+            <a:r>
+              <a:rPr lang="es-AR" sz="2000" dirty="0">
+                <a:solidFill>
+                  <a:srgbClr val="000000"/>
+                </a:solidFill>
+                <a:latin typeface="Consolas" panose="020B0609020204030204" pitchFamily="49" charset="0"/>
+              </a:rPr>
+              <a:t>(</a:t>
+            </a:r>
+            <a:r>
+              <a:rPr lang="es-AR" sz="2000" dirty="0" err="1">
+                <a:solidFill>
+                  <a:srgbClr val="000000"/>
+                </a:solidFill>
+                <a:latin typeface="Consolas" panose="020B0609020204030204" pitchFamily="49" charset="0"/>
+              </a:rPr>
+              <a:t>Automovil.cantidadRuedas</a:t>
+            </a:r>
+            <a:r>
+              <a:rPr lang="es-AR" sz="2000" dirty="0">
+                <a:solidFill>
+                  <a:srgbClr val="000000"/>
+                </a:solidFill>
+                <a:latin typeface="Consolas" panose="020B0609020204030204" pitchFamily="49" charset="0"/>
+              </a:rPr>
+              <a:t>);</a:t>
+            </a:r>
+          </a:p>
+          <a:p>
+            <a:pPr marL="76200" indent="0">
+              <a:spcBef>
+                <a:spcPts val="0"/>
+              </a:spcBef>
+              <a:buNone/>
+            </a:pPr>
+            <a:r>
+              <a:rPr lang="es-AR" sz="2000" dirty="0">
+                <a:solidFill>
+                  <a:srgbClr val="000000"/>
+                </a:solidFill>
+                <a:latin typeface="Consolas" panose="020B0609020204030204" pitchFamily="49" charset="0"/>
+              </a:rPr>
+              <a:t>    }</a:t>
+            </a:r>
+          </a:p>
+          <a:p>
+            <a:pPr marL="76200" indent="0">
+              <a:spcBef>
+                <a:spcPts val="0"/>
+              </a:spcBef>
+              <a:buNone/>
+            </a:pPr>
+            <a:r>
+              <a:rPr lang="es-AR" sz="2000" dirty="0">
+                <a:solidFill>
+                  <a:srgbClr val="000000"/>
+                </a:solidFill>
+                <a:latin typeface="Consolas" panose="020B0609020204030204" pitchFamily="49" charset="0"/>
+              </a:rPr>
+              <a:t>    </a:t>
+            </a:r>
+            <a:r>
+              <a:rPr lang="es-AR" sz="2000" dirty="0">
+                <a:solidFill>
+                  <a:srgbClr val="008000"/>
+                </a:solidFill>
+                <a:latin typeface="Consolas" panose="020B0609020204030204" pitchFamily="49" charset="0"/>
+              </a:rPr>
+              <a:t>// Métodos NO estáticos</a:t>
+            </a:r>
+            <a:endParaRPr lang="es-AR" sz="2000" dirty="0">
+              <a:solidFill>
+                <a:srgbClr val="000000"/>
+              </a:solidFill>
+              <a:latin typeface="Consolas" panose="020B0609020204030204" pitchFamily="49" charset="0"/>
+            </a:endParaRPr>
+          </a:p>
+          <a:p>
+            <a:pPr marL="76200" indent="0">
+              <a:spcBef>
+                <a:spcPts val="0"/>
+              </a:spcBef>
+              <a:buNone/>
+            </a:pPr>
+            <a:r>
+              <a:rPr lang="es-AR" sz="2000" dirty="0">
+                <a:solidFill>
+                  <a:srgbClr val="000000"/>
+                </a:solidFill>
+                <a:latin typeface="Consolas" panose="020B0609020204030204" pitchFamily="49" charset="0"/>
+              </a:rPr>
+              <a:t>    </a:t>
+            </a:r>
+            <a:r>
+              <a:rPr lang="es-AR" sz="2000" dirty="0" err="1">
+                <a:solidFill>
+                  <a:srgbClr val="0000FF"/>
+                </a:solidFill>
+                <a:latin typeface="Consolas" panose="020B0609020204030204" pitchFamily="49" charset="0"/>
+              </a:rPr>
+              <a:t>public</a:t>
+            </a:r>
+            <a:r>
+              <a:rPr lang="es-AR" sz="2000" dirty="0">
+                <a:solidFill>
+                  <a:srgbClr val="000000"/>
+                </a:solidFill>
+                <a:latin typeface="Consolas" panose="020B0609020204030204" pitchFamily="49" charset="0"/>
+              </a:rPr>
+              <a:t> </a:t>
+            </a:r>
+            <a:r>
+              <a:rPr lang="es-AR" sz="2000" dirty="0" err="1">
+                <a:solidFill>
+                  <a:srgbClr val="0000FF"/>
+                </a:solidFill>
+                <a:latin typeface="Consolas" panose="020B0609020204030204" pitchFamily="49" charset="0"/>
+              </a:rPr>
+              <a:t>void</a:t>
+            </a:r>
+            <a:r>
+              <a:rPr lang="es-AR" sz="2000" dirty="0">
+                <a:solidFill>
+                  <a:srgbClr val="000000"/>
+                </a:solidFill>
+                <a:latin typeface="Consolas" panose="020B0609020204030204" pitchFamily="49" charset="0"/>
+              </a:rPr>
+              <a:t> Acelerar(Single velocidad)</a:t>
+            </a:r>
+          </a:p>
+          <a:p>
+            <a:pPr marL="76200" indent="0">
+              <a:spcBef>
+                <a:spcPts val="0"/>
+              </a:spcBef>
+              <a:buNone/>
+            </a:pPr>
+            <a:r>
+              <a:rPr lang="es-AR" sz="2000" dirty="0">
+                <a:solidFill>
+                  <a:srgbClr val="000000"/>
+                </a:solidFill>
+                <a:latin typeface="Consolas" panose="020B0609020204030204" pitchFamily="49" charset="0"/>
+              </a:rPr>
+              <a:t>    {</a:t>
+            </a:r>
+          </a:p>
+          <a:p>
+            <a:pPr marL="76200" indent="0">
+              <a:spcBef>
+                <a:spcPts val="0"/>
+              </a:spcBef>
+              <a:buNone/>
+            </a:pPr>
+            <a:r>
+              <a:rPr lang="es-AR" sz="2000" dirty="0">
+                <a:solidFill>
+                  <a:srgbClr val="000000"/>
+                </a:solidFill>
+                <a:latin typeface="Consolas" panose="020B0609020204030204" pitchFamily="49" charset="0"/>
+              </a:rPr>
+              <a:t>        </a:t>
+            </a:r>
+            <a:r>
+              <a:rPr lang="es-AR" sz="2000" dirty="0" err="1">
+                <a:solidFill>
+                  <a:srgbClr val="0000FF"/>
+                </a:solidFill>
+                <a:latin typeface="Consolas" panose="020B0609020204030204" pitchFamily="49" charset="0"/>
+              </a:rPr>
+              <a:t>this</a:t>
+            </a:r>
+            <a:r>
+              <a:rPr lang="es-AR" sz="2000" dirty="0" err="1">
+                <a:solidFill>
+                  <a:srgbClr val="000000"/>
+                </a:solidFill>
+                <a:latin typeface="Consolas" panose="020B0609020204030204" pitchFamily="49" charset="0"/>
+              </a:rPr>
+              <a:t>.velocidadActual</a:t>
+            </a:r>
+            <a:r>
+              <a:rPr lang="es-AR" sz="2000" dirty="0">
+                <a:solidFill>
+                  <a:srgbClr val="000000"/>
+                </a:solidFill>
+                <a:latin typeface="Consolas" panose="020B0609020204030204" pitchFamily="49" charset="0"/>
+              </a:rPr>
+              <a:t> += velocidad;</a:t>
+            </a:r>
+          </a:p>
+          <a:p>
+            <a:pPr marL="76200" indent="0">
+              <a:spcBef>
+                <a:spcPts val="0"/>
+              </a:spcBef>
+              <a:buNone/>
+            </a:pPr>
+            <a:r>
+              <a:rPr lang="es-AR" sz="2000" dirty="0">
+                <a:solidFill>
+                  <a:srgbClr val="000000"/>
+                </a:solidFill>
+                <a:latin typeface="Consolas" panose="020B0609020204030204" pitchFamily="49" charset="0"/>
+              </a:rPr>
+              <a:t>    }</a:t>
+            </a:r>
+          </a:p>
+          <a:p>
+            <a:pPr marL="76200" indent="0">
+              <a:spcBef>
+                <a:spcPts val="0"/>
+              </a:spcBef>
+              <a:buNone/>
+            </a:pPr>
+            <a:r>
+              <a:rPr lang="es-AR" sz="2000" dirty="0">
+                <a:solidFill>
+                  <a:srgbClr val="000000"/>
+                </a:solidFill>
+                <a:latin typeface="Consolas" panose="020B0609020204030204" pitchFamily="49" charset="0"/>
+              </a:rPr>
+              <a:t>}</a:t>
+            </a:r>
+            <a:endParaRPr lang="es-AR" altLang="es-AR" sz="2000" b="1" dirty="0">
+              <a:solidFill>
+                <a:srgbClr val="000000"/>
+              </a:solidFill>
+              <a:latin typeface="Arial Narrow" panose="020B0606020202030204" pitchFamily="34" charset="0"/>
+              <a:cs typeface="Times New Roman" panose="02020603050405020304" pitchFamily="18" charset="0"/>
+            </a:endParaRPr>
+          </a:p>
+        </p:txBody>
+      </p:sp>
+    </p:spTree>
+    <p:extLst>
+      <p:ext uri="{BB962C8B-B14F-4D97-AF65-F5344CB8AC3E}">
+        <p14:creationId xmlns:p14="http://schemas.microsoft.com/office/powerpoint/2010/main" val="2841390627"/>
+      </p:ext>
+    </p:extLst>
+  </p:cSld>
+  <p:clrMapOvr>
+    <a:masterClrMapping/>
+  </p:clrMapOvr>
+</p:sld>
+</file>
+
+<file path=ppt/slides/slide17.xml><?xml version="1.0" encoding="utf-8"?>
+<p:sld xmlns:a="http://schemas.openxmlformats.org/drawingml/2006/main" xmlns:r="http://schemas.openxmlformats.org/officeDocument/2006/relationships" xmlns:p="http://schemas.openxmlformats.org/presentationml/2006/main">
+  <p:cSld>
+    <p:spTree>
+      <p:nvGrpSpPr>
+        <p:cNvPr id="1" name=""/>
+        <p:cNvGrpSpPr/>
+        <p:nvPr/>
+      </p:nvGrpSpPr>
+      <p:grpSpPr>
+        <a:xfrm>
+          <a:off x="0" y="0"/>
+          <a:ext cx="0" cy="0"/>
+          <a:chOff x="0" y="0"/>
+          <a:chExt cx="0" cy="0"/>
+        </a:xfrm>
+      </p:grpSpPr>
+      <p:sp>
+        <p:nvSpPr>
+          <p:cNvPr id="2" name="Título 1"/>
+          <p:cNvSpPr>
+            <a:spLocks noGrp="1"/>
+          </p:cNvSpPr>
+          <p:nvPr>
+            <p:ph type="title"/>
+          </p:nvPr>
+        </p:nvSpPr>
+        <p:spPr/>
+        <p:txBody>
+          <a:bodyPr/>
+          <a:lstStyle/>
+          <a:p>
+            <a:r>
+              <a:rPr lang="es-AR" dirty="0" err="1" smtClean="0"/>
+              <a:t>Namespace</a:t>
+            </a:r>
+            <a:endParaRPr lang="es-AR" dirty="0"/>
+          </a:p>
+        </p:txBody>
+      </p:sp>
+      <p:sp>
+        <p:nvSpPr>
+          <p:cNvPr id="3" name="Marcador de contenido 2"/>
+          <p:cNvSpPr>
+            <a:spLocks noGrp="1"/>
+          </p:cNvSpPr>
+          <p:nvPr>
+            <p:ph idx="1"/>
+          </p:nvPr>
+        </p:nvSpPr>
+        <p:spPr>
+          <a:xfrm>
+            <a:off x="680322" y="2148114"/>
+            <a:ext cx="9726422" cy="4571999"/>
+          </a:xfrm>
+        </p:spPr>
+        <p:txBody>
+          <a:bodyPr>
+            <a:normAutofit lnSpcReduction="10000"/>
+          </a:bodyPr>
+          <a:lstStyle/>
+          <a:p>
+            <a:pPr>
+              <a:defRPr/>
+            </a:pPr>
+            <a:r>
+              <a:rPr lang="es-ES" dirty="0">
+                <a:effectLst>
+                  <a:outerShdw blurRad="38100" dist="38100" dir="2700000" algn="tl">
+                    <a:srgbClr val="000000">
+                      <a:alpha val="43137"/>
+                    </a:srgbClr>
+                  </a:outerShdw>
+                </a:effectLst>
+                <a:latin typeface="Franklin Gothic Medium" panose="020B0603020102020204" pitchFamily="34" charset="0"/>
+              </a:rPr>
+              <a:t>Es una agrupación lógica de clases y otros elementos.</a:t>
+            </a:r>
+          </a:p>
+          <a:p>
+            <a:pPr>
+              <a:defRPr/>
+            </a:pPr>
+            <a:endParaRPr lang="es-ES" sz="2000" dirty="0">
+              <a:effectLst>
+                <a:outerShdw blurRad="38100" dist="38100" dir="2700000" algn="tl">
+                  <a:srgbClr val="000000">
+                    <a:alpha val="43137"/>
+                  </a:srgbClr>
+                </a:outerShdw>
+              </a:effectLst>
+              <a:latin typeface="Franklin Gothic Medium" panose="020B0603020102020204" pitchFamily="34" charset="0"/>
+            </a:endParaRPr>
+          </a:p>
+          <a:p>
+            <a:pPr>
+              <a:defRPr/>
+            </a:pPr>
+            <a:r>
+              <a:rPr lang="es-ES" dirty="0">
+                <a:effectLst>
+                  <a:outerShdw blurRad="38100" dist="38100" dir="2700000" algn="tl">
+                    <a:srgbClr val="000000">
+                      <a:alpha val="43137"/>
+                    </a:srgbClr>
+                  </a:outerShdw>
+                </a:effectLst>
+                <a:latin typeface="Franklin Gothic Medium" panose="020B0603020102020204" pitchFamily="34" charset="0"/>
+              </a:rPr>
+              <a:t>Toda clase esta dentro de un </a:t>
+            </a:r>
+            <a:r>
+              <a:rPr lang="es-ES" dirty="0" err="1">
+                <a:effectLst>
+                  <a:outerShdw blurRad="38100" dist="38100" dir="2700000" algn="tl">
+                    <a:srgbClr val="000000">
+                      <a:alpha val="43137"/>
+                    </a:srgbClr>
+                  </a:outerShdw>
+                </a:effectLst>
+                <a:latin typeface="Franklin Gothic Medium" panose="020B0603020102020204" pitchFamily="34" charset="0"/>
+              </a:rPr>
+              <a:t>NameSpace</a:t>
+            </a:r>
+            <a:r>
+              <a:rPr lang="es-ES" dirty="0">
+                <a:effectLst>
+                  <a:outerShdw blurRad="38100" dist="38100" dir="2700000" algn="tl">
+                    <a:srgbClr val="000000">
+                      <a:alpha val="43137"/>
+                    </a:srgbClr>
+                  </a:outerShdw>
+                </a:effectLst>
+                <a:latin typeface="Franklin Gothic Medium" panose="020B0603020102020204" pitchFamily="34" charset="0"/>
+              </a:rPr>
+              <a:t>.</a:t>
+            </a:r>
+          </a:p>
+          <a:p>
+            <a:pPr>
+              <a:defRPr/>
+            </a:pPr>
+            <a:endParaRPr lang="es-ES" sz="2000" dirty="0">
+              <a:effectLst>
+                <a:outerShdw blurRad="38100" dist="38100" dir="2700000" algn="tl">
+                  <a:srgbClr val="000000">
+                    <a:alpha val="43137"/>
+                  </a:srgbClr>
+                </a:outerShdw>
+              </a:effectLst>
+              <a:latin typeface="Franklin Gothic Medium" panose="020B0603020102020204" pitchFamily="34" charset="0"/>
+            </a:endParaRPr>
+          </a:p>
+          <a:p>
+            <a:pPr>
+              <a:defRPr/>
+            </a:pPr>
+            <a:r>
+              <a:rPr lang="es-ES" dirty="0">
+                <a:effectLst>
+                  <a:outerShdw blurRad="38100" dist="38100" dir="2700000" algn="tl">
+                    <a:srgbClr val="000000">
+                      <a:alpha val="43137"/>
+                    </a:srgbClr>
+                  </a:outerShdw>
+                </a:effectLst>
+                <a:latin typeface="Franklin Gothic Medium" panose="020B0603020102020204" pitchFamily="34" charset="0"/>
+              </a:rPr>
+              <a:t>Proporcionan un marco de trabajo jerárquico sobre el cuál se construye y organiza todo el código.</a:t>
+            </a:r>
+          </a:p>
+          <a:p>
+            <a:pPr>
+              <a:defRPr/>
+            </a:pPr>
+            <a:endParaRPr lang="es-ES" sz="2000" dirty="0">
+              <a:effectLst>
+                <a:outerShdw blurRad="38100" dist="38100" dir="2700000" algn="tl">
+                  <a:srgbClr val="000000">
+                    <a:alpha val="43137"/>
+                  </a:srgbClr>
+                </a:outerShdw>
+              </a:effectLst>
+              <a:latin typeface="Franklin Gothic Medium" panose="020B0603020102020204" pitchFamily="34" charset="0"/>
+            </a:endParaRPr>
+          </a:p>
+          <a:p>
+            <a:pPr>
+              <a:defRPr/>
+            </a:pPr>
+            <a:r>
+              <a:rPr lang="es-ES" dirty="0">
+                <a:effectLst>
+                  <a:outerShdw blurRad="38100" dist="38100" dir="2700000" algn="tl">
+                    <a:srgbClr val="000000">
+                      <a:alpha val="43137"/>
+                    </a:srgbClr>
+                  </a:outerShdw>
+                </a:effectLst>
+                <a:latin typeface="Franklin Gothic Medium" panose="020B0603020102020204" pitchFamily="34" charset="0"/>
+              </a:rPr>
+              <a:t>Su función principal es la organización del código para reducir los conflictos entre nombres.</a:t>
+            </a:r>
+          </a:p>
+          <a:p>
+            <a:pPr>
+              <a:defRPr/>
+            </a:pPr>
+            <a:endParaRPr lang="es-ES" sz="2000" dirty="0">
+              <a:effectLst>
+                <a:outerShdw blurRad="38100" dist="38100" dir="2700000" algn="tl">
+                  <a:srgbClr val="000000">
+                    <a:alpha val="43137"/>
+                  </a:srgbClr>
+                </a:outerShdw>
+              </a:effectLst>
+              <a:latin typeface="Franklin Gothic Medium" panose="020B0603020102020204" pitchFamily="34" charset="0"/>
+            </a:endParaRPr>
+          </a:p>
+          <a:p>
+            <a:pPr>
+              <a:defRPr/>
+            </a:pPr>
+            <a:r>
+              <a:rPr lang="es-ES" dirty="0">
+                <a:effectLst>
+                  <a:outerShdw blurRad="38100" dist="38100" dir="2700000" algn="tl">
+                    <a:srgbClr val="000000">
+                      <a:alpha val="43137"/>
+                    </a:srgbClr>
+                  </a:outerShdw>
+                </a:effectLst>
+                <a:latin typeface="Franklin Gothic Medium" panose="020B0603020102020204" pitchFamily="34" charset="0"/>
+              </a:rPr>
+              <a:t>Esto hace posible utilizar en un mismo programa componentes de distinta procedencia.</a:t>
+            </a:r>
+          </a:p>
+          <a:p>
+            <a:pPr marL="0" indent="0">
+              <a:buNone/>
+            </a:pPr>
+            <a:endParaRPr lang="es-AR" dirty="0"/>
+          </a:p>
+        </p:txBody>
+      </p:sp>
+    </p:spTree>
+    <p:extLst>
+      <p:ext uri="{BB962C8B-B14F-4D97-AF65-F5344CB8AC3E}">
+        <p14:creationId xmlns:p14="http://schemas.microsoft.com/office/powerpoint/2010/main" val="87974574"/>
+      </p:ext>
+    </p:extLst>
+  </p:cSld>
+  <p:clrMapOvr>
+    <a:masterClrMapping/>
+  </p:clrMapOvr>
+</p:sld>
+</file>
+
+<file path=ppt/slides/slide18.xml><?xml version="1.0" encoding="utf-8"?>
+<p:sld xmlns:a="http://schemas.openxmlformats.org/drawingml/2006/main" xmlns:r="http://schemas.openxmlformats.org/officeDocument/2006/relationships" xmlns:p="http://schemas.openxmlformats.org/presentationml/2006/main">
+  <p:cSld>
+    <p:spTree>
+      <p:nvGrpSpPr>
+        <p:cNvPr id="1" name=""/>
+        <p:cNvGrpSpPr/>
+        <p:nvPr/>
+      </p:nvGrpSpPr>
+      <p:grpSpPr>
+        <a:xfrm>
+          <a:off x="0" y="0"/>
+          <a:ext cx="0" cy="0"/>
+          <a:chOff x="0" y="0"/>
+          <a:chExt cx="0" cy="0"/>
+        </a:xfrm>
+      </p:grpSpPr>
+      <p:sp>
+        <p:nvSpPr>
+          <p:cNvPr id="2" name="Título 1"/>
+          <p:cNvSpPr>
+            <a:spLocks noGrp="1"/>
+          </p:cNvSpPr>
+          <p:nvPr>
+            <p:ph type="title"/>
+          </p:nvPr>
+        </p:nvSpPr>
+        <p:spPr/>
+        <p:txBody>
+          <a:bodyPr/>
+          <a:lstStyle/>
+          <a:p>
+            <a:r>
+              <a:rPr lang="es-AR" dirty="0" err="1" smtClean="0"/>
+              <a:t>Namespace</a:t>
+            </a:r>
+            <a:endParaRPr lang="es-AR" dirty="0"/>
+          </a:p>
+        </p:txBody>
+      </p:sp>
+      <p:sp>
+        <p:nvSpPr>
+          <p:cNvPr id="3" name="Marcador de contenido 2"/>
+          <p:cNvSpPr>
+            <a:spLocks noGrp="1"/>
+          </p:cNvSpPr>
+          <p:nvPr>
+            <p:ph idx="1"/>
+          </p:nvPr>
+        </p:nvSpPr>
+        <p:spPr>
+          <a:xfrm>
+            <a:off x="680321" y="2336872"/>
+            <a:ext cx="9613861" cy="4151013"/>
+          </a:xfrm>
+        </p:spPr>
+        <p:txBody>
+          <a:bodyPr/>
+          <a:lstStyle/>
+          <a:p>
+            <a:pPr>
+              <a:defRPr/>
+            </a:pPr>
+            <a:r>
+              <a:rPr lang="es-ES" sz="2800" dirty="0" err="1">
+                <a:effectLst>
+                  <a:outerShdw blurRad="38100" dist="38100" dir="2700000" algn="tl">
+                    <a:srgbClr val="000000">
+                      <a:alpha val="43137"/>
+                    </a:srgbClr>
+                  </a:outerShdw>
+                </a:effectLst>
+                <a:latin typeface="Franklin Gothic Medium" panose="020B0603020102020204" pitchFamily="34" charset="0"/>
+              </a:rPr>
+              <a:t>System.Console.WriteLine</a:t>
+            </a:r>
+            <a:r>
+              <a:rPr lang="es-ES" sz="2800" dirty="0">
+                <a:effectLst>
+                  <a:outerShdw blurRad="38100" dist="38100" dir="2700000" algn="tl">
+                    <a:srgbClr val="000000">
+                      <a:alpha val="43137"/>
+                    </a:srgbClr>
+                  </a:outerShdw>
+                </a:effectLst>
+                <a:latin typeface="Franklin Gothic Medium" panose="020B0603020102020204" pitchFamily="34" charset="0"/>
+              </a:rPr>
+              <a:t>()</a:t>
+            </a:r>
+          </a:p>
+          <a:p>
+            <a:pPr>
+              <a:defRPr/>
+            </a:pPr>
+            <a:endParaRPr lang="es-ES" dirty="0">
+              <a:effectLst>
+                <a:outerShdw blurRad="38100" dist="38100" dir="2700000" algn="tl">
+                  <a:srgbClr val="000000">
+                    <a:alpha val="43137"/>
+                  </a:srgbClr>
+                </a:outerShdw>
+              </a:effectLst>
+              <a:latin typeface="Franklin Gothic Medium" panose="020B0603020102020204" pitchFamily="34" charset="0"/>
+            </a:endParaRPr>
+          </a:p>
+          <a:p>
+            <a:pPr>
+              <a:defRPr/>
+            </a:pPr>
+            <a:r>
+              <a:rPr lang="es-ES" sz="2800" dirty="0" smtClean="0">
+                <a:effectLst>
+                  <a:outerShdw blurRad="38100" dist="38100" dir="2700000" algn="tl">
+                    <a:srgbClr val="000000">
+                      <a:alpha val="43137"/>
+                    </a:srgbClr>
+                  </a:outerShdw>
+                </a:effectLst>
+                <a:latin typeface="Franklin Gothic Medium" panose="020B0603020102020204" pitchFamily="34" charset="0"/>
+              </a:rPr>
+              <a:t>Siendo:</a:t>
+            </a:r>
+            <a:endParaRPr lang="es-ES" sz="2800" dirty="0">
+              <a:effectLst>
+                <a:outerShdw blurRad="38100" dist="38100" dir="2700000" algn="tl">
+                  <a:srgbClr val="000000">
+                    <a:alpha val="43137"/>
+                  </a:srgbClr>
+                </a:outerShdw>
+              </a:effectLst>
+              <a:latin typeface="Franklin Gothic Medium" panose="020B0603020102020204" pitchFamily="34" charset="0"/>
+            </a:endParaRPr>
+          </a:p>
+          <a:p>
+            <a:pPr lvl="1">
+              <a:defRPr/>
+            </a:pPr>
+            <a:r>
+              <a:rPr lang="es-ES" b="1" dirty="0" err="1">
+                <a:effectLst>
+                  <a:outerShdw blurRad="38100" dist="38100" dir="2700000" algn="tl">
+                    <a:srgbClr val="000000">
+                      <a:alpha val="43137"/>
+                    </a:srgbClr>
+                  </a:outerShdw>
+                </a:effectLst>
+                <a:latin typeface="Franklin Gothic Medium" panose="020B0603020102020204" pitchFamily="34" charset="0"/>
+              </a:rPr>
+              <a:t>System</a:t>
+            </a:r>
+            <a:r>
+              <a:rPr lang="es-ES" dirty="0">
+                <a:effectLst>
+                  <a:outerShdw blurRad="38100" dist="38100" dir="2700000" algn="tl">
+                    <a:srgbClr val="000000">
+                      <a:alpha val="43137"/>
+                    </a:srgbClr>
+                  </a:outerShdw>
+                </a:effectLst>
+                <a:latin typeface="Franklin Gothic Medium" panose="020B0603020102020204" pitchFamily="34" charset="0"/>
+              </a:rPr>
+              <a:t> es el </a:t>
+            </a:r>
+            <a:r>
+              <a:rPr lang="es-ES" dirty="0" err="1">
+                <a:effectLst>
+                  <a:outerShdw blurRad="38100" dist="38100" dir="2700000" algn="tl">
+                    <a:srgbClr val="000000">
+                      <a:alpha val="43137"/>
+                    </a:srgbClr>
+                  </a:outerShdw>
+                </a:effectLst>
+                <a:latin typeface="Franklin Gothic Medium" panose="020B0603020102020204" pitchFamily="34" charset="0"/>
+              </a:rPr>
+              <a:t>NameSpace</a:t>
+            </a:r>
+            <a:r>
+              <a:rPr lang="es-ES" dirty="0">
+                <a:effectLst>
+                  <a:outerShdw blurRad="38100" dist="38100" dir="2700000" algn="tl">
+                    <a:srgbClr val="000000">
+                      <a:alpha val="43137"/>
+                    </a:srgbClr>
+                  </a:outerShdw>
+                </a:effectLst>
+                <a:latin typeface="Franklin Gothic Medium" panose="020B0603020102020204" pitchFamily="34" charset="0"/>
+              </a:rPr>
+              <a:t> de la BCL (Base </a:t>
+            </a:r>
+            <a:r>
+              <a:rPr lang="es-ES" dirty="0" err="1">
+                <a:effectLst>
+                  <a:outerShdw blurRad="38100" dist="38100" dir="2700000" algn="tl">
+                    <a:srgbClr val="000000">
+                      <a:alpha val="43137"/>
+                    </a:srgbClr>
+                  </a:outerShdw>
+                </a:effectLst>
+                <a:latin typeface="Franklin Gothic Medium" panose="020B0603020102020204" pitchFamily="34" charset="0"/>
+              </a:rPr>
+              <a:t>Class</a:t>
+            </a:r>
+            <a:r>
+              <a:rPr lang="es-ES" dirty="0">
+                <a:effectLst>
+                  <a:outerShdw blurRad="38100" dist="38100" dir="2700000" algn="tl">
+                    <a:srgbClr val="000000">
+                      <a:alpha val="43137"/>
+                    </a:srgbClr>
+                  </a:outerShdw>
+                </a:effectLst>
+                <a:latin typeface="Franklin Gothic Medium" panose="020B0603020102020204" pitchFamily="34" charset="0"/>
+              </a:rPr>
+              <a:t> Library).</a:t>
+            </a:r>
+          </a:p>
+          <a:p>
+            <a:pPr lvl="1">
+              <a:defRPr/>
+            </a:pPr>
+            <a:endParaRPr lang="es-ES" sz="2200" dirty="0">
+              <a:effectLst>
+                <a:outerShdw blurRad="38100" dist="38100" dir="2700000" algn="tl">
+                  <a:srgbClr val="000000">
+                    <a:alpha val="43137"/>
+                  </a:srgbClr>
+                </a:outerShdw>
+              </a:effectLst>
+              <a:latin typeface="Franklin Gothic Medium" panose="020B0603020102020204" pitchFamily="34" charset="0"/>
+            </a:endParaRPr>
+          </a:p>
+          <a:p>
+            <a:pPr lvl="1">
+              <a:defRPr/>
+            </a:pPr>
+            <a:r>
+              <a:rPr lang="es-ES" b="1" dirty="0" err="1">
+                <a:effectLst>
+                  <a:outerShdw blurRad="38100" dist="38100" dir="2700000" algn="tl">
+                    <a:srgbClr val="000000">
+                      <a:alpha val="43137"/>
+                    </a:srgbClr>
+                  </a:outerShdw>
+                </a:effectLst>
+                <a:latin typeface="Franklin Gothic Medium" panose="020B0603020102020204" pitchFamily="34" charset="0"/>
+              </a:rPr>
+              <a:t>Console</a:t>
+            </a:r>
+            <a:r>
+              <a:rPr lang="es-ES" dirty="0">
+                <a:effectLst>
+                  <a:outerShdw blurRad="38100" dist="38100" dir="2700000" algn="tl">
+                    <a:srgbClr val="000000">
+                      <a:alpha val="43137"/>
+                    </a:srgbClr>
+                  </a:outerShdw>
+                </a:effectLst>
+                <a:latin typeface="Franklin Gothic Medium" panose="020B0603020102020204" pitchFamily="34" charset="0"/>
+              </a:rPr>
+              <a:t> es una clase dentro del </a:t>
+            </a:r>
+            <a:r>
+              <a:rPr lang="es-ES" dirty="0" err="1">
+                <a:effectLst>
+                  <a:outerShdw blurRad="38100" dist="38100" dir="2700000" algn="tl">
+                    <a:srgbClr val="000000">
+                      <a:alpha val="43137"/>
+                    </a:srgbClr>
+                  </a:outerShdw>
+                </a:effectLst>
+                <a:latin typeface="Franklin Gothic Medium" panose="020B0603020102020204" pitchFamily="34" charset="0"/>
+              </a:rPr>
+              <a:t>NameSpace</a:t>
+            </a:r>
+            <a:r>
+              <a:rPr lang="es-ES" dirty="0">
+                <a:effectLst>
+                  <a:outerShdw blurRad="38100" dist="38100" dir="2700000" algn="tl">
+                    <a:srgbClr val="000000">
+                      <a:alpha val="43137"/>
+                    </a:srgbClr>
+                  </a:outerShdw>
+                </a:effectLst>
+                <a:latin typeface="Franklin Gothic Medium" panose="020B0603020102020204" pitchFamily="34" charset="0"/>
+              </a:rPr>
+              <a:t> </a:t>
+            </a:r>
+            <a:r>
+              <a:rPr lang="es-ES" dirty="0" err="1">
+                <a:effectLst>
+                  <a:outerShdw blurRad="38100" dist="38100" dir="2700000" algn="tl">
+                    <a:srgbClr val="000000">
+                      <a:alpha val="43137"/>
+                    </a:srgbClr>
+                  </a:outerShdw>
+                </a:effectLst>
+                <a:latin typeface="Franklin Gothic Medium" panose="020B0603020102020204" pitchFamily="34" charset="0"/>
+              </a:rPr>
+              <a:t>System</a:t>
+            </a:r>
+            <a:r>
+              <a:rPr lang="es-ES" dirty="0">
+                <a:effectLst>
+                  <a:outerShdw blurRad="38100" dist="38100" dir="2700000" algn="tl">
+                    <a:srgbClr val="000000">
+                      <a:alpha val="43137"/>
+                    </a:srgbClr>
+                  </a:outerShdw>
+                </a:effectLst>
+                <a:latin typeface="Franklin Gothic Medium" panose="020B0603020102020204" pitchFamily="34" charset="0"/>
+              </a:rPr>
+              <a:t>.</a:t>
+            </a:r>
+          </a:p>
+          <a:p>
+            <a:pPr lvl="1">
+              <a:defRPr/>
+            </a:pPr>
+            <a:endParaRPr lang="es-ES" sz="2200" dirty="0">
+              <a:effectLst>
+                <a:outerShdw blurRad="38100" dist="38100" dir="2700000" algn="tl">
+                  <a:srgbClr val="000000">
+                    <a:alpha val="43137"/>
+                  </a:srgbClr>
+                </a:outerShdw>
+              </a:effectLst>
+              <a:latin typeface="Franklin Gothic Medium" panose="020B0603020102020204" pitchFamily="34" charset="0"/>
+            </a:endParaRPr>
+          </a:p>
+          <a:p>
+            <a:pPr lvl="1">
+              <a:defRPr/>
+            </a:pPr>
+            <a:r>
+              <a:rPr lang="es-ES" b="1" dirty="0" err="1">
+                <a:effectLst>
+                  <a:outerShdw blurRad="38100" dist="38100" dir="2700000" algn="tl">
+                    <a:srgbClr val="000000">
+                      <a:alpha val="43137"/>
+                    </a:srgbClr>
+                  </a:outerShdw>
+                </a:effectLst>
+                <a:latin typeface="Franklin Gothic Medium" panose="020B0603020102020204" pitchFamily="34" charset="0"/>
+              </a:rPr>
+              <a:t>WriteLine</a:t>
+            </a:r>
+            <a:r>
+              <a:rPr lang="es-ES" dirty="0">
+                <a:effectLst>
+                  <a:outerShdw blurRad="38100" dist="38100" dir="2700000" algn="tl">
+                    <a:srgbClr val="000000">
+                      <a:alpha val="43137"/>
+                    </a:srgbClr>
+                  </a:outerShdw>
+                </a:effectLst>
+                <a:latin typeface="Franklin Gothic Medium" panose="020B0603020102020204" pitchFamily="34" charset="0"/>
+              </a:rPr>
+              <a:t> es uno de los métodos de la clase </a:t>
+            </a:r>
+            <a:r>
+              <a:rPr lang="es-ES" dirty="0" err="1">
+                <a:effectLst>
+                  <a:outerShdw blurRad="38100" dist="38100" dir="2700000" algn="tl">
+                    <a:srgbClr val="000000">
+                      <a:alpha val="43137"/>
+                    </a:srgbClr>
+                  </a:outerShdw>
+                </a:effectLst>
+                <a:latin typeface="Franklin Gothic Medium" panose="020B0603020102020204" pitchFamily="34" charset="0"/>
+              </a:rPr>
+              <a:t>Console</a:t>
+            </a:r>
+            <a:r>
+              <a:rPr lang="es-ES" dirty="0" smtClean="0">
+                <a:effectLst>
+                  <a:outerShdw blurRad="38100" dist="38100" dir="2700000" algn="tl">
+                    <a:srgbClr val="000000">
+                      <a:alpha val="43137"/>
+                    </a:srgbClr>
+                  </a:outerShdw>
+                </a:effectLst>
+                <a:latin typeface="Franklin Gothic Medium" panose="020B0603020102020204" pitchFamily="34" charset="0"/>
+              </a:rPr>
+              <a:t>.</a:t>
+            </a:r>
+            <a:endParaRPr lang="es-ES" dirty="0">
+              <a:effectLst>
+                <a:outerShdw blurRad="38100" dist="38100" dir="2700000" algn="tl">
+                  <a:srgbClr val="000000">
+                    <a:alpha val="43137"/>
+                  </a:srgbClr>
+                </a:outerShdw>
+              </a:effectLst>
+              <a:latin typeface="Franklin Gothic Medium" panose="020B0603020102020204" pitchFamily="34" charset="0"/>
+            </a:endParaRPr>
+          </a:p>
+        </p:txBody>
+      </p:sp>
+    </p:spTree>
+    <p:extLst>
+      <p:ext uri="{BB962C8B-B14F-4D97-AF65-F5344CB8AC3E}">
+        <p14:creationId xmlns:p14="http://schemas.microsoft.com/office/powerpoint/2010/main" val="4104479294"/>
+      </p:ext>
+    </p:extLst>
+  </p:cSld>
+  <p:clrMapOvr>
+    <a:masterClrMapping/>
+  </p:clrMapOvr>
+</p:sld>
+</file>
+
+<file path=ppt/slides/slide19.xml><?xml version="1.0" encoding="utf-8"?>
+<p:sld xmlns:a="http://schemas.openxmlformats.org/drawingml/2006/main" xmlns:r="http://schemas.openxmlformats.org/officeDocument/2006/relationships" xmlns:p="http://schemas.openxmlformats.org/presentationml/2006/main">
+  <p:cSld>
+    <p:spTree>
+      <p:nvGrpSpPr>
+        <p:cNvPr id="1" name=""/>
+        <p:cNvGrpSpPr/>
+        <p:nvPr/>
+      </p:nvGrpSpPr>
+      <p:grpSpPr>
+        <a:xfrm>
+          <a:off x="0" y="0"/>
+          <a:ext cx="0" cy="0"/>
+          <a:chOff x="0" y="0"/>
+          <a:chExt cx="0" cy="0"/>
+        </a:xfrm>
+      </p:grpSpPr>
+      <p:sp>
+        <p:nvSpPr>
+          <p:cNvPr id="2" name="Título 1"/>
+          <p:cNvSpPr>
+            <a:spLocks noGrp="1"/>
+          </p:cNvSpPr>
+          <p:nvPr>
+            <p:ph type="title"/>
+          </p:nvPr>
+        </p:nvSpPr>
+        <p:spPr/>
+        <p:txBody>
+          <a:bodyPr/>
+          <a:lstStyle/>
+          <a:p>
+            <a:r>
+              <a:rPr lang="es-AR" dirty="0" smtClean="0"/>
+              <a:t>Directivas</a:t>
+            </a:r>
+            <a:endParaRPr lang="es-AR" dirty="0"/>
+          </a:p>
+        </p:txBody>
+      </p:sp>
+      <p:sp>
+        <p:nvSpPr>
+          <p:cNvPr id="3" name="Marcador de contenido 2"/>
+          <p:cNvSpPr>
+            <a:spLocks noGrp="1"/>
+          </p:cNvSpPr>
+          <p:nvPr>
+            <p:ph idx="1"/>
+          </p:nvPr>
+        </p:nvSpPr>
+        <p:spPr>
+          <a:xfrm>
+            <a:off x="680321" y="2336873"/>
+            <a:ext cx="9613861" cy="4136498"/>
+          </a:xfrm>
+        </p:spPr>
+        <p:txBody>
+          <a:bodyPr>
+            <a:normAutofit lnSpcReduction="10000"/>
+          </a:bodyPr>
+          <a:lstStyle/>
+          <a:p>
+            <a:pPr>
+              <a:defRPr/>
+            </a:pPr>
+            <a:r>
+              <a:rPr lang="es-ES" sz="2800" dirty="0">
+                <a:effectLst>
+                  <a:outerShdw blurRad="38100" dist="38100" dir="2700000" algn="tl">
+                    <a:srgbClr val="000000">
+                      <a:alpha val="43137"/>
+                    </a:srgbClr>
+                  </a:outerShdw>
+                </a:effectLst>
+                <a:latin typeface="Franklin Gothic Medium" panose="020B0603020102020204" pitchFamily="34" charset="0"/>
+              </a:rPr>
+              <a:t>Son elementos que permiten a un programa identificar los </a:t>
+            </a:r>
+            <a:r>
+              <a:rPr lang="es-ES" sz="2800" dirty="0" err="1">
+                <a:effectLst>
+                  <a:outerShdw blurRad="38100" dist="38100" dir="2700000" algn="tl">
+                    <a:srgbClr val="000000">
+                      <a:alpha val="43137"/>
+                    </a:srgbClr>
+                  </a:outerShdw>
+                </a:effectLst>
+                <a:latin typeface="Franklin Gothic Medium" panose="020B0603020102020204" pitchFamily="34" charset="0"/>
+              </a:rPr>
+              <a:t>NameSpaces</a:t>
+            </a:r>
+            <a:r>
+              <a:rPr lang="es-ES" sz="2800" dirty="0">
+                <a:effectLst>
+                  <a:outerShdw blurRad="38100" dist="38100" dir="2700000" algn="tl">
+                    <a:srgbClr val="000000">
+                      <a:alpha val="43137"/>
+                    </a:srgbClr>
+                  </a:outerShdw>
+                </a:effectLst>
+                <a:latin typeface="Franklin Gothic Medium" panose="020B0603020102020204" pitchFamily="34" charset="0"/>
+              </a:rPr>
+              <a:t> que se usarán en el mismo.</a:t>
+            </a:r>
+          </a:p>
+          <a:p>
+            <a:pPr>
+              <a:defRPr/>
+            </a:pPr>
+            <a:endParaRPr lang="es-ES" sz="2200" dirty="0">
+              <a:effectLst>
+                <a:outerShdw blurRad="38100" dist="38100" dir="2700000" algn="tl">
+                  <a:srgbClr val="000000">
+                    <a:alpha val="43137"/>
+                  </a:srgbClr>
+                </a:outerShdw>
+              </a:effectLst>
+              <a:latin typeface="Franklin Gothic Medium" panose="020B0603020102020204" pitchFamily="34" charset="0"/>
+            </a:endParaRPr>
+          </a:p>
+          <a:p>
+            <a:pPr>
+              <a:defRPr/>
+            </a:pPr>
+            <a:r>
+              <a:rPr lang="es-ES" sz="2800" dirty="0">
+                <a:effectLst>
+                  <a:outerShdw blurRad="38100" dist="38100" dir="2700000" algn="tl">
+                    <a:srgbClr val="000000">
+                      <a:alpha val="43137"/>
+                    </a:srgbClr>
+                  </a:outerShdw>
+                </a:effectLst>
+                <a:latin typeface="Franklin Gothic Medium" panose="020B0603020102020204" pitchFamily="34" charset="0"/>
+              </a:rPr>
+              <a:t>Permiten el uso de los miembros de un </a:t>
+            </a:r>
+            <a:r>
+              <a:rPr lang="es-ES" sz="2800" dirty="0" err="1">
+                <a:effectLst>
+                  <a:outerShdw blurRad="38100" dist="38100" dir="2700000" algn="tl">
+                    <a:srgbClr val="000000">
+                      <a:alpha val="43137"/>
+                    </a:srgbClr>
+                  </a:outerShdw>
+                </a:effectLst>
+                <a:latin typeface="Franklin Gothic Medium" panose="020B0603020102020204" pitchFamily="34" charset="0"/>
+              </a:rPr>
+              <a:t>NameSpace</a:t>
+            </a:r>
+            <a:r>
+              <a:rPr lang="es-ES" sz="2800" dirty="0">
+                <a:effectLst>
+                  <a:outerShdw blurRad="38100" dist="38100" dir="2700000" algn="tl">
+                    <a:srgbClr val="000000">
+                      <a:alpha val="43137"/>
+                    </a:srgbClr>
+                  </a:outerShdw>
+                </a:effectLst>
+                <a:latin typeface="Franklin Gothic Medium" panose="020B0603020102020204" pitchFamily="34" charset="0"/>
+              </a:rPr>
+              <a:t> sin tener que especificar un nombre completamente cualificado.</a:t>
+            </a:r>
+          </a:p>
+          <a:p>
+            <a:pPr>
+              <a:defRPr/>
+            </a:pPr>
+            <a:endParaRPr lang="es-ES" sz="2200" dirty="0">
+              <a:effectLst>
+                <a:outerShdw blurRad="38100" dist="38100" dir="2700000" algn="tl">
+                  <a:srgbClr val="000000">
+                    <a:alpha val="43137"/>
+                  </a:srgbClr>
+                </a:outerShdw>
+              </a:effectLst>
+              <a:latin typeface="Franklin Gothic Medium" panose="020B0603020102020204" pitchFamily="34" charset="0"/>
+            </a:endParaRPr>
+          </a:p>
+          <a:p>
+            <a:pPr>
+              <a:defRPr/>
+            </a:pPr>
+            <a:r>
+              <a:rPr lang="es-ES" sz="2800" dirty="0">
+                <a:effectLst>
+                  <a:outerShdw blurRad="38100" dist="38100" dir="2700000" algn="tl">
+                    <a:srgbClr val="000000">
+                      <a:alpha val="43137"/>
+                    </a:srgbClr>
+                  </a:outerShdw>
+                </a:effectLst>
+                <a:latin typeface="Franklin Gothic Medium" panose="020B0603020102020204" pitchFamily="34" charset="0"/>
+              </a:rPr>
+              <a:t>C# posee dos directivas de </a:t>
+            </a:r>
+            <a:r>
+              <a:rPr lang="es-ES" sz="2800" dirty="0" err="1">
+                <a:effectLst>
+                  <a:outerShdw blurRad="38100" dist="38100" dir="2700000" algn="tl">
+                    <a:srgbClr val="000000">
+                      <a:alpha val="43137"/>
+                    </a:srgbClr>
+                  </a:outerShdw>
+                </a:effectLst>
+                <a:latin typeface="Franklin Gothic Medium" panose="020B0603020102020204" pitchFamily="34" charset="0"/>
+              </a:rPr>
+              <a:t>NameSpace</a:t>
+            </a:r>
+            <a:r>
+              <a:rPr lang="es-ES" sz="2800" dirty="0">
+                <a:effectLst>
+                  <a:outerShdw blurRad="38100" dist="38100" dir="2700000" algn="tl">
+                    <a:srgbClr val="000000">
+                      <a:alpha val="43137"/>
+                    </a:srgbClr>
+                  </a:outerShdw>
+                </a:effectLst>
+                <a:latin typeface="Franklin Gothic Medium" panose="020B0603020102020204" pitchFamily="34" charset="0"/>
+              </a:rPr>
+              <a:t>:</a:t>
+            </a:r>
+          </a:p>
+          <a:p>
+            <a:pPr lvl="1">
+              <a:defRPr/>
+            </a:pPr>
+            <a:r>
+              <a:rPr lang="es-ES" sz="2400" dirty="0" err="1">
+                <a:effectLst>
+                  <a:outerShdw blurRad="38100" dist="38100" dir="2700000" algn="tl">
+                    <a:srgbClr val="000000">
+                      <a:alpha val="43137"/>
+                    </a:srgbClr>
+                  </a:outerShdw>
+                </a:effectLst>
+                <a:latin typeface="Franklin Gothic Medium" panose="020B0603020102020204" pitchFamily="34" charset="0"/>
+              </a:rPr>
+              <a:t>Using</a:t>
+            </a:r>
+            <a:endParaRPr lang="es-ES" sz="2400" dirty="0">
+              <a:effectLst>
+                <a:outerShdw blurRad="38100" dist="38100" dir="2700000" algn="tl">
+                  <a:srgbClr val="000000">
+                    <a:alpha val="43137"/>
+                  </a:srgbClr>
+                </a:outerShdw>
+              </a:effectLst>
+              <a:latin typeface="Franklin Gothic Medium" panose="020B0603020102020204" pitchFamily="34" charset="0"/>
+            </a:endParaRPr>
+          </a:p>
+          <a:p>
+            <a:pPr lvl="1">
+              <a:defRPr/>
+            </a:pPr>
+            <a:r>
+              <a:rPr lang="es-ES" sz="2400" dirty="0">
+                <a:effectLst>
+                  <a:outerShdw blurRad="38100" dist="38100" dir="2700000" algn="tl">
+                    <a:srgbClr val="000000">
+                      <a:alpha val="43137"/>
+                    </a:srgbClr>
+                  </a:outerShdw>
+                </a:effectLst>
+                <a:latin typeface="Franklin Gothic Medium" panose="020B0603020102020204" pitchFamily="34" charset="0"/>
+              </a:rPr>
+              <a:t>Alias</a:t>
+            </a:r>
+          </a:p>
+          <a:p>
+            <a:pPr marL="0" indent="0">
+              <a:buNone/>
+            </a:pPr>
+            <a:endParaRPr lang="es-AR" dirty="0"/>
+          </a:p>
+        </p:txBody>
+      </p:sp>
+    </p:spTree>
+    <p:extLst>
+      <p:ext uri="{BB962C8B-B14F-4D97-AF65-F5344CB8AC3E}">
+        <p14:creationId xmlns:p14="http://schemas.microsoft.com/office/powerpoint/2010/main" val="1324256106"/>
+      </p:ext>
+    </p:extLst>
+  </p:cSld>
+  <p:clrMapOvr>
+    <a:masterClrMapping/>
+  </p:clrMapOvr>
+</p:sld>
+</file>
+
 <file path=ppt/slides/slide2.xml><?xml version="1.0" encoding="utf-8"?>
 <p:sld xmlns:a="http://schemas.openxmlformats.org/drawingml/2006/main" xmlns:r="http://schemas.openxmlformats.org/officeDocument/2006/relationships" xmlns:p="http://schemas.openxmlformats.org/presentationml/2006/main">
   <p:cSld>
@@ -9696,6 +15409,2584 @@
       </p:par>
     </p:tnLst>
   </p:timing>
+</p:sld>
+</file>
+
+<file path=ppt/slides/slide20.xml><?xml version="1.0" encoding="utf-8"?>
+<p:sld xmlns:a="http://schemas.openxmlformats.org/drawingml/2006/main" xmlns:r="http://schemas.openxmlformats.org/officeDocument/2006/relationships" xmlns:p="http://schemas.openxmlformats.org/presentationml/2006/main">
+  <p:cSld>
+    <p:spTree>
+      <p:nvGrpSpPr>
+        <p:cNvPr id="1" name=""/>
+        <p:cNvGrpSpPr/>
+        <p:nvPr/>
+      </p:nvGrpSpPr>
+      <p:grpSpPr>
+        <a:xfrm>
+          <a:off x="0" y="0"/>
+          <a:ext cx="0" cy="0"/>
+          <a:chOff x="0" y="0"/>
+          <a:chExt cx="0" cy="0"/>
+        </a:xfrm>
+      </p:grpSpPr>
+      <p:sp>
+        <p:nvSpPr>
+          <p:cNvPr id="2" name="Título 1"/>
+          <p:cNvSpPr>
+            <a:spLocks noGrp="1"/>
+          </p:cNvSpPr>
+          <p:nvPr>
+            <p:ph type="title"/>
+          </p:nvPr>
+        </p:nvSpPr>
+        <p:spPr/>
+        <p:txBody>
+          <a:bodyPr/>
+          <a:lstStyle/>
+          <a:p>
+            <a:r>
+              <a:rPr lang="es-AR" dirty="0" err="1" smtClean="0"/>
+              <a:t>Using</a:t>
+            </a:r>
+            <a:endParaRPr lang="es-AR" dirty="0"/>
+          </a:p>
+        </p:txBody>
+      </p:sp>
+      <p:sp>
+        <p:nvSpPr>
+          <p:cNvPr id="3" name="Marcador de contenido 2"/>
+          <p:cNvSpPr>
+            <a:spLocks noGrp="1"/>
+          </p:cNvSpPr>
+          <p:nvPr>
+            <p:ph idx="1"/>
+          </p:nvPr>
+        </p:nvSpPr>
+        <p:spPr/>
+        <p:txBody>
+          <a:bodyPr/>
+          <a:lstStyle/>
+          <a:p>
+            <a:r>
+              <a:rPr lang="es-ES" dirty="0">
+                <a:effectLst>
+                  <a:outerShdw blurRad="38100" dist="38100" dir="2700000" algn="tl">
+                    <a:srgbClr val="000000">
+                      <a:alpha val="43137"/>
+                    </a:srgbClr>
+                  </a:outerShdw>
+                </a:effectLst>
+                <a:latin typeface="Franklin Gothic Medium" panose="020B0603020102020204" pitchFamily="34" charset="0"/>
+              </a:rPr>
+              <a:t>Permite la especificación de una llamada a un método sin el uso obligatorio de un nombre completamente cualificado.</a:t>
+            </a:r>
+          </a:p>
+          <a:p>
+            <a:pPr marL="0" indent="0">
+              <a:buNone/>
+            </a:pPr>
+            <a:endParaRPr lang="es-AR" dirty="0"/>
+          </a:p>
+        </p:txBody>
+      </p:sp>
+      <p:sp>
+        <p:nvSpPr>
+          <p:cNvPr id="4" name="Google Shape;408;p22"/>
+          <p:cNvSpPr txBox="1">
+            <a:spLocks/>
+          </p:cNvSpPr>
+          <p:nvPr/>
+        </p:nvSpPr>
+        <p:spPr>
+          <a:xfrm>
+            <a:off x="680321" y="3367312"/>
+            <a:ext cx="10588693" cy="2917372"/>
+          </a:xfrm>
+          <a:prstGeom prst="rect">
+            <a:avLst/>
+          </a:prstGeom>
+          <a:solidFill>
+            <a:srgbClr val="FFFFFF"/>
+          </a:solidFill>
+          <a:ln>
+            <a:noFill/>
+          </a:ln>
+        </p:spPr>
+        <p:txBody>
+          <a:bodyPr spcFirstLastPara="1" wrap="square" lIns="91425" tIns="45700" rIns="91425" bIns="45700" anchor="t" anchorCtr="0">
+            <a:noAutofit/>
+          </a:bodyPr>
+          <a:lstStyle>
+            <a:defPPr marR="0" lvl="0" algn="l" rtl="0">
+              <a:lnSpc>
+                <a:spcPct val="100000"/>
+              </a:lnSpc>
+              <a:spcBef>
+                <a:spcPts val="0"/>
+              </a:spcBef>
+              <a:spcAft>
+                <a:spcPts val="0"/>
+              </a:spcAft>
+            </a:defPPr>
+            <a:lvl1pPr marL="457200" marR="0" lvl="0" indent="-381000" algn="l" rtl="0">
+              <a:lnSpc>
+                <a:spcPct val="90000"/>
+              </a:lnSpc>
+              <a:spcBef>
+                <a:spcPts val="1000"/>
+              </a:spcBef>
+              <a:spcAft>
+                <a:spcPts val="0"/>
+              </a:spcAft>
+              <a:buClr>
+                <a:schemeClr val="lt1"/>
+              </a:buClr>
+              <a:buSzPts val="2400"/>
+              <a:buFont typeface="Arial"/>
+              <a:buChar char="•"/>
+              <a:defRPr sz="2400" b="0" i="0" u="none" strike="noStrike" cap="none">
+                <a:solidFill>
+                  <a:schemeClr val="lt1"/>
+                </a:solidFill>
+                <a:latin typeface="Trebuchet MS"/>
+                <a:ea typeface="Trebuchet MS"/>
+                <a:cs typeface="Trebuchet MS"/>
+                <a:sym typeface="Trebuchet MS"/>
+              </a:defRPr>
+            </a:lvl1pPr>
+            <a:lvl2pPr marL="914400" marR="0" lvl="1" indent="-355600" algn="l" rtl="0">
+              <a:lnSpc>
+                <a:spcPct val="90000"/>
+              </a:lnSpc>
+              <a:spcBef>
+                <a:spcPts val="500"/>
+              </a:spcBef>
+              <a:spcAft>
+                <a:spcPts val="0"/>
+              </a:spcAft>
+              <a:buClr>
+                <a:schemeClr val="lt1"/>
+              </a:buClr>
+              <a:buSzPts val="2000"/>
+              <a:buFont typeface="Arial"/>
+              <a:buChar char="•"/>
+              <a:defRPr sz="2000" b="0" i="0" u="none" strike="noStrike" cap="none">
+                <a:solidFill>
+                  <a:schemeClr val="lt1"/>
+                </a:solidFill>
+                <a:latin typeface="Trebuchet MS"/>
+                <a:ea typeface="Trebuchet MS"/>
+                <a:cs typeface="Trebuchet MS"/>
+                <a:sym typeface="Trebuchet MS"/>
+              </a:defRPr>
+            </a:lvl2pPr>
+            <a:lvl3pPr marL="1371600" marR="0" lvl="2" indent="-342900" algn="l" rtl="0">
+              <a:lnSpc>
+                <a:spcPct val="90000"/>
+              </a:lnSpc>
+              <a:spcBef>
+                <a:spcPts val="500"/>
+              </a:spcBef>
+              <a:spcAft>
+                <a:spcPts val="0"/>
+              </a:spcAft>
+              <a:buClr>
+                <a:schemeClr val="lt1"/>
+              </a:buClr>
+              <a:buSzPts val="1800"/>
+              <a:buFont typeface="Arial"/>
+              <a:buChar char="•"/>
+              <a:defRPr sz="1800" b="0" i="0" u="none" strike="noStrike" cap="none">
+                <a:solidFill>
+                  <a:schemeClr val="lt1"/>
+                </a:solidFill>
+                <a:latin typeface="Trebuchet MS"/>
+                <a:ea typeface="Trebuchet MS"/>
+                <a:cs typeface="Trebuchet MS"/>
+                <a:sym typeface="Trebuchet MS"/>
+              </a:defRPr>
+            </a:lvl3pPr>
+            <a:lvl4pPr marL="1828800" marR="0" lvl="3" indent="-330200" algn="l" rtl="0">
+              <a:lnSpc>
+                <a:spcPct val="90000"/>
+              </a:lnSpc>
+              <a:spcBef>
+                <a:spcPts val="500"/>
+              </a:spcBef>
+              <a:spcAft>
+                <a:spcPts val="0"/>
+              </a:spcAft>
+              <a:buClr>
+                <a:schemeClr val="lt1"/>
+              </a:buClr>
+              <a:buSzPts val="1600"/>
+              <a:buFont typeface="Arial"/>
+              <a:buChar char="•"/>
+              <a:defRPr sz="1600" b="0" i="0" u="none" strike="noStrike" cap="none">
+                <a:solidFill>
+                  <a:schemeClr val="lt1"/>
+                </a:solidFill>
+                <a:latin typeface="Trebuchet MS"/>
+                <a:ea typeface="Trebuchet MS"/>
+                <a:cs typeface="Trebuchet MS"/>
+                <a:sym typeface="Trebuchet MS"/>
+              </a:defRPr>
+            </a:lvl4pPr>
+            <a:lvl5pPr marL="2286000" marR="0" lvl="4" indent="-330200" algn="l" rtl="0">
+              <a:lnSpc>
+                <a:spcPct val="90000"/>
+              </a:lnSpc>
+              <a:spcBef>
+                <a:spcPts val="500"/>
+              </a:spcBef>
+              <a:spcAft>
+                <a:spcPts val="0"/>
+              </a:spcAft>
+              <a:buClr>
+                <a:schemeClr val="lt1"/>
+              </a:buClr>
+              <a:buSzPts val="1600"/>
+              <a:buFont typeface="Arial"/>
+              <a:buChar char="•"/>
+              <a:defRPr sz="1600" b="0" i="0" u="none" strike="noStrike" cap="none">
+                <a:solidFill>
+                  <a:schemeClr val="lt1"/>
+                </a:solidFill>
+                <a:latin typeface="Trebuchet MS"/>
+                <a:ea typeface="Trebuchet MS"/>
+                <a:cs typeface="Trebuchet MS"/>
+                <a:sym typeface="Trebuchet MS"/>
+              </a:defRPr>
+            </a:lvl5pPr>
+            <a:lvl6pPr marL="2743200" marR="0" lvl="5" indent="-317500" algn="l" rtl="0">
+              <a:lnSpc>
+                <a:spcPct val="90000"/>
+              </a:lnSpc>
+              <a:spcBef>
+                <a:spcPts val="500"/>
+              </a:spcBef>
+              <a:spcAft>
+                <a:spcPts val="0"/>
+              </a:spcAft>
+              <a:buClr>
+                <a:schemeClr val="lt1"/>
+              </a:buClr>
+              <a:buSzPts val="1400"/>
+              <a:buFont typeface="Arial"/>
+              <a:buChar char="•"/>
+              <a:defRPr sz="1400" b="0" i="0" u="none" strike="noStrike" cap="none">
+                <a:solidFill>
+                  <a:schemeClr val="lt1"/>
+                </a:solidFill>
+                <a:latin typeface="Trebuchet MS"/>
+                <a:ea typeface="Trebuchet MS"/>
+                <a:cs typeface="Trebuchet MS"/>
+                <a:sym typeface="Trebuchet MS"/>
+              </a:defRPr>
+            </a:lvl6pPr>
+            <a:lvl7pPr marL="3200400" marR="0" lvl="6" indent="-317500" algn="l" rtl="0">
+              <a:lnSpc>
+                <a:spcPct val="90000"/>
+              </a:lnSpc>
+              <a:spcBef>
+                <a:spcPts val="500"/>
+              </a:spcBef>
+              <a:spcAft>
+                <a:spcPts val="0"/>
+              </a:spcAft>
+              <a:buClr>
+                <a:schemeClr val="lt1"/>
+              </a:buClr>
+              <a:buSzPts val="1400"/>
+              <a:buFont typeface="Arial"/>
+              <a:buChar char="•"/>
+              <a:defRPr sz="1400" b="0" i="0" u="none" strike="noStrike" cap="none">
+                <a:solidFill>
+                  <a:schemeClr val="lt1"/>
+                </a:solidFill>
+                <a:latin typeface="Trebuchet MS"/>
+                <a:ea typeface="Trebuchet MS"/>
+                <a:cs typeface="Trebuchet MS"/>
+                <a:sym typeface="Trebuchet MS"/>
+              </a:defRPr>
+            </a:lvl7pPr>
+            <a:lvl8pPr marL="3657600" marR="0" lvl="7" indent="-317500" algn="l" rtl="0">
+              <a:lnSpc>
+                <a:spcPct val="90000"/>
+              </a:lnSpc>
+              <a:spcBef>
+                <a:spcPts val="500"/>
+              </a:spcBef>
+              <a:spcAft>
+                <a:spcPts val="0"/>
+              </a:spcAft>
+              <a:buClr>
+                <a:schemeClr val="lt1"/>
+              </a:buClr>
+              <a:buSzPts val="1400"/>
+              <a:buFont typeface="Arial"/>
+              <a:buChar char="•"/>
+              <a:defRPr sz="1400" b="0" i="0" u="none" strike="noStrike" cap="none">
+                <a:solidFill>
+                  <a:schemeClr val="lt1"/>
+                </a:solidFill>
+                <a:latin typeface="Trebuchet MS"/>
+                <a:ea typeface="Trebuchet MS"/>
+                <a:cs typeface="Trebuchet MS"/>
+                <a:sym typeface="Trebuchet MS"/>
+              </a:defRPr>
+            </a:lvl8pPr>
+            <a:lvl9pPr marL="4114800" marR="0" lvl="8" indent="-317500" algn="l" rtl="0">
+              <a:lnSpc>
+                <a:spcPct val="90000"/>
+              </a:lnSpc>
+              <a:spcBef>
+                <a:spcPts val="500"/>
+              </a:spcBef>
+              <a:spcAft>
+                <a:spcPts val="0"/>
+              </a:spcAft>
+              <a:buClr>
+                <a:schemeClr val="lt1"/>
+              </a:buClr>
+              <a:buSzPts val="1400"/>
+              <a:buFont typeface="Arial"/>
+              <a:buChar char="•"/>
+              <a:defRPr sz="1400" b="0" i="0" u="none" strike="noStrike" cap="none">
+                <a:solidFill>
+                  <a:schemeClr val="lt1"/>
+                </a:solidFill>
+                <a:latin typeface="Trebuchet MS"/>
+                <a:ea typeface="Trebuchet MS"/>
+                <a:cs typeface="Trebuchet MS"/>
+                <a:sym typeface="Trebuchet MS"/>
+              </a:defRPr>
+            </a:lvl9pPr>
+          </a:lstStyle>
+          <a:p>
+            <a:pPr marL="76200" indent="0">
+              <a:spcBef>
+                <a:spcPts val="100"/>
+              </a:spcBef>
+              <a:buNone/>
+            </a:pPr>
+            <a:r>
+              <a:rPr lang="es-AR" sz="2000" dirty="0" err="1">
+                <a:solidFill>
+                  <a:srgbClr val="0000FF"/>
+                </a:solidFill>
+                <a:latin typeface="Consolas" panose="020B0609020204030204" pitchFamily="49" charset="0"/>
+              </a:rPr>
+              <a:t>using</a:t>
+            </a:r>
+            <a:r>
+              <a:rPr lang="es-AR" sz="2000" dirty="0">
+                <a:solidFill>
+                  <a:srgbClr val="000000"/>
+                </a:solidFill>
+                <a:latin typeface="Consolas" panose="020B0609020204030204" pitchFamily="49" charset="0"/>
+              </a:rPr>
+              <a:t> </a:t>
+            </a:r>
+            <a:r>
+              <a:rPr lang="es-AR" sz="2000" dirty="0" err="1">
+                <a:solidFill>
+                  <a:srgbClr val="000000"/>
+                </a:solidFill>
+                <a:latin typeface="Consolas" panose="020B0609020204030204" pitchFamily="49" charset="0"/>
+              </a:rPr>
+              <a:t>System</a:t>
+            </a:r>
+            <a:r>
+              <a:rPr lang="es-AR" sz="2000" dirty="0">
+                <a:solidFill>
+                  <a:srgbClr val="000000"/>
+                </a:solidFill>
+                <a:latin typeface="Consolas" panose="020B0609020204030204" pitchFamily="49" charset="0"/>
+              </a:rPr>
+              <a:t>; </a:t>
+            </a:r>
+            <a:r>
+              <a:rPr lang="es-AR" sz="2000" dirty="0">
+                <a:solidFill>
+                  <a:srgbClr val="008000"/>
+                </a:solidFill>
+                <a:latin typeface="Consolas" panose="020B0609020204030204" pitchFamily="49" charset="0"/>
+              </a:rPr>
+              <a:t>//Directiva USING</a:t>
+            </a:r>
+            <a:endParaRPr lang="es-AR" sz="2000" dirty="0">
+              <a:solidFill>
+                <a:srgbClr val="000000"/>
+              </a:solidFill>
+              <a:latin typeface="Consolas" panose="020B0609020204030204" pitchFamily="49" charset="0"/>
+            </a:endParaRPr>
+          </a:p>
+          <a:p>
+            <a:pPr marL="76200" indent="0">
+              <a:spcBef>
+                <a:spcPts val="100"/>
+              </a:spcBef>
+              <a:buNone/>
+            </a:pPr>
+            <a:endParaRPr lang="es-AR" sz="2000" dirty="0">
+              <a:solidFill>
+                <a:srgbClr val="000000"/>
+              </a:solidFill>
+              <a:latin typeface="Consolas" panose="020B0609020204030204" pitchFamily="49" charset="0"/>
+            </a:endParaRPr>
+          </a:p>
+          <a:p>
+            <a:pPr marL="76200" indent="0">
+              <a:spcBef>
+                <a:spcPts val="100"/>
+              </a:spcBef>
+              <a:buNone/>
+            </a:pPr>
+            <a:r>
+              <a:rPr lang="es-AR" sz="2000" dirty="0" err="1">
+                <a:solidFill>
+                  <a:srgbClr val="0000FF"/>
+                </a:solidFill>
+                <a:latin typeface="Consolas" panose="020B0609020204030204" pitchFamily="49" charset="0"/>
+              </a:rPr>
+              <a:t>public</a:t>
+            </a:r>
+            <a:r>
+              <a:rPr lang="es-AR" sz="2000" dirty="0">
+                <a:solidFill>
+                  <a:srgbClr val="000000"/>
+                </a:solidFill>
+                <a:latin typeface="Consolas" panose="020B0609020204030204" pitchFamily="49" charset="0"/>
+              </a:rPr>
+              <a:t> </a:t>
+            </a:r>
+            <a:r>
+              <a:rPr lang="es-AR" sz="2000" dirty="0" err="1">
+                <a:solidFill>
+                  <a:srgbClr val="0000FF"/>
+                </a:solidFill>
+                <a:latin typeface="Consolas" panose="020B0609020204030204" pitchFamily="49" charset="0"/>
+              </a:rPr>
+              <a:t>class</a:t>
+            </a:r>
+            <a:r>
+              <a:rPr lang="es-AR" sz="2000" dirty="0">
+                <a:solidFill>
+                  <a:srgbClr val="000000"/>
+                </a:solidFill>
+                <a:latin typeface="Consolas" panose="020B0609020204030204" pitchFamily="49" charset="0"/>
+              </a:rPr>
+              <a:t> </a:t>
+            </a:r>
+            <a:r>
+              <a:rPr lang="es-AR" sz="2000" dirty="0" err="1">
+                <a:solidFill>
+                  <a:srgbClr val="2B91AF"/>
+                </a:solidFill>
+                <a:latin typeface="Consolas" panose="020B0609020204030204" pitchFamily="49" charset="0"/>
+              </a:rPr>
+              <a:t>Program</a:t>
+            </a:r>
+            <a:endParaRPr lang="es-AR" sz="2000" dirty="0">
+              <a:solidFill>
+                <a:srgbClr val="000000"/>
+              </a:solidFill>
+              <a:latin typeface="Consolas" panose="020B0609020204030204" pitchFamily="49" charset="0"/>
+            </a:endParaRPr>
+          </a:p>
+          <a:p>
+            <a:pPr marL="76200" indent="0">
+              <a:spcBef>
+                <a:spcPts val="100"/>
+              </a:spcBef>
+              <a:buNone/>
+            </a:pPr>
+            <a:r>
+              <a:rPr lang="es-AR" sz="2000" dirty="0">
+                <a:solidFill>
+                  <a:srgbClr val="000000"/>
+                </a:solidFill>
+                <a:latin typeface="Consolas" panose="020B0609020204030204" pitchFamily="49" charset="0"/>
+              </a:rPr>
+              <a:t>{</a:t>
+            </a:r>
+          </a:p>
+          <a:p>
+            <a:pPr marL="76200" indent="0">
+              <a:spcBef>
+                <a:spcPts val="100"/>
+              </a:spcBef>
+              <a:buNone/>
+            </a:pPr>
+            <a:r>
+              <a:rPr lang="es-AR" sz="2000" dirty="0">
+                <a:solidFill>
+                  <a:srgbClr val="000000"/>
+                </a:solidFill>
+                <a:latin typeface="Consolas" panose="020B0609020204030204" pitchFamily="49" charset="0"/>
+              </a:rPr>
+              <a:t>    </a:t>
+            </a:r>
+            <a:r>
+              <a:rPr lang="es-AR" sz="2000" dirty="0" err="1">
+                <a:solidFill>
+                  <a:srgbClr val="0000FF"/>
+                </a:solidFill>
+                <a:latin typeface="Consolas" panose="020B0609020204030204" pitchFamily="49" charset="0"/>
+              </a:rPr>
+              <a:t>public</a:t>
+            </a:r>
+            <a:r>
+              <a:rPr lang="es-AR" sz="2000" dirty="0">
+                <a:solidFill>
+                  <a:srgbClr val="000000"/>
+                </a:solidFill>
+                <a:latin typeface="Consolas" panose="020B0609020204030204" pitchFamily="49" charset="0"/>
+              </a:rPr>
+              <a:t> </a:t>
+            </a:r>
+            <a:r>
+              <a:rPr lang="es-AR" sz="2000" dirty="0" err="1">
+                <a:solidFill>
+                  <a:srgbClr val="0000FF"/>
+                </a:solidFill>
+                <a:latin typeface="Consolas" panose="020B0609020204030204" pitchFamily="49" charset="0"/>
+              </a:rPr>
+              <a:t>static</a:t>
+            </a:r>
+            <a:r>
+              <a:rPr lang="es-AR" sz="2000" dirty="0">
+                <a:solidFill>
+                  <a:srgbClr val="000000"/>
+                </a:solidFill>
+                <a:latin typeface="Consolas" panose="020B0609020204030204" pitchFamily="49" charset="0"/>
+              </a:rPr>
+              <a:t> </a:t>
+            </a:r>
+            <a:r>
+              <a:rPr lang="es-AR" sz="2000" dirty="0" err="1">
+                <a:solidFill>
+                  <a:srgbClr val="0000FF"/>
+                </a:solidFill>
+                <a:latin typeface="Consolas" panose="020B0609020204030204" pitchFamily="49" charset="0"/>
+              </a:rPr>
+              <a:t>void</a:t>
+            </a:r>
+            <a:r>
+              <a:rPr lang="es-AR" sz="2000" dirty="0">
+                <a:solidFill>
+                  <a:srgbClr val="000000"/>
+                </a:solidFill>
+                <a:latin typeface="Consolas" panose="020B0609020204030204" pitchFamily="49" charset="0"/>
+              </a:rPr>
+              <a:t> </a:t>
+            </a:r>
+            <a:r>
+              <a:rPr lang="es-AR" sz="2000" dirty="0" err="1">
+                <a:solidFill>
+                  <a:srgbClr val="000000"/>
+                </a:solidFill>
+                <a:latin typeface="Consolas" panose="020B0609020204030204" pitchFamily="49" charset="0"/>
+              </a:rPr>
+              <a:t>Main</a:t>
+            </a:r>
+            <a:r>
+              <a:rPr lang="es-AR" sz="2000" dirty="0">
+                <a:solidFill>
+                  <a:srgbClr val="000000"/>
+                </a:solidFill>
+                <a:latin typeface="Consolas" panose="020B0609020204030204" pitchFamily="49" charset="0"/>
+              </a:rPr>
+              <a:t>()</a:t>
+            </a:r>
+          </a:p>
+          <a:p>
+            <a:pPr marL="76200" indent="0">
+              <a:spcBef>
+                <a:spcPts val="100"/>
+              </a:spcBef>
+              <a:buNone/>
+            </a:pPr>
+            <a:r>
+              <a:rPr lang="es-AR" sz="2000" dirty="0">
+                <a:solidFill>
+                  <a:srgbClr val="000000"/>
+                </a:solidFill>
+                <a:latin typeface="Consolas" panose="020B0609020204030204" pitchFamily="49" charset="0"/>
+              </a:rPr>
+              <a:t>    {</a:t>
+            </a:r>
+          </a:p>
+          <a:p>
+            <a:pPr marL="76200" indent="0">
+              <a:spcBef>
+                <a:spcPts val="100"/>
+              </a:spcBef>
+              <a:buNone/>
+            </a:pPr>
+            <a:r>
+              <a:rPr lang="es-AR" sz="2000" dirty="0">
+                <a:solidFill>
+                  <a:srgbClr val="000000"/>
+                </a:solidFill>
+                <a:latin typeface="Consolas" panose="020B0609020204030204" pitchFamily="49" charset="0"/>
+              </a:rPr>
+              <a:t>        </a:t>
+            </a:r>
+            <a:r>
+              <a:rPr lang="es-AR" sz="2000" dirty="0" err="1">
+                <a:solidFill>
+                  <a:srgbClr val="000000"/>
+                </a:solidFill>
+                <a:latin typeface="Consolas" panose="020B0609020204030204" pitchFamily="49" charset="0"/>
+              </a:rPr>
+              <a:t>Console.WriteLine</a:t>
+            </a:r>
+            <a:r>
+              <a:rPr lang="es-AR" sz="2000" dirty="0">
+                <a:solidFill>
+                  <a:srgbClr val="000000"/>
+                </a:solidFill>
+                <a:latin typeface="Consolas" panose="020B0609020204030204" pitchFamily="49" charset="0"/>
+              </a:rPr>
+              <a:t>(</a:t>
+            </a:r>
+            <a:r>
+              <a:rPr lang="es-AR" sz="2000" dirty="0">
+                <a:solidFill>
+                  <a:srgbClr val="A31515"/>
+                </a:solidFill>
+                <a:latin typeface="Consolas" panose="020B0609020204030204" pitchFamily="49" charset="0"/>
+              </a:rPr>
+              <a:t>"Hola"</a:t>
+            </a:r>
+            <a:r>
+              <a:rPr lang="es-AR" sz="2000" dirty="0">
+                <a:solidFill>
+                  <a:srgbClr val="000000"/>
+                </a:solidFill>
+                <a:latin typeface="Consolas" panose="020B0609020204030204" pitchFamily="49" charset="0"/>
+              </a:rPr>
+              <a:t>);</a:t>
+            </a:r>
+          </a:p>
+          <a:p>
+            <a:pPr marL="76200" indent="0">
+              <a:spcBef>
+                <a:spcPts val="100"/>
+              </a:spcBef>
+              <a:buNone/>
+            </a:pPr>
+            <a:r>
+              <a:rPr lang="es-AR" sz="2000" dirty="0">
+                <a:solidFill>
+                  <a:srgbClr val="000000"/>
+                </a:solidFill>
+                <a:latin typeface="Consolas" panose="020B0609020204030204" pitchFamily="49" charset="0"/>
+              </a:rPr>
+              <a:t>    }</a:t>
+            </a:r>
+          </a:p>
+          <a:p>
+            <a:pPr marL="76200" indent="0">
+              <a:spcBef>
+                <a:spcPts val="100"/>
+              </a:spcBef>
+              <a:buNone/>
+            </a:pPr>
+            <a:r>
+              <a:rPr lang="es-AR" sz="2000" dirty="0">
+                <a:solidFill>
+                  <a:srgbClr val="000000"/>
+                </a:solidFill>
+                <a:latin typeface="Consolas" panose="020B0609020204030204" pitchFamily="49" charset="0"/>
+              </a:rPr>
+              <a:t>}</a:t>
+            </a:r>
+            <a:endParaRPr lang="es-AR" altLang="es-AR" sz="2000" b="1" dirty="0">
+              <a:solidFill>
+                <a:srgbClr val="000000"/>
+              </a:solidFill>
+              <a:latin typeface="Arial Narrow" panose="020B0606020202030204" pitchFamily="34" charset="0"/>
+              <a:cs typeface="Times New Roman" panose="02020603050405020304" pitchFamily="18" charset="0"/>
+            </a:endParaRPr>
+          </a:p>
+        </p:txBody>
+      </p:sp>
+    </p:spTree>
+    <p:extLst>
+      <p:ext uri="{BB962C8B-B14F-4D97-AF65-F5344CB8AC3E}">
+        <p14:creationId xmlns:p14="http://schemas.microsoft.com/office/powerpoint/2010/main" val="286528725"/>
+      </p:ext>
+    </p:extLst>
+  </p:cSld>
+  <p:clrMapOvr>
+    <a:masterClrMapping/>
+  </p:clrMapOvr>
+</p:sld>
+</file>
+
+<file path=ppt/slides/slide21.xml><?xml version="1.0" encoding="utf-8"?>
+<p:sld xmlns:a="http://schemas.openxmlformats.org/drawingml/2006/main" xmlns:r="http://schemas.openxmlformats.org/officeDocument/2006/relationships" xmlns:p="http://schemas.openxmlformats.org/presentationml/2006/main">
+  <p:cSld>
+    <p:spTree>
+      <p:nvGrpSpPr>
+        <p:cNvPr id="1" name=""/>
+        <p:cNvGrpSpPr/>
+        <p:nvPr/>
+      </p:nvGrpSpPr>
+      <p:grpSpPr>
+        <a:xfrm>
+          <a:off x="0" y="0"/>
+          <a:ext cx="0" cy="0"/>
+          <a:chOff x="0" y="0"/>
+          <a:chExt cx="0" cy="0"/>
+        </a:xfrm>
+      </p:grpSpPr>
+      <p:sp>
+        <p:nvSpPr>
+          <p:cNvPr id="2" name="Título 1"/>
+          <p:cNvSpPr>
+            <a:spLocks noGrp="1"/>
+          </p:cNvSpPr>
+          <p:nvPr>
+            <p:ph type="title"/>
+          </p:nvPr>
+        </p:nvSpPr>
+        <p:spPr/>
+        <p:txBody>
+          <a:bodyPr/>
+          <a:lstStyle/>
+          <a:p>
+            <a:r>
+              <a:rPr lang="es-AR" dirty="0" smtClean="0"/>
+              <a:t>Alias</a:t>
+            </a:r>
+            <a:endParaRPr lang="es-AR" dirty="0"/>
+          </a:p>
+        </p:txBody>
+      </p:sp>
+      <p:sp>
+        <p:nvSpPr>
+          <p:cNvPr id="3" name="Marcador de contenido 2"/>
+          <p:cNvSpPr>
+            <a:spLocks noGrp="1"/>
+          </p:cNvSpPr>
+          <p:nvPr>
+            <p:ph idx="1"/>
+          </p:nvPr>
+        </p:nvSpPr>
+        <p:spPr/>
+        <p:txBody>
+          <a:bodyPr>
+            <a:normAutofit/>
+          </a:bodyPr>
+          <a:lstStyle/>
+          <a:p>
+            <a:r>
+              <a:rPr lang="es-AR" sz="2800" dirty="0" smtClean="0">
+                <a:effectLst>
+                  <a:outerShdw blurRad="38100" dist="38100" dir="2700000" algn="tl">
+                    <a:srgbClr val="000000">
+                      <a:alpha val="43137"/>
+                    </a:srgbClr>
+                  </a:outerShdw>
+                </a:effectLst>
+                <a:latin typeface="Franklin Gothic Medium" panose="020B0603020102020204" pitchFamily="34" charset="0"/>
+              </a:rPr>
+              <a:t>Permite utilizar un nombre distinto para un </a:t>
+            </a:r>
+            <a:r>
+              <a:rPr lang="es-AR" sz="2800" dirty="0" err="1" smtClean="0">
+                <a:effectLst>
+                  <a:outerShdw blurRad="38100" dist="38100" dir="2700000" algn="tl">
+                    <a:srgbClr val="000000">
+                      <a:alpha val="43137"/>
+                    </a:srgbClr>
+                  </a:outerShdw>
+                </a:effectLst>
+                <a:latin typeface="Franklin Gothic Medium" panose="020B0603020102020204" pitchFamily="34" charset="0"/>
+              </a:rPr>
+              <a:t>Namespace</a:t>
+            </a:r>
+            <a:r>
+              <a:rPr lang="es-AR" sz="2800" dirty="0" smtClean="0">
+                <a:effectLst>
+                  <a:outerShdw blurRad="38100" dist="38100" dir="2700000" algn="tl">
+                    <a:srgbClr val="000000">
+                      <a:alpha val="43137"/>
+                    </a:srgbClr>
+                  </a:outerShdw>
+                </a:effectLst>
+                <a:latin typeface="Franklin Gothic Medium" panose="020B0603020102020204" pitchFamily="34" charset="0"/>
+              </a:rPr>
+              <a:t>.</a:t>
+            </a:r>
+          </a:p>
+          <a:p>
+            <a:r>
+              <a:rPr lang="es-AR" sz="2800" dirty="0" smtClean="0">
+                <a:effectLst>
+                  <a:outerShdw blurRad="38100" dist="38100" dir="2700000" algn="tl">
+                    <a:srgbClr val="000000">
+                      <a:alpha val="43137"/>
+                    </a:srgbClr>
+                  </a:outerShdw>
+                </a:effectLst>
+                <a:latin typeface="Franklin Gothic Medium" panose="020B0603020102020204" pitchFamily="34" charset="0"/>
+              </a:rPr>
+              <a:t>Generalmente se utiliza para abreviar nombres largos.</a:t>
+            </a:r>
+            <a:endParaRPr lang="es-AR" sz="2800" dirty="0">
+              <a:effectLst>
+                <a:outerShdw blurRad="38100" dist="38100" dir="2700000" algn="tl">
+                  <a:srgbClr val="000000">
+                    <a:alpha val="43137"/>
+                  </a:srgbClr>
+                </a:outerShdw>
+              </a:effectLst>
+              <a:latin typeface="Franklin Gothic Medium" panose="020B0603020102020204" pitchFamily="34" charset="0"/>
+            </a:endParaRPr>
+          </a:p>
+        </p:txBody>
+      </p:sp>
+      <p:sp>
+        <p:nvSpPr>
+          <p:cNvPr id="4" name="Google Shape;408;p22"/>
+          <p:cNvSpPr txBox="1">
+            <a:spLocks/>
+          </p:cNvSpPr>
+          <p:nvPr/>
+        </p:nvSpPr>
+        <p:spPr>
+          <a:xfrm>
+            <a:off x="680321" y="3497938"/>
+            <a:ext cx="10588693" cy="2917372"/>
+          </a:xfrm>
+          <a:prstGeom prst="rect">
+            <a:avLst/>
+          </a:prstGeom>
+          <a:solidFill>
+            <a:srgbClr val="FFFFFF"/>
+          </a:solidFill>
+          <a:ln>
+            <a:noFill/>
+          </a:ln>
+        </p:spPr>
+        <p:txBody>
+          <a:bodyPr spcFirstLastPara="1" wrap="square" lIns="91425" tIns="45700" rIns="91425" bIns="45700" anchor="t" anchorCtr="0">
+            <a:noAutofit/>
+          </a:bodyPr>
+          <a:lstStyle>
+            <a:defPPr marR="0" lvl="0" algn="l" rtl="0">
+              <a:lnSpc>
+                <a:spcPct val="100000"/>
+              </a:lnSpc>
+              <a:spcBef>
+                <a:spcPts val="0"/>
+              </a:spcBef>
+              <a:spcAft>
+                <a:spcPts val="0"/>
+              </a:spcAft>
+            </a:defPPr>
+            <a:lvl1pPr marL="457200" marR="0" lvl="0" indent="-381000" algn="l" rtl="0">
+              <a:lnSpc>
+                <a:spcPct val="90000"/>
+              </a:lnSpc>
+              <a:spcBef>
+                <a:spcPts val="1000"/>
+              </a:spcBef>
+              <a:spcAft>
+                <a:spcPts val="0"/>
+              </a:spcAft>
+              <a:buClr>
+                <a:schemeClr val="lt1"/>
+              </a:buClr>
+              <a:buSzPts val="2400"/>
+              <a:buFont typeface="Arial"/>
+              <a:buChar char="•"/>
+              <a:defRPr sz="2400" b="0" i="0" u="none" strike="noStrike" cap="none">
+                <a:solidFill>
+                  <a:schemeClr val="lt1"/>
+                </a:solidFill>
+                <a:latin typeface="Trebuchet MS"/>
+                <a:ea typeface="Trebuchet MS"/>
+                <a:cs typeface="Trebuchet MS"/>
+                <a:sym typeface="Trebuchet MS"/>
+              </a:defRPr>
+            </a:lvl1pPr>
+            <a:lvl2pPr marL="914400" marR="0" lvl="1" indent="-355600" algn="l" rtl="0">
+              <a:lnSpc>
+                <a:spcPct val="90000"/>
+              </a:lnSpc>
+              <a:spcBef>
+                <a:spcPts val="500"/>
+              </a:spcBef>
+              <a:spcAft>
+                <a:spcPts val="0"/>
+              </a:spcAft>
+              <a:buClr>
+                <a:schemeClr val="lt1"/>
+              </a:buClr>
+              <a:buSzPts val="2000"/>
+              <a:buFont typeface="Arial"/>
+              <a:buChar char="•"/>
+              <a:defRPr sz="2000" b="0" i="0" u="none" strike="noStrike" cap="none">
+                <a:solidFill>
+                  <a:schemeClr val="lt1"/>
+                </a:solidFill>
+                <a:latin typeface="Trebuchet MS"/>
+                <a:ea typeface="Trebuchet MS"/>
+                <a:cs typeface="Trebuchet MS"/>
+                <a:sym typeface="Trebuchet MS"/>
+              </a:defRPr>
+            </a:lvl2pPr>
+            <a:lvl3pPr marL="1371600" marR="0" lvl="2" indent="-342900" algn="l" rtl="0">
+              <a:lnSpc>
+                <a:spcPct val="90000"/>
+              </a:lnSpc>
+              <a:spcBef>
+                <a:spcPts val="500"/>
+              </a:spcBef>
+              <a:spcAft>
+                <a:spcPts val="0"/>
+              </a:spcAft>
+              <a:buClr>
+                <a:schemeClr val="lt1"/>
+              </a:buClr>
+              <a:buSzPts val="1800"/>
+              <a:buFont typeface="Arial"/>
+              <a:buChar char="•"/>
+              <a:defRPr sz="1800" b="0" i="0" u="none" strike="noStrike" cap="none">
+                <a:solidFill>
+                  <a:schemeClr val="lt1"/>
+                </a:solidFill>
+                <a:latin typeface="Trebuchet MS"/>
+                <a:ea typeface="Trebuchet MS"/>
+                <a:cs typeface="Trebuchet MS"/>
+                <a:sym typeface="Trebuchet MS"/>
+              </a:defRPr>
+            </a:lvl3pPr>
+            <a:lvl4pPr marL="1828800" marR="0" lvl="3" indent="-330200" algn="l" rtl="0">
+              <a:lnSpc>
+                <a:spcPct val="90000"/>
+              </a:lnSpc>
+              <a:spcBef>
+                <a:spcPts val="500"/>
+              </a:spcBef>
+              <a:spcAft>
+                <a:spcPts val="0"/>
+              </a:spcAft>
+              <a:buClr>
+                <a:schemeClr val="lt1"/>
+              </a:buClr>
+              <a:buSzPts val="1600"/>
+              <a:buFont typeface="Arial"/>
+              <a:buChar char="•"/>
+              <a:defRPr sz="1600" b="0" i="0" u="none" strike="noStrike" cap="none">
+                <a:solidFill>
+                  <a:schemeClr val="lt1"/>
+                </a:solidFill>
+                <a:latin typeface="Trebuchet MS"/>
+                <a:ea typeface="Trebuchet MS"/>
+                <a:cs typeface="Trebuchet MS"/>
+                <a:sym typeface="Trebuchet MS"/>
+              </a:defRPr>
+            </a:lvl4pPr>
+            <a:lvl5pPr marL="2286000" marR="0" lvl="4" indent="-330200" algn="l" rtl="0">
+              <a:lnSpc>
+                <a:spcPct val="90000"/>
+              </a:lnSpc>
+              <a:spcBef>
+                <a:spcPts val="500"/>
+              </a:spcBef>
+              <a:spcAft>
+                <a:spcPts val="0"/>
+              </a:spcAft>
+              <a:buClr>
+                <a:schemeClr val="lt1"/>
+              </a:buClr>
+              <a:buSzPts val="1600"/>
+              <a:buFont typeface="Arial"/>
+              <a:buChar char="•"/>
+              <a:defRPr sz="1600" b="0" i="0" u="none" strike="noStrike" cap="none">
+                <a:solidFill>
+                  <a:schemeClr val="lt1"/>
+                </a:solidFill>
+                <a:latin typeface="Trebuchet MS"/>
+                <a:ea typeface="Trebuchet MS"/>
+                <a:cs typeface="Trebuchet MS"/>
+                <a:sym typeface="Trebuchet MS"/>
+              </a:defRPr>
+            </a:lvl5pPr>
+            <a:lvl6pPr marL="2743200" marR="0" lvl="5" indent="-317500" algn="l" rtl="0">
+              <a:lnSpc>
+                <a:spcPct val="90000"/>
+              </a:lnSpc>
+              <a:spcBef>
+                <a:spcPts val="500"/>
+              </a:spcBef>
+              <a:spcAft>
+                <a:spcPts val="0"/>
+              </a:spcAft>
+              <a:buClr>
+                <a:schemeClr val="lt1"/>
+              </a:buClr>
+              <a:buSzPts val="1400"/>
+              <a:buFont typeface="Arial"/>
+              <a:buChar char="•"/>
+              <a:defRPr sz="1400" b="0" i="0" u="none" strike="noStrike" cap="none">
+                <a:solidFill>
+                  <a:schemeClr val="lt1"/>
+                </a:solidFill>
+                <a:latin typeface="Trebuchet MS"/>
+                <a:ea typeface="Trebuchet MS"/>
+                <a:cs typeface="Trebuchet MS"/>
+                <a:sym typeface="Trebuchet MS"/>
+              </a:defRPr>
+            </a:lvl6pPr>
+            <a:lvl7pPr marL="3200400" marR="0" lvl="6" indent="-317500" algn="l" rtl="0">
+              <a:lnSpc>
+                <a:spcPct val="90000"/>
+              </a:lnSpc>
+              <a:spcBef>
+                <a:spcPts val="500"/>
+              </a:spcBef>
+              <a:spcAft>
+                <a:spcPts val="0"/>
+              </a:spcAft>
+              <a:buClr>
+                <a:schemeClr val="lt1"/>
+              </a:buClr>
+              <a:buSzPts val="1400"/>
+              <a:buFont typeface="Arial"/>
+              <a:buChar char="•"/>
+              <a:defRPr sz="1400" b="0" i="0" u="none" strike="noStrike" cap="none">
+                <a:solidFill>
+                  <a:schemeClr val="lt1"/>
+                </a:solidFill>
+                <a:latin typeface="Trebuchet MS"/>
+                <a:ea typeface="Trebuchet MS"/>
+                <a:cs typeface="Trebuchet MS"/>
+                <a:sym typeface="Trebuchet MS"/>
+              </a:defRPr>
+            </a:lvl7pPr>
+            <a:lvl8pPr marL="3657600" marR="0" lvl="7" indent="-317500" algn="l" rtl="0">
+              <a:lnSpc>
+                <a:spcPct val="90000"/>
+              </a:lnSpc>
+              <a:spcBef>
+                <a:spcPts val="500"/>
+              </a:spcBef>
+              <a:spcAft>
+                <a:spcPts val="0"/>
+              </a:spcAft>
+              <a:buClr>
+                <a:schemeClr val="lt1"/>
+              </a:buClr>
+              <a:buSzPts val="1400"/>
+              <a:buFont typeface="Arial"/>
+              <a:buChar char="•"/>
+              <a:defRPr sz="1400" b="0" i="0" u="none" strike="noStrike" cap="none">
+                <a:solidFill>
+                  <a:schemeClr val="lt1"/>
+                </a:solidFill>
+                <a:latin typeface="Trebuchet MS"/>
+                <a:ea typeface="Trebuchet MS"/>
+                <a:cs typeface="Trebuchet MS"/>
+                <a:sym typeface="Trebuchet MS"/>
+              </a:defRPr>
+            </a:lvl8pPr>
+            <a:lvl9pPr marL="4114800" marR="0" lvl="8" indent="-317500" algn="l" rtl="0">
+              <a:lnSpc>
+                <a:spcPct val="90000"/>
+              </a:lnSpc>
+              <a:spcBef>
+                <a:spcPts val="500"/>
+              </a:spcBef>
+              <a:spcAft>
+                <a:spcPts val="0"/>
+              </a:spcAft>
+              <a:buClr>
+                <a:schemeClr val="lt1"/>
+              </a:buClr>
+              <a:buSzPts val="1400"/>
+              <a:buFont typeface="Arial"/>
+              <a:buChar char="•"/>
+              <a:defRPr sz="1400" b="0" i="0" u="none" strike="noStrike" cap="none">
+                <a:solidFill>
+                  <a:schemeClr val="lt1"/>
+                </a:solidFill>
+                <a:latin typeface="Trebuchet MS"/>
+                <a:ea typeface="Trebuchet MS"/>
+                <a:cs typeface="Trebuchet MS"/>
+                <a:sym typeface="Trebuchet MS"/>
+              </a:defRPr>
+            </a:lvl9pPr>
+          </a:lstStyle>
+          <a:p>
+            <a:pPr marL="76200" indent="0">
+              <a:spcBef>
+                <a:spcPts val="100"/>
+              </a:spcBef>
+              <a:buNone/>
+            </a:pPr>
+            <a:r>
+              <a:rPr lang="es-AR" sz="2000" dirty="0" err="1">
+                <a:solidFill>
+                  <a:srgbClr val="0000FF"/>
+                </a:solidFill>
+                <a:latin typeface="Consolas" panose="020B0609020204030204" pitchFamily="49" charset="0"/>
+              </a:rPr>
+              <a:t>using</a:t>
+            </a:r>
+            <a:r>
+              <a:rPr lang="es-AR" sz="2000" dirty="0">
+                <a:solidFill>
+                  <a:srgbClr val="000000"/>
+                </a:solidFill>
+                <a:latin typeface="Consolas" panose="020B0609020204030204" pitchFamily="49" charset="0"/>
+              </a:rPr>
+              <a:t> SC = </a:t>
+            </a:r>
+            <a:r>
+              <a:rPr lang="es-AR" sz="2000" dirty="0" err="1">
+                <a:solidFill>
+                  <a:srgbClr val="000000"/>
+                </a:solidFill>
+                <a:latin typeface="Consolas" panose="020B0609020204030204" pitchFamily="49" charset="0"/>
+              </a:rPr>
+              <a:t>System.Console</a:t>
+            </a:r>
+            <a:r>
+              <a:rPr lang="es-AR" sz="2000" dirty="0" smtClean="0">
+                <a:solidFill>
+                  <a:srgbClr val="000000"/>
+                </a:solidFill>
+                <a:latin typeface="Consolas" panose="020B0609020204030204" pitchFamily="49" charset="0"/>
+              </a:rPr>
+              <a:t>; </a:t>
+            </a:r>
+            <a:r>
+              <a:rPr lang="es-AR" sz="2000" dirty="0">
+                <a:solidFill>
+                  <a:srgbClr val="008000"/>
+                </a:solidFill>
+                <a:latin typeface="Consolas" panose="020B0609020204030204" pitchFamily="49" charset="0"/>
+              </a:rPr>
+              <a:t>//Directiva </a:t>
+            </a:r>
+            <a:r>
+              <a:rPr lang="es-AR" sz="2000" dirty="0" smtClean="0">
+                <a:solidFill>
+                  <a:srgbClr val="008000"/>
+                </a:solidFill>
+                <a:latin typeface="Consolas" panose="020B0609020204030204" pitchFamily="49" charset="0"/>
+              </a:rPr>
+              <a:t>ALIAS</a:t>
+            </a:r>
+            <a:endParaRPr lang="es-AR" sz="2000" dirty="0">
+              <a:solidFill>
+                <a:srgbClr val="000000"/>
+              </a:solidFill>
+              <a:latin typeface="Consolas" panose="020B0609020204030204" pitchFamily="49" charset="0"/>
+            </a:endParaRPr>
+          </a:p>
+          <a:p>
+            <a:pPr marL="76200" indent="0">
+              <a:spcBef>
+                <a:spcPts val="100"/>
+              </a:spcBef>
+              <a:buNone/>
+            </a:pPr>
+            <a:endParaRPr lang="es-AR" sz="2000" dirty="0">
+              <a:solidFill>
+                <a:srgbClr val="000000"/>
+              </a:solidFill>
+              <a:latin typeface="Consolas" panose="020B0609020204030204" pitchFamily="49" charset="0"/>
+            </a:endParaRPr>
+          </a:p>
+          <a:p>
+            <a:pPr marL="76200" indent="0">
+              <a:spcBef>
+                <a:spcPts val="100"/>
+              </a:spcBef>
+              <a:buNone/>
+            </a:pPr>
+            <a:r>
+              <a:rPr lang="es-AR" sz="2000" dirty="0" err="1">
+                <a:solidFill>
+                  <a:srgbClr val="0000FF"/>
+                </a:solidFill>
+                <a:latin typeface="Consolas" panose="020B0609020204030204" pitchFamily="49" charset="0"/>
+              </a:rPr>
+              <a:t>public</a:t>
+            </a:r>
+            <a:r>
+              <a:rPr lang="es-AR" sz="2000" dirty="0">
+                <a:solidFill>
+                  <a:srgbClr val="000000"/>
+                </a:solidFill>
+                <a:latin typeface="Consolas" panose="020B0609020204030204" pitchFamily="49" charset="0"/>
+              </a:rPr>
+              <a:t> </a:t>
+            </a:r>
+            <a:r>
+              <a:rPr lang="es-AR" sz="2000" dirty="0" err="1">
+                <a:solidFill>
+                  <a:srgbClr val="0000FF"/>
+                </a:solidFill>
+                <a:latin typeface="Consolas" panose="020B0609020204030204" pitchFamily="49" charset="0"/>
+              </a:rPr>
+              <a:t>class</a:t>
+            </a:r>
+            <a:r>
+              <a:rPr lang="es-AR" sz="2000" dirty="0">
+                <a:solidFill>
+                  <a:srgbClr val="000000"/>
+                </a:solidFill>
+                <a:latin typeface="Consolas" panose="020B0609020204030204" pitchFamily="49" charset="0"/>
+              </a:rPr>
+              <a:t> </a:t>
+            </a:r>
+            <a:r>
+              <a:rPr lang="es-AR" sz="2000" dirty="0" err="1">
+                <a:solidFill>
+                  <a:srgbClr val="2B91AF"/>
+                </a:solidFill>
+                <a:latin typeface="Consolas" panose="020B0609020204030204" pitchFamily="49" charset="0"/>
+              </a:rPr>
+              <a:t>Program</a:t>
+            </a:r>
+            <a:endParaRPr lang="es-AR" sz="2000" dirty="0">
+              <a:solidFill>
+                <a:srgbClr val="000000"/>
+              </a:solidFill>
+              <a:latin typeface="Consolas" panose="020B0609020204030204" pitchFamily="49" charset="0"/>
+            </a:endParaRPr>
+          </a:p>
+          <a:p>
+            <a:pPr marL="76200" indent="0">
+              <a:spcBef>
+                <a:spcPts val="100"/>
+              </a:spcBef>
+              <a:buNone/>
+            </a:pPr>
+            <a:r>
+              <a:rPr lang="es-AR" sz="2000" dirty="0">
+                <a:solidFill>
+                  <a:srgbClr val="000000"/>
+                </a:solidFill>
+                <a:latin typeface="Consolas" panose="020B0609020204030204" pitchFamily="49" charset="0"/>
+              </a:rPr>
+              <a:t>{</a:t>
+            </a:r>
+          </a:p>
+          <a:p>
+            <a:pPr marL="76200" indent="0">
+              <a:spcBef>
+                <a:spcPts val="100"/>
+              </a:spcBef>
+              <a:buNone/>
+            </a:pPr>
+            <a:r>
+              <a:rPr lang="es-AR" sz="2000" dirty="0">
+                <a:solidFill>
+                  <a:srgbClr val="000000"/>
+                </a:solidFill>
+                <a:latin typeface="Consolas" panose="020B0609020204030204" pitchFamily="49" charset="0"/>
+              </a:rPr>
+              <a:t>    </a:t>
+            </a:r>
+            <a:r>
+              <a:rPr lang="es-AR" sz="2000" dirty="0" err="1">
+                <a:solidFill>
+                  <a:srgbClr val="0000FF"/>
+                </a:solidFill>
+                <a:latin typeface="Consolas" panose="020B0609020204030204" pitchFamily="49" charset="0"/>
+              </a:rPr>
+              <a:t>public</a:t>
+            </a:r>
+            <a:r>
+              <a:rPr lang="es-AR" sz="2000" dirty="0">
+                <a:solidFill>
+                  <a:srgbClr val="000000"/>
+                </a:solidFill>
+                <a:latin typeface="Consolas" panose="020B0609020204030204" pitchFamily="49" charset="0"/>
+              </a:rPr>
+              <a:t> </a:t>
+            </a:r>
+            <a:r>
+              <a:rPr lang="es-AR" sz="2000" dirty="0" err="1">
+                <a:solidFill>
+                  <a:srgbClr val="0000FF"/>
+                </a:solidFill>
+                <a:latin typeface="Consolas" panose="020B0609020204030204" pitchFamily="49" charset="0"/>
+              </a:rPr>
+              <a:t>static</a:t>
+            </a:r>
+            <a:r>
+              <a:rPr lang="es-AR" sz="2000" dirty="0">
+                <a:solidFill>
+                  <a:srgbClr val="000000"/>
+                </a:solidFill>
+                <a:latin typeface="Consolas" panose="020B0609020204030204" pitchFamily="49" charset="0"/>
+              </a:rPr>
+              <a:t> </a:t>
+            </a:r>
+            <a:r>
+              <a:rPr lang="es-AR" sz="2000" dirty="0" err="1">
+                <a:solidFill>
+                  <a:srgbClr val="0000FF"/>
+                </a:solidFill>
+                <a:latin typeface="Consolas" panose="020B0609020204030204" pitchFamily="49" charset="0"/>
+              </a:rPr>
+              <a:t>void</a:t>
+            </a:r>
+            <a:r>
+              <a:rPr lang="es-AR" sz="2000" dirty="0">
+                <a:solidFill>
+                  <a:srgbClr val="000000"/>
+                </a:solidFill>
+                <a:latin typeface="Consolas" panose="020B0609020204030204" pitchFamily="49" charset="0"/>
+              </a:rPr>
+              <a:t> </a:t>
+            </a:r>
+            <a:r>
+              <a:rPr lang="es-AR" sz="2000" dirty="0" err="1">
+                <a:solidFill>
+                  <a:srgbClr val="000000"/>
+                </a:solidFill>
+                <a:latin typeface="Consolas" panose="020B0609020204030204" pitchFamily="49" charset="0"/>
+              </a:rPr>
+              <a:t>Main</a:t>
+            </a:r>
+            <a:r>
+              <a:rPr lang="es-AR" sz="2000" dirty="0">
+                <a:solidFill>
+                  <a:srgbClr val="000000"/>
+                </a:solidFill>
+                <a:latin typeface="Consolas" panose="020B0609020204030204" pitchFamily="49" charset="0"/>
+              </a:rPr>
+              <a:t>()</a:t>
+            </a:r>
+          </a:p>
+          <a:p>
+            <a:pPr marL="76200" indent="0">
+              <a:spcBef>
+                <a:spcPts val="100"/>
+              </a:spcBef>
+              <a:buNone/>
+            </a:pPr>
+            <a:r>
+              <a:rPr lang="es-AR" sz="2000" dirty="0">
+                <a:solidFill>
+                  <a:srgbClr val="000000"/>
+                </a:solidFill>
+                <a:latin typeface="Consolas" panose="020B0609020204030204" pitchFamily="49" charset="0"/>
+              </a:rPr>
+              <a:t>    {</a:t>
+            </a:r>
+          </a:p>
+          <a:p>
+            <a:pPr marL="76200" indent="0">
+              <a:spcBef>
+                <a:spcPts val="100"/>
+              </a:spcBef>
+              <a:buNone/>
+            </a:pPr>
+            <a:r>
+              <a:rPr lang="es-AR" sz="2000" dirty="0">
+                <a:solidFill>
+                  <a:srgbClr val="000000"/>
+                </a:solidFill>
+                <a:latin typeface="Consolas" panose="020B0609020204030204" pitchFamily="49" charset="0"/>
+              </a:rPr>
+              <a:t>        </a:t>
+            </a:r>
+            <a:r>
+              <a:rPr lang="es-AR" sz="2000" dirty="0" err="1" smtClean="0">
+                <a:solidFill>
+                  <a:srgbClr val="000000"/>
+                </a:solidFill>
+                <a:latin typeface="Consolas" panose="020B0609020204030204" pitchFamily="49" charset="0"/>
+              </a:rPr>
+              <a:t>SC.WriteLine</a:t>
+            </a:r>
+            <a:r>
+              <a:rPr lang="es-AR" sz="2000" dirty="0" smtClean="0">
+                <a:solidFill>
+                  <a:srgbClr val="000000"/>
+                </a:solidFill>
+                <a:latin typeface="Consolas" panose="020B0609020204030204" pitchFamily="49" charset="0"/>
+              </a:rPr>
+              <a:t>(</a:t>
+            </a:r>
+            <a:r>
+              <a:rPr lang="es-AR" sz="2000" dirty="0" smtClean="0">
+                <a:solidFill>
+                  <a:srgbClr val="A31515"/>
+                </a:solidFill>
+                <a:latin typeface="Consolas" panose="020B0609020204030204" pitchFamily="49" charset="0"/>
+              </a:rPr>
+              <a:t>"</a:t>
+            </a:r>
+            <a:r>
+              <a:rPr lang="es-AR" sz="2000" dirty="0">
+                <a:solidFill>
+                  <a:srgbClr val="A31515"/>
+                </a:solidFill>
+                <a:latin typeface="Consolas" panose="020B0609020204030204" pitchFamily="49" charset="0"/>
+              </a:rPr>
+              <a:t>Hola"</a:t>
+            </a:r>
+            <a:r>
+              <a:rPr lang="es-AR" sz="2000" dirty="0">
+                <a:solidFill>
+                  <a:srgbClr val="000000"/>
+                </a:solidFill>
+                <a:latin typeface="Consolas" panose="020B0609020204030204" pitchFamily="49" charset="0"/>
+              </a:rPr>
+              <a:t>);</a:t>
+            </a:r>
+          </a:p>
+          <a:p>
+            <a:pPr marL="76200" indent="0">
+              <a:spcBef>
+                <a:spcPts val="100"/>
+              </a:spcBef>
+              <a:buNone/>
+            </a:pPr>
+            <a:r>
+              <a:rPr lang="es-AR" sz="2000" dirty="0">
+                <a:solidFill>
+                  <a:srgbClr val="000000"/>
+                </a:solidFill>
+                <a:latin typeface="Consolas" panose="020B0609020204030204" pitchFamily="49" charset="0"/>
+              </a:rPr>
+              <a:t>    }</a:t>
+            </a:r>
+          </a:p>
+          <a:p>
+            <a:pPr marL="76200" indent="0">
+              <a:spcBef>
+                <a:spcPts val="100"/>
+              </a:spcBef>
+              <a:buNone/>
+            </a:pPr>
+            <a:r>
+              <a:rPr lang="es-AR" sz="2000" dirty="0">
+                <a:solidFill>
+                  <a:srgbClr val="000000"/>
+                </a:solidFill>
+                <a:latin typeface="Consolas" panose="020B0609020204030204" pitchFamily="49" charset="0"/>
+              </a:rPr>
+              <a:t>}</a:t>
+            </a:r>
+            <a:endParaRPr lang="es-AR" altLang="es-AR" sz="2000" b="1" dirty="0">
+              <a:solidFill>
+                <a:srgbClr val="000000"/>
+              </a:solidFill>
+              <a:latin typeface="Arial Narrow" panose="020B0606020202030204" pitchFamily="34" charset="0"/>
+              <a:cs typeface="Times New Roman" panose="02020603050405020304" pitchFamily="18" charset="0"/>
+            </a:endParaRPr>
+          </a:p>
+        </p:txBody>
+      </p:sp>
+    </p:spTree>
+    <p:extLst>
+      <p:ext uri="{BB962C8B-B14F-4D97-AF65-F5344CB8AC3E}">
+        <p14:creationId xmlns:p14="http://schemas.microsoft.com/office/powerpoint/2010/main" val="2412864025"/>
+      </p:ext>
+    </p:extLst>
+  </p:cSld>
+  <p:clrMapOvr>
+    <a:masterClrMapping/>
+  </p:clrMapOvr>
+</p:sld>
+</file>
+
+<file path=ppt/slides/slide22.xml><?xml version="1.0" encoding="utf-8"?>
+<p:sld xmlns:a="http://schemas.openxmlformats.org/drawingml/2006/main" xmlns:r="http://schemas.openxmlformats.org/officeDocument/2006/relationships" xmlns:p="http://schemas.openxmlformats.org/presentationml/2006/main">
+  <p:cSld>
+    <p:spTree>
+      <p:nvGrpSpPr>
+        <p:cNvPr id="1" name=""/>
+        <p:cNvGrpSpPr/>
+        <p:nvPr/>
+      </p:nvGrpSpPr>
+      <p:grpSpPr>
+        <a:xfrm>
+          <a:off x="0" y="0"/>
+          <a:ext cx="0" cy="0"/>
+          <a:chOff x="0" y="0"/>
+          <a:chExt cx="0" cy="0"/>
+        </a:xfrm>
+      </p:grpSpPr>
+      <p:sp>
+        <p:nvSpPr>
+          <p:cNvPr id="2" name="Título 1"/>
+          <p:cNvSpPr>
+            <a:spLocks noGrp="1"/>
+          </p:cNvSpPr>
+          <p:nvPr>
+            <p:ph type="title"/>
+          </p:nvPr>
+        </p:nvSpPr>
+        <p:spPr/>
+        <p:txBody>
+          <a:bodyPr/>
+          <a:lstStyle/>
+          <a:p>
+            <a:r>
+              <a:rPr lang="es-AR" dirty="0" smtClean="0"/>
+              <a:t>Métodos (1/2)</a:t>
+            </a:r>
+            <a:endParaRPr lang="es-AR" dirty="0"/>
+          </a:p>
+        </p:txBody>
+      </p:sp>
+      <p:sp>
+        <p:nvSpPr>
+          <p:cNvPr id="3" name="Marcador de contenido 2"/>
+          <p:cNvSpPr>
+            <a:spLocks noGrp="1"/>
+          </p:cNvSpPr>
+          <p:nvPr>
+            <p:ph idx="1"/>
+          </p:nvPr>
+        </p:nvSpPr>
+        <p:spPr>
+          <a:xfrm>
+            <a:off x="680321" y="3889829"/>
+            <a:ext cx="10742422" cy="2264228"/>
+          </a:xfrm>
+        </p:spPr>
+        <p:txBody>
+          <a:bodyPr>
+            <a:normAutofit/>
+          </a:bodyPr>
+          <a:lstStyle/>
+          <a:p>
+            <a:pPr>
+              <a:defRPr/>
+            </a:pPr>
+            <a:r>
+              <a:rPr lang="es-ES" sz="2800" dirty="0">
+                <a:effectLst>
+                  <a:outerShdw blurRad="38100" dist="38100" dir="2700000" algn="tl">
+                    <a:srgbClr val="000000">
+                      <a:alpha val="43137"/>
+                    </a:srgbClr>
+                  </a:outerShdw>
+                </a:effectLst>
+                <a:latin typeface="Franklin Gothic Medium" panose="020B0603020102020204" pitchFamily="34" charset="0"/>
+              </a:rPr>
+              <a:t>Dónde el identificador representa el nombre del </a:t>
+            </a:r>
+            <a:r>
+              <a:rPr lang="es-ES" sz="2800" dirty="0" err="1">
+                <a:effectLst>
+                  <a:outerShdw blurRad="38100" dist="38100" dir="2700000" algn="tl">
+                    <a:srgbClr val="000000">
+                      <a:alpha val="43137"/>
+                    </a:srgbClr>
+                  </a:outerShdw>
+                </a:effectLst>
+                <a:latin typeface="Franklin Gothic Medium" panose="020B0603020102020204" pitchFamily="34" charset="0"/>
+              </a:rPr>
+              <a:t>NameSpace</a:t>
+            </a:r>
+            <a:r>
+              <a:rPr lang="es-ES" sz="2800" dirty="0">
+                <a:effectLst>
+                  <a:outerShdw blurRad="38100" dist="38100" dir="2700000" algn="tl">
+                    <a:srgbClr val="000000">
+                      <a:alpha val="43137"/>
+                    </a:srgbClr>
+                  </a:outerShdw>
+                </a:effectLst>
+                <a:latin typeface="Franklin Gothic Medium" panose="020B0603020102020204" pitchFamily="34" charset="0"/>
+              </a:rPr>
+              <a:t>.</a:t>
+            </a:r>
+          </a:p>
+          <a:p>
+            <a:pPr>
+              <a:defRPr/>
+            </a:pPr>
+            <a:endParaRPr lang="es-ES" sz="2200" dirty="0">
+              <a:effectLst>
+                <a:outerShdw blurRad="38100" dist="38100" dir="2700000" algn="tl">
+                  <a:srgbClr val="000000">
+                    <a:alpha val="43137"/>
+                  </a:srgbClr>
+                </a:outerShdw>
+              </a:effectLst>
+              <a:latin typeface="Franklin Gothic Medium" panose="020B0603020102020204" pitchFamily="34" charset="0"/>
+            </a:endParaRPr>
+          </a:p>
+          <a:p>
+            <a:pPr>
+              <a:defRPr/>
+            </a:pPr>
+            <a:r>
+              <a:rPr lang="es-ES" sz="2800" dirty="0">
+                <a:effectLst>
+                  <a:outerShdw blurRad="38100" dist="38100" dir="2700000" algn="tl">
+                    <a:srgbClr val="000000">
+                      <a:alpha val="43137"/>
+                    </a:srgbClr>
+                  </a:outerShdw>
+                </a:effectLst>
+                <a:latin typeface="Franklin Gothic Medium" panose="020B0603020102020204" pitchFamily="34" charset="0"/>
+              </a:rPr>
+              <a:t>Dicho nombre respeta la misma convención que las clases.</a:t>
+            </a:r>
+            <a:endParaRPr lang="es-ES" sz="2400" dirty="0">
+              <a:effectLst>
+                <a:outerShdw blurRad="38100" dist="38100" dir="2700000" algn="tl">
+                  <a:srgbClr val="000000">
+                    <a:alpha val="43137"/>
+                  </a:srgbClr>
+                </a:outerShdw>
+              </a:effectLst>
+              <a:latin typeface="Franklin Gothic Medium" panose="020B0603020102020204" pitchFamily="34" charset="0"/>
+            </a:endParaRPr>
+          </a:p>
+        </p:txBody>
+      </p:sp>
+      <p:sp>
+        <p:nvSpPr>
+          <p:cNvPr id="4" name="Google Shape;408;p22"/>
+          <p:cNvSpPr txBox="1">
+            <a:spLocks/>
+          </p:cNvSpPr>
+          <p:nvPr/>
+        </p:nvSpPr>
+        <p:spPr>
+          <a:xfrm>
+            <a:off x="680321" y="2075543"/>
+            <a:ext cx="10588693" cy="1393368"/>
+          </a:xfrm>
+          <a:prstGeom prst="rect">
+            <a:avLst/>
+          </a:prstGeom>
+          <a:solidFill>
+            <a:srgbClr val="FFFFFF"/>
+          </a:solidFill>
+          <a:ln>
+            <a:noFill/>
+          </a:ln>
+        </p:spPr>
+        <p:txBody>
+          <a:bodyPr spcFirstLastPara="1" wrap="square" lIns="91425" tIns="45700" rIns="91425" bIns="45700" anchor="t" anchorCtr="0">
+            <a:noAutofit/>
+          </a:bodyPr>
+          <a:lstStyle>
+            <a:defPPr marR="0" lvl="0" algn="l" rtl="0">
+              <a:lnSpc>
+                <a:spcPct val="100000"/>
+              </a:lnSpc>
+              <a:spcBef>
+                <a:spcPts val="0"/>
+              </a:spcBef>
+              <a:spcAft>
+                <a:spcPts val="0"/>
+              </a:spcAft>
+            </a:defPPr>
+            <a:lvl1pPr marL="457200" marR="0" lvl="0" indent="-381000" algn="l" rtl="0">
+              <a:lnSpc>
+                <a:spcPct val="90000"/>
+              </a:lnSpc>
+              <a:spcBef>
+                <a:spcPts val="1000"/>
+              </a:spcBef>
+              <a:spcAft>
+                <a:spcPts val="0"/>
+              </a:spcAft>
+              <a:buClr>
+                <a:schemeClr val="lt1"/>
+              </a:buClr>
+              <a:buSzPts val="2400"/>
+              <a:buFont typeface="Arial"/>
+              <a:buChar char="•"/>
+              <a:defRPr sz="2400" b="0" i="0" u="none" strike="noStrike" cap="none">
+                <a:solidFill>
+                  <a:schemeClr val="lt1"/>
+                </a:solidFill>
+                <a:latin typeface="Trebuchet MS"/>
+                <a:ea typeface="Trebuchet MS"/>
+                <a:cs typeface="Trebuchet MS"/>
+                <a:sym typeface="Trebuchet MS"/>
+              </a:defRPr>
+            </a:lvl1pPr>
+            <a:lvl2pPr marL="914400" marR="0" lvl="1" indent="-355600" algn="l" rtl="0">
+              <a:lnSpc>
+                <a:spcPct val="90000"/>
+              </a:lnSpc>
+              <a:spcBef>
+                <a:spcPts val="500"/>
+              </a:spcBef>
+              <a:spcAft>
+                <a:spcPts val="0"/>
+              </a:spcAft>
+              <a:buClr>
+                <a:schemeClr val="lt1"/>
+              </a:buClr>
+              <a:buSzPts val="2000"/>
+              <a:buFont typeface="Arial"/>
+              <a:buChar char="•"/>
+              <a:defRPr sz="2000" b="0" i="0" u="none" strike="noStrike" cap="none">
+                <a:solidFill>
+                  <a:schemeClr val="lt1"/>
+                </a:solidFill>
+                <a:latin typeface="Trebuchet MS"/>
+                <a:ea typeface="Trebuchet MS"/>
+                <a:cs typeface="Trebuchet MS"/>
+                <a:sym typeface="Trebuchet MS"/>
+              </a:defRPr>
+            </a:lvl2pPr>
+            <a:lvl3pPr marL="1371600" marR="0" lvl="2" indent="-342900" algn="l" rtl="0">
+              <a:lnSpc>
+                <a:spcPct val="90000"/>
+              </a:lnSpc>
+              <a:spcBef>
+                <a:spcPts val="500"/>
+              </a:spcBef>
+              <a:spcAft>
+                <a:spcPts val="0"/>
+              </a:spcAft>
+              <a:buClr>
+                <a:schemeClr val="lt1"/>
+              </a:buClr>
+              <a:buSzPts val="1800"/>
+              <a:buFont typeface="Arial"/>
+              <a:buChar char="•"/>
+              <a:defRPr sz="1800" b="0" i="0" u="none" strike="noStrike" cap="none">
+                <a:solidFill>
+                  <a:schemeClr val="lt1"/>
+                </a:solidFill>
+                <a:latin typeface="Trebuchet MS"/>
+                <a:ea typeface="Trebuchet MS"/>
+                <a:cs typeface="Trebuchet MS"/>
+                <a:sym typeface="Trebuchet MS"/>
+              </a:defRPr>
+            </a:lvl3pPr>
+            <a:lvl4pPr marL="1828800" marR="0" lvl="3" indent="-330200" algn="l" rtl="0">
+              <a:lnSpc>
+                <a:spcPct val="90000"/>
+              </a:lnSpc>
+              <a:spcBef>
+                <a:spcPts val="500"/>
+              </a:spcBef>
+              <a:spcAft>
+                <a:spcPts val="0"/>
+              </a:spcAft>
+              <a:buClr>
+                <a:schemeClr val="lt1"/>
+              </a:buClr>
+              <a:buSzPts val="1600"/>
+              <a:buFont typeface="Arial"/>
+              <a:buChar char="•"/>
+              <a:defRPr sz="1600" b="0" i="0" u="none" strike="noStrike" cap="none">
+                <a:solidFill>
+                  <a:schemeClr val="lt1"/>
+                </a:solidFill>
+                <a:latin typeface="Trebuchet MS"/>
+                <a:ea typeface="Trebuchet MS"/>
+                <a:cs typeface="Trebuchet MS"/>
+                <a:sym typeface="Trebuchet MS"/>
+              </a:defRPr>
+            </a:lvl4pPr>
+            <a:lvl5pPr marL="2286000" marR="0" lvl="4" indent="-330200" algn="l" rtl="0">
+              <a:lnSpc>
+                <a:spcPct val="90000"/>
+              </a:lnSpc>
+              <a:spcBef>
+                <a:spcPts val="500"/>
+              </a:spcBef>
+              <a:spcAft>
+                <a:spcPts val="0"/>
+              </a:spcAft>
+              <a:buClr>
+                <a:schemeClr val="lt1"/>
+              </a:buClr>
+              <a:buSzPts val="1600"/>
+              <a:buFont typeface="Arial"/>
+              <a:buChar char="•"/>
+              <a:defRPr sz="1600" b="0" i="0" u="none" strike="noStrike" cap="none">
+                <a:solidFill>
+                  <a:schemeClr val="lt1"/>
+                </a:solidFill>
+                <a:latin typeface="Trebuchet MS"/>
+                <a:ea typeface="Trebuchet MS"/>
+                <a:cs typeface="Trebuchet MS"/>
+                <a:sym typeface="Trebuchet MS"/>
+              </a:defRPr>
+            </a:lvl5pPr>
+            <a:lvl6pPr marL="2743200" marR="0" lvl="5" indent="-317500" algn="l" rtl="0">
+              <a:lnSpc>
+                <a:spcPct val="90000"/>
+              </a:lnSpc>
+              <a:spcBef>
+                <a:spcPts val="500"/>
+              </a:spcBef>
+              <a:spcAft>
+                <a:spcPts val="0"/>
+              </a:spcAft>
+              <a:buClr>
+                <a:schemeClr val="lt1"/>
+              </a:buClr>
+              <a:buSzPts val="1400"/>
+              <a:buFont typeface="Arial"/>
+              <a:buChar char="•"/>
+              <a:defRPr sz="1400" b="0" i="0" u="none" strike="noStrike" cap="none">
+                <a:solidFill>
+                  <a:schemeClr val="lt1"/>
+                </a:solidFill>
+                <a:latin typeface="Trebuchet MS"/>
+                <a:ea typeface="Trebuchet MS"/>
+                <a:cs typeface="Trebuchet MS"/>
+                <a:sym typeface="Trebuchet MS"/>
+              </a:defRPr>
+            </a:lvl6pPr>
+            <a:lvl7pPr marL="3200400" marR="0" lvl="6" indent="-317500" algn="l" rtl="0">
+              <a:lnSpc>
+                <a:spcPct val="90000"/>
+              </a:lnSpc>
+              <a:spcBef>
+                <a:spcPts val="500"/>
+              </a:spcBef>
+              <a:spcAft>
+                <a:spcPts val="0"/>
+              </a:spcAft>
+              <a:buClr>
+                <a:schemeClr val="lt1"/>
+              </a:buClr>
+              <a:buSzPts val="1400"/>
+              <a:buFont typeface="Arial"/>
+              <a:buChar char="•"/>
+              <a:defRPr sz="1400" b="0" i="0" u="none" strike="noStrike" cap="none">
+                <a:solidFill>
+                  <a:schemeClr val="lt1"/>
+                </a:solidFill>
+                <a:latin typeface="Trebuchet MS"/>
+                <a:ea typeface="Trebuchet MS"/>
+                <a:cs typeface="Trebuchet MS"/>
+                <a:sym typeface="Trebuchet MS"/>
+              </a:defRPr>
+            </a:lvl7pPr>
+            <a:lvl8pPr marL="3657600" marR="0" lvl="7" indent="-317500" algn="l" rtl="0">
+              <a:lnSpc>
+                <a:spcPct val="90000"/>
+              </a:lnSpc>
+              <a:spcBef>
+                <a:spcPts val="500"/>
+              </a:spcBef>
+              <a:spcAft>
+                <a:spcPts val="0"/>
+              </a:spcAft>
+              <a:buClr>
+                <a:schemeClr val="lt1"/>
+              </a:buClr>
+              <a:buSzPts val="1400"/>
+              <a:buFont typeface="Arial"/>
+              <a:buChar char="•"/>
+              <a:defRPr sz="1400" b="0" i="0" u="none" strike="noStrike" cap="none">
+                <a:solidFill>
+                  <a:schemeClr val="lt1"/>
+                </a:solidFill>
+                <a:latin typeface="Trebuchet MS"/>
+                <a:ea typeface="Trebuchet MS"/>
+                <a:cs typeface="Trebuchet MS"/>
+                <a:sym typeface="Trebuchet MS"/>
+              </a:defRPr>
+            </a:lvl8pPr>
+            <a:lvl9pPr marL="4114800" marR="0" lvl="8" indent="-317500" algn="l" rtl="0">
+              <a:lnSpc>
+                <a:spcPct val="90000"/>
+              </a:lnSpc>
+              <a:spcBef>
+                <a:spcPts val="500"/>
+              </a:spcBef>
+              <a:spcAft>
+                <a:spcPts val="0"/>
+              </a:spcAft>
+              <a:buClr>
+                <a:schemeClr val="lt1"/>
+              </a:buClr>
+              <a:buSzPts val="1400"/>
+              <a:buFont typeface="Arial"/>
+              <a:buChar char="•"/>
+              <a:defRPr sz="1400" b="0" i="0" u="none" strike="noStrike" cap="none">
+                <a:solidFill>
+                  <a:schemeClr val="lt1"/>
+                </a:solidFill>
+                <a:latin typeface="Trebuchet MS"/>
+                <a:ea typeface="Trebuchet MS"/>
+                <a:cs typeface="Trebuchet MS"/>
+                <a:sym typeface="Trebuchet MS"/>
+              </a:defRPr>
+            </a:lvl9pPr>
+          </a:lstStyle>
+          <a:p>
+            <a:pPr marL="0" lvl="0" indent="0" defTabSz="914400" fontAlgn="base">
+              <a:lnSpc>
+                <a:spcPct val="100000"/>
+              </a:lnSpc>
+              <a:spcBef>
+                <a:spcPct val="0"/>
+              </a:spcBef>
+              <a:spcAft>
+                <a:spcPct val="0"/>
+              </a:spcAft>
+              <a:buClrTx/>
+              <a:buSzTx/>
+              <a:buNone/>
+            </a:pPr>
+            <a:r>
+              <a:rPr lang="es-AR" altLang="es-AR" sz="2000" b="1" dirty="0" err="1" smtClean="0">
+                <a:solidFill>
+                  <a:srgbClr val="0000FF"/>
+                </a:solidFill>
+                <a:latin typeface="Arial Narrow" panose="020B0606020202030204" pitchFamily="34" charset="0"/>
+                <a:cs typeface="Times New Roman" panose="02020603050405020304" pitchFamily="18" charset="0"/>
+              </a:rPr>
+              <a:t>namespace</a:t>
+            </a:r>
+            <a:r>
+              <a:rPr lang="es-AR" altLang="es-AR" sz="2000" b="1" dirty="0" smtClean="0">
+                <a:solidFill>
+                  <a:srgbClr val="0000FF"/>
+                </a:solidFill>
+                <a:latin typeface="Arial Narrow" panose="020B0606020202030204" pitchFamily="34" charset="0"/>
+                <a:cs typeface="Times New Roman" panose="02020603050405020304" pitchFamily="18" charset="0"/>
+              </a:rPr>
+              <a:t> </a:t>
+            </a:r>
+            <a:r>
+              <a:rPr lang="es-AR" altLang="es-AR" sz="2000" b="1" dirty="0" smtClean="0">
+                <a:solidFill>
+                  <a:schemeClr val="bg1"/>
+                </a:solidFill>
+                <a:latin typeface="Arial Narrow" panose="020B0606020202030204" pitchFamily="34" charset="0"/>
+                <a:cs typeface="Times New Roman" panose="02020603050405020304" pitchFamily="18" charset="0"/>
+              </a:rPr>
+              <a:t>Identificador</a:t>
+            </a:r>
+            <a:endParaRPr lang="es-AR" altLang="es-AR" sz="2000" b="1" dirty="0">
+              <a:solidFill>
+                <a:schemeClr val="bg1"/>
+              </a:solidFill>
+              <a:latin typeface="Arial Narrow" panose="020B0606020202030204" pitchFamily="34" charset="0"/>
+              <a:cs typeface="Times New Roman" panose="02020603050405020304" pitchFamily="18" charset="0"/>
+            </a:endParaRPr>
+          </a:p>
+          <a:p>
+            <a:pPr marL="0" lvl="0" indent="0" defTabSz="914400" fontAlgn="base">
+              <a:lnSpc>
+                <a:spcPct val="100000"/>
+              </a:lnSpc>
+              <a:spcBef>
+                <a:spcPct val="0"/>
+              </a:spcBef>
+              <a:spcAft>
+                <a:spcPct val="0"/>
+              </a:spcAft>
+              <a:buClrTx/>
+              <a:buSzTx/>
+              <a:buNone/>
+            </a:pPr>
+            <a:r>
+              <a:rPr lang="es-AR" altLang="es-AR" sz="2000" b="1" dirty="0">
+                <a:solidFill>
+                  <a:srgbClr val="000000"/>
+                </a:solidFill>
+                <a:latin typeface="Arial Narrow" panose="020B0606020202030204" pitchFamily="34" charset="0"/>
+                <a:cs typeface="Times New Roman" panose="02020603050405020304" pitchFamily="18" charset="0"/>
+              </a:rPr>
+              <a:t>{</a:t>
+            </a:r>
+          </a:p>
+          <a:p>
+            <a:pPr marL="0" lvl="0" indent="0" defTabSz="914400" fontAlgn="base">
+              <a:lnSpc>
+                <a:spcPct val="100000"/>
+              </a:lnSpc>
+              <a:spcBef>
+                <a:spcPct val="0"/>
+              </a:spcBef>
+              <a:spcAft>
+                <a:spcPct val="0"/>
+              </a:spcAft>
+              <a:buClrTx/>
+              <a:buSzTx/>
+              <a:buNone/>
+            </a:pPr>
+            <a:r>
+              <a:rPr lang="es-AR" altLang="es-AR" sz="2000" b="1" dirty="0">
+                <a:solidFill>
+                  <a:srgbClr val="000000"/>
+                </a:solidFill>
+                <a:latin typeface="Arial Narrow" panose="020B0606020202030204" pitchFamily="34" charset="0"/>
+                <a:cs typeface="Times New Roman" panose="02020603050405020304" pitchFamily="18" charset="0"/>
+              </a:rPr>
+              <a:t>        </a:t>
+            </a:r>
+            <a:r>
+              <a:rPr lang="es-AR" altLang="es-AR" sz="2000" b="1" dirty="0">
+                <a:solidFill>
+                  <a:srgbClr val="66CC66"/>
+                </a:solidFill>
+                <a:latin typeface="Arial Narrow" panose="020B0606020202030204" pitchFamily="34" charset="0"/>
+                <a:cs typeface="Times New Roman" panose="02020603050405020304" pitchFamily="18" charset="0"/>
+              </a:rPr>
+              <a:t>// </a:t>
+            </a:r>
+            <a:r>
+              <a:rPr lang="es-AR" altLang="es-AR" sz="2000" b="1" dirty="0" smtClean="0">
+                <a:solidFill>
+                  <a:srgbClr val="66CC66"/>
+                </a:solidFill>
+                <a:latin typeface="Arial Narrow" panose="020B0606020202030204" pitchFamily="34" charset="0"/>
+                <a:cs typeface="Times New Roman" panose="02020603050405020304" pitchFamily="18" charset="0"/>
+              </a:rPr>
+              <a:t>Miembros</a:t>
+            </a:r>
+            <a:endParaRPr lang="es-AR" altLang="es-AR" sz="2000" b="1" dirty="0">
+              <a:solidFill>
+                <a:srgbClr val="66CC66"/>
+              </a:solidFill>
+              <a:latin typeface="Arial Narrow" panose="020B0606020202030204" pitchFamily="34" charset="0"/>
+              <a:cs typeface="Times New Roman" panose="02020603050405020304" pitchFamily="18" charset="0"/>
+            </a:endParaRPr>
+          </a:p>
+          <a:p>
+            <a:pPr marL="0" lvl="0" indent="0" defTabSz="914400" fontAlgn="base">
+              <a:lnSpc>
+                <a:spcPct val="100000"/>
+              </a:lnSpc>
+              <a:spcBef>
+                <a:spcPct val="0"/>
+              </a:spcBef>
+              <a:spcAft>
+                <a:spcPct val="0"/>
+              </a:spcAft>
+              <a:buClrTx/>
+              <a:buSzTx/>
+              <a:buNone/>
+            </a:pPr>
+            <a:r>
+              <a:rPr lang="es-AR" altLang="es-AR" sz="2000" b="1" dirty="0">
+                <a:solidFill>
+                  <a:srgbClr val="000000"/>
+                </a:solidFill>
+                <a:latin typeface="Arial Narrow" panose="020B0606020202030204" pitchFamily="34" charset="0"/>
+                <a:cs typeface="Times New Roman" panose="02020603050405020304" pitchFamily="18" charset="0"/>
+              </a:rPr>
+              <a:t>}</a:t>
+            </a:r>
+          </a:p>
+          <a:p>
+            <a:pPr marL="0" lvl="0" indent="0" defTabSz="914400" fontAlgn="base">
+              <a:lnSpc>
+                <a:spcPct val="100000"/>
+              </a:lnSpc>
+              <a:spcBef>
+                <a:spcPct val="0"/>
+              </a:spcBef>
+              <a:spcAft>
+                <a:spcPct val="0"/>
+              </a:spcAft>
+              <a:buClrTx/>
+              <a:buSzTx/>
+              <a:buNone/>
+            </a:pPr>
+            <a:endParaRPr lang="es-AR" altLang="es-AR" sz="2000" b="1" dirty="0">
+              <a:solidFill>
+                <a:srgbClr val="000000"/>
+              </a:solidFill>
+              <a:latin typeface="Arial Narrow" panose="020B0606020202030204" pitchFamily="34" charset="0"/>
+              <a:cs typeface="Times New Roman" panose="02020603050405020304" pitchFamily="18" charset="0"/>
+            </a:endParaRPr>
+          </a:p>
+        </p:txBody>
+      </p:sp>
+    </p:spTree>
+    <p:extLst>
+      <p:ext uri="{BB962C8B-B14F-4D97-AF65-F5344CB8AC3E}">
+        <p14:creationId xmlns:p14="http://schemas.microsoft.com/office/powerpoint/2010/main" val="3571530958"/>
+      </p:ext>
+    </p:extLst>
+  </p:cSld>
+  <p:clrMapOvr>
+    <a:masterClrMapping/>
+  </p:clrMapOvr>
+</p:sld>
+</file>
+
+<file path=ppt/slides/slide23.xml><?xml version="1.0" encoding="utf-8"?>
+<p:sld xmlns:a="http://schemas.openxmlformats.org/drawingml/2006/main" xmlns:r="http://schemas.openxmlformats.org/officeDocument/2006/relationships" xmlns:p="http://schemas.openxmlformats.org/presentationml/2006/main">
+  <p:cSld>
+    <p:spTree>
+      <p:nvGrpSpPr>
+        <p:cNvPr id="1" name=""/>
+        <p:cNvGrpSpPr/>
+        <p:nvPr/>
+      </p:nvGrpSpPr>
+      <p:grpSpPr>
+        <a:xfrm>
+          <a:off x="0" y="0"/>
+          <a:ext cx="0" cy="0"/>
+          <a:chOff x="0" y="0"/>
+          <a:chExt cx="0" cy="0"/>
+        </a:xfrm>
+      </p:grpSpPr>
+      <p:sp>
+        <p:nvSpPr>
+          <p:cNvPr id="2" name="Título 1"/>
+          <p:cNvSpPr>
+            <a:spLocks noGrp="1"/>
+          </p:cNvSpPr>
+          <p:nvPr>
+            <p:ph type="title"/>
+          </p:nvPr>
+        </p:nvSpPr>
+        <p:spPr/>
+        <p:txBody>
+          <a:bodyPr/>
+          <a:lstStyle/>
+          <a:p>
+            <a:r>
+              <a:rPr lang="es-AR" dirty="0" smtClean="0"/>
+              <a:t>Miembros</a:t>
+            </a:r>
+            <a:endParaRPr lang="es-AR" dirty="0"/>
+          </a:p>
+        </p:txBody>
+      </p:sp>
+      <p:graphicFrame>
+        <p:nvGraphicFramePr>
+          <p:cNvPr id="4" name="Marcador de contenido 3"/>
+          <p:cNvGraphicFramePr>
+            <a:graphicFrameLocks noGrp="1"/>
+          </p:cNvGraphicFramePr>
+          <p:nvPr>
+            <p:ph idx="1"/>
+            <p:extLst>
+              <p:ext uri="{D42A27DB-BD31-4B8C-83A1-F6EECF244321}">
+                <p14:modId xmlns:p14="http://schemas.microsoft.com/office/powerpoint/2010/main" val="2014345621"/>
+              </p:ext>
+            </p:extLst>
+          </p:nvPr>
+        </p:nvGraphicFramePr>
+        <p:xfrm>
+          <a:off x="681038" y="2336800"/>
+          <a:ext cx="9613900" cy="3805092"/>
+        </p:xfrm>
+        <a:graphic>
+          <a:graphicData uri="http://schemas.openxmlformats.org/drawingml/2006/table">
+            <a:tbl>
+              <a:tblPr firstRow="1" bandRow="1">
+                <a:tableStyleId>{5C22544A-7EE6-4342-B048-85BDC9FD1C3A}</a:tableStyleId>
+              </a:tblPr>
+              <a:tblGrid>
+                <a:gridCol w="9613900"/>
+              </a:tblGrid>
+              <a:tr h="370840">
+                <a:tc>
+                  <a:txBody>
+                    <a:bodyPr/>
+                    <a:lstStyle/>
+                    <a:p>
+                      <a:pPr marL="0" marR="0" lvl="0" indent="0" algn="l" defTabSz="914400" rtl="0" eaLnBrk="1" fontAlgn="base" latinLnBrk="0" hangingPunct="1">
+                        <a:lnSpc>
+                          <a:spcPct val="90000"/>
+                        </a:lnSpc>
+                        <a:spcBef>
+                          <a:spcPct val="25000"/>
+                        </a:spcBef>
+                        <a:spcAft>
+                          <a:spcPct val="0"/>
+                        </a:spcAft>
+                        <a:buClr>
+                          <a:schemeClr val="tx2"/>
+                        </a:buClr>
+                        <a:buSzPct val="75000"/>
+                        <a:buFont typeface="Wingdings" pitchFamily="2" charset="2"/>
+                        <a:buNone/>
+                        <a:tabLst/>
+                      </a:pPr>
+                      <a:r>
+                        <a:rPr kumimoji="0" lang="es-ES" sz="2400" b="0" i="0" u="none" strike="noStrike" cap="none" normalizeH="0" baseline="0" dirty="0" smtClean="0">
+                          <a:ln>
+                            <a:noFill/>
+                          </a:ln>
+                          <a:solidFill>
+                            <a:schemeClr val="tx1"/>
+                          </a:solidFill>
+                          <a:effectLst/>
+                          <a:latin typeface="Franklin Gothic Medium" pitchFamily="34" charset="0"/>
+                        </a:rPr>
+                        <a:t>Pueden contener ...</a:t>
+                      </a:r>
+                    </a:p>
+                  </a:txBody>
+                  <a:tcPr marL="90000" marR="90000" marT="46802" marB="46802" horzOverflow="overflow"/>
+                </a:tc>
+              </a:tr>
+              <a:tr h="370840">
+                <a:tc>
+                  <a:txBody>
+                    <a:bodyPr/>
+                    <a:lstStyle/>
+                    <a:p>
+                      <a:pPr marL="0" marR="0" lvl="0" indent="0" algn="l" defTabSz="914400" rtl="0" eaLnBrk="1" fontAlgn="base" latinLnBrk="0" hangingPunct="1">
+                        <a:lnSpc>
+                          <a:spcPct val="90000"/>
+                        </a:lnSpc>
+                        <a:spcBef>
+                          <a:spcPct val="25000"/>
+                        </a:spcBef>
+                        <a:spcAft>
+                          <a:spcPct val="0"/>
+                        </a:spcAft>
+                        <a:buClr>
+                          <a:schemeClr val="tx2"/>
+                        </a:buClr>
+                        <a:buSzPct val="75000"/>
+                        <a:buFont typeface="Wingdings" pitchFamily="2" charset="2"/>
+                        <a:buNone/>
+                        <a:tabLst/>
+                      </a:pPr>
+                      <a:r>
+                        <a:rPr kumimoji="0" lang="es-ES" sz="2400" b="0" i="0" u="none" strike="noStrike" cap="none" normalizeH="0" baseline="0" dirty="0" smtClean="0">
+                          <a:ln>
+                            <a:noFill/>
+                          </a:ln>
+                          <a:solidFill>
+                            <a:srgbClr val="9D360E"/>
+                          </a:solidFill>
+                          <a:effectLst/>
+                          <a:latin typeface="Franklin Gothic Medium" pitchFamily="34" charset="0"/>
+                        </a:rPr>
+                        <a:t>Clases</a:t>
+                      </a:r>
+                    </a:p>
+                  </a:txBody>
+                  <a:tcPr marL="90000" marR="90000" marT="46802" marB="46802" horzOverflow="overflow"/>
+                </a:tc>
+              </a:tr>
+              <a:tr h="370840">
+                <a:tc>
+                  <a:txBody>
+                    <a:bodyPr/>
+                    <a:lstStyle/>
+                    <a:p>
+                      <a:pPr marL="0" marR="0" lvl="0" indent="0" algn="l" defTabSz="914400" rtl="0" eaLnBrk="1" fontAlgn="base" latinLnBrk="0" hangingPunct="1">
+                        <a:lnSpc>
+                          <a:spcPct val="90000"/>
+                        </a:lnSpc>
+                        <a:spcBef>
+                          <a:spcPct val="25000"/>
+                        </a:spcBef>
+                        <a:spcAft>
+                          <a:spcPct val="0"/>
+                        </a:spcAft>
+                        <a:buClr>
+                          <a:schemeClr val="tx2"/>
+                        </a:buClr>
+                        <a:buSzPct val="75000"/>
+                        <a:buFont typeface="Wingdings" pitchFamily="2" charset="2"/>
+                        <a:buNone/>
+                        <a:tabLst/>
+                      </a:pPr>
+                      <a:r>
+                        <a:rPr kumimoji="0" lang="es-ES" sz="2400" b="0" i="0" u="none" strike="noStrike" cap="none" normalizeH="0" baseline="0" dirty="0" smtClean="0">
+                          <a:ln>
+                            <a:noFill/>
+                          </a:ln>
+                          <a:solidFill>
+                            <a:srgbClr val="9D360E"/>
+                          </a:solidFill>
+                          <a:effectLst/>
+                          <a:latin typeface="Franklin Gothic Medium" pitchFamily="34" charset="0"/>
+                        </a:rPr>
+                        <a:t>Delegados</a:t>
+                      </a:r>
+                    </a:p>
+                  </a:txBody>
+                  <a:tcPr marL="90000" marR="90000" marT="46802" marB="46802" horzOverflow="overflow"/>
+                </a:tc>
+              </a:tr>
+              <a:tr h="370840">
+                <a:tc>
+                  <a:txBody>
+                    <a:bodyPr/>
+                    <a:lstStyle/>
+                    <a:p>
+                      <a:pPr marL="0" marR="0" lvl="0" indent="0" algn="l" defTabSz="914400" rtl="0" eaLnBrk="1" fontAlgn="base" latinLnBrk="0" hangingPunct="1">
+                        <a:lnSpc>
+                          <a:spcPct val="90000"/>
+                        </a:lnSpc>
+                        <a:spcBef>
+                          <a:spcPct val="25000"/>
+                        </a:spcBef>
+                        <a:spcAft>
+                          <a:spcPct val="0"/>
+                        </a:spcAft>
+                        <a:buClr>
+                          <a:schemeClr val="tx2"/>
+                        </a:buClr>
+                        <a:buSzPct val="75000"/>
+                        <a:buFont typeface="Wingdings" pitchFamily="2" charset="2"/>
+                        <a:buNone/>
+                        <a:tabLst/>
+                      </a:pPr>
+                      <a:r>
+                        <a:rPr kumimoji="0" lang="es-ES" sz="2400" b="0" i="0" u="none" strike="noStrike" cap="none" normalizeH="0" baseline="0" dirty="0" smtClean="0">
+                          <a:ln>
+                            <a:noFill/>
+                          </a:ln>
+                          <a:solidFill>
+                            <a:srgbClr val="9D360E"/>
+                          </a:solidFill>
+                          <a:effectLst/>
+                          <a:latin typeface="Franklin Gothic Medium" pitchFamily="34" charset="0"/>
+                        </a:rPr>
+                        <a:t>Enumeraciones</a:t>
+                      </a:r>
+                    </a:p>
+                  </a:txBody>
+                  <a:tcPr marL="90000" marR="90000" marT="46802" marB="46802" horzOverflow="overflow"/>
+                </a:tc>
+              </a:tr>
+              <a:tr h="370840">
+                <a:tc>
+                  <a:txBody>
+                    <a:bodyPr/>
+                    <a:lstStyle/>
+                    <a:p>
+                      <a:pPr marL="0" marR="0" lvl="0" indent="0" algn="l" defTabSz="914400" rtl="0" eaLnBrk="1" fontAlgn="base" latinLnBrk="0" hangingPunct="1">
+                        <a:lnSpc>
+                          <a:spcPct val="90000"/>
+                        </a:lnSpc>
+                        <a:spcBef>
+                          <a:spcPct val="25000"/>
+                        </a:spcBef>
+                        <a:spcAft>
+                          <a:spcPct val="0"/>
+                        </a:spcAft>
+                        <a:buClr>
+                          <a:schemeClr val="tx2"/>
+                        </a:buClr>
+                        <a:buSzPct val="75000"/>
+                        <a:buFont typeface="Wingdings" pitchFamily="2" charset="2"/>
+                        <a:buNone/>
+                        <a:tabLst/>
+                      </a:pPr>
+                      <a:r>
+                        <a:rPr kumimoji="0" lang="es-ES" sz="2400" b="0" i="0" u="none" strike="noStrike" cap="none" normalizeH="0" baseline="0" dirty="0" smtClean="0">
+                          <a:ln>
+                            <a:noFill/>
+                          </a:ln>
+                          <a:solidFill>
+                            <a:srgbClr val="9D360E"/>
+                          </a:solidFill>
+                          <a:effectLst/>
+                          <a:latin typeface="Franklin Gothic Medium" pitchFamily="34" charset="0"/>
+                        </a:rPr>
+                        <a:t>Interfaces</a:t>
+                      </a:r>
+                    </a:p>
+                  </a:txBody>
+                  <a:tcPr marL="90000" marR="90000" marT="46802" marB="46802" horzOverflow="overflow"/>
+                </a:tc>
+              </a:tr>
+              <a:tr h="370840">
+                <a:tc>
+                  <a:txBody>
+                    <a:bodyPr/>
+                    <a:lstStyle/>
+                    <a:p>
+                      <a:pPr marL="0" marR="0" lvl="0" indent="0" algn="l" defTabSz="914400" rtl="0" eaLnBrk="1" fontAlgn="base" latinLnBrk="0" hangingPunct="1">
+                        <a:lnSpc>
+                          <a:spcPct val="90000"/>
+                        </a:lnSpc>
+                        <a:spcBef>
+                          <a:spcPct val="25000"/>
+                        </a:spcBef>
+                        <a:spcAft>
+                          <a:spcPct val="0"/>
+                        </a:spcAft>
+                        <a:buClr>
+                          <a:schemeClr val="tx2"/>
+                        </a:buClr>
+                        <a:buSzPct val="75000"/>
+                        <a:buFont typeface="Wingdings" pitchFamily="2" charset="2"/>
+                        <a:buNone/>
+                        <a:tabLst/>
+                      </a:pPr>
+                      <a:r>
+                        <a:rPr kumimoji="0" lang="es-ES" sz="2400" b="0" i="0" u="none" strike="noStrike" cap="none" normalizeH="0" baseline="0" dirty="0" smtClean="0">
+                          <a:ln>
+                            <a:noFill/>
+                          </a:ln>
+                          <a:solidFill>
+                            <a:srgbClr val="9D360E"/>
+                          </a:solidFill>
+                          <a:effectLst/>
+                          <a:latin typeface="Franklin Gothic Medium" pitchFamily="34" charset="0"/>
+                        </a:rPr>
+                        <a:t>Estructuras</a:t>
+                      </a:r>
+                    </a:p>
+                  </a:txBody>
+                  <a:tcPr marL="90000" marR="90000" marT="46802" marB="46802" horzOverflow="overflow"/>
+                </a:tc>
+              </a:tr>
+              <a:tr h="370840">
+                <a:tc>
+                  <a:txBody>
+                    <a:bodyPr/>
+                    <a:lstStyle/>
+                    <a:p>
+                      <a:pPr marL="0" marR="0" lvl="0" indent="0" algn="l" defTabSz="914400" rtl="0" eaLnBrk="1" fontAlgn="base" latinLnBrk="0" hangingPunct="1">
+                        <a:lnSpc>
+                          <a:spcPct val="90000"/>
+                        </a:lnSpc>
+                        <a:spcBef>
+                          <a:spcPct val="25000"/>
+                        </a:spcBef>
+                        <a:spcAft>
+                          <a:spcPct val="0"/>
+                        </a:spcAft>
+                        <a:buClr>
+                          <a:schemeClr val="tx2"/>
+                        </a:buClr>
+                        <a:buSzPct val="75000"/>
+                        <a:buFont typeface="Wingdings" pitchFamily="2" charset="2"/>
+                        <a:buNone/>
+                        <a:tabLst/>
+                      </a:pPr>
+                      <a:r>
+                        <a:rPr kumimoji="0" lang="es-ES" sz="2400" b="0" i="0" u="none" strike="noStrike" cap="none" normalizeH="0" baseline="0" dirty="0" smtClean="0">
+                          <a:ln>
+                            <a:noFill/>
+                          </a:ln>
+                          <a:solidFill>
+                            <a:srgbClr val="9D360E"/>
+                          </a:solidFill>
+                          <a:effectLst/>
+                          <a:latin typeface="Franklin Gothic Medium" pitchFamily="34" charset="0"/>
+                        </a:rPr>
+                        <a:t>Namespaces</a:t>
+                      </a:r>
+                    </a:p>
+                  </a:txBody>
+                  <a:tcPr marL="90000" marR="90000" marT="46802" marB="46802" horzOverflow="overflow"/>
+                </a:tc>
+              </a:tr>
+              <a:tr h="370840">
+                <a:tc>
+                  <a:txBody>
+                    <a:bodyPr/>
+                    <a:lstStyle/>
+                    <a:p>
+                      <a:pPr marL="0" marR="0" lvl="0" indent="0" algn="l" defTabSz="914400" rtl="0" eaLnBrk="1" fontAlgn="base" latinLnBrk="0" hangingPunct="1">
+                        <a:lnSpc>
+                          <a:spcPct val="90000"/>
+                        </a:lnSpc>
+                        <a:spcBef>
+                          <a:spcPct val="25000"/>
+                        </a:spcBef>
+                        <a:spcAft>
+                          <a:spcPct val="0"/>
+                        </a:spcAft>
+                        <a:buClr>
+                          <a:schemeClr val="tx2"/>
+                        </a:buClr>
+                        <a:buSzPct val="75000"/>
+                        <a:buFont typeface="Wingdings" pitchFamily="2" charset="2"/>
+                        <a:buNone/>
+                        <a:tabLst/>
+                      </a:pPr>
+                      <a:r>
+                        <a:rPr kumimoji="0" lang="es-ES" sz="2400" b="0" i="0" u="none" strike="noStrike" cap="none" normalizeH="0" baseline="0" dirty="0" smtClean="0">
+                          <a:ln>
+                            <a:noFill/>
+                          </a:ln>
+                          <a:solidFill>
+                            <a:srgbClr val="9D360E"/>
+                          </a:solidFill>
+                          <a:effectLst/>
+                          <a:latin typeface="Franklin Gothic Medium" pitchFamily="34" charset="0"/>
+                        </a:rPr>
+                        <a:t>Directivas using</a:t>
+                      </a:r>
+                    </a:p>
+                  </a:txBody>
+                  <a:tcPr marL="90000" marR="90000" marT="46802" marB="46802" horzOverflow="overflow"/>
+                </a:tc>
+              </a:tr>
+              <a:tr h="370840">
+                <a:tc>
+                  <a:txBody>
+                    <a:bodyPr/>
+                    <a:lstStyle/>
+                    <a:p>
+                      <a:pPr marL="0" marR="0" lvl="0" indent="0" algn="l" defTabSz="914400" rtl="0" eaLnBrk="1" fontAlgn="base" latinLnBrk="0" hangingPunct="1">
+                        <a:lnSpc>
+                          <a:spcPct val="90000"/>
+                        </a:lnSpc>
+                        <a:spcBef>
+                          <a:spcPct val="25000"/>
+                        </a:spcBef>
+                        <a:spcAft>
+                          <a:spcPct val="0"/>
+                        </a:spcAft>
+                        <a:buClr>
+                          <a:schemeClr val="tx2"/>
+                        </a:buClr>
+                        <a:buSzPct val="75000"/>
+                        <a:buFont typeface="Wingdings" pitchFamily="2" charset="2"/>
+                        <a:buNone/>
+                        <a:tabLst/>
+                      </a:pPr>
+                      <a:r>
+                        <a:rPr kumimoji="0" lang="es-ES" sz="2400" b="0" i="0" u="none" strike="noStrike" cap="none" normalizeH="0" baseline="0" dirty="0" smtClean="0">
+                          <a:ln>
+                            <a:noFill/>
+                          </a:ln>
+                          <a:solidFill>
+                            <a:srgbClr val="9D360E"/>
+                          </a:solidFill>
+                          <a:effectLst/>
+                          <a:latin typeface="Franklin Gothic Medium" pitchFamily="34" charset="0"/>
+                        </a:rPr>
+                        <a:t>Directivas Alias</a:t>
+                      </a:r>
+                    </a:p>
+                  </a:txBody>
+                  <a:tcPr marL="90000" marR="90000" marT="46802" marB="46802" horzOverflow="overflow"/>
+                </a:tc>
+              </a:tr>
+            </a:tbl>
+          </a:graphicData>
+        </a:graphic>
+      </p:graphicFrame>
+    </p:spTree>
+    <p:extLst>
+      <p:ext uri="{BB962C8B-B14F-4D97-AF65-F5344CB8AC3E}">
+        <p14:creationId xmlns:p14="http://schemas.microsoft.com/office/powerpoint/2010/main" val="1440490544"/>
+      </p:ext>
+    </p:extLst>
+  </p:cSld>
+  <p:clrMapOvr>
+    <a:masterClrMapping/>
+  </p:clrMapOvr>
 </p:sld>
 </file>
 
@@ -11087,11 +19378,7 @@
                       </a:r>
                       <a:r>
                         <a:rPr lang="es-AR" dirty="0" smtClean="0"/>
-                        <a:t>() </a:t>
-                      </a:r>
-                      <a:r>
-                        <a:rPr lang="es-AR" dirty="0" smtClean="0"/>
-                        <a:t>: </a:t>
+                        <a:t>() : </a:t>
                       </a:r>
                       <a:r>
                         <a:rPr lang="es-AR" dirty="0" err="1" smtClean="0"/>
@@ -11115,11 +19402,7 @@
                       </a:r>
                       <a:r>
                         <a:rPr lang="es-AR" dirty="0" smtClean="0"/>
-                        <a:t>() </a:t>
-                      </a:r>
-                      <a:r>
-                        <a:rPr lang="es-AR" dirty="0" smtClean="0"/>
-                        <a:t>: </a:t>
+                        <a:t>() : </a:t>
                       </a:r>
                       <a:r>
                         <a:rPr lang="es-AR" dirty="0" err="1" smtClean="0"/>
@@ -12826,19 +21109,6 @@
               <a:defRPr/>
             </a:pPr>
             <a:r>
-              <a:rPr lang="es-ES" sz="2800" b="1" dirty="0">
-                <a:effectLst>
-                  <a:outerShdw blurRad="38100" dist="38100" dir="2700000" algn="tl">
-                    <a:srgbClr val="000000">
-                      <a:alpha val="43137"/>
-                    </a:srgbClr>
-                  </a:outerShdw>
-                </a:effectLst>
-                <a:latin typeface="Franklin Gothic Medium" panose="020B0603020102020204" pitchFamily="34" charset="0"/>
-              </a:rPr>
-              <a:t>modificador</a:t>
-            </a:r>
-            <a:r>
               <a:rPr lang="es-ES" sz="2800" dirty="0">
                 <a:effectLst>
                   <a:outerShdw blurRad="38100" dist="38100" dir="2700000" algn="tl">
@@ -12849,7 +21119,7 @@
                 </a:effectLst>
                 <a:latin typeface="Franklin Gothic Medium" panose="020B0603020102020204" pitchFamily="34" charset="0"/>
               </a:rPr>
-              <a:t>: Determina la accesibilidad que tendrán sobre ella otras clases.</a:t>
+              <a:t>modificador: Determina la accesibilidad que tendrán sobre ella otras clases.</a:t>
             </a:r>
           </a:p>
           <a:p>
@@ -12860,7 +21130,7 @@
               <a:defRPr/>
             </a:pPr>
             <a:r>
-              <a:rPr lang="es-ES" sz="2800" b="1" dirty="0" err="1">
+              <a:rPr lang="es-ES" sz="2800" dirty="0" err="1">
                 <a:effectLst>
                   <a:outerShdw blurRad="38100" dist="38100" dir="2700000" algn="tl">
                     <a:srgbClr val="000000">
@@ -12894,19 +21164,6 @@
               <a:defRPr/>
             </a:pPr>
             <a:r>
-              <a:rPr lang="es-ES" sz="2800" b="1" dirty="0">
-                <a:effectLst>
-                  <a:outerShdw blurRad="38100" dist="38100" dir="2700000" algn="tl">
-                    <a:srgbClr val="000000">
-                      <a:alpha val="43137"/>
-                    </a:srgbClr>
-                  </a:outerShdw>
-                </a:effectLst>
-                <a:latin typeface="Franklin Gothic Medium" panose="020B0603020102020204" pitchFamily="34" charset="0"/>
-              </a:rPr>
-              <a:t>Identificador</a:t>
-            </a:r>
-            <a:r>
               <a:rPr lang="es-ES" sz="2800" dirty="0">
                 <a:effectLst>
                   <a:outerShdw blurRad="38100" dist="38100" dir="2700000" algn="tl">
@@ -12917,7 +21174,7 @@
                 </a:effectLst>
                 <a:latin typeface="Franklin Gothic Medium" panose="020B0603020102020204" pitchFamily="34" charset="0"/>
               </a:rPr>
-              <a:t>: Indica el nombre de la clase.</a:t>
+              <a:t>Identificador: Indica el nombre de la clase.</a:t>
             </a:r>
           </a:p>
           <a:p>
@@ -13446,13 +21703,6 @@
               </a:rPr>
               <a:t>}</a:t>
             </a:r>
-            <a:endParaRPr lang="es-AR" altLang="es-AR" sz="2000" b="1" dirty="0">
-              <a:solidFill>
-                <a:srgbClr val="000000"/>
-              </a:solidFill>
-              <a:latin typeface="Arial Narrow" panose="020B0606020202030204" pitchFamily="34" charset="0"/>
-              <a:cs typeface="Times New Roman" panose="02020603050405020304" pitchFamily="18" charset="0"/>
-            </a:endParaRPr>
           </a:p>
         </p:txBody>
       </p:sp>

--- a/PPTs/ProgramacionII_Clase_02-2018.pptx
+++ b/PPTs/ProgramacionII_Clase_02-2018.pptx
@@ -231,7 +231,7 @@
           <a:p>
             <a:fld id="{D0683491-89D4-49E1-9471-94C7F2E3C116}" type="datetimeFigureOut">
               <a:rPr lang="es-AR" smtClean="0"/>
-              <a:t>03/09/2018</a:t>
+              <a:t>19/03/2019</a:t>
             </a:fld>
             <a:endParaRPr lang="es-AR"/>
           </a:p>
@@ -1356,7 +1356,7 @@
           <a:p>
             <a:fld id="{78ABE3C1-DBE1-495D-B57B-2849774B866A}" type="datetimeFigureOut">
               <a:rPr lang="en-US" dirty="0"/>
-              <a:t>9/3/2018</a:t>
+              <a:t>3/19/2019</a:t>
             </a:fld>
             <a:endParaRPr lang="en-US" dirty="0"/>
           </a:p>
@@ -1765,7 +1765,7 @@
           <a:p>
             <a:fld id="{446C117F-5CCF-4837-BE5F-2B92066CAFAF}" type="datetimeFigureOut">
               <a:rPr lang="en-US" dirty="0"/>
-              <a:t>9/3/2018</a:t>
+              <a:t>3/19/2019</a:t>
             </a:fld>
             <a:endParaRPr lang="en-US" dirty="0"/>
           </a:p>
@@ -2096,7 +2096,7 @@
           <a:p>
             <a:fld id="{84EB90BD-B6CE-46B7-997F-7313B992CCDC}" type="datetimeFigureOut">
               <a:rPr lang="en-US" dirty="0"/>
-              <a:t>9/3/2018</a:t>
+              <a:t>3/19/2019</a:t>
             </a:fld>
             <a:endParaRPr lang="en-US" dirty="0"/>
           </a:p>
@@ -2496,7 +2496,7 @@
           <a:p>
             <a:fld id="{CDB9D11F-B188-461D-B23F-39381795C052}" type="datetimeFigureOut">
               <a:rPr lang="en-US" dirty="0"/>
-              <a:t>9/3/2018</a:t>
+              <a:t>3/19/2019</a:t>
             </a:fld>
             <a:endParaRPr lang="en-US" dirty="0"/>
           </a:p>
@@ -3059,7 +3059,7 @@
           <a:p>
             <a:fld id="{52E6D8D9-55A2-4063-B0F3-121F44549695}" type="datetimeFigureOut">
               <a:rPr lang="en-US" dirty="0"/>
-              <a:t>9/3/2018</a:t>
+              <a:t>3/19/2019</a:t>
             </a:fld>
             <a:endParaRPr lang="en-US" dirty="0"/>
           </a:p>
@@ -3735,7 +3735,7 @@
           <a:p>
             <a:fld id="{D4B24536-994D-4021-A283-9F449C0DB509}" type="datetimeFigureOut">
               <a:rPr lang="en-US" dirty="0"/>
-              <a:t>9/3/2018</a:t>
+              <a:t>3/19/2019</a:t>
             </a:fld>
             <a:endParaRPr lang="en-US" dirty="0"/>
           </a:p>
@@ -4643,7 +4643,7 @@
           <a:p>
             <a:fld id="{3CBBBB78-C96F-47B7-AB17-D852CA960AC9}" type="datetimeFigureOut">
               <a:rPr lang="en-US" dirty="0"/>
-              <a:t>9/3/2018</a:t>
+              <a:t>3/19/2019</a:t>
             </a:fld>
             <a:endParaRPr lang="en-US" dirty="0"/>
           </a:p>
@@ -4951,7 +4951,7 @@
           <a:p>
             <a:fld id="{1FA3F48C-C7C6-4055-9F49-3777875E72AE}" type="datetimeFigureOut">
               <a:rPr lang="en-US" dirty="0"/>
-              <a:t>9/3/2018</a:t>
+              <a:t>3/19/2019</a:t>
             </a:fld>
             <a:endParaRPr lang="en-US" dirty="0"/>
           </a:p>
@@ -5210,7 +5210,7 @@
           <a:p>
             <a:fld id="{6178E61D-D431-422C-9764-11DAFE33AB63}" type="datetimeFigureOut">
               <a:rPr lang="en-US" dirty="0"/>
-              <a:t>9/3/2018</a:t>
+              <a:t>3/19/2019</a:t>
             </a:fld>
             <a:endParaRPr lang="en-US" dirty="0"/>
           </a:p>
@@ -5529,7 +5529,7 @@
           <a:p>
             <a:fld id="{12DE42F4-6EEF-4EF7-8ED4-2208F0F89A08}" type="datetimeFigureOut">
               <a:rPr lang="en-US" dirty="0"/>
-              <a:t>9/3/2018</a:t>
+              <a:t>3/19/2019</a:t>
             </a:fld>
             <a:endParaRPr lang="en-US" dirty="0"/>
           </a:p>
@@ -5913,7 +5913,7 @@
           <a:p>
             <a:fld id="{30578ACC-22D6-47C1-A373-4FD133E34F3C}" type="datetimeFigureOut">
               <a:rPr lang="en-US" dirty="0"/>
-              <a:t>9/3/2018</a:t>
+              <a:t>3/19/2019</a:t>
             </a:fld>
             <a:endParaRPr lang="en-US" dirty="0"/>
           </a:p>
@@ -6284,7 +6284,7 @@
           <a:p>
             <a:fld id="{4E5A6C69-6797-4E8A-BF37-F2C3751466E9}" type="datetimeFigureOut">
               <a:rPr lang="en-US" dirty="0"/>
-              <a:t>9/3/2018</a:t>
+              <a:t>3/19/2019</a:t>
             </a:fld>
             <a:endParaRPr lang="en-US" dirty="0"/>
           </a:p>
@@ -6785,7 +6785,7 @@
           <a:p>
             <a:fld id="{D82014A1-A632-4878-A0D3-F52BA7563730}" type="datetimeFigureOut">
               <a:rPr lang="en-US" dirty="0"/>
-              <a:t>9/3/2018</a:t>
+              <a:t>3/19/2019</a:t>
             </a:fld>
             <a:endParaRPr lang="en-US" dirty="0"/>
           </a:p>
@@ -7037,7 +7037,7 @@
           <a:p>
             <a:fld id="{CE99F462-093F-4566-844B-4C71F2739DA5}" type="datetimeFigureOut">
               <a:rPr lang="en-US" dirty="0"/>
-              <a:t>9/3/2018</a:t>
+              <a:t>3/19/2019</a:t>
             </a:fld>
             <a:endParaRPr lang="en-US" dirty="0"/>
           </a:p>
@@ -7195,7 +7195,7 @@
           <a:p>
             <a:fld id="{3D24A7AC-904D-4781-85BA-7D10C17ED021}" type="datetimeFigureOut">
               <a:rPr lang="en-US" dirty="0"/>
-              <a:t>9/3/2018</a:t>
+              <a:t>3/19/2019</a:t>
             </a:fld>
             <a:endParaRPr lang="en-US" dirty="0"/>
           </a:p>
@@ -7580,7 +7580,7 @@
           <a:p>
             <a:fld id="{E331444B-B92B-4E27-8C94-BB93EAF5CB18}" type="datetimeFigureOut">
               <a:rPr lang="en-US" dirty="0"/>
-              <a:t>9/3/2018</a:t>
+              <a:t>3/19/2019</a:t>
             </a:fld>
             <a:endParaRPr lang="en-US" dirty="0"/>
           </a:p>
@@ -7984,7 +7984,7 @@
           <a:p>
             <a:fld id="{363EFA5E-FA76-400D-B3DC-F0BA90E6D107}" type="datetimeFigureOut">
               <a:rPr lang="en-US" dirty="0"/>
-              <a:t>9/3/2018</a:t>
+              <a:t>3/19/2019</a:t>
             </a:fld>
             <a:endParaRPr lang="en-US" dirty="0"/>
           </a:p>
@@ -8223,7 +8223,7 @@
           <a:p>
             <a:fld id="{9D6E9DEC-419B-4CC5-A080-3B06BD5A8291}" type="datetimeFigureOut">
               <a:rPr lang="en-US" dirty="0"/>
-              <a:t>9/3/2018</a:t>
+              <a:t>3/19/2019</a:t>
             </a:fld>
             <a:endParaRPr lang="en-US" dirty="0"/>
           </a:p>
@@ -10162,7 +10162,7 @@
               <a:t>[modificador] </a:t>
             </a:r>
             <a:r>
-              <a:rPr lang="es-AR" altLang="es-AR" sz="2000" b="1" dirty="0" smtClean="0">
+              <a:rPr lang="es-AR" altLang="es-AR" sz="2000" b="1" smtClean="0">
                 <a:solidFill>
                   <a:srgbClr val="0000FF"/>
                 </a:solidFill>
@@ -10172,14 +10172,14 @@
               <a:t>tipo </a:t>
             </a:r>
             <a:r>
-              <a:rPr lang="es-AR" altLang="es-AR" sz="2000" b="1" dirty="0" smtClean="0">
+              <a:rPr lang="es-AR" altLang="es-AR" sz="2000" b="1">
                 <a:solidFill>
                   <a:srgbClr val="00B0F0"/>
                 </a:solidFill>
                 <a:latin typeface="Arial Narrow" panose="020B0606020202030204" pitchFamily="34" charset="0"/>
                 <a:cs typeface="Times New Roman" panose="02020603050405020304" pitchFamily="18" charset="0"/>
               </a:rPr>
-              <a:t>Identificador</a:t>
+              <a:t>identificador</a:t>
             </a:r>
             <a:r>
               <a:rPr lang="es-AR" altLang="es-AR" sz="2000" b="1" dirty="0" smtClean="0">
@@ -10211,6 +10211,13 @@
   <p:clrMapOvr>
     <a:masterClrMapping/>
   </p:clrMapOvr>
+  <p:timing>
+    <p:tnLst>
+      <p:par>
+        <p:cTn id="1" dur="indefinite" restart="never" nodeType="tmRoot"/>
+      </p:par>
+    </p:tnLst>
+  </p:timing>
 </p:sld>
 </file>
 
@@ -11638,6 +11645,13 @@
   <p:clrMapOvr>
     <a:masterClrMapping/>
   </p:clrMapOvr>
+  <p:timing>
+    <p:tnLst>
+      <p:par>
+        <p:cTn id="1" dur="indefinite" restart="never" nodeType="tmRoot"/>
+      </p:par>
+    </p:tnLst>
+  </p:timing>
 </p:sld>
 </file>
 
@@ -12229,17 +12243,7 @@
                 <a:latin typeface="Arial Narrow" panose="020B0606020202030204" pitchFamily="34" charset="0"/>
                 <a:cs typeface="Times New Roman" panose="02020603050405020304" pitchFamily="18" charset="0"/>
               </a:rPr>
-              <a:t>i</a:t>
-            </a:r>
-            <a:r>
-              <a:rPr lang="es-AR" altLang="es-AR" sz="2000" b="1" dirty="0" smtClean="0">
-                <a:solidFill>
-                  <a:schemeClr val="bg1"/>
-                </a:solidFill>
-                <a:latin typeface="Arial Narrow" panose="020B0606020202030204" pitchFamily="34" charset="0"/>
-                <a:cs typeface="Times New Roman" panose="02020603050405020304" pitchFamily="18" charset="0"/>
-              </a:rPr>
-              <a:t>dentificador</a:t>
+              <a:t>identificador</a:t>
             </a:r>
             <a:endParaRPr lang="es-AR" altLang="es-AR" sz="2000" b="1" dirty="0">
               <a:solidFill>
@@ -12261,6 +12265,13 @@
   <p:clrMapOvr>
     <a:masterClrMapping/>
   </p:clrMapOvr>
+  <p:timing>
+    <p:tnLst>
+      <p:par>
+        <p:cTn id="1" dur="indefinite" restart="never" nodeType="tmRoot"/>
+      </p:par>
+    </p:tnLst>
+  </p:timing>
 </p:sld>
 </file>
 
@@ -12386,16 +12397,6 @@
                         </a:rPr>
                         <a:t>Descripción</a:t>
                       </a:r>
-                      <a:endParaRPr kumimoji="0" lang="es-ES" sz="2200" b="0" i="0" u="none" strike="noStrike" cap="none" normalizeH="0" baseline="0" dirty="0" smtClean="0">
-                        <a:ln>
-                          <a:noFill/>
-                        </a:ln>
-                        <a:solidFill>
-                          <a:schemeClr val="tx1"/>
-                        </a:solidFill>
-                        <a:effectLst/>
-                        <a:latin typeface="Franklin Gothic Medium" pitchFamily="34" charset="0"/>
-                      </a:endParaRPr>
                     </a:p>
                   </a:txBody>
                   <a:tcPr marL="90000" marR="90000" marT="46797" marB="46797" horzOverflow="overflow"/>
@@ -14232,6 +14233,13 @@
   <p:clrMapOvr>
     <a:masterClrMapping/>
   </p:clrMapOvr>
+  <p:timing>
+    <p:tnLst>
+      <p:par>
+        <p:cTn id="1" dur="indefinite" restart="never" nodeType="tmRoot"/>
+      </p:par>
+    </p:tnLst>
+  </p:timing>
 </p:sld>
 </file>
 
@@ -14490,6 +14498,13 @@
   <p:clrMapOvr>
     <a:masterClrMapping/>
   </p:clrMapOvr>
+  <p:timing>
+    <p:tnLst>
+      <p:par>
+        <p:cTn id="1" dur="indefinite" restart="never" nodeType="tmRoot"/>
+      </p:par>
+    </p:tnLst>
+  </p:timing>
 </p:sld>
 </file>
 
@@ -14901,6 +14916,13 @@
   <p:clrMapOvr>
     <a:masterClrMapping/>
   </p:clrMapOvr>
+  <p:timing>
+    <p:tnLst>
+      <p:par>
+        <p:cTn id="1" dur="indefinite" restart="never" nodeType="tmRoot"/>
+      </p:par>
+    </p:tnLst>
+  </p:timing>
 </p:sld>
 </file>
 
@@ -15191,6 +15213,13 @@
   <p:clrMapOvr>
     <a:masterClrMapping/>
   </p:clrMapOvr>
+  <p:timing>
+    <p:tnLst>
+      <p:par>
+        <p:cTn id="1" dur="indefinite" restart="never" nodeType="tmRoot"/>
+      </p:par>
+    </p:tnLst>
+  </p:timing>
 </p:sld>
 </file>
 
@@ -16124,6 +16153,13 @@
   <p:clrMapOvr>
     <a:masterClrMapping/>
   </p:clrMapOvr>
+  <p:timing>
+    <p:tnLst>
+      <p:par>
+        <p:cTn id="1" dur="indefinite" restart="never" nodeType="tmRoot"/>
+      </p:par>
+    </p:tnLst>
+  </p:timing>
 </p:sld>
 </file>
 
@@ -16904,6 +16940,13 @@
   <p:clrMapOvr>
     <a:masterClrMapping/>
   </p:clrMapOvr>
+  <p:timing>
+    <p:tnLst>
+      <p:par>
+        <p:cTn id="1" dur="indefinite" restart="never" nodeType="tmRoot"/>
+      </p:par>
+    </p:tnLst>
+  </p:timing>
 </p:sld>
 </file>
 
@@ -17524,6 +17567,13 @@
   <p:clrMapOvr>
     <a:masterClrMapping/>
   </p:clrMapOvr>
+  <p:timing>
+    <p:tnLst>
+      <p:par>
+        <p:cTn id="1" dur="indefinite" restart="never" nodeType="tmRoot"/>
+      </p:par>
+    </p:tnLst>
+  </p:timing>
 </p:sld>
 </file>
 

--- a/PPTs/ProgramacionII_Clase_02-2018.pptx
+++ b/PPTs/ProgramacionII_Clase_02-2018.pptx
@@ -5,7 +5,7 @@
     <p:sldMasterId id="2147483648" r:id="rId1"/>
   </p:sldMasterIdLst>
   <p:notesMasterIdLst>
-    <p:notesMasterId r:id="rId25"/>
+    <p:notesMasterId r:id="rId26"/>
   </p:notesMasterIdLst>
   <p:sldIdLst>
     <p:sldId id="256" r:id="rId2"/>
@@ -17,20 +17,21 @@
     <p:sldId id="262" r:id="rId8"/>
     <p:sldId id="263" r:id="rId9"/>
     <p:sldId id="264" r:id="rId10"/>
-    <p:sldId id="265" r:id="rId11"/>
-    <p:sldId id="266" r:id="rId12"/>
-    <p:sldId id="267" r:id="rId13"/>
-    <p:sldId id="268" r:id="rId14"/>
-    <p:sldId id="270" r:id="rId15"/>
-    <p:sldId id="269" r:id="rId16"/>
-    <p:sldId id="271" r:id="rId17"/>
-    <p:sldId id="272" r:id="rId18"/>
-    <p:sldId id="273" r:id="rId19"/>
-    <p:sldId id="274" r:id="rId20"/>
-    <p:sldId id="275" r:id="rId21"/>
-    <p:sldId id="276" r:id="rId22"/>
-    <p:sldId id="277" r:id="rId23"/>
-    <p:sldId id="278" r:id="rId24"/>
+    <p:sldId id="279" r:id="rId11"/>
+    <p:sldId id="265" r:id="rId12"/>
+    <p:sldId id="266" r:id="rId13"/>
+    <p:sldId id="267" r:id="rId14"/>
+    <p:sldId id="268" r:id="rId15"/>
+    <p:sldId id="270" r:id="rId16"/>
+    <p:sldId id="269" r:id="rId17"/>
+    <p:sldId id="271" r:id="rId18"/>
+    <p:sldId id="272" r:id="rId19"/>
+    <p:sldId id="273" r:id="rId20"/>
+    <p:sldId id="274" r:id="rId21"/>
+    <p:sldId id="275" r:id="rId22"/>
+    <p:sldId id="276" r:id="rId23"/>
+    <p:sldId id="277" r:id="rId24"/>
+    <p:sldId id="278" r:id="rId25"/>
   </p:sldIdLst>
   <p:sldSz cx="12192000" cy="6858000"/>
   <p:notesSz cx="6858000" cy="9144000"/>
@@ -231,7 +232,7 @@
           <a:p>
             <a:fld id="{D0683491-89D4-49E1-9471-94C7F2E3C116}" type="datetimeFigureOut">
               <a:rPr lang="es-AR" smtClean="0"/>
-              <a:t>19/03/2019</a:t>
+              <a:t>30/3/2022</a:t>
             </a:fld>
             <a:endParaRPr lang="es-AR"/>
           </a:p>
@@ -295,35 +296,35 @@
           <a:p>
             <a:pPr lvl="0"/>
             <a:r>
-              <a:rPr lang="es-ES" smtClean="0"/>
+              <a:rPr lang="es-ES"/>
               <a:t>Haga clic para modificar el estilo de texto del patrón</a:t>
             </a:r>
           </a:p>
           <a:p>
             <a:pPr lvl="1"/>
             <a:r>
-              <a:rPr lang="es-ES" smtClean="0"/>
+              <a:rPr lang="es-ES"/>
               <a:t>Segundo nivel</a:t>
             </a:r>
           </a:p>
           <a:p>
             <a:pPr lvl="2"/>
             <a:r>
-              <a:rPr lang="es-ES" smtClean="0"/>
+              <a:rPr lang="es-ES"/>
               <a:t>Tercer nivel</a:t>
             </a:r>
           </a:p>
           <a:p>
             <a:pPr lvl="3"/>
             <a:r>
-              <a:rPr lang="es-ES" smtClean="0"/>
+              <a:rPr lang="es-ES"/>
               <a:t>Cuarto nivel</a:t>
             </a:r>
           </a:p>
           <a:p>
             <a:pPr lvl="4"/>
             <a:r>
-              <a:rPr lang="es-ES" smtClean="0"/>
+              <a:rPr lang="es-ES"/>
               <a:t>Quinto nivel</a:t>
             </a:r>
             <a:endParaRPr lang="es-AR"/>
@@ -544,10 +545,9 @@
           <a:lstStyle/>
           <a:p>
             <a:r>
-              <a:rPr lang="es-AR" dirty="0" smtClean="0"/>
+              <a:rPr lang="es-AR" dirty="0"/>
               <a:t>PILARES</a:t>
             </a:r>
-            <a:endParaRPr lang="es-AR" dirty="0"/>
           </a:p>
         </p:txBody>
       </p:sp>
@@ -633,7 +633,7 @@
           <a:p>
             <a:pPr eaLnBrk="1" hangingPunct="1"/>
             <a:r>
-              <a:rPr lang="es-AR" altLang="es-AR" dirty="0" smtClean="0">
+              <a:rPr lang="es-AR" altLang="es-AR" dirty="0">
                 <a:latin typeface="Arial" panose="020B0604020202020204" pitchFamily="34" charset="0"/>
               </a:rPr>
               <a:t>La herencia es uno de los conceptos más cruciales en la POO. La herencia básicamente consiste en que una clase puede heredar sus variables y métodos a varias subclases (la clase que hereda es llamada superclase o clase padre). Esto significa que una subclase, aparte de los atributos y métodos propios, tiene incorporados los atributos y métodos heredados de la superclase. De esta manera se crea una jerarquía de herencia. </a:t>
@@ -641,14 +641,14 @@
           </a:p>
           <a:p>
             <a:pPr eaLnBrk="1" hangingPunct="1"/>
-            <a:endParaRPr lang="es-AR" altLang="es-AR" dirty="0" smtClean="0">
+            <a:endParaRPr lang="es-AR" altLang="es-AR" dirty="0">
               <a:latin typeface="Arial" panose="020B0604020202020204" pitchFamily="34" charset="0"/>
             </a:endParaRPr>
           </a:p>
           <a:p>
             <a:pPr eaLnBrk="1" hangingPunct="1"/>
             <a:r>
-              <a:rPr lang="es-AR" altLang="es-AR" dirty="0" smtClean="0">
+              <a:rPr lang="es-AR" altLang="es-AR" dirty="0">
                 <a:latin typeface="Arial" panose="020B0604020202020204" pitchFamily="34" charset="0"/>
               </a:rPr>
               <a:t>Relación “es un” significa que la clase hija (o heredera), es, además, lo mismo que su padre. Es decir, un auto “es un” transporte, un caballo “es un” animal, etc.</a:t>
@@ -656,50 +656,50 @@
           </a:p>
           <a:p>
             <a:pPr eaLnBrk="1" hangingPunct="1"/>
-            <a:endParaRPr lang="es-AR" altLang="es-AR" dirty="0" smtClean="0">
+            <a:endParaRPr lang="es-AR" altLang="es-AR" dirty="0">
               <a:latin typeface="Arial" panose="020B0604020202020204" pitchFamily="34" charset="0"/>
             </a:endParaRPr>
           </a:p>
           <a:p>
             <a:pPr eaLnBrk="1" hangingPunct="1"/>
             <a:r>
-              <a:rPr lang="es-AR" altLang="es-AR" dirty="0" smtClean="0">
+              <a:rPr lang="es-AR" altLang="es-AR" dirty="0">
                 <a:latin typeface="Arial" panose="020B0604020202020204" pitchFamily="34" charset="0"/>
               </a:rPr>
               <a:t>Estos pueden compartir (y extender) su comportamiento sin tener que re implementar su comportamiento. Esto suele hacerse habitualmente agrupando los objetos en </a:t>
             </a:r>
             <a:r>
-              <a:rPr lang="es-AR" altLang="es-AR" i="1" dirty="0" smtClean="0">
+              <a:rPr lang="es-AR" altLang="es-AR" i="1" dirty="0">
                 <a:latin typeface="Arial" panose="020B0604020202020204" pitchFamily="34" charset="0"/>
               </a:rPr>
               <a:t>clases</a:t>
             </a:r>
             <a:r>
-              <a:rPr lang="es-AR" altLang="es-AR" dirty="0" smtClean="0">
+              <a:rPr lang="es-AR" altLang="es-AR" dirty="0">
                 <a:latin typeface="Arial" panose="020B0604020202020204" pitchFamily="34" charset="0"/>
               </a:rPr>
               <a:t> y las clases en </a:t>
             </a:r>
             <a:r>
-              <a:rPr lang="es-AR" altLang="es-AR" i="1" dirty="0" smtClean="0">
+              <a:rPr lang="es-AR" altLang="es-AR" i="1" dirty="0">
                 <a:latin typeface="Arial" panose="020B0604020202020204" pitchFamily="34" charset="0"/>
               </a:rPr>
               <a:t>árboles</a:t>
             </a:r>
             <a:r>
-              <a:rPr lang="es-AR" altLang="es-AR" dirty="0" smtClean="0">
+              <a:rPr lang="es-AR" altLang="es-AR" dirty="0">
                 <a:latin typeface="Arial" panose="020B0604020202020204" pitchFamily="34" charset="0"/>
               </a:rPr>
               <a:t> o </a:t>
             </a:r>
             <a:r>
-              <a:rPr lang="es-AR" altLang="es-AR" i="1" dirty="0" smtClean="0">
+              <a:rPr lang="es-AR" altLang="es-AR" i="1" dirty="0">
                 <a:latin typeface="Arial" panose="020B0604020202020204" pitchFamily="34" charset="0"/>
               </a:rPr>
               <a:t>enrejados</a:t>
             </a:r>
             <a:r>
-              <a:rPr lang="es-AR" altLang="es-AR" dirty="0" smtClean="0">
+              <a:rPr lang="es-AR" altLang="es-AR" dirty="0">
                 <a:latin typeface="Arial" panose="020B0604020202020204" pitchFamily="34" charset="0"/>
               </a:rPr>
               <a:t> que reflejan un comportamiento común. </a:t>
@@ -707,7 +707,7 @@
           </a:p>
           <a:p>
             <a:pPr eaLnBrk="1" hangingPunct="1"/>
-            <a:endParaRPr lang="es-ES" altLang="es-AR" dirty="0" smtClean="0">
+            <a:endParaRPr lang="es-ES" altLang="es-AR" dirty="0">
               <a:latin typeface="Arial" panose="020B0604020202020204" pitchFamily="34" charset="0"/>
             </a:endParaRPr>
           </a:p>
@@ -814,19 +814,19 @@
               <a:defRPr/>
             </a:pPr>
             <a:r>
-              <a:rPr lang="es-AR" altLang="es-AR" dirty="0" smtClean="0">
+              <a:rPr lang="es-AR" altLang="es-AR" dirty="0">
                 <a:latin typeface="Arial" panose="020B0604020202020204" pitchFamily="34" charset="0"/>
               </a:rPr>
               <a:t>El término de polimorfismo también define la capacidad de que más de un objeto puedan crearse usando la misma clase de base para lograr dos conceptos de objetos diferentes, en este caso podemos citar el típico ejemplo de los teléfonos, los cuales se basan en un teléfono base, con la capacidad de hacer </a:t>
             </a:r>
             <a:r>
-              <a:rPr lang="es-AR" altLang="es-AR" i="1" dirty="0" smtClean="0">
+              <a:rPr lang="es-AR" altLang="es-AR" i="1" dirty="0">
                 <a:latin typeface="Arial" panose="020B0604020202020204" pitchFamily="34" charset="0"/>
               </a:rPr>
               <a:t>ring</a:t>
             </a:r>
             <a:r>
-              <a:rPr lang="es-AR" altLang="es-AR" dirty="0" smtClean="0">
+              <a:rPr lang="es-AR" altLang="es-AR" dirty="0">
                 <a:latin typeface="Arial" panose="020B0604020202020204" pitchFamily="34" charset="0"/>
               </a:rPr>
               <a:t> y tener un auricular, para luego obtener un teléfono digital, inalámbrico, con botonera de marcado y también, tomando la misma base, construir un teléfono analógico y con disco de marcado. </a:t>
@@ -919,7 +919,7 @@
           <a:p>
             <a:pPr eaLnBrk="1" hangingPunct="1"/>
             <a:r>
-              <a:rPr lang="es-AR" altLang="es-AR" dirty="0" smtClean="0">
+              <a:rPr lang="es-AR" altLang="es-AR" dirty="0">
                 <a:latin typeface="Arial" panose="020B0604020202020204" pitchFamily="34" charset="0"/>
               </a:rPr>
               <a:t>Las clases son declaraciones de objetos, también se podrían definir como abstracciones de objetos. Esto quiere decir que la definición de un objeto es la clase. Cuando programamos un objeto y definimos sus características y funcionalidades en realidad lo que estamos haciendo es programar una clase. </a:t>
@@ -927,14 +927,14 @@
           </a:p>
           <a:p>
             <a:pPr eaLnBrk="1" hangingPunct="1"/>
-            <a:endParaRPr lang="es-AR" altLang="es-AR" dirty="0" smtClean="0">
+            <a:endParaRPr lang="es-AR" altLang="es-AR" dirty="0">
               <a:latin typeface="Arial" panose="020B0604020202020204" pitchFamily="34" charset="0"/>
             </a:endParaRPr>
           </a:p>
           <a:p>
             <a:pPr eaLnBrk="1" hangingPunct="1"/>
             <a:r>
-              <a:rPr lang="es-CR" altLang="es-AR" dirty="0" smtClean="0">
+              <a:rPr lang="es-CR" altLang="es-AR" dirty="0">
                 <a:latin typeface="Arial" panose="020B0604020202020204" pitchFamily="34" charset="0"/>
                 <a:sym typeface="Wingdings" panose="05000000000000000000" pitchFamily="2" charset="2"/>
               </a:rPr>
@@ -1040,7 +1040,7 @@
               <a:tabLst/>
               <a:defRPr/>
             </a:pPr>
-            <a:endParaRPr lang="en-US" altLang="es-AR" dirty="0" smtClean="0">
+            <a:endParaRPr lang="en-US" altLang="es-AR" dirty="0">
               <a:latin typeface="Arial" panose="020B0604020202020204" pitchFamily="34" charset="0"/>
             </a:endParaRPr>
           </a:p>
@@ -1265,7 +1265,7 @@
           </a:lstStyle>
           <a:p>
             <a:r>
-              <a:rPr lang="es-ES" smtClean="0"/>
+              <a:rPr lang="es-ES"/>
               <a:t>Haga clic para modificar el estilo de título del patrón</a:t>
             </a:r>
             <a:endParaRPr lang="en-US" dirty="0"/>
@@ -1332,7 +1332,7 @@
           </a:lstStyle>
           <a:p>
             <a:r>
-              <a:rPr lang="es-ES" smtClean="0"/>
+              <a:rPr lang="es-ES"/>
               <a:t>Haga clic para modificar el estilo de subtítulo del patrón</a:t>
             </a:r>
             <a:endParaRPr lang="en-US" dirty="0"/>
@@ -1356,7 +1356,7 @@
           <a:p>
             <a:fld id="{78ABE3C1-DBE1-495D-B57B-2849774B866A}" type="datetimeFigureOut">
               <a:rPr lang="en-US" dirty="0"/>
-              <a:t>3/19/2019</a:t>
+              <a:t>3/30/2022</a:t>
             </a:fld>
             <a:endParaRPr lang="en-US" dirty="0"/>
           </a:p>
@@ -1600,7 +1600,7 @@
           </a:lstStyle>
           <a:p>
             <a:r>
-              <a:rPr lang="es-ES" smtClean="0"/>
+              <a:rPr lang="es-ES"/>
               <a:t>Haga clic para modificar el estilo de título del patrón</a:t>
             </a:r>
             <a:endParaRPr lang="en-US" dirty="0"/>
@@ -1676,7 +1676,7 @@
           </a:lstStyle>
           <a:p>
             <a:r>
-              <a:rPr lang="es-ES" smtClean="0"/>
+              <a:rPr lang="es-ES"/>
               <a:t>Haga clic en el icono para agregar una imagen</a:t>
             </a:r>
             <a:endParaRPr lang="en-US" dirty="0"/>
@@ -1742,7 +1742,7 @@
           <a:p>
             <a:pPr lvl="0"/>
             <a:r>
-              <a:rPr lang="es-ES" smtClean="0"/>
+              <a:rPr lang="es-ES"/>
               <a:t>Haga clic para modificar el estilo de texto del patrón</a:t>
             </a:r>
           </a:p>
@@ -1765,7 +1765,7 @@
           <a:p>
             <a:fld id="{446C117F-5CCF-4837-BE5F-2B92066CAFAF}" type="datetimeFigureOut">
               <a:rPr lang="en-US" dirty="0"/>
-              <a:t>3/19/2019</a:t>
+              <a:t>3/30/2022</a:t>
             </a:fld>
             <a:endParaRPr lang="en-US" dirty="0"/>
           </a:p>
@@ -2007,7 +2007,7 @@
           </a:lstStyle>
           <a:p>
             <a:r>
-              <a:rPr lang="es-ES" smtClean="0"/>
+              <a:rPr lang="es-ES"/>
               <a:t>Haga clic para modificar el estilo de título del patrón</a:t>
             </a:r>
             <a:endParaRPr lang="en-US" dirty="0"/>
@@ -2073,7 +2073,7 @@
           <a:p>
             <a:pPr lvl="0"/>
             <a:r>
-              <a:rPr lang="es-ES" smtClean="0"/>
+              <a:rPr lang="es-ES"/>
               <a:t>Haga clic para modificar el estilo de texto del patrón</a:t>
             </a:r>
           </a:p>
@@ -2096,7 +2096,7 @@
           <a:p>
             <a:fld id="{84EB90BD-B6CE-46B7-997F-7313B992CCDC}" type="datetimeFigureOut">
               <a:rPr lang="en-US" dirty="0"/>
-              <a:t>3/19/2019</a:t>
+              <a:t>3/30/2022</a:t>
             </a:fld>
             <a:endParaRPr lang="en-US" dirty="0"/>
           </a:p>
@@ -2338,7 +2338,7 @@
           </a:lstStyle>
           <a:p>
             <a:r>
-              <a:rPr lang="es-ES" smtClean="0"/>
+              <a:rPr lang="es-ES"/>
               <a:t>Haga clic para modificar el estilo de título del patrón</a:t>
             </a:r>
             <a:endParaRPr lang="en-US" dirty="0"/>
@@ -2406,7 +2406,7 @@
           <a:p>
             <a:pPr lvl="0"/>
             <a:r>
-              <a:rPr lang="es-ES" smtClean="0"/>
+              <a:rPr lang="es-ES"/>
               <a:t>Haga clic para modificar el estilo de texto del patrón</a:t>
             </a:r>
           </a:p>
@@ -2473,7 +2473,7 @@
           <a:p>
             <a:pPr lvl="0"/>
             <a:r>
-              <a:rPr lang="es-ES" smtClean="0"/>
+              <a:rPr lang="es-ES"/>
               <a:t>Haga clic para modificar el estilo de texto del patrón</a:t>
             </a:r>
           </a:p>
@@ -2496,7 +2496,7 @@
           <a:p>
             <a:fld id="{CDB9D11F-B188-461D-B23F-39381795C052}" type="datetimeFigureOut">
               <a:rPr lang="en-US" dirty="0"/>
-              <a:t>3/19/2019</a:t>
+              <a:t>3/30/2022</a:t>
             </a:fld>
             <a:endParaRPr lang="en-US" dirty="0"/>
           </a:p>
@@ -2970,7 +2970,7 @@
           </a:lstStyle>
           <a:p>
             <a:r>
-              <a:rPr lang="es-ES" smtClean="0"/>
+              <a:rPr lang="es-ES"/>
               <a:t>Haga clic para modificar el estilo de título del patrón</a:t>
             </a:r>
             <a:endParaRPr lang="en-US" dirty="0"/>
@@ -3036,7 +3036,7 @@
           <a:p>
             <a:pPr lvl="0"/>
             <a:r>
-              <a:rPr lang="es-ES" smtClean="0"/>
+              <a:rPr lang="es-ES"/>
               <a:t>Haga clic para modificar el estilo de texto del patrón</a:t>
             </a:r>
           </a:p>
@@ -3059,7 +3059,7 @@
           <a:p>
             <a:fld id="{52E6D8D9-55A2-4063-B0F3-121F44549695}" type="datetimeFigureOut">
               <a:rPr lang="en-US" dirty="0"/>
-              <a:t>3/19/2019</a:t>
+              <a:t>3/30/2022</a:t>
             </a:fld>
             <a:endParaRPr lang="en-US" dirty="0"/>
           </a:p>
@@ -3297,7 +3297,7 @@
           <a:lstStyle/>
           <a:p>
             <a:r>
-              <a:rPr lang="es-ES" smtClean="0"/>
+              <a:rPr lang="es-ES"/>
               <a:t>Haga clic para modificar el estilo de título del patrón</a:t>
             </a:r>
             <a:endParaRPr lang="en-US" dirty="0"/>
@@ -3369,7 +3369,7 @@
           <a:p>
             <a:pPr lvl="0"/>
             <a:r>
-              <a:rPr lang="es-ES" smtClean="0"/>
+              <a:rPr lang="es-ES"/>
               <a:t>Haga clic para modificar el estilo de texto del patrón</a:t>
             </a:r>
           </a:p>
@@ -3436,7 +3436,7 @@
           <a:p>
             <a:pPr lvl="0"/>
             <a:r>
-              <a:rPr lang="es-ES" smtClean="0"/>
+              <a:rPr lang="es-ES"/>
               <a:t>Haga clic para modificar el estilo de texto del patrón</a:t>
             </a:r>
           </a:p>
@@ -3507,7 +3507,7 @@
           <a:p>
             <a:pPr lvl="0"/>
             <a:r>
-              <a:rPr lang="es-ES" smtClean="0"/>
+              <a:rPr lang="es-ES"/>
               <a:t>Haga clic para modificar el estilo de texto del patrón</a:t>
             </a:r>
           </a:p>
@@ -3574,7 +3574,7 @@
           <a:p>
             <a:pPr lvl="0"/>
             <a:r>
-              <a:rPr lang="es-ES" smtClean="0"/>
+              <a:rPr lang="es-ES"/>
               <a:t>Haga clic para modificar el estilo de texto del patrón</a:t>
             </a:r>
           </a:p>
@@ -3645,7 +3645,7 @@
           <a:p>
             <a:pPr lvl="0"/>
             <a:r>
-              <a:rPr lang="es-ES" smtClean="0"/>
+              <a:rPr lang="es-ES"/>
               <a:t>Haga clic para modificar el estilo de texto del patrón</a:t>
             </a:r>
           </a:p>
@@ -3712,7 +3712,7 @@
           <a:p>
             <a:pPr lvl="0"/>
             <a:r>
-              <a:rPr lang="es-ES" smtClean="0"/>
+              <a:rPr lang="es-ES"/>
               <a:t>Haga clic para modificar el estilo de texto del patrón</a:t>
             </a:r>
           </a:p>
@@ -3735,7 +3735,7 @@
           <a:p>
             <a:fld id="{D4B24536-994D-4021-A283-9F449C0DB509}" type="datetimeFigureOut">
               <a:rPr lang="en-US" dirty="0"/>
-              <a:t>3/19/2019</a:t>
+              <a:t>3/30/2022</a:t>
             </a:fld>
             <a:endParaRPr lang="en-US" dirty="0"/>
           </a:p>
@@ -3968,7 +3968,7 @@
           <a:lstStyle/>
           <a:p>
             <a:r>
-              <a:rPr lang="es-ES" smtClean="0"/>
+              <a:rPr lang="es-ES"/>
               <a:t>Haga clic para modificar el estilo de título del patrón</a:t>
             </a:r>
             <a:endParaRPr lang="en-US" dirty="0"/>
@@ -4040,7 +4040,7 @@
           <a:p>
             <a:pPr lvl="0"/>
             <a:r>
-              <a:rPr lang="es-ES" smtClean="0"/>
+              <a:rPr lang="es-ES"/>
               <a:t>Haga clic para modificar el estilo de texto del patrón</a:t>
             </a:r>
           </a:p>
@@ -4118,7 +4118,7 @@
           </a:lstStyle>
           <a:p>
             <a:r>
-              <a:rPr lang="es-ES" smtClean="0"/>
+              <a:rPr lang="es-ES"/>
               <a:t>Haga clic en el icono para agregar una imagen</a:t>
             </a:r>
             <a:endParaRPr lang="en-US" dirty="0"/>
@@ -4186,7 +4186,7 @@
           <a:p>
             <a:pPr lvl="0"/>
             <a:r>
-              <a:rPr lang="es-ES" smtClean="0"/>
+              <a:rPr lang="es-ES"/>
               <a:t>Haga clic para modificar el estilo de texto del patrón</a:t>
             </a:r>
           </a:p>
@@ -4257,7 +4257,7 @@
           <a:p>
             <a:pPr lvl="0"/>
             <a:r>
-              <a:rPr lang="es-ES" smtClean="0"/>
+              <a:rPr lang="es-ES"/>
               <a:t>Haga clic para modificar el estilo de texto del patrón</a:t>
             </a:r>
           </a:p>
@@ -4335,7 +4335,7 @@
           </a:lstStyle>
           <a:p>
             <a:r>
-              <a:rPr lang="es-ES" smtClean="0"/>
+              <a:rPr lang="es-ES"/>
               <a:t>Haga clic en el icono para agregar una imagen</a:t>
             </a:r>
             <a:endParaRPr lang="en-US" dirty="0"/>
@@ -4403,7 +4403,7 @@
           <a:p>
             <a:pPr lvl="0"/>
             <a:r>
-              <a:rPr lang="es-ES" smtClean="0"/>
+              <a:rPr lang="es-ES"/>
               <a:t>Haga clic para modificar el estilo de texto del patrón</a:t>
             </a:r>
           </a:p>
@@ -4474,7 +4474,7 @@
           <a:p>
             <a:pPr lvl="0"/>
             <a:r>
-              <a:rPr lang="es-ES" smtClean="0"/>
+              <a:rPr lang="es-ES"/>
               <a:t>Haga clic para modificar el estilo de texto del patrón</a:t>
             </a:r>
           </a:p>
@@ -4552,7 +4552,7 @@
           </a:lstStyle>
           <a:p>
             <a:r>
-              <a:rPr lang="es-ES" smtClean="0"/>
+              <a:rPr lang="es-ES"/>
               <a:t>Haga clic en el icono para agregar una imagen</a:t>
             </a:r>
             <a:endParaRPr lang="en-US" dirty="0"/>
@@ -4620,7 +4620,7 @@
           <a:p>
             <a:pPr lvl="0"/>
             <a:r>
-              <a:rPr lang="es-ES" smtClean="0"/>
+              <a:rPr lang="es-ES"/>
               <a:t>Haga clic para modificar el estilo de texto del patrón</a:t>
             </a:r>
           </a:p>
@@ -4643,7 +4643,7 @@
           <a:p>
             <a:fld id="{3CBBBB78-C96F-47B7-AB17-D852CA960AC9}" type="datetimeFigureOut">
               <a:rPr lang="en-US" dirty="0"/>
-              <a:t>3/19/2019</a:t>
+              <a:t>3/30/2022</a:t>
             </a:fld>
             <a:endParaRPr lang="en-US" dirty="0"/>
           </a:p>
@@ -4875,7 +4875,7 @@
           </a:lstStyle>
           <a:p>
             <a:r>
-              <a:rPr lang="es-ES" smtClean="0"/>
+              <a:rPr lang="es-ES"/>
               <a:t>Haga clic para modificar el estilo de título del patrón</a:t>
             </a:r>
             <a:endParaRPr lang="en-US" dirty="0"/>
@@ -4899,35 +4899,35 @@
           <a:p>
             <a:pPr lvl="0"/>
             <a:r>
-              <a:rPr lang="es-ES" smtClean="0"/>
+              <a:rPr lang="es-ES"/>
               <a:t>Haga clic para modificar el estilo de texto del patrón</a:t>
             </a:r>
           </a:p>
           <a:p>
             <a:pPr lvl="1"/>
             <a:r>
-              <a:rPr lang="es-ES" smtClean="0"/>
+              <a:rPr lang="es-ES"/>
               <a:t>Segundo nivel</a:t>
             </a:r>
           </a:p>
           <a:p>
             <a:pPr lvl="2"/>
             <a:r>
-              <a:rPr lang="es-ES" smtClean="0"/>
+              <a:rPr lang="es-ES"/>
               <a:t>Tercer nivel</a:t>
             </a:r>
           </a:p>
           <a:p>
             <a:pPr lvl="3"/>
             <a:r>
-              <a:rPr lang="es-ES" smtClean="0"/>
+              <a:rPr lang="es-ES"/>
               <a:t>Cuarto nivel</a:t>
             </a:r>
           </a:p>
           <a:p>
             <a:pPr lvl="4"/>
             <a:r>
-              <a:rPr lang="es-ES" smtClean="0"/>
+              <a:rPr lang="es-ES"/>
               <a:t>Quinto nivel</a:t>
             </a:r>
             <a:endParaRPr lang="en-US" dirty="0"/>
@@ -4951,7 +4951,7 @@
           <a:p>
             <a:fld id="{1FA3F48C-C7C6-4055-9F49-3777875E72AE}" type="datetimeFigureOut">
               <a:rPr lang="en-US" dirty="0"/>
-              <a:t>3/19/2019</a:t>
+              <a:t>3/30/2022</a:t>
             </a:fld>
             <a:endParaRPr lang="en-US" dirty="0"/>
           </a:p>
@@ -5124,7 +5124,7 @@
           <a:lstStyle/>
           <a:p>
             <a:r>
-              <a:rPr lang="es-ES" smtClean="0"/>
+              <a:rPr lang="es-ES"/>
               <a:t>Haga clic para modificar el estilo de título del patrón</a:t>
             </a:r>
             <a:endParaRPr lang="en-US" dirty="0"/>
@@ -5153,35 +5153,35 @@
           <a:p>
             <a:pPr lvl="0"/>
             <a:r>
-              <a:rPr lang="es-ES" smtClean="0"/>
+              <a:rPr lang="es-ES"/>
               <a:t>Haga clic para modificar el estilo de texto del patrón</a:t>
             </a:r>
           </a:p>
           <a:p>
             <a:pPr lvl="1"/>
             <a:r>
-              <a:rPr lang="es-ES" smtClean="0"/>
+              <a:rPr lang="es-ES"/>
               <a:t>Segundo nivel</a:t>
             </a:r>
           </a:p>
           <a:p>
             <a:pPr lvl="2"/>
             <a:r>
-              <a:rPr lang="es-ES" smtClean="0"/>
+              <a:rPr lang="es-ES"/>
               <a:t>Tercer nivel</a:t>
             </a:r>
           </a:p>
           <a:p>
             <a:pPr lvl="3"/>
             <a:r>
-              <a:rPr lang="es-ES" smtClean="0"/>
+              <a:rPr lang="es-ES"/>
               <a:t>Cuarto nivel</a:t>
             </a:r>
           </a:p>
           <a:p>
             <a:pPr lvl="4"/>
             <a:r>
-              <a:rPr lang="es-ES" smtClean="0"/>
+              <a:rPr lang="es-ES"/>
               <a:t>Quinto nivel</a:t>
             </a:r>
             <a:endParaRPr lang="en-US" dirty="0"/>
@@ -5210,7 +5210,7 @@
           <a:p>
             <a:fld id="{6178E61D-D431-422C-9764-11DAFE33AB63}" type="datetimeFigureOut">
               <a:rPr lang="en-US" dirty="0"/>
-              <a:t>3/19/2019</a:t>
+              <a:t>3/30/2022</a:t>
             </a:fld>
             <a:endParaRPr lang="en-US" dirty="0"/>
           </a:p>
@@ -5453,7 +5453,7 @@
           <a:lstStyle/>
           <a:p>
             <a:r>
-              <a:rPr lang="es-ES" smtClean="0"/>
+              <a:rPr lang="es-ES"/>
               <a:t>Haga clic para modificar el estilo de título del patrón</a:t>
             </a:r>
             <a:endParaRPr lang="en-US" dirty="0"/>
@@ -5477,35 +5477,35 @@
           <a:p>
             <a:pPr lvl="0"/>
             <a:r>
-              <a:rPr lang="es-ES" smtClean="0"/>
+              <a:rPr lang="es-ES"/>
               <a:t>Haga clic para modificar el estilo de texto del patrón</a:t>
             </a:r>
           </a:p>
           <a:p>
             <a:pPr lvl="1"/>
             <a:r>
-              <a:rPr lang="es-ES" smtClean="0"/>
+              <a:rPr lang="es-ES"/>
               <a:t>Segundo nivel</a:t>
             </a:r>
           </a:p>
           <a:p>
             <a:pPr lvl="2"/>
             <a:r>
-              <a:rPr lang="es-ES" smtClean="0"/>
+              <a:rPr lang="es-ES"/>
               <a:t>Tercer nivel</a:t>
             </a:r>
           </a:p>
           <a:p>
             <a:pPr lvl="3"/>
             <a:r>
-              <a:rPr lang="es-ES" smtClean="0"/>
+              <a:rPr lang="es-ES"/>
               <a:t>Cuarto nivel</a:t>
             </a:r>
           </a:p>
           <a:p>
             <a:pPr lvl="4"/>
             <a:r>
-              <a:rPr lang="es-ES" smtClean="0"/>
+              <a:rPr lang="es-ES"/>
               <a:t>Quinto nivel</a:t>
             </a:r>
             <a:endParaRPr lang="en-US" dirty="0"/>
@@ -5529,7 +5529,7 @@
           <a:p>
             <a:fld id="{12DE42F4-6EEF-4EF7-8ED4-2208F0F89A08}" type="datetimeFigureOut">
               <a:rPr lang="en-US" dirty="0"/>
-              <a:t>3/19/2019</a:t>
+              <a:t>3/30/2022</a:t>
             </a:fld>
             <a:endParaRPr lang="en-US" dirty="0"/>
           </a:p>
@@ -5768,7 +5768,7 @@
           </a:lstStyle>
           <a:p>
             <a:r>
-              <a:rPr lang="es-ES" smtClean="0"/>
+              <a:rPr lang="es-ES"/>
               <a:t>Haga clic para modificar el estilo de título del patrón</a:t>
             </a:r>
             <a:endParaRPr lang="en-US" dirty="0"/>
@@ -5890,7 +5890,7 @@
           <a:p>
             <a:pPr lvl="0"/>
             <a:r>
-              <a:rPr lang="es-ES" smtClean="0"/>
+              <a:rPr lang="es-ES"/>
               <a:t>Haga clic para modificar el estilo de texto del patrón</a:t>
             </a:r>
           </a:p>
@@ -5913,7 +5913,7 @@
           <a:p>
             <a:fld id="{30578ACC-22D6-47C1-A373-4FD133E34F3C}" type="datetimeFigureOut">
               <a:rPr lang="en-US" dirty="0"/>
-              <a:t>3/19/2019</a:t>
+              <a:t>3/30/2022</a:t>
             </a:fld>
             <a:endParaRPr lang="en-US" dirty="0"/>
           </a:p>
@@ -6146,7 +6146,7 @@
           <a:lstStyle/>
           <a:p>
             <a:r>
-              <a:rPr lang="es-ES" smtClean="0"/>
+              <a:rPr lang="es-ES"/>
               <a:t>Haga clic para modificar el estilo de título del patrón</a:t>
             </a:r>
             <a:endParaRPr lang="en-US" dirty="0"/>
@@ -6175,35 +6175,35 @@
           <a:p>
             <a:pPr lvl="0"/>
             <a:r>
-              <a:rPr lang="es-ES" smtClean="0"/>
+              <a:rPr lang="es-ES"/>
               <a:t>Haga clic para modificar el estilo de texto del patrón</a:t>
             </a:r>
           </a:p>
           <a:p>
             <a:pPr lvl="1"/>
             <a:r>
-              <a:rPr lang="es-ES" smtClean="0"/>
+              <a:rPr lang="es-ES"/>
               <a:t>Segundo nivel</a:t>
             </a:r>
           </a:p>
           <a:p>
             <a:pPr lvl="2"/>
             <a:r>
-              <a:rPr lang="es-ES" smtClean="0"/>
+              <a:rPr lang="es-ES"/>
               <a:t>Tercer nivel</a:t>
             </a:r>
           </a:p>
           <a:p>
             <a:pPr lvl="3"/>
             <a:r>
-              <a:rPr lang="es-ES" smtClean="0"/>
+              <a:rPr lang="es-ES"/>
               <a:t>Cuarto nivel</a:t>
             </a:r>
           </a:p>
           <a:p>
             <a:pPr lvl="4"/>
             <a:r>
-              <a:rPr lang="es-ES" smtClean="0"/>
+              <a:rPr lang="es-ES"/>
               <a:t>Quinto nivel</a:t>
             </a:r>
             <a:endParaRPr lang="en-US" dirty="0"/>
@@ -6232,35 +6232,35 @@
           <a:p>
             <a:pPr lvl="0"/>
             <a:r>
-              <a:rPr lang="es-ES" smtClean="0"/>
+              <a:rPr lang="es-ES"/>
               <a:t>Haga clic para modificar el estilo de texto del patrón</a:t>
             </a:r>
           </a:p>
           <a:p>
             <a:pPr lvl="1"/>
             <a:r>
-              <a:rPr lang="es-ES" smtClean="0"/>
+              <a:rPr lang="es-ES"/>
               <a:t>Segundo nivel</a:t>
             </a:r>
           </a:p>
           <a:p>
             <a:pPr lvl="2"/>
             <a:r>
-              <a:rPr lang="es-ES" smtClean="0"/>
+              <a:rPr lang="es-ES"/>
               <a:t>Tercer nivel</a:t>
             </a:r>
           </a:p>
           <a:p>
             <a:pPr lvl="3"/>
             <a:r>
-              <a:rPr lang="es-ES" smtClean="0"/>
+              <a:rPr lang="es-ES"/>
               <a:t>Cuarto nivel</a:t>
             </a:r>
           </a:p>
           <a:p>
             <a:pPr lvl="4"/>
             <a:r>
-              <a:rPr lang="es-ES" smtClean="0"/>
+              <a:rPr lang="es-ES"/>
               <a:t>Quinto nivel</a:t>
             </a:r>
             <a:endParaRPr lang="en-US" dirty="0"/>
@@ -6284,7 +6284,7 @@
           <a:p>
             <a:fld id="{4E5A6C69-6797-4E8A-BF37-F2C3751466E9}" type="datetimeFigureOut">
               <a:rPr lang="en-US" dirty="0"/>
-              <a:t>3/19/2019</a:t>
+              <a:t>3/30/2022</a:t>
             </a:fld>
             <a:endParaRPr lang="en-US" dirty="0"/>
           </a:p>
@@ -6517,7 +6517,7 @@
           <a:lstStyle/>
           <a:p>
             <a:r>
-              <a:rPr lang="es-ES" smtClean="0"/>
+              <a:rPr lang="es-ES"/>
               <a:t>Haga clic para modificar el estilo de título del patrón</a:t>
             </a:r>
             <a:endParaRPr lang="en-US" dirty="0"/>
@@ -6583,7 +6583,7 @@
           <a:p>
             <a:pPr lvl="0"/>
             <a:r>
-              <a:rPr lang="es-ES" smtClean="0"/>
+              <a:rPr lang="es-ES"/>
               <a:t>Haga clic para modificar el estilo de texto del patrón</a:t>
             </a:r>
           </a:p>
@@ -6611,35 +6611,35 @@
           <a:p>
             <a:pPr lvl="0"/>
             <a:r>
-              <a:rPr lang="es-ES" smtClean="0"/>
+              <a:rPr lang="es-ES"/>
               <a:t>Haga clic para modificar el estilo de texto del patrón</a:t>
             </a:r>
           </a:p>
           <a:p>
             <a:pPr lvl="1"/>
             <a:r>
-              <a:rPr lang="es-ES" smtClean="0"/>
+              <a:rPr lang="es-ES"/>
               <a:t>Segundo nivel</a:t>
             </a:r>
           </a:p>
           <a:p>
             <a:pPr lvl="2"/>
             <a:r>
-              <a:rPr lang="es-ES" smtClean="0"/>
+              <a:rPr lang="es-ES"/>
               <a:t>Tercer nivel</a:t>
             </a:r>
           </a:p>
           <a:p>
             <a:pPr lvl="3"/>
             <a:r>
-              <a:rPr lang="es-ES" smtClean="0"/>
+              <a:rPr lang="es-ES"/>
               <a:t>Cuarto nivel</a:t>
             </a:r>
           </a:p>
           <a:p>
             <a:pPr lvl="4"/>
             <a:r>
-              <a:rPr lang="es-ES" smtClean="0"/>
+              <a:rPr lang="es-ES"/>
               <a:t>Quinto nivel</a:t>
             </a:r>
             <a:endParaRPr lang="en-US" dirty="0"/>
@@ -6705,7 +6705,7 @@
           <a:p>
             <a:pPr lvl="0"/>
             <a:r>
-              <a:rPr lang="es-ES" smtClean="0"/>
+              <a:rPr lang="es-ES"/>
               <a:t>Haga clic para modificar el estilo de texto del patrón</a:t>
             </a:r>
           </a:p>
@@ -6733,35 +6733,35 @@
           <a:p>
             <a:pPr lvl="0"/>
             <a:r>
-              <a:rPr lang="es-ES" smtClean="0"/>
+              <a:rPr lang="es-ES"/>
               <a:t>Haga clic para modificar el estilo de texto del patrón</a:t>
             </a:r>
           </a:p>
           <a:p>
             <a:pPr lvl="1"/>
             <a:r>
-              <a:rPr lang="es-ES" smtClean="0"/>
+              <a:rPr lang="es-ES"/>
               <a:t>Segundo nivel</a:t>
             </a:r>
           </a:p>
           <a:p>
             <a:pPr lvl="2"/>
             <a:r>
-              <a:rPr lang="es-ES" smtClean="0"/>
+              <a:rPr lang="es-ES"/>
               <a:t>Tercer nivel</a:t>
             </a:r>
           </a:p>
           <a:p>
             <a:pPr lvl="3"/>
             <a:r>
-              <a:rPr lang="es-ES" smtClean="0"/>
+              <a:rPr lang="es-ES"/>
               <a:t>Cuarto nivel</a:t>
             </a:r>
           </a:p>
           <a:p>
             <a:pPr lvl="4"/>
             <a:r>
-              <a:rPr lang="es-ES" smtClean="0"/>
+              <a:rPr lang="es-ES"/>
               <a:t>Quinto nivel</a:t>
             </a:r>
             <a:endParaRPr lang="en-US" dirty="0"/>
@@ -6785,7 +6785,7 @@
           <a:p>
             <a:fld id="{D82014A1-A632-4878-A0D3-F52BA7563730}" type="datetimeFigureOut">
               <a:rPr lang="en-US" dirty="0"/>
-              <a:t>3/19/2019</a:t>
+              <a:t>3/30/2022</a:t>
             </a:fld>
             <a:endParaRPr lang="en-US" dirty="0"/>
           </a:p>
@@ -7013,7 +7013,7 @@
           <a:lstStyle/>
           <a:p>
             <a:r>
-              <a:rPr lang="es-ES" smtClean="0"/>
+              <a:rPr lang="es-ES"/>
               <a:t>Haga clic para modificar el estilo de título del patrón</a:t>
             </a:r>
             <a:endParaRPr lang="en-US" dirty="0"/>
@@ -7037,7 +7037,7 @@
           <a:p>
             <a:fld id="{CE99F462-093F-4566-844B-4C71F2739DA5}" type="datetimeFigureOut">
               <a:rPr lang="en-US" dirty="0"/>
-              <a:t>3/19/2019</a:t>
+              <a:t>3/30/2022</a:t>
             </a:fld>
             <a:endParaRPr lang="en-US" dirty="0"/>
           </a:p>
@@ -7195,7 +7195,7 @@
           <a:p>
             <a:fld id="{3D24A7AC-904D-4781-85BA-7D10C17ED021}" type="datetimeFigureOut">
               <a:rPr lang="en-US" dirty="0"/>
-              <a:t>3/19/2019</a:t>
+              <a:t>3/30/2022</a:t>
             </a:fld>
             <a:endParaRPr lang="en-US" dirty="0"/>
           </a:p>
@@ -7434,7 +7434,7 @@
           </a:lstStyle>
           <a:p>
             <a:r>
-              <a:rPr lang="es-ES" smtClean="0"/>
+              <a:rPr lang="es-ES"/>
               <a:t>Haga clic para modificar el estilo de título del patrón</a:t>
             </a:r>
             <a:endParaRPr lang="en-US" dirty="0"/>
@@ -7463,35 +7463,35 @@
           <a:p>
             <a:pPr lvl="0"/>
             <a:r>
-              <a:rPr lang="es-ES" smtClean="0"/>
+              <a:rPr lang="es-ES"/>
               <a:t>Haga clic para modificar el estilo de texto del patrón</a:t>
             </a:r>
           </a:p>
           <a:p>
             <a:pPr lvl="1"/>
             <a:r>
-              <a:rPr lang="es-ES" smtClean="0"/>
+              <a:rPr lang="es-ES"/>
               <a:t>Segundo nivel</a:t>
             </a:r>
           </a:p>
           <a:p>
             <a:pPr lvl="2"/>
             <a:r>
-              <a:rPr lang="es-ES" smtClean="0"/>
+              <a:rPr lang="es-ES"/>
               <a:t>Tercer nivel</a:t>
             </a:r>
           </a:p>
           <a:p>
             <a:pPr lvl="3"/>
             <a:r>
-              <a:rPr lang="es-ES" smtClean="0"/>
+              <a:rPr lang="es-ES"/>
               <a:t>Cuarto nivel</a:t>
             </a:r>
           </a:p>
           <a:p>
             <a:pPr lvl="4"/>
             <a:r>
-              <a:rPr lang="es-ES" smtClean="0"/>
+              <a:rPr lang="es-ES"/>
               <a:t>Quinto nivel</a:t>
             </a:r>
             <a:endParaRPr lang="en-US" dirty="0"/>
@@ -7557,7 +7557,7 @@
           <a:p>
             <a:pPr lvl="0"/>
             <a:r>
-              <a:rPr lang="es-ES" smtClean="0"/>
+              <a:rPr lang="es-ES"/>
               <a:t>Haga clic para modificar el estilo de texto del patrón</a:t>
             </a:r>
           </a:p>
@@ -7580,7 +7580,7 @@
           <a:p>
             <a:fld id="{E331444B-B92B-4E27-8C94-BB93EAF5CB18}" type="datetimeFigureOut">
               <a:rPr lang="en-US" dirty="0"/>
-              <a:t>3/19/2019</a:t>
+              <a:t>3/30/2022</a:t>
             </a:fld>
             <a:endParaRPr lang="en-US" dirty="0"/>
           </a:p>
@@ -7819,7 +7819,7 @@
           </a:lstStyle>
           <a:p>
             <a:r>
-              <a:rPr lang="es-ES" smtClean="0"/>
+              <a:rPr lang="es-ES"/>
               <a:t>Haga clic para modificar el estilo de título del patrón</a:t>
             </a:r>
             <a:endParaRPr lang="en-US" dirty="0"/>
@@ -7895,7 +7895,7 @@
           </a:lstStyle>
           <a:p>
             <a:r>
-              <a:rPr lang="es-ES" smtClean="0"/>
+              <a:rPr lang="es-ES"/>
               <a:t>Haga clic en el icono para agregar una imagen</a:t>
             </a:r>
             <a:endParaRPr lang="en-US" dirty="0"/>
@@ -7961,7 +7961,7 @@
           <a:p>
             <a:pPr lvl="0"/>
             <a:r>
-              <a:rPr lang="es-ES" smtClean="0"/>
+              <a:rPr lang="es-ES"/>
               <a:t>Haga clic para modificar el estilo de texto del patrón</a:t>
             </a:r>
           </a:p>
@@ -7984,7 +7984,7 @@
           <a:p>
             <a:fld id="{363EFA5E-FA76-400D-B3DC-F0BA90E6D107}" type="datetimeFigureOut">
               <a:rPr lang="en-US" dirty="0"/>
-              <a:t>3/19/2019</a:t>
+              <a:t>3/30/2022</a:t>
             </a:fld>
             <a:endParaRPr lang="en-US" dirty="0"/>
           </a:p>
@@ -8119,7 +8119,7 @@
           <a:lstStyle/>
           <a:p>
             <a:r>
-              <a:rPr lang="es-ES" smtClean="0"/>
+              <a:rPr lang="es-ES"/>
               <a:t>Haga clic para modificar el estilo de título del patrón</a:t>
             </a:r>
             <a:endParaRPr lang="en-US" dirty="0"/>
@@ -8153,35 +8153,35 @@
           <a:p>
             <a:pPr lvl="0"/>
             <a:r>
-              <a:rPr lang="es-ES" smtClean="0"/>
+              <a:rPr lang="es-ES"/>
               <a:t>Haga clic para modificar el estilo de texto del patrón</a:t>
             </a:r>
           </a:p>
           <a:p>
             <a:pPr lvl="1"/>
             <a:r>
-              <a:rPr lang="es-ES" smtClean="0"/>
+              <a:rPr lang="es-ES"/>
               <a:t>Segundo nivel</a:t>
             </a:r>
           </a:p>
           <a:p>
             <a:pPr lvl="2"/>
             <a:r>
-              <a:rPr lang="es-ES" smtClean="0"/>
+              <a:rPr lang="es-ES"/>
               <a:t>Tercer nivel</a:t>
             </a:r>
           </a:p>
           <a:p>
             <a:pPr lvl="3"/>
             <a:r>
-              <a:rPr lang="es-ES" smtClean="0"/>
+              <a:rPr lang="es-ES"/>
               <a:t>Cuarto nivel</a:t>
             </a:r>
           </a:p>
           <a:p>
             <a:pPr lvl="4"/>
             <a:r>
-              <a:rPr lang="es-ES" smtClean="0"/>
+              <a:rPr lang="es-ES"/>
               <a:t>Quinto nivel</a:t>
             </a:r>
             <a:endParaRPr lang="en-US" dirty="0"/>
@@ -8223,7 +8223,7 @@
           <a:p>
             <a:fld id="{9D6E9DEC-419B-4CC5-A080-3B06BD5A8291}" type="datetimeFigureOut">
               <a:rPr lang="en-US" dirty="0"/>
-              <a:t>3/19/2019</a:t>
+              <a:t>3/30/2022</a:t>
             </a:fld>
             <a:endParaRPr lang="en-US" dirty="0"/>
           </a:p>
@@ -8647,10 +8647,9 @@
           <a:lstStyle/>
           <a:p>
             <a:r>
-              <a:rPr lang="es-AR" dirty="0" smtClean="0"/>
+              <a:rPr lang="es-AR" dirty="0"/>
               <a:t>Programación Orientada a Objetos</a:t>
             </a:r>
-            <a:endParaRPr lang="es-AR" dirty="0"/>
           </a:p>
         </p:txBody>
       </p:sp>
@@ -8725,11 +8724,7 @@
             </a:pPr>
             <a:r>
               <a:rPr lang="es-AR" dirty="0"/>
-              <a:t>Edición </a:t>
-            </a:r>
-            <a:r>
-              <a:rPr lang="es-AR" dirty="0" smtClean="0"/>
-              <a:t>2018</a:t>
+              <a:t>Edición 2018</a:t>
             </a:r>
             <a:endParaRPr lang="es-AR" dirty="0">
               <a:solidFill>
@@ -8789,7 +8784,7 @@
               <a:buNone/>
             </a:pPr>
             <a:r>
-              <a:rPr lang="es-AR" dirty="0" smtClean="0">
+              <a:rPr lang="es-AR" dirty="0">
                 <a:solidFill>
                   <a:prstClr val="white"/>
                 </a:solidFill>
@@ -8797,12 +8792,6 @@
               </a:rPr>
               <a:t>2</a:t>
             </a:r>
-            <a:endParaRPr lang="es-AR" dirty="0">
-              <a:solidFill>
-                <a:prstClr val="white"/>
-              </a:solidFill>
-              <a:latin typeface="Trebuchet MS" panose="020B0603020202020204"/>
-            </a:endParaRPr>
           </a:p>
         </p:txBody>
       </p:sp>
@@ -8838,6 +8827,287 @@
       </p:grpSpPr>
       <p:sp>
         <p:nvSpPr>
+          <p:cNvPr id="2" name="Título 1">
+            <a:extLst>
+              <a:ext uri="{FF2B5EF4-FFF2-40B4-BE49-F238E27FC236}">
+                <a16:creationId xmlns:a16="http://schemas.microsoft.com/office/drawing/2014/main" id="{09A9ED6F-8784-43A7-B288-C30E89DB452E}"/>
+              </a:ext>
+            </a:extLst>
+          </p:cNvPr>
+          <p:cNvSpPr>
+            <a:spLocks noGrp="1"/>
+          </p:cNvSpPr>
+          <p:nvPr>
+            <p:ph type="title"/>
+          </p:nvPr>
+        </p:nvSpPr>
+        <p:spPr/>
+        <p:txBody>
+          <a:bodyPr/>
+          <a:lstStyle/>
+          <a:p>
+            <a:r>
+              <a:rPr lang="es-ES" dirty="0"/>
+              <a:t>¿Qué grafías para nombres existe?</a:t>
+            </a:r>
+            <a:endParaRPr lang="es-AR" dirty="0"/>
+          </a:p>
+        </p:txBody>
+      </p:sp>
+      <p:sp>
+        <p:nvSpPr>
+          <p:cNvPr id="3" name="Marcador de contenido 2">
+            <a:extLst>
+              <a:ext uri="{FF2B5EF4-FFF2-40B4-BE49-F238E27FC236}">
+                <a16:creationId xmlns:a16="http://schemas.microsoft.com/office/drawing/2014/main" id="{141C32F2-7BA6-4E3E-82C4-E62DBC8CA3C7}"/>
+              </a:ext>
+            </a:extLst>
+          </p:cNvPr>
+          <p:cNvSpPr>
+            <a:spLocks noGrp="1"/>
+          </p:cNvSpPr>
+          <p:nvPr>
+            <p:ph idx="1"/>
+          </p:nvPr>
+        </p:nvSpPr>
+        <p:spPr/>
+        <p:txBody>
+          <a:bodyPr/>
+          <a:lstStyle/>
+          <a:p>
+            <a:r>
+              <a:rPr lang="es-ES" dirty="0">
+                <a:effectLst>
+                  <a:outerShdw blurRad="38100" dist="38100" dir="2700000" algn="tl">
+                    <a:srgbClr val="000000">
+                      <a:alpha val="43137"/>
+                    </a:srgbClr>
+                  </a:outerShdw>
+                </a:effectLst>
+              </a:rPr>
+              <a:t>Las más conocidas son</a:t>
+            </a:r>
+          </a:p>
+          <a:p>
+            <a:pPr lvl="1"/>
+            <a:r>
+              <a:rPr lang="en-US" dirty="0" err="1">
+                <a:effectLst>
+                  <a:outerShdw blurRad="38100" dist="38100" dir="2700000" algn="tl">
+                    <a:srgbClr val="000000">
+                      <a:alpha val="43137"/>
+                    </a:srgbClr>
+                  </a:outerShdw>
+                </a:effectLst>
+              </a:rPr>
+              <a:t>PascalCase</a:t>
+            </a:r>
+            <a:r>
+              <a:rPr lang="en-US" dirty="0">
+                <a:effectLst>
+                  <a:outerShdw blurRad="38100" dist="38100" dir="2700000" algn="tl">
+                    <a:srgbClr val="000000">
+                      <a:alpha val="43137"/>
+                    </a:srgbClr>
+                  </a:outerShdw>
+                </a:effectLst>
+              </a:rPr>
+              <a:t> (</a:t>
+            </a:r>
+            <a:r>
+              <a:rPr lang="en-US" dirty="0" err="1">
+                <a:effectLst>
+                  <a:outerShdw blurRad="38100" dist="38100" dir="2700000" algn="tl">
+                    <a:srgbClr val="000000">
+                      <a:alpha val="43137"/>
+                    </a:srgbClr>
+                  </a:outerShdw>
+                </a:effectLst>
+              </a:rPr>
+              <a:t>métodos</a:t>
+            </a:r>
+            <a:r>
+              <a:rPr lang="en-US" dirty="0">
+                <a:effectLst>
+                  <a:outerShdw blurRad="38100" dist="38100" dir="2700000" algn="tl">
+                    <a:srgbClr val="000000">
+                      <a:alpha val="43137"/>
+                    </a:srgbClr>
+                  </a:outerShdw>
+                </a:effectLst>
+              </a:rPr>
+              <a:t>, </a:t>
+            </a:r>
+            <a:r>
+              <a:rPr lang="en-US" dirty="0" err="1">
+                <a:effectLst>
+                  <a:outerShdw blurRad="38100" dist="38100" dir="2700000" algn="tl">
+                    <a:srgbClr val="000000">
+                      <a:alpha val="43137"/>
+                    </a:srgbClr>
+                  </a:outerShdw>
+                </a:effectLst>
+              </a:rPr>
+              <a:t>clases</a:t>
+            </a:r>
+            <a:r>
+              <a:rPr lang="en-US" dirty="0">
+                <a:effectLst>
+                  <a:outerShdw blurRad="38100" dist="38100" dir="2700000" algn="tl">
+                    <a:srgbClr val="000000">
+                      <a:alpha val="43137"/>
+                    </a:srgbClr>
+                  </a:outerShdw>
+                </a:effectLst>
+              </a:rPr>
+              <a:t>, interfaces, </a:t>
+            </a:r>
+            <a:r>
+              <a:rPr lang="en-US" dirty="0" err="1">
+                <a:effectLst>
+                  <a:outerShdw blurRad="38100" dist="38100" dir="2700000" algn="tl">
+                    <a:srgbClr val="000000">
+                      <a:alpha val="43137"/>
+                    </a:srgbClr>
+                  </a:outerShdw>
+                </a:effectLst>
+              </a:rPr>
+              <a:t>etc</a:t>
+            </a:r>
+            <a:r>
+              <a:rPr lang="en-US" dirty="0">
+                <a:effectLst>
+                  <a:outerShdw blurRad="38100" dist="38100" dir="2700000" algn="tl">
+                    <a:srgbClr val="000000">
+                      <a:alpha val="43137"/>
+                    </a:srgbClr>
+                  </a:outerShdw>
+                </a:effectLst>
+              </a:rPr>
+              <a:t>)</a:t>
+            </a:r>
+          </a:p>
+          <a:p>
+            <a:pPr lvl="1"/>
+            <a:r>
+              <a:rPr lang="en-US" dirty="0">
+                <a:effectLst>
+                  <a:outerShdw blurRad="38100" dist="38100" dir="2700000" algn="tl">
+                    <a:srgbClr val="000000">
+                      <a:alpha val="43137"/>
+                    </a:srgbClr>
+                  </a:outerShdw>
+                </a:effectLst>
+              </a:rPr>
+              <a:t>camelCase (variables, </a:t>
+            </a:r>
+            <a:r>
+              <a:rPr lang="en-US" dirty="0" err="1">
+                <a:effectLst>
+                  <a:outerShdw blurRad="38100" dist="38100" dir="2700000" algn="tl">
+                    <a:srgbClr val="000000">
+                      <a:alpha val="43137"/>
+                    </a:srgbClr>
+                  </a:outerShdw>
+                </a:effectLst>
+              </a:rPr>
+              <a:t>atributos</a:t>
+            </a:r>
+            <a:r>
+              <a:rPr lang="en-US" dirty="0">
+                <a:effectLst>
+                  <a:outerShdw blurRad="38100" dist="38100" dir="2700000" algn="tl">
+                    <a:srgbClr val="000000">
+                      <a:alpha val="43137"/>
+                    </a:srgbClr>
+                  </a:outerShdw>
+                </a:effectLst>
+              </a:rPr>
+              <a:t>)</a:t>
+            </a:r>
+          </a:p>
+          <a:p>
+            <a:pPr lvl="1"/>
+            <a:r>
+              <a:rPr lang="en-US" dirty="0" err="1">
+                <a:effectLst>
+                  <a:outerShdw blurRad="38100" dist="38100" dir="2700000" algn="tl">
+                    <a:srgbClr val="000000">
+                      <a:alpha val="43137"/>
+                    </a:srgbClr>
+                  </a:outerShdw>
+                </a:effectLst>
+              </a:rPr>
+              <a:t>snake_case</a:t>
+            </a:r>
+            <a:endParaRPr lang="en-US" dirty="0">
+              <a:effectLst>
+                <a:outerShdw blurRad="38100" dist="38100" dir="2700000" algn="tl">
+                  <a:srgbClr val="000000">
+                    <a:alpha val="43137"/>
+                  </a:srgbClr>
+                </a:outerShdw>
+              </a:effectLst>
+            </a:endParaRPr>
+          </a:p>
+          <a:p>
+            <a:pPr lvl="1"/>
+            <a:r>
+              <a:rPr lang="en-US" dirty="0">
+                <a:effectLst>
+                  <a:outerShdw blurRad="38100" dist="38100" dir="2700000" algn="tl">
+                    <a:srgbClr val="000000">
+                      <a:alpha val="43137"/>
+                    </a:srgbClr>
+                  </a:outerShdw>
+                </a:effectLst>
+              </a:rPr>
+              <a:t>kebab-case</a:t>
+            </a:r>
+            <a:endParaRPr lang="es-AR" dirty="0">
+              <a:effectLst>
+                <a:outerShdw blurRad="38100" dist="38100" dir="2700000" algn="tl">
+                  <a:srgbClr val="000000">
+                    <a:alpha val="43137"/>
+                  </a:srgbClr>
+                </a:outerShdw>
+              </a:effectLst>
+            </a:endParaRPr>
+          </a:p>
+        </p:txBody>
+      </p:sp>
+    </p:spTree>
+    <p:extLst>
+      <p:ext uri="{BB962C8B-B14F-4D97-AF65-F5344CB8AC3E}">
+        <p14:creationId xmlns:p14="http://schemas.microsoft.com/office/powerpoint/2010/main" val="467439687"/>
+      </p:ext>
+    </p:extLst>
+  </p:cSld>
+  <p:clrMapOvr>
+    <a:masterClrMapping/>
+  </p:clrMapOvr>
+</p:sld>
+</file>
+
+<file path=ppt/slides/slide11.xml><?xml version="1.0" encoding="utf-8"?>
+<p:sld xmlns:a="http://schemas.openxmlformats.org/drawingml/2006/main" xmlns:r="http://schemas.openxmlformats.org/officeDocument/2006/relationships" xmlns:p="http://schemas.openxmlformats.org/presentationml/2006/main">
+  <p:cSld>
+    <p:spTree>
+      <p:nvGrpSpPr>
+        <p:cNvPr id="1" name=""/>
+        <p:cNvGrpSpPr/>
+        <p:nvPr/>
+      </p:nvGrpSpPr>
+      <p:grpSpPr>
+        <a:xfrm>
+          <a:off x="0" y="0"/>
+          <a:ext cx="0" cy="0"/>
+          <a:chOff x="0" y="0"/>
+          <a:chExt cx="0" cy="0"/>
+        </a:xfrm>
+      </p:grpSpPr>
+      <p:sp>
+        <p:nvSpPr>
           <p:cNvPr id="2" name="Título 1"/>
           <p:cNvSpPr>
             <a:spLocks noGrp="1"/>
@@ -8852,10 +9122,9 @@
           <a:lstStyle/>
           <a:p>
             <a:r>
-              <a:rPr lang="es-AR" dirty="0" smtClean="0"/>
+              <a:rPr lang="es-AR" dirty="0"/>
               <a:t>Modificadores Clases</a:t>
             </a:r>
-            <a:endParaRPr lang="es-AR" dirty="0"/>
           </a:p>
         </p:txBody>
       </p:sp>
@@ -8884,8 +9153,20 @@
                 <a:tableStyleId>{5C22544A-7EE6-4342-B048-85BDC9FD1C3A}</a:tableStyleId>
               </a:tblPr>
               <a:tblGrid>
-                <a:gridCol w="5631543"/>
-                <a:gridCol w="5631543"/>
+                <a:gridCol w="5631543">
+                  <a:extLst>
+                    <a:ext uri="{9D8B030D-6E8A-4147-A177-3AD203B41FA5}">
+                      <a16:colId xmlns:a16="http://schemas.microsoft.com/office/drawing/2014/main" val="20000"/>
+                    </a:ext>
+                  </a:extLst>
+                </a:gridCol>
+                <a:gridCol w="5631543">
+                  <a:extLst>
+                    <a:ext uri="{9D8B030D-6E8A-4147-A177-3AD203B41FA5}">
+                      <a16:colId xmlns:a16="http://schemas.microsoft.com/office/drawing/2014/main" val="20001"/>
+                    </a:ext>
+                  </a:extLst>
+                </a:gridCol>
               </a:tblGrid>
               <a:tr h="370840">
                 <a:tc>
@@ -8912,7 +9193,7 @@
                         <a:tabLst/>
                       </a:pPr>
                       <a:r>
-                        <a:rPr kumimoji="0" lang="es-ES" sz="2200" b="0" i="0" u="none" strike="noStrike" cap="none" normalizeH="0" baseline="0" dirty="0" smtClean="0">
+                        <a:rPr kumimoji="0" lang="es-ES" sz="2200" b="0" i="0" u="none" strike="noStrike" cap="none" normalizeH="0" baseline="0" dirty="0">
                           <a:ln>
                             <a:noFill/>
                           </a:ln>
@@ -8952,7 +9233,7 @@
                         <a:tabLst/>
                       </a:pPr>
                       <a:r>
-                        <a:rPr kumimoji="0" lang="es-ES" sz="2200" b="0" i="0" u="none" strike="noStrike" cap="none" normalizeH="0" baseline="0" dirty="0" smtClean="0">
+                        <a:rPr kumimoji="0" lang="es-ES" sz="2200" b="0" i="0" u="none" strike="noStrike" cap="none" normalizeH="0" baseline="0" dirty="0">
                           <a:ln>
                             <a:noFill/>
                           </a:ln>
@@ -8968,6 +9249,11 @@
                   </a:txBody>
                   <a:tcPr marL="90000" marR="90000" marT="46778" marB="46778" horzOverflow="overflow"/>
                 </a:tc>
+                <a:extLst>
+                  <a:ext uri="{0D108BD9-81ED-4DB2-BD59-A6C34878D82A}">
+                    <a16:rowId xmlns:a16="http://schemas.microsoft.com/office/drawing/2014/main" val="10000"/>
+                  </a:ext>
+                </a:extLst>
               </a:tr>
               <a:tr h="370840">
                 <a:tc>
@@ -8994,7 +9280,7 @@
                         <a:tabLst/>
                       </a:pPr>
                       <a:r>
-                        <a:rPr kumimoji="0" lang="es-ES" sz="2800" b="0" i="0" u="none" strike="noStrike" cap="none" normalizeH="0" baseline="0" dirty="0" smtClean="0">
+                        <a:rPr kumimoji="0" lang="es-ES" sz="2800" b="0" i="0" u="none" strike="noStrike" cap="none" normalizeH="0" baseline="0" dirty="0">
                           <a:ln>
                             <a:noFill/>
                           </a:ln>
@@ -9034,7 +9320,7 @@
                         <a:tabLst/>
                       </a:pPr>
                       <a:r>
-                        <a:rPr kumimoji="0" lang="es-ES" sz="2800" b="0" i="0" u="none" strike="noStrike" cap="none" normalizeH="0" baseline="0" dirty="0" smtClean="0">
+                        <a:rPr kumimoji="0" lang="es-ES" sz="2800" b="0" i="0" u="none" strike="noStrike" cap="none" normalizeH="0" baseline="0" dirty="0">
                           <a:ln>
                             <a:noFill/>
                           </a:ln>
@@ -9050,6 +9336,11 @@
                   </a:txBody>
                   <a:tcPr marL="90000" marR="90000" marT="46778" marB="46778" horzOverflow="overflow"/>
                 </a:tc>
+                <a:extLst>
+                  <a:ext uri="{0D108BD9-81ED-4DB2-BD59-A6C34878D82A}">
+                    <a16:rowId xmlns:a16="http://schemas.microsoft.com/office/drawing/2014/main" val="10001"/>
+                  </a:ext>
+                </a:extLst>
               </a:tr>
               <a:tr h="370840">
                 <a:tc>
@@ -9076,7 +9367,7 @@
                         <a:tabLst/>
                       </a:pPr>
                       <a:r>
-                        <a:rPr kumimoji="0" lang="es-ES" sz="2800" b="0" i="0" u="none" strike="noStrike" cap="none" normalizeH="0" baseline="0" dirty="0" smtClean="0">
+                        <a:rPr kumimoji="0" lang="es-ES" sz="2800" b="0" i="0" u="none" strike="noStrike" cap="none" normalizeH="0" baseline="0" dirty="0">
                           <a:ln>
                             <a:noFill/>
                           </a:ln>
@@ -9116,7 +9407,7 @@
                         <a:tabLst/>
                       </a:pPr>
                       <a:r>
-                        <a:rPr kumimoji="0" lang="es-ES" sz="2800" b="0" i="0" u="none" strike="noStrike" cap="none" normalizeH="0" baseline="0" dirty="0" smtClean="0">
+                        <a:rPr kumimoji="0" lang="es-ES" sz="2800" b="0" i="0" u="none" strike="noStrike" cap="none" normalizeH="0" baseline="0" dirty="0">
                           <a:ln>
                             <a:noFill/>
                           </a:ln>
@@ -9132,6 +9423,11 @@
                   </a:txBody>
                   <a:tcPr marL="90000" marR="90000" marT="46778" marB="46778" horzOverflow="overflow"/>
                 </a:tc>
+                <a:extLst>
+                  <a:ext uri="{0D108BD9-81ED-4DB2-BD59-A6C34878D82A}">
+                    <a16:rowId xmlns:a16="http://schemas.microsoft.com/office/drawing/2014/main" val="10002"/>
+                  </a:ext>
+                </a:extLst>
               </a:tr>
               <a:tr h="370840">
                 <a:tc>
@@ -9158,7 +9454,7 @@
                         <a:tabLst/>
                       </a:pPr>
                       <a:r>
-                        <a:rPr kumimoji="0" lang="es-ES" sz="2800" b="0" i="0" u="none" strike="noStrike" cap="none" normalizeH="0" baseline="0" dirty="0" smtClean="0">
+                        <a:rPr kumimoji="0" lang="es-ES" sz="2800" b="0" i="0" u="none" strike="noStrike" cap="none" normalizeH="0" baseline="0" dirty="0">
                           <a:ln>
                             <a:noFill/>
                           </a:ln>
@@ -9198,7 +9494,7 @@
                         <a:tabLst/>
                       </a:pPr>
                       <a:r>
-                        <a:rPr kumimoji="0" lang="es-ES" sz="2800" b="0" i="0" u="none" strike="noStrike" cap="none" normalizeH="0" baseline="0" dirty="0" smtClean="0">
+                        <a:rPr kumimoji="0" lang="es-ES" sz="2800" b="0" i="0" u="none" strike="noStrike" cap="none" normalizeH="0" baseline="0" dirty="0">
                           <a:ln>
                             <a:noFill/>
                           </a:ln>
@@ -9214,6 +9510,11 @@
                   </a:txBody>
                   <a:tcPr marL="90000" marR="90000" marT="46778" marB="46778" horzOverflow="overflow"/>
                 </a:tc>
+                <a:extLst>
+                  <a:ext uri="{0D108BD9-81ED-4DB2-BD59-A6C34878D82A}">
+                    <a16:rowId xmlns:a16="http://schemas.microsoft.com/office/drawing/2014/main" val="10003"/>
+                  </a:ext>
+                </a:extLst>
               </a:tr>
               <a:tr h="370840">
                 <a:tc>
@@ -9240,7 +9541,7 @@
                         <a:tabLst/>
                       </a:pPr>
                       <a:r>
-                        <a:rPr kumimoji="0" lang="es-ES" sz="2800" b="0" i="0" u="none" strike="noStrike" cap="none" normalizeH="0" baseline="0" dirty="0" smtClean="0">
+                        <a:rPr kumimoji="0" lang="es-ES" sz="2800" b="0" i="0" u="none" strike="noStrike" cap="none" normalizeH="0" baseline="0" dirty="0">
                           <a:ln>
                             <a:noFill/>
                           </a:ln>
@@ -9280,7 +9581,7 @@
                         <a:tabLst/>
                       </a:pPr>
                       <a:r>
-                        <a:rPr kumimoji="0" lang="es-ES" sz="2800" b="0" i="0" u="none" strike="noStrike" cap="none" normalizeH="0" baseline="0" dirty="0" smtClean="0">
+                        <a:rPr kumimoji="0" lang="es-ES" sz="2800" b="0" i="0" u="none" strike="noStrike" cap="none" normalizeH="0" baseline="0" dirty="0">
                           <a:ln>
                             <a:noFill/>
                           </a:ln>
@@ -9296,6 +9597,11 @@
                   </a:txBody>
                   <a:tcPr marL="90000" marR="90000" marT="46778" marB="46778" horzOverflow="overflow"/>
                 </a:tc>
+                <a:extLst>
+                  <a:ext uri="{0D108BD9-81ED-4DB2-BD59-A6C34878D82A}">
+                    <a16:rowId xmlns:a16="http://schemas.microsoft.com/office/drawing/2014/main" val="10004"/>
+                  </a:ext>
+                </a:extLst>
               </a:tr>
               <a:tr h="370840">
                 <a:tc>
@@ -9322,7 +9628,7 @@
                         <a:tabLst/>
                       </a:pPr>
                       <a:r>
-                        <a:rPr kumimoji="0" lang="es-ES" sz="2800" b="0" i="0" u="none" strike="noStrike" cap="none" normalizeH="0" baseline="0" dirty="0" smtClean="0">
+                        <a:rPr kumimoji="0" lang="es-ES" sz="2800" b="0" i="0" u="none" strike="noStrike" cap="none" normalizeH="0" baseline="0" dirty="0">
                           <a:ln>
                             <a:noFill/>
                           </a:ln>
@@ -9362,7 +9668,7 @@
                         <a:tabLst/>
                       </a:pPr>
                       <a:r>
-                        <a:rPr kumimoji="0" lang="es-ES" sz="2800" b="0" i="0" u="none" strike="noStrike" cap="none" normalizeH="0" baseline="0" dirty="0" smtClean="0">
+                        <a:rPr kumimoji="0" lang="es-ES" sz="2800" b="0" i="0" u="none" strike="noStrike" cap="none" normalizeH="0" baseline="0" dirty="0">
                           <a:ln>
                             <a:noFill/>
                           </a:ln>
@@ -9378,6 +9684,11 @@
                   </a:txBody>
                   <a:tcPr marL="90000" marR="90000" marT="46778" marB="46778" horzOverflow="overflow"/>
                 </a:tc>
+                <a:extLst>
+                  <a:ext uri="{0D108BD9-81ED-4DB2-BD59-A6C34878D82A}">
+                    <a16:rowId xmlns:a16="http://schemas.microsoft.com/office/drawing/2014/main" val="10005"/>
+                  </a:ext>
+                </a:extLst>
               </a:tr>
             </a:tbl>
           </a:graphicData>
@@ -9414,27 +9725,8 @@
                 </a:effectLst>
                 <a:latin typeface="Franklin Gothic Medium" pitchFamily="34" charset="0"/>
               </a:rPr>
-              <a:t>(*): Modificadores de visibilidad</a:t>
-            </a:r>
-            <a:r>
-              <a:rPr lang="es-ES" dirty="0" smtClean="0">
-                <a:effectLst>
-                  <a:outerShdw blurRad="38100" dist="38100" dir="2700000" algn="tl">
-                    <a:srgbClr val="000000"/>
-                  </a:outerShdw>
-                </a:effectLst>
-                <a:latin typeface="Franklin Gothic Medium" pitchFamily="34" charset="0"/>
-              </a:rPr>
-              <a:t>.</a:t>
-            </a:r>
-            <a:endParaRPr lang="es-ES" dirty="0">
-              <a:effectLst>
-                <a:outerShdw blurRad="38100" dist="38100" dir="2700000" algn="tl">
-                  <a:srgbClr val="000000"/>
-                </a:outerShdw>
-              </a:effectLst>
-              <a:latin typeface="Franklin Gothic Medium" pitchFamily="34" charset="0"/>
-            </a:endParaRPr>
+              <a:t>(*): Modificadores de visibilidad.</a:t>
+            </a:r>
           </a:p>
         </p:txBody>
       </p:sp>
@@ -9448,17 +9740,10 @@
   <p:clrMapOvr>
     <a:masterClrMapping/>
   </p:clrMapOvr>
-  <p:timing>
-    <p:tnLst>
-      <p:par>
-        <p:cTn id="1" dur="indefinite" restart="never" nodeType="tmRoot"/>
-      </p:par>
-    </p:tnLst>
-  </p:timing>
 </p:sld>
 </file>
 
-<file path=ppt/slides/slide11.xml><?xml version="1.0" encoding="utf-8"?>
+<file path=ppt/slides/slide12.xml><?xml version="1.0" encoding="utf-8"?>
 <p:sld xmlns:a="http://schemas.openxmlformats.org/drawingml/2006/main" xmlns:r="http://schemas.openxmlformats.org/officeDocument/2006/relationships" xmlns:p="http://schemas.openxmlformats.org/presentationml/2006/main">
   <p:cSld>
     <p:spTree>
@@ -9491,10 +9776,9 @@
           <a:lstStyle/>
           <a:p>
             <a:r>
-              <a:rPr lang="es-AR" dirty="0" smtClean="0"/>
+              <a:rPr lang="es-AR" dirty="0"/>
               <a:t>Atributos</a:t>
             </a:r>
-            <a:endParaRPr lang="es-AR" dirty="0"/>
           </a:p>
         </p:txBody>
       </p:sp>
@@ -9837,7 +10121,7 @@
               <a:t>miNombre</a:t>
             </a:r>
             <a:r>
-              <a:rPr lang="es-ES" sz="2400" dirty="0" smtClean="0">
+              <a:rPr lang="es-ES" sz="2400" dirty="0">
                 <a:effectLst>
                   <a:outerShdw blurRad="38100" dist="38100" dir="2700000" algn="tl">
                     <a:srgbClr val="000000">
@@ -9849,16 +10133,6 @@
               </a:rPr>
               <a:t>;</a:t>
             </a:r>
-            <a:endParaRPr lang="es-ES" sz="2400" dirty="0">
-              <a:effectLst>
-                <a:outerShdw blurRad="38100" dist="38100" dir="2700000" algn="tl">
-                  <a:srgbClr val="000000">
-                    <a:alpha val="43137"/>
-                  </a:srgbClr>
-                </a:outerShdw>
-              </a:effectLst>
-              <a:latin typeface="Franklin Gothic Medium" panose="020B0603020102020204" pitchFamily="34" charset="0"/>
-            </a:endParaRPr>
           </a:p>
         </p:txBody>
       </p:sp>
@@ -10162,7 +10436,7 @@
               <a:t>[modificador] </a:t>
             </a:r>
             <a:r>
-              <a:rPr lang="es-AR" altLang="es-AR" sz="2000" b="1" smtClean="0">
+              <a:rPr lang="es-AR" altLang="es-AR" sz="2000" b="1">
                 <a:solidFill>
                   <a:srgbClr val="0000FF"/>
                 </a:solidFill>
@@ -10182,7 +10456,7 @@
               <a:t>identificador</a:t>
             </a:r>
             <a:r>
-              <a:rPr lang="es-AR" altLang="es-AR" sz="2000" b="1" dirty="0" smtClean="0">
+              <a:rPr lang="es-AR" altLang="es-AR" sz="2000" b="1" dirty="0">
                 <a:solidFill>
                   <a:srgbClr val="000000"/>
                 </a:solidFill>
@@ -10191,13 +10465,6 @@
               </a:rPr>
               <a:t>;</a:t>
             </a:r>
-            <a:endParaRPr lang="es-AR" altLang="es-AR" sz="2000" b="1" dirty="0">
-              <a:solidFill>
-                <a:srgbClr val="000000"/>
-              </a:solidFill>
-              <a:latin typeface="Arial Narrow" panose="020B0606020202030204" pitchFamily="34" charset="0"/>
-              <a:cs typeface="Times New Roman" panose="02020603050405020304" pitchFamily="18" charset="0"/>
-            </a:endParaRPr>
           </a:p>
         </p:txBody>
       </p:sp>
@@ -10211,17 +10478,10 @@
   <p:clrMapOvr>
     <a:masterClrMapping/>
   </p:clrMapOvr>
-  <p:timing>
-    <p:tnLst>
-      <p:par>
-        <p:cTn id="1" dur="indefinite" restart="never" nodeType="tmRoot"/>
-      </p:par>
-    </p:tnLst>
-  </p:timing>
 </p:sld>
 </file>
 
-<file path=ppt/slides/slide12.xml><?xml version="1.0" encoding="utf-8"?>
+<file path=ppt/slides/slide13.xml><?xml version="1.0" encoding="utf-8"?>
 <p:sld xmlns:a="http://schemas.openxmlformats.org/drawingml/2006/main" xmlns:r="http://schemas.openxmlformats.org/officeDocument/2006/relationships" xmlns:p="http://schemas.openxmlformats.org/presentationml/2006/main">
   <p:cSld>
     <p:spTree>
@@ -10254,10 +10514,9 @@
           <a:lstStyle/>
           <a:p>
             <a:r>
-              <a:rPr lang="es-AR" dirty="0" smtClean="0"/>
+              <a:rPr lang="es-AR" dirty="0"/>
               <a:t>Modificadores Atributos</a:t>
             </a:r>
-            <a:endParaRPr lang="es-AR" dirty="0"/>
           </a:p>
         </p:txBody>
       </p:sp>
@@ -10286,8 +10545,20 @@
                 <a:tableStyleId>{5C22544A-7EE6-4342-B048-85BDC9FD1C3A}</a:tableStyleId>
               </a:tblPr>
               <a:tblGrid>
-                <a:gridCol w="5631543"/>
-                <a:gridCol w="5631543"/>
+                <a:gridCol w="5631543">
+                  <a:extLst>
+                    <a:ext uri="{9D8B030D-6E8A-4147-A177-3AD203B41FA5}">
+                      <a16:colId xmlns:a16="http://schemas.microsoft.com/office/drawing/2014/main" val="20000"/>
+                    </a:ext>
+                  </a:extLst>
+                </a:gridCol>
+                <a:gridCol w="5631543">
+                  <a:extLst>
+                    <a:ext uri="{9D8B030D-6E8A-4147-A177-3AD203B41FA5}">
+                      <a16:colId xmlns:a16="http://schemas.microsoft.com/office/drawing/2014/main" val="20001"/>
+                    </a:ext>
+                  </a:extLst>
+                </a:gridCol>
               </a:tblGrid>
               <a:tr h="370840">
                 <a:tc>
@@ -10314,7 +10585,7 @@
                         <a:tabLst/>
                       </a:pPr>
                       <a:r>
-                        <a:rPr kumimoji="0" lang="es-ES" sz="2200" b="0" i="0" u="none" strike="noStrike" cap="none" normalizeH="0" baseline="0" dirty="0" smtClean="0">
+                        <a:rPr kumimoji="0" lang="es-ES" sz="2200" b="0" i="0" u="none" strike="noStrike" cap="none" normalizeH="0" baseline="0" dirty="0">
                           <a:ln>
                             <a:noFill/>
                           </a:ln>
@@ -10354,7 +10625,7 @@
                         <a:tabLst/>
                       </a:pPr>
                       <a:r>
-                        <a:rPr kumimoji="0" lang="es-ES" sz="2200" b="0" i="0" u="none" strike="noStrike" cap="none" normalizeH="0" baseline="0" dirty="0" smtClean="0">
+                        <a:rPr kumimoji="0" lang="es-ES" sz="2200" b="0" i="0" u="none" strike="noStrike" cap="none" normalizeH="0" baseline="0" dirty="0">
                           <a:ln>
                             <a:noFill/>
                           </a:ln>
@@ -10370,6 +10641,11 @@
                   </a:txBody>
                   <a:tcPr marL="90000" marR="90000" marT="46797" marB="46797" horzOverflow="overflow"/>
                 </a:tc>
+                <a:extLst>
+                  <a:ext uri="{0D108BD9-81ED-4DB2-BD59-A6C34878D82A}">
+                    <a16:rowId xmlns:a16="http://schemas.microsoft.com/office/drawing/2014/main" val="10000"/>
+                  </a:ext>
+                </a:extLst>
               </a:tr>
               <a:tr h="370840">
                 <a:tc>
@@ -10396,7 +10672,7 @@
                         <a:tabLst/>
                       </a:pPr>
                       <a:r>
-                        <a:rPr kumimoji="0" lang="es-ES" sz="2800" b="0" i="0" u="none" strike="noStrike" cap="none" normalizeH="0" baseline="0" dirty="0" smtClean="0">
+                        <a:rPr kumimoji="0" lang="es-ES" sz="2800" b="0" i="0" u="none" strike="noStrike" cap="none" normalizeH="0" baseline="0" dirty="0">
                           <a:ln>
                             <a:noFill/>
                           </a:ln>
@@ -10436,7 +10712,7 @@
                         <a:tabLst/>
                       </a:pPr>
                       <a:r>
-                        <a:rPr kumimoji="0" lang="es-ES" sz="2800" b="0" i="0" u="none" strike="noStrike" cap="none" normalizeH="0" baseline="0" dirty="0" smtClean="0">
+                        <a:rPr kumimoji="0" lang="es-ES" sz="2800" b="0" i="0" u="none" strike="noStrike" cap="none" normalizeH="0" baseline="0" dirty="0">
                           <a:ln>
                             <a:noFill/>
                           </a:ln>
@@ -10452,6 +10728,11 @@
                   </a:txBody>
                   <a:tcPr marL="90000" marR="90000" marT="46797" marB="46797" horzOverflow="overflow"/>
                 </a:tc>
+                <a:extLst>
+                  <a:ext uri="{0D108BD9-81ED-4DB2-BD59-A6C34878D82A}">
+                    <a16:rowId xmlns:a16="http://schemas.microsoft.com/office/drawing/2014/main" val="10001"/>
+                  </a:ext>
+                </a:extLst>
               </a:tr>
               <a:tr h="370840">
                 <a:tc>
@@ -10478,7 +10759,7 @@
                         <a:tabLst/>
                       </a:pPr>
                       <a:r>
-                        <a:rPr kumimoji="0" lang="es-ES" sz="2800" b="0" i="0" u="none" strike="noStrike" cap="none" normalizeH="0" baseline="0" dirty="0" smtClean="0">
+                        <a:rPr kumimoji="0" lang="es-ES" sz="2800" b="0" i="0" u="none" strike="noStrike" cap="none" normalizeH="0" baseline="0" dirty="0">
                           <a:ln>
                             <a:noFill/>
                           </a:ln>
@@ -10518,7 +10799,7 @@
                         <a:tabLst/>
                       </a:pPr>
                       <a:r>
-                        <a:rPr kumimoji="0" lang="es-ES" sz="2800" b="0" i="0" u="none" strike="noStrike" cap="none" normalizeH="0" baseline="0" dirty="0" smtClean="0">
+                        <a:rPr kumimoji="0" lang="es-ES" sz="2800" b="0" i="0" u="none" strike="noStrike" cap="none" normalizeH="0" baseline="0" dirty="0">
                           <a:ln>
                             <a:noFill/>
                           </a:ln>
@@ -10534,6 +10815,11 @@
                   </a:txBody>
                   <a:tcPr marL="90000" marR="90000" marT="46797" marB="46797" horzOverflow="overflow"/>
                 </a:tc>
+                <a:extLst>
+                  <a:ext uri="{0D108BD9-81ED-4DB2-BD59-A6C34878D82A}">
+                    <a16:rowId xmlns:a16="http://schemas.microsoft.com/office/drawing/2014/main" val="10002"/>
+                  </a:ext>
+                </a:extLst>
               </a:tr>
               <a:tr h="370840">
                 <a:tc>
@@ -10560,7 +10846,7 @@
                         <a:tabLst/>
                       </a:pPr>
                       <a:r>
-                        <a:rPr kumimoji="0" lang="es-ES" sz="2800" b="0" i="0" u="none" strike="noStrike" cap="none" normalizeH="0" baseline="0" dirty="0" smtClean="0">
+                        <a:rPr kumimoji="0" lang="es-ES" sz="2800" b="0" i="0" u="none" strike="noStrike" cap="none" normalizeH="0" baseline="0" dirty="0">
                           <a:ln>
                             <a:noFill/>
                           </a:ln>
@@ -10600,7 +10886,7 @@
                         <a:tabLst/>
                       </a:pPr>
                       <a:r>
-                        <a:rPr kumimoji="0" lang="es-ES" sz="2800" b="0" i="0" u="none" strike="noStrike" cap="none" normalizeH="0" baseline="0" dirty="0" smtClean="0">
+                        <a:rPr kumimoji="0" lang="es-ES" sz="2800" b="0" i="0" u="none" strike="noStrike" cap="none" normalizeH="0" baseline="0" dirty="0">
                           <a:ln>
                             <a:noFill/>
                           </a:ln>
@@ -10616,6 +10902,11 @@
                   </a:txBody>
                   <a:tcPr marL="90000" marR="90000" marT="46797" marB="46797" horzOverflow="overflow"/>
                 </a:tc>
+                <a:extLst>
+                  <a:ext uri="{0D108BD9-81ED-4DB2-BD59-A6C34878D82A}">
+                    <a16:rowId xmlns:a16="http://schemas.microsoft.com/office/drawing/2014/main" val="10003"/>
+                  </a:ext>
+                </a:extLst>
               </a:tr>
               <a:tr h="370840">
                 <a:tc>
@@ -10642,7 +10933,7 @@
                         <a:tabLst/>
                       </a:pPr>
                       <a:r>
-                        <a:rPr kumimoji="0" lang="es-ES" sz="2800" b="0" i="0" u="none" strike="noStrike" cap="none" normalizeH="0" baseline="0" dirty="0" smtClean="0">
+                        <a:rPr kumimoji="0" lang="es-ES" sz="2800" b="0" i="0" u="none" strike="noStrike" cap="none" normalizeH="0" baseline="0" dirty="0">
                           <a:ln>
                             <a:noFill/>
                           </a:ln>
@@ -10682,7 +10973,7 @@
                         <a:tabLst/>
                       </a:pPr>
                       <a:r>
-                        <a:rPr kumimoji="0" lang="es-ES" sz="2800" b="0" i="0" u="none" strike="noStrike" cap="none" normalizeH="0" baseline="0" dirty="0" smtClean="0">
+                        <a:rPr kumimoji="0" lang="es-ES" sz="2800" b="0" i="0" u="none" strike="noStrike" cap="none" normalizeH="0" baseline="0" dirty="0">
                           <a:ln>
                             <a:noFill/>
                           </a:ln>
@@ -10698,6 +10989,11 @@
                   </a:txBody>
                   <a:tcPr marL="90000" marR="90000" marT="46797" marB="46797" horzOverflow="overflow"/>
                 </a:tc>
+                <a:extLst>
+                  <a:ext uri="{0D108BD9-81ED-4DB2-BD59-A6C34878D82A}">
+                    <a16:rowId xmlns:a16="http://schemas.microsoft.com/office/drawing/2014/main" val="10004"/>
+                  </a:ext>
+                </a:extLst>
               </a:tr>
               <a:tr h="370840">
                 <a:tc>
@@ -10724,7 +11020,7 @@
                         <a:tabLst/>
                       </a:pPr>
                       <a:r>
-                        <a:rPr kumimoji="0" lang="es-ES" sz="2800" b="0" i="0" u="none" strike="noStrike" cap="none" normalizeH="0" baseline="0" dirty="0" smtClean="0">
+                        <a:rPr kumimoji="0" lang="es-ES" sz="2800" b="0" i="0" u="none" strike="noStrike" cap="none" normalizeH="0" baseline="0" dirty="0">
                           <a:ln>
                             <a:noFill/>
                           </a:ln>
@@ -10764,7 +11060,7 @@
                         <a:tabLst/>
                       </a:pPr>
                       <a:r>
-                        <a:rPr kumimoji="0" lang="es-ES" sz="2800" b="0" i="0" u="none" strike="noStrike" cap="none" normalizeH="0" baseline="0" dirty="0" smtClean="0">
+                        <a:rPr kumimoji="0" lang="es-ES" sz="2800" b="0" i="0" u="none" strike="noStrike" cap="none" normalizeH="0" baseline="0" dirty="0">
                           <a:ln>
                             <a:noFill/>
                           </a:ln>
@@ -10780,6 +11076,11 @@
                   </a:txBody>
                   <a:tcPr marL="90000" marR="90000" marT="46797" marB="46797" horzOverflow="overflow"/>
                 </a:tc>
+                <a:extLst>
+                  <a:ext uri="{0D108BD9-81ED-4DB2-BD59-A6C34878D82A}">
+                    <a16:rowId xmlns:a16="http://schemas.microsoft.com/office/drawing/2014/main" val="10005"/>
+                  </a:ext>
+                </a:extLst>
               </a:tr>
             </a:tbl>
           </a:graphicData>
@@ -10816,27 +11117,8 @@
                 </a:effectLst>
                 <a:latin typeface="Franklin Gothic Medium" pitchFamily="34" charset="0"/>
               </a:rPr>
-              <a:t>(*): </a:t>
-            </a:r>
-            <a:r>
-              <a:rPr lang="es-ES" dirty="0" smtClean="0">
-                <a:effectLst>
-                  <a:outerShdw blurRad="38100" dist="38100" dir="2700000" algn="tl">
-                    <a:srgbClr val="000000"/>
-                  </a:outerShdw>
-                </a:effectLst>
-                <a:latin typeface="Franklin Gothic Medium" pitchFamily="34" charset="0"/>
-              </a:rPr>
-              <a:t>Acceso por defecto</a:t>
-            </a:r>
-            <a:endParaRPr lang="es-ES" dirty="0">
-              <a:effectLst>
-                <a:outerShdw blurRad="38100" dist="38100" dir="2700000" algn="tl">
-                  <a:srgbClr val="000000"/>
-                </a:outerShdw>
-              </a:effectLst>
-              <a:latin typeface="Franklin Gothic Medium" pitchFamily="34" charset="0"/>
-            </a:endParaRPr>
+              <a:t>(*): Acceso por defecto</a:t>
+            </a:r>
           </a:p>
         </p:txBody>
       </p:sp>
@@ -10850,17 +11132,10 @@
   <p:clrMapOvr>
     <a:masterClrMapping/>
   </p:clrMapOvr>
-  <p:timing>
-    <p:tnLst>
-      <p:par>
-        <p:cTn id="1" dur="indefinite" restart="never" nodeType="tmRoot"/>
-      </p:par>
-    </p:tnLst>
-  </p:timing>
 </p:sld>
 </file>
 
-<file path=ppt/slides/slide13.xml><?xml version="1.0" encoding="utf-8"?>
+<file path=ppt/slides/slide14.xml><?xml version="1.0" encoding="utf-8"?>
 <p:sld xmlns:a="http://schemas.openxmlformats.org/drawingml/2006/main" xmlns:r="http://schemas.openxmlformats.org/officeDocument/2006/relationships" xmlns:p="http://schemas.openxmlformats.org/presentationml/2006/main">
   <p:cSld>
     <p:spTree>
@@ -10893,10 +11168,9 @@
           <a:lstStyle/>
           <a:p>
             <a:r>
-              <a:rPr lang="es-AR" dirty="0" smtClean="0"/>
+              <a:rPr lang="es-AR" dirty="0"/>
               <a:t>Métodos (1/2)</a:t>
             </a:r>
-            <a:endParaRPr lang="es-AR" dirty="0"/>
           </a:p>
         </p:txBody>
       </p:sp>
@@ -11435,75 +11709,48 @@
                 <a:latin typeface="Arial Narrow" panose="020B0606020202030204" pitchFamily="34" charset="0"/>
                 <a:cs typeface="Times New Roman" panose="02020603050405020304" pitchFamily="18" charset="0"/>
               </a:rPr>
-              <a:t>[modificador] </a:t>
-            </a:r>
-            <a:r>
-              <a:rPr lang="es-AR" altLang="es-AR" sz="2000" b="1" dirty="0" smtClean="0">
-                <a:solidFill>
-                  <a:srgbClr val="0000FF"/>
+              <a:t>[modificador] retorno </a:t>
+            </a:r>
+            <a:r>
+              <a:rPr lang="es-AR" altLang="es-AR" sz="2000" b="1" dirty="0">
+                <a:solidFill>
+                  <a:srgbClr val="00B0F0"/>
                 </a:solidFill>
                 <a:latin typeface="Arial Narrow" panose="020B0606020202030204" pitchFamily="34" charset="0"/>
                 <a:cs typeface="Times New Roman" panose="02020603050405020304" pitchFamily="18" charset="0"/>
               </a:rPr>
-              <a:t>retorno </a:t>
+              <a:t>Identificador</a:t>
             </a:r>
             <a:r>
               <a:rPr lang="es-AR" altLang="es-AR" sz="2000" b="1" dirty="0">
                 <a:solidFill>
-                  <a:srgbClr val="00B0F0"/>
+                  <a:srgbClr val="000000"/>
                 </a:solidFill>
                 <a:latin typeface="Arial Narrow" panose="020B0606020202030204" pitchFamily="34" charset="0"/>
                 <a:cs typeface="Times New Roman" panose="02020603050405020304" pitchFamily="18" charset="0"/>
               </a:rPr>
-              <a:t>Identificador</a:t>
-            </a:r>
-            <a:r>
-              <a:rPr lang="es-AR" altLang="es-AR" sz="2000" b="1" dirty="0">
+              <a:t> ( [</a:t>
+            </a:r>
+            <a:r>
+              <a:rPr lang="es-AR" altLang="es-AR" sz="2000" b="1" dirty="0" err="1">
                 <a:solidFill>
                   <a:srgbClr val="000000"/>
                 </a:solidFill>
                 <a:latin typeface="Arial Narrow" panose="020B0606020202030204" pitchFamily="34" charset="0"/>
                 <a:cs typeface="Times New Roman" panose="02020603050405020304" pitchFamily="18" charset="0"/>
               </a:rPr>
-              <a:t> </a:t>
-            </a:r>
-            <a:r>
-              <a:rPr lang="es-AR" altLang="es-AR" sz="2000" b="1" dirty="0" smtClean="0">
+              <a:t>args</a:t>
+            </a:r>
+            <a:r>
+              <a:rPr lang="es-AR" altLang="es-AR" sz="2000" b="1" dirty="0">
                 <a:solidFill>
                   <a:srgbClr val="000000"/>
                 </a:solidFill>
                 <a:latin typeface="Arial Narrow" panose="020B0606020202030204" pitchFamily="34" charset="0"/>
                 <a:cs typeface="Times New Roman" panose="02020603050405020304" pitchFamily="18" charset="0"/>
               </a:rPr>
-              <a:t>( [</a:t>
-            </a:r>
-            <a:r>
-              <a:rPr lang="es-AR" altLang="es-AR" sz="2000" b="1" dirty="0" err="1" smtClean="0">
-                <a:solidFill>
-                  <a:srgbClr val="000000"/>
-                </a:solidFill>
-                <a:latin typeface="Arial Narrow" panose="020B0606020202030204" pitchFamily="34" charset="0"/>
-                <a:cs typeface="Times New Roman" panose="02020603050405020304" pitchFamily="18" charset="0"/>
-              </a:rPr>
-              <a:t>args</a:t>
-            </a:r>
-            <a:r>
-              <a:rPr lang="es-AR" altLang="es-AR" sz="2000" b="1" dirty="0" smtClean="0">
-                <a:solidFill>
-                  <a:srgbClr val="000000"/>
-                </a:solidFill>
-                <a:latin typeface="Arial Narrow" panose="020B0606020202030204" pitchFamily="34" charset="0"/>
-                <a:cs typeface="Times New Roman" panose="02020603050405020304" pitchFamily="18" charset="0"/>
-              </a:rPr>
               <a:t>] )</a:t>
             </a:r>
-            <a:endParaRPr lang="es-AR" altLang="es-AR" sz="2000" b="1" dirty="0">
-              <a:solidFill>
-                <a:srgbClr val="000000"/>
-              </a:solidFill>
-              <a:latin typeface="Arial Narrow" panose="020B0606020202030204" pitchFamily="34" charset="0"/>
-              <a:cs typeface="Times New Roman" panose="02020603050405020304" pitchFamily="18" charset="0"/>
-            </a:endParaRPr>
           </a:p>
           <a:p>
             <a:pPr marL="0" lvl="0" indent="0" defTabSz="914400" fontAlgn="base">
@@ -11564,25 +11811,8 @@
                 <a:latin typeface="Arial Narrow" panose="020B0606020202030204" pitchFamily="34" charset="0"/>
                 <a:cs typeface="Times New Roman" panose="02020603050405020304" pitchFamily="18" charset="0"/>
               </a:rPr>
-              <a:t>// </a:t>
-            </a:r>
-            <a:r>
-              <a:rPr lang="es-AR" altLang="es-AR" sz="2000" b="1" dirty="0" smtClean="0">
-                <a:solidFill>
-                  <a:srgbClr val="66CC66"/>
-                </a:solidFill>
-                <a:latin typeface="Arial Narrow" panose="020B0606020202030204" pitchFamily="34" charset="0"/>
-                <a:cs typeface="Times New Roman" panose="02020603050405020304" pitchFamily="18" charset="0"/>
-              </a:rPr>
-              <a:t>Sentencias</a:t>
-            </a:r>
-            <a:endParaRPr lang="es-AR" altLang="es-AR" sz="2000" b="1" dirty="0">
-              <a:solidFill>
-                <a:srgbClr val="66CC66"/>
-              </a:solidFill>
-              <a:latin typeface="Arial Narrow" panose="020B0606020202030204" pitchFamily="34" charset="0"/>
-              <a:cs typeface="Times New Roman" panose="02020603050405020304" pitchFamily="18" charset="0"/>
-            </a:endParaRPr>
+              <a:t>// Sentencias</a:t>
+            </a:r>
           </a:p>
           <a:p>
             <a:pPr marL="0" lvl="0" indent="0" defTabSz="914400" fontAlgn="base">
@@ -11645,17 +11875,10 @@
   <p:clrMapOvr>
     <a:masterClrMapping/>
   </p:clrMapOvr>
-  <p:timing>
-    <p:tnLst>
-      <p:par>
-        <p:cTn id="1" dur="indefinite" restart="never" nodeType="tmRoot"/>
-      </p:par>
-    </p:tnLst>
-  </p:timing>
 </p:sld>
 </file>
 
-<file path=ppt/slides/slide14.xml><?xml version="1.0" encoding="utf-8"?>
+<file path=ppt/slides/slide15.xml><?xml version="1.0" encoding="utf-8"?>
 <p:sld xmlns:a="http://schemas.openxmlformats.org/drawingml/2006/main" xmlns:r="http://schemas.openxmlformats.org/officeDocument/2006/relationships" xmlns:p="http://schemas.openxmlformats.org/presentationml/2006/main">
   <p:cSld>
     <p:spTree>
@@ -11689,15 +11912,7 @@
           <a:p>
             <a:r>
               <a:rPr lang="es-AR" dirty="0"/>
-              <a:t>Métodos </a:t>
-            </a:r>
-            <a:r>
-              <a:rPr lang="es-AR" dirty="0" smtClean="0"/>
-              <a:t>(2/2</a:t>
-            </a:r>
-            <a:r>
-              <a:rPr lang="es-AR" dirty="0"/>
-              <a:t>)</a:t>
+              <a:t>Métodos (2/2)</a:t>
             </a:r>
           </a:p>
         </p:txBody>
@@ -11769,20 +11984,7 @@
                 </a:effectLst>
                 <a:latin typeface="Franklin Gothic Medium" panose="020B0603020102020204" pitchFamily="34" charset="0"/>
               </a:rPr>
-              <a:t>Los parámetros se definen como</a:t>
-            </a:r>
-            <a:r>
-              <a:rPr lang="es-ES" sz="2800" dirty="0" smtClean="0">
-                <a:effectLst>
-                  <a:outerShdw blurRad="38100" dist="38100" dir="2700000" algn="tl">
-                    <a:srgbClr val="000000">
-                      <a:alpha val="43137"/>
-                    </a:srgbClr>
-                  </a:outerShdw>
-                </a:effectLst>
-                <a:latin typeface="Franklin Gothic Medium" panose="020B0603020102020204" pitchFamily="34" charset="0"/>
-              </a:rPr>
-              <a:t>:</a:t>
+              <a:t>Los parámetros se definen como:</a:t>
             </a:r>
           </a:p>
           <a:p>
@@ -11911,7 +12113,7 @@
               <a:t>return</a:t>
             </a:r>
             <a:r>
-              <a:rPr lang="es-ES" sz="2800" dirty="0" smtClean="0">
+              <a:rPr lang="es-ES" sz="2800" dirty="0">
                 <a:effectLst>
                   <a:outerShdw blurRad="38100" dist="38100" dir="2700000" algn="tl">
                     <a:srgbClr val="000000">
@@ -12226,7 +12428,7 @@
               <a:buNone/>
             </a:pPr>
             <a:r>
-              <a:rPr lang="es-AR" altLang="es-AR" sz="2000" b="1" dirty="0" smtClean="0">
+              <a:rPr lang="es-AR" altLang="es-AR" sz="2000" b="1" dirty="0">
                 <a:solidFill>
                   <a:srgbClr val="0000FF"/>
                 </a:solidFill>
@@ -12236,7 +12438,7 @@
               <a:t>tipo </a:t>
             </a:r>
             <a:r>
-              <a:rPr lang="es-AR" altLang="es-AR" sz="2000" b="1" dirty="0" smtClean="0">
+              <a:rPr lang="es-AR" altLang="es-AR" sz="2000" b="1" dirty="0">
                 <a:solidFill>
                   <a:schemeClr val="bg1"/>
                 </a:solidFill>
@@ -12265,17 +12467,10 @@
   <p:clrMapOvr>
     <a:masterClrMapping/>
   </p:clrMapOvr>
-  <p:timing>
-    <p:tnLst>
-      <p:par>
-        <p:cTn id="1" dur="indefinite" restart="never" nodeType="tmRoot"/>
-      </p:par>
-    </p:tnLst>
-  </p:timing>
 </p:sld>
 </file>
 
-<file path=ppt/slides/slide15.xml><?xml version="1.0" encoding="utf-8"?>
+<file path=ppt/slides/slide16.xml><?xml version="1.0" encoding="utf-8"?>
 <p:sld xmlns:a="http://schemas.openxmlformats.org/drawingml/2006/main" xmlns:r="http://schemas.openxmlformats.org/officeDocument/2006/relationships" xmlns:p="http://schemas.openxmlformats.org/presentationml/2006/main">
   <p:cSld>
     <p:spTree>
@@ -12317,8 +12512,20 @@
                 <a:tableStyleId>{5C22544A-7EE6-4342-B048-85BDC9FD1C3A}</a:tableStyleId>
               </a:tblPr>
               <a:tblGrid>
-                <a:gridCol w="5152572"/>
-                <a:gridCol w="5152572"/>
+                <a:gridCol w="5152572">
+                  <a:extLst>
+                    <a:ext uri="{9D8B030D-6E8A-4147-A177-3AD203B41FA5}">
+                      <a16:colId xmlns:a16="http://schemas.microsoft.com/office/drawing/2014/main" val="20000"/>
+                    </a:ext>
+                  </a:extLst>
+                </a:gridCol>
+                <a:gridCol w="5152572">
+                  <a:extLst>
+                    <a:ext uri="{9D8B030D-6E8A-4147-A177-3AD203B41FA5}">
+                      <a16:colId xmlns:a16="http://schemas.microsoft.com/office/drawing/2014/main" val="20001"/>
+                    </a:ext>
+                  </a:extLst>
+                </a:gridCol>
               </a:tblGrid>
               <a:tr h="370840">
                 <a:tc>
@@ -12345,7 +12552,7 @@
                         <a:tabLst/>
                       </a:pPr>
                       <a:r>
-                        <a:rPr kumimoji="0" lang="es-ES" sz="2200" b="0" i="0" u="none" strike="noStrike" cap="none" normalizeH="0" baseline="0" dirty="0" smtClean="0">
+                        <a:rPr kumimoji="0" lang="es-ES" sz="2200" b="0" i="0" u="none" strike="noStrike" cap="none" normalizeH="0" baseline="0" dirty="0">
                           <a:ln>
                             <a:noFill/>
                           </a:ln>
@@ -12385,7 +12592,7 @@
                         <a:tabLst/>
                       </a:pPr>
                       <a:r>
-                        <a:rPr kumimoji="0" lang="es-ES" sz="2200" b="0" i="0" u="none" strike="noStrike" cap="none" normalizeH="0" baseline="0" dirty="0" smtClean="0">
+                        <a:rPr kumimoji="0" lang="es-ES" sz="2200" b="0" i="0" u="none" strike="noStrike" cap="none" normalizeH="0" baseline="0" dirty="0">
                           <a:ln>
                             <a:noFill/>
                           </a:ln>
@@ -12401,6 +12608,11 @@
                   </a:txBody>
                   <a:tcPr marL="90000" marR="90000" marT="46797" marB="46797" horzOverflow="overflow"/>
                 </a:tc>
+                <a:extLst>
+                  <a:ext uri="{0D108BD9-81ED-4DB2-BD59-A6C34878D82A}">
+                    <a16:rowId xmlns:a16="http://schemas.microsoft.com/office/drawing/2014/main" val="10000"/>
+                  </a:ext>
+                </a:extLst>
               </a:tr>
               <a:tr h="370840">
                 <a:tc>
@@ -12427,7 +12639,7 @@
                         <a:tabLst/>
                       </a:pPr>
                       <a:r>
-                        <a:rPr kumimoji="0" lang="es-ES" sz="2400" b="0" i="0" u="none" strike="noStrike" cap="none" normalizeH="0" baseline="0" dirty="0" smtClean="0">
+                        <a:rPr kumimoji="0" lang="es-ES" sz="2400" b="0" i="0" u="none" strike="noStrike" cap="none" normalizeH="0" baseline="0" dirty="0">
                           <a:ln>
                             <a:noFill/>
                           </a:ln>
@@ -12467,7 +12679,7 @@
                         <a:tabLst/>
                       </a:pPr>
                       <a:r>
-                        <a:rPr kumimoji="0" lang="es-ES" sz="2400" b="0" i="0" u="none" strike="noStrike" cap="none" normalizeH="0" baseline="0" dirty="0" smtClean="0">
+                        <a:rPr kumimoji="0" lang="es-ES" sz="2400" b="0" i="0" u="none" strike="noStrike" cap="none" normalizeH="0" baseline="0" dirty="0">
                           <a:ln>
                             <a:noFill/>
                           </a:ln>
@@ -12483,6 +12695,11 @@
                   </a:txBody>
                   <a:tcPr marL="90000" marR="90000" marT="46805" marB="46805" horzOverflow="overflow"/>
                 </a:tc>
+                <a:extLst>
+                  <a:ext uri="{0D108BD9-81ED-4DB2-BD59-A6C34878D82A}">
+                    <a16:rowId xmlns:a16="http://schemas.microsoft.com/office/drawing/2014/main" val="10001"/>
+                  </a:ext>
+                </a:extLst>
               </a:tr>
               <a:tr h="370840">
                 <a:tc>
@@ -12509,7 +12726,7 @@
                         <a:tabLst/>
                       </a:pPr>
                       <a:r>
-                        <a:rPr kumimoji="0" lang="es-ES" sz="2400" b="0" i="0" u="none" strike="noStrike" cap="none" normalizeH="0" baseline="0" dirty="0" smtClean="0">
+                        <a:rPr kumimoji="0" lang="es-ES" sz="2400" b="0" i="0" u="none" strike="noStrike" cap="none" normalizeH="0" baseline="0" dirty="0">
                           <a:ln>
                             <a:noFill/>
                           </a:ln>
@@ -12549,7 +12766,7 @@
                         <a:tabLst/>
                       </a:pPr>
                       <a:r>
-                        <a:rPr kumimoji="0" lang="es-ES" sz="2400" b="0" i="0" u="none" strike="noStrike" cap="none" normalizeH="0" baseline="0" dirty="0" smtClean="0">
+                        <a:rPr kumimoji="0" lang="es-ES" sz="2400" b="0" i="0" u="none" strike="noStrike" cap="none" normalizeH="0" baseline="0" dirty="0">
                           <a:ln>
                             <a:noFill/>
                           </a:ln>
@@ -12565,6 +12782,11 @@
                   </a:txBody>
                   <a:tcPr marL="90000" marR="90000" marT="46805" marB="46805" horzOverflow="overflow"/>
                 </a:tc>
+                <a:extLst>
+                  <a:ext uri="{0D108BD9-81ED-4DB2-BD59-A6C34878D82A}">
+                    <a16:rowId xmlns:a16="http://schemas.microsoft.com/office/drawing/2014/main" val="10002"/>
+                  </a:ext>
+                </a:extLst>
               </a:tr>
               <a:tr h="370840">
                 <a:tc>
@@ -12591,7 +12813,7 @@
                         <a:tabLst/>
                       </a:pPr>
                       <a:r>
-                        <a:rPr kumimoji="0" lang="es-ES" sz="2400" b="0" i="0" u="none" strike="noStrike" cap="none" normalizeH="0" baseline="0" dirty="0" smtClean="0">
+                        <a:rPr kumimoji="0" lang="es-ES" sz="2400" b="0" i="0" u="none" strike="noStrike" cap="none" normalizeH="0" baseline="0" dirty="0">
                           <a:ln>
                             <a:noFill/>
                           </a:ln>
@@ -12631,7 +12853,7 @@
                         <a:tabLst/>
                       </a:pPr>
                       <a:r>
-                        <a:rPr kumimoji="0" lang="es-ES" sz="2400" b="0" i="0" u="none" strike="noStrike" cap="none" normalizeH="0" baseline="0" dirty="0" smtClean="0">
+                        <a:rPr kumimoji="0" lang="es-ES" sz="2400" b="0" i="0" u="none" strike="noStrike" cap="none" normalizeH="0" baseline="0" dirty="0">
                           <a:ln>
                             <a:noFill/>
                           </a:ln>
@@ -12647,6 +12869,11 @@
                   </a:txBody>
                   <a:tcPr marL="90000" marR="90000" marT="46805" marB="46805" horzOverflow="overflow"/>
                 </a:tc>
+                <a:extLst>
+                  <a:ext uri="{0D108BD9-81ED-4DB2-BD59-A6C34878D82A}">
+                    <a16:rowId xmlns:a16="http://schemas.microsoft.com/office/drawing/2014/main" val="10003"/>
+                  </a:ext>
+                </a:extLst>
               </a:tr>
               <a:tr h="370840">
                 <a:tc>
@@ -12673,7 +12900,7 @@
                         <a:tabLst/>
                       </a:pPr>
                       <a:r>
-                        <a:rPr kumimoji="0" lang="es-ES" sz="2400" b="0" i="0" u="none" strike="noStrike" cap="none" normalizeH="0" baseline="0" dirty="0" smtClean="0">
+                        <a:rPr kumimoji="0" lang="es-ES" sz="2400" b="0" i="0" u="none" strike="noStrike" cap="none" normalizeH="0" baseline="0" dirty="0">
                           <a:ln>
                             <a:noFill/>
                           </a:ln>
@@ -12713,7 +12940,7 @@
                         <a:tabLst/>
                       </a:pPr>
                       <a:r>
-                        <a:rPr kumimoji="0" lang="es-ES" sz="2400" b="0" i="0" u="none" strike="noStrike" cap="none" normalizeH="0" baseline="0" dirty="0" smtClean="0">
+                        <a:rPr kumimoji="0" lang="es-ES" sz="2400" b="0" i="0" u="none" strike="noStrike" cap="none" normalizeH="0" baseline="0" dirty="0">
                           <a:ln>
                             <a:noFill/>
                           </a:ln>
@@ -12726,7 +12953,7 @@
                         <a:t>Reemplaza la implementación del mismo método declarado como </a:t>
                       </a:r>
                       <a:r>
-                        <a:rPr kumimoji="0" lang="es-ES" sz="2400" b="1" i="1" u="none" strike="noStrike" cap="none" normalizeH="0" baseline="0" dirty="0" smtClean="0">
+                        <a:rPr kumimoji="0" lang="es-ES" sz="2400" b="1" i="1" u="none" strike="noStrike" cap="none" normalizeH="0" baseline="0" dirty="0">
                           <a:ln>
                             <a:noFill/>
                           </a:ln>
@@ -12739,7 +12966,7 @@
                         <a:t>virtual</a:t>
                       </a:r>
                       <a:r>
-                        <a:rPr kumimoji="0" lang="es-ES" sz="2400" b="0" i="0" u="none" strike="noStrike" cap="none" normalizeH="0" baseline="0" dirty="0" smtClean="0">
+                        <a:rPr kumimoji="0" lang="es-ES" sz="2400" b="0" i="0" u="none" strike="noStrike" cap="none" normalizeH="0" baseline="0" dirty="0">
                           <a:ln>
                             <a:noFill/>
                           </a:ln>
@@ -12755,6 +12982,11 @@
                   </a:txBody>
                   <a:tcPr marL="90000" marR="90000" marT="46805" marB="46805" horzOverflow="overflow"/>
                 </a:tc>
+                <a:extLst>
+                  <a:ext uri="{0D108BD9-81ED-4DB2-BD59-A6C34878D82A}">
+                    <a16:rowId xmlns:a16="http://schemas.microsoft.com/office/drawing/2014/main" val="10004"/>
+                  </a:ext>
+                </a:extLst>
               </a:tr>
               <a:tr h="0">
                 <a:tc>
@@ -12781,7 +13013,7 @@
                         <a:tabLst/>
                       </a:pPr>
                       <a:r>
-                        <a:rPr kumimoji="0" lang="es-ES" sz="2400" b="0" i="0" u="none" strike="noStrike" cap="none" normalizeH="0" baseline="0" dirty="0" smtClean="0">
+                        <a:rPr kumimoji="0" lang="es-ES" sz="2400" b="0" i="0" u="none" strike="noStrike" cap="none" normalizeH="0" baseline="0" dirty="0">
                           <a:ln>
                             <a:noFill/>
                           </a:ln>
@@ -12821,7 +13053,7 @@
                         <a:tabLst/>
                       </a:pPr>
                       <a:r>
-                        <a:rPr kumimoji="0" lang="es-ES" sz="2400" b="0" i="0" u="none" strike="noStrike" cap="none" normalizeH="0" baseline="0" dirty="0" smtClean="0">
+                        <a:rPr kumimoji="0" lang="es-ES" sz="2400" b="0" i="0" u="none" strike="noStrike" cap="none" normalizeH="0" baseline="0" dirty="0">
                           <a:ln>
                             <a:noFill/>
                           </a:ln>
@@ -12837,6 +13069,11 @@
                   </a:txBody>
                   <a:tcPr marL="90000" marR="90000" marT="46805" marB="46805" horzOverflow="overflow"/>
                 </a:tc>
+                <a:extLst>
+                  <a:ext uri="{0D108BD9-81ED-4DB2-BD59-A6C34878D82A}">
+                    <a16:rowId xmlns:a16="http://schemas.microsoft.com/office/drawing/2014/main" val="10005"/>
+                  </a:ext>
+                </a:extLst>
               </a:tr>
               <a:tr h="338235">
                 <a:tc>
@@ -12863,7 +13100,7 @@
                         <a:tabLst/>
                       </a:pPr>
                       <a:r>
-                        <a:rPr kumimoji="0" lang="es-ES" sz="2400" b="0" i="0" u="none" strike="noStrike" cap="none" normalizeH="0" baseline="0" dirty="0" smtClean="0">
+                        <a:rPr kumimoji="0" lang="es-ES" sz="2400" b="0" i="0" u="none" strike="noStrike" cap="none" normalizeH="0" baseline="0" dirty="0">
                           <a:ln>
                             <a:noFill/>
                           </a:ln>
@@ -12903,7 +13140,7 @@
                         <a:tabLst/>
                       </a:pPr>
                       <a:r>
-                        <a:rPr kumimoji="0" lang="es-ES" sz="2400" b="0" i="0" u="none" strike="noStrike" cap="none" normalizeH="0" baseline="0" dirty="0" smtClean="0">
+                        <a:rPr kumimoji="0" lang="es-ES" sz="2400" b="0" i="0" u="none" strike="noStrike" cap="none" normalizeH="0" baseline="0" dirty="0">
                           <a:ln>
                             <a:noFill/>
                           </a:ln>
@@ -12919,6 +13156,11 @@
                   </a:txBody>
                   <a:tcPr marL="90000" marR="90000" marT="46805" marB="46805" horzOverflow="overflow"/>
                 </a:tc>
+                <a:extLst>
+                  <a:ext uri="{0D108BD9-81ED-4DB2-BD59-A6C34878D82A}">
+                    <a16:rowId xmlns:a16="http://schemas.microsoft.com/office/drawing/2014/main" val="10006"/>
+                  </a:ext>
+                </a:extLst>
               </a:tr>
               <a:tr h="253676">
                 <a:tc>
@@ -12945,7 +13187,7 @@
                         <a:tabLst/>
                       </a:pPr>
                       <a:r>
-                        <a:rPr kumimoji="0" lang="es-ES" sz="2400" b="0" i="0" u="none" strike="noStrike" cap="none" normalizeH="0" baseline="0" dirty="0" smtClean="0">
+                        <a:rPr kumimoji="0" lang="es-ES" sz="2400" b="0" i="0" u="none" strike="noStrike" cap="none" normalizeH="0" baseline="0" dirty="0">
                           <a:ln>
                             <a:noFill/>
                           </a:ln>
@@ -12985,7 +13227,7 @@
                         <a:tabLst/>
                       </a:pPr>
                       <a:r>
-                        <a:rPr kumimoji="0" lang="es-ES" sz="2400" b="0" i="0" u="none" strike="noStrike" cap="none" normalizeH="0" baseline="0" dirty="0" smtClean="0">
+                        <a:rPr kumimoji="0" lang="es-ES" sz="2400" b="0" i="0" u="none" strike="noStrike" cap="none" normalizeH="0" baseline="0" dirty="0">
                           <a:ln>
                             <a:noFill/>
                           </a:ln>
@@ -13001,6 +13243,11 @@
                   </a:txBody>
                   <a:tcPr marL="90000" marR="90000" marT="46805" marB="46805" horzOverflow="overflow"/>
                 </a:tc>
+                <a:extLst>
+                  <a:ext uri="{0D108BD9-81ED-4DB2-BD59-A6C34878D82A}">
+                    <a16:rowId xmlns:a16="http://schemas.microsoft.com/office/drawing/2014/main" val="10007"/>
+                  </a:ext>
+                </a:extLst>
               </a:tr>
               <a:tr h="169118">
                 <a:tc>
@@ -13027,7 +13274,7 @@
                         <a:tabLst/>
                       </a:pPr>
                       <a:r>
-                        <a:rPr kumimoji="0" lang="es-ES" sz="2400" b="0" i="0" u="none" strike="noStrike" cap="none" normalizeH="0" baseline="0" dirty="0" smtClean="0">
+                        <a:rPr kumimoji="0" lang="es-ES" sz="2400" b="0" i="0" u="none" strike="noStrike" cap="none" normalizeH="0" baseline="0" dirty="0">
                           <a:ln>
                             <a:noFill/>
                           </a:ln>
@@ -13067,7 +13314,7 @@
                         <a:tabLst/>
                       </a:pPr>
                       <a:r>
-                        <a:rPr kumimoji="0" lang="es-ES" sz="2400" b="0" i="0" u="none" strike="noStrike" cap="none" normalizeH="0" baseline="0" dirty="0" smtClean="0">
+                        <a:rPr kumimoji="0" lang="es-ES" sz="2400" b="0" i="0" u="none" strike="noStrike" cap="none" normalizeH="0" baseline="0" dirty="0">
                           <a:ln>
                             <a:noFill/>
                           </a:ln>
@@ -13083,6 +13330,11 @@
                   </a:txBody>
                   <a:tcPr marL="90000" marR="90000" marT="46805" marB="46805" horzOverflow="overflow"/>
                 </a:tc>
+                <a:extLst>
+                  <a:ext uri="{0D108BD9-81ED-4DB2-BD59-A6C34878D82A}">
+                    <a16:rowId xmlns:a16="http://schemas.microsoft.com/office/drawing/2014/main" val="10008"/>
+                  </a:ext>
+                </a:extLst>
               </a:tr>
               <a:tr h="0">
                 <a:tc>
@@ -13109,7 +13361,7 @@
                         <a:tabLst/>
                       </a:pPr>
                       <a:r>
-                        <a:rPr kumimoji="0" lang="es-ES" sz="2400" b="0" i="0" u="none" strike="noStrike" cap="none" normalizeH="0" baseline="0" dirty="0" smtClean="0">
+                        <a:rPr kumimoji="0" lang="es-ES" sz="2400" b="0" i="0" u="none" strike="noStrike" cap="none" normalizeH="0" baseline="0" dirty="0">
                           <a:ln>
                             <a:noFill/>
                           </a:ln>
@@ -13149,7 +13401,7 @@
                         <a:tabLst/>
                       </a:pPr>
                       <a:r>
-                        <a:rPr kumimoji="0" lang="es-ES" sz="2400" b="0" i="0" u="none" strike="noStrike" cap="none" normalizeH="0" baseline="0" dirty="0" smtClean="0">
+                        <a:rPr kumimoji="0" lang="es-ES" sz="2400" b="0" i="0" u="none" strike="noStrike" cap="none" normalizeH="0" baseline="0" dirty="0">
                           <a:ln>
                             <a:noFill/>
                           </a:ln>
@@ -13165,6 +13417,11 @@
                   </a:txBody>
                   <a:tcPr marL="90000" marR="90000" marT="46805" marB="46805" horzOverflow="overflow"/>
                 </a:tc>
+                <a:extLst>
+                  <a:ext uri="{0D108BD9-81ED-4DB2-BD59-A6C34878D82A}">
+                    <a16:rowId xmlns:a16="http://schemas.microsoft.com/office/drawing/2014/main" val="10009"/>
+                  </a:ext>
+                </a:extLst>
               </a:tr>
             </a:tbl>
           </a:graphicData>
@@ -13204,7 +13461,7 @@
               <a:t>(*): </a:t>
             </a:r>
             <a:r>
-              <a:rPr lang="es-ES" dirty="0" err="1" smtClean="0">
+              <a:rPr lang="es-ES" dirty="0" err="1">
                 <a:effectLst>
                   <a:outerShdw blurRad="38100" dist="38100" dir="2700000" algn="tl">
                     <a:srgbClr val="000000"/>
@@ -13215,7 +13472,7 @@
               <a:t>Accesor</a:t>
             </a:r>
             <a:r>
-              <a:rPr lang="es-ES" dirty="0" smtClean="0">
+              <a:rPr lang="es-ES" dirty="0">
                 <a:effectLst>
                   <a:outerShdw blurRad="38100" dist="38100" dir="2700000" algn="tl">
                     <a:srgbClr val="000000"/>
@@ -13238,17 +13495,10 @@
   <p:clrMapOvr>
     <a:masterClrMapping/>
   </p:clrMapOvr>
-  <p:timing>
-    <p:tnLst>
-      <p:par>
-        <p:cTn id="1" dur="indefinite" restart="never" nodeType="tmRoot"/>
-      </p:par>
-    </p:tnLst>
-  </p:timing>
 </p:sld>
 </file>
 
-<file path=ppt/slides/slide16.xml><?xml version="1.0" encoding="utf-8"?>
+<file path=ppt/slides/slide17.xml><?xml version="1.0" encoding="utf-8"?>
 <p:sld xmlns:a="http://schemas.openxmlformats.org/drawingml/2006/main" xmlns:r="http://schemas.openxmlformats.org/officeDocument/2006/relationships" xmlns:p="http://schemas.openxmlformats.org/presentationml/2006/main">
   <p:cSld>
     <p:spTree>
@@ -13281,10 +13531,9 @@
           <a:lstStyle/>
           <a:p>
             <a:r>
-              <a:rPr lang="es-AR" dirty="0" smtClean="0"/>
+              <a:rPr lang="es-AR" dirty="0"/>
               <a:t>Ejemplo</a:t>
             </a:r>
-            <a:endParaRPr lang="es-AR" dirty="0"/>
           </a:p>
         </p:txBody>
       </p:sp>
@@ -14233,278 +14482,6 @@
   <p:clrMapOvr>
     <a:masterClrMapping/>
   </p:clrMapOvr>
-  <p:timing>
-    <p:tnLst>
-      <p:par>
-        <p:cTn id="1" dur="indefinite" restart="never" nodeType="tmRoot"/>
-      </p:par>
-    </p:tnLst>
-  </p:timing>
-</p:sld>
-</file>
-
-<file path=ppt/slides/slide17.xml><?xml version="1.0" encoding="utf-8"?>
-<p:sld xmlns:a="http://schemas.openxmlformats.org/drawingml/2006/main" xmlns:r="http://schemas.openxmlformats.org/officeDocument/2006/relationships" xmlns:p="http://schemas.openxmlformats.org/presentationml/2006/main">
-  <p:cSld>
-    <p:spTree>
-      <p:nvGrpSpPr>
-        <p:cNvPr id="1" name=""/>
-        <p:cNvGrpSpPr/>
-        <p:nvPr/>
-      </p:nvGrpSpPr>
-      <p:grpSpPr>
-        <a:xfrm>
-          <a:off x="0" y="0"/>
-          <a:ext cx="0" cy="0"/>
-          <a:chOff x="0" y="0"/>
-          <a:chExt cx="0" cy="0"/>
-        </a:xfrm>
-      </p:grpSpPr>
-      <p:sp>
-        <p:nvSpPr>
-          <p:cNvPr id="2" name="Título 1"/>
-          <p:cNvSpPr>
-            <a:spLocks noGrp="1"/>
-          </p:cNvSpPr>
-          <p:nvPr>
-            <p:ph type="title"/>
-          </p:nvPr>
-        </p:nvSpPr>
-        <p:spPr/>
-        <p:txBody>
-          <a:bodyPr/>
-          <a:lstStyle/>
-          <a:p>
-            <a:r>
-              <a:rPr lang="es-AR" dirty="0" err="1" smtClean="0"/>
-              <a:t>Namespace</a:t>
-            </a:r>
-            <a:endParaRPr lang="es-AR" dirty="0"/>
-          </a:p>
-        </p:txBody>
-      </p:sp>
-      <p:sp>
-        <p:nvSpPr>
-          <p:cNvPr id="3" name="Marcador de contenido 2"/>
-          <p:cNvSpPr>
-            <a:spLocks noGrp="1"/>
-          </p:cNvSpPr>
-          <p:nvPr>
-            <p:ph idx="1"/>
-          </p:nvPr>
-        </p:nvSpPr>
-        <p:spPr>
-          <a:xfrm>
-            <a:off x="680322" y="2148114"/>
-            <a:ext cx="9726422" cy="4571999"/>
-          </a:xfrm>
-        </p:spPr>
-        <p:txBody>
-          <a:bodyPr>
-            <a:normAutofit lnSpcReduction="10000"/>
-          </a:bodyPr>
-          <a:lstStyle/>
-          <a:p>
-            <a:pPr>
-              <a:defRPr/>
-            </a:pPr>
-            <a:r>
-              <a:rPr lang="es-ES" dirty="0">
-                <a:effectLst>
-                  <a:outerShdw blurRad="38100" dist="38100" dir="2700000" algn="tl">
-                    <a:srgbClr val="000000">
-                      <a:alpha val="43137"/>
-                    </a:srgbClr>
-                  </a:outerShdw>
-                </a:effectLst>
-                <a:latin typeface="Franklin Gothic Medium" panose="020B0603020102020204" pitchFamily="34" charset="0"/>
-              </a:rPr>
-              <a:t>Es una agrupación lógica de clases y otros elementos.</a:t>
-            </a:r>
-          </a:p>
-          <a:p>
-            <a:pPr>
-              <a:defRPr/>
-            </a:pPr>
-            <a:endParaRPr lang="es-ES" sz="2000" dirty="0">
-              <a:effectLst>
-                <a:outerShdw blurRad="38100" dist="38100" dir="2700000" algn="tl">
-                  <a:srgbClr val="000000">
-                    <a:alpha val="43137"/>
-                  </a:srgbClr>
-                </a:outerShdw>
-              </a:effectLst>
-              <a:latin typeface="Franklin Gothic Medium" panose="020B0603020102020204" pitchFamily="34" charset="0"/>
-            </a:endParaRPr>
-          </a:p>
-          <a:p>
-            <a:pPr>
-              <a:defRPr/>
-            </a:pPr>
-            <a:r>
-              <a:rPr lang="es-ES" dirty="0">
-                <a:effectLst>
-                  <a:outerShdw blurRad="38100" dist="38100" dir="2700000" algn="tl">
-                    <a:srgbClr val="000000">
-                      <a:alpha val="43137"/>
-                    </a:srgbClr>
-                  </a:outerShdw>
-                </a:effectLst>
-                <a:latin typeface="Franklin Gothic Medium" panose="020B0603020102020204" pitchFamily="34" charset="0"/>
-              </a:rPr>
-              <a:t>Toda clase esta dentro de un </a:t>
-            </a:r>
-            <a:r>
-              <a:rPr lang="es-ES" dirty="0" err="1">
-                <a:effectLst>
-                  <a:outerShdw blurRad="38100" dist="38100" dir="2700000" algn="tl">
-                    <a:srgbClr val="000000">
-                      <a:alpha val="43137"/>
-                    </a:srgbClr>
-                  </a:outerShdw>
-                </a:effectLst>
-                <a:latin typeface="Franklin Gothic Medium" panose="020B0603020102020204" pitchFamily="34" charset="0"/>
-              </a:rPr>
-              <a:t>NameSpace</a:t>
-            </a:r>
-            <a:r>
-              <a:rPr lang="es-ES" dirty="0">
-                <a:effectLst>
-                  <a:outerShdw blurRad="38100" dist="38100" dir="2700000" algn="tl">
-                    <a:srgbClr val="000000">
-                      <a:alpha val="43137"/>
-                    </a:srgbClr>
-                  </a:outerShdw>
-                </a:effectLst>
-                <a:latin typeface="Franklin Gothic Medium" panose="020B0603020102020204" pitchFamily="34" charset="0"/>
-              </a:rPr>
-              <a:t>.</a:t>
-            </a:r>
-          </a:p>
-          <a:p>
-            <a:pPr>
-              <a:defRPr/>
-            </a:pPr>
-            <a:endParaRPr lang="es-ES" sz="2000" dirty="0">
-              <a:effectLst>
-                <a:outerShdw blurRad="38100" dist="38100" dir="2700000" algn="tl">
-                  <a:srgbClr val="000000">
-                    <a:alpha val="43137"/>
-                  </a:srgbClr>
-                </a:outerShdw>
-              </a:effectLst>
-              <a:latin typeface="Franklin Gothic Medium" panose="020B0603020102020204" pitchFamily="34" charset="0"/>
-            </a:endParaRPr>
-          </a:p>
-          <a:p>
-            <a:pPr>
-              <a:defRPr/>
-            </a:pPr>
-            <a:r>
-              <a:rPr lang="es-ES" dirty="0">
-                <a:effectLst>
-                  <a:outerShdw blurRad="38100" dist="38100" dir="2700000" algn="tl">
-                    <a:srgbClr val="000000">
-                      <a:alpha val="43137"/>
-                    </a:srgbClr>
-                  </a:outerShdw>
-                </a:effectLst>
-                <a:latin typeface="Franklin Gothic Medium" panose="020B0603020102020204" pitchFamily="34" charset="0"/>
-              </a:rPr>
-              <a:t>Proporcionan un marco de trabajo jerárquico sobre el cuál se construye y organiza todo el código.</a:t>
-            </a:r>
-          </a:p>
-          <a:p>
-            <a:pPr>
-              <a:defRPr/>
-            </a:pPr>
-            <a:endParaRPr lang="es-ES" sz="2000" dirty="0">
-              <a:effectLst>
-                <a:outerShdw blurRad="38100" dist="38100" dir="2700000" algn="tl">
-                  <a:srgbClr val="000000">
-                    <a:alpha val="43137"/>
-                  </a:srgbClr>
-                </a:outerShdw>
-              </a:effectLst>
-              <a:latin typeface="Franklin Gothic Medium" panose="020B0603020102020204" pitchFamily="34" charset="0"/>
-            </a:endParaRPr>
-          </a:p>
-          <a:p>
-            <a:pPr>
-              <a:defRPr/>
-            </a:pPr>
-            <a:r>
-              <a:rPr lang="es-ES" dirty="0">
-                <a:effectLst>
-                  <a:outerShdw blurRad="38100" dist="38100" dir="2700000" algn="tl">
-                    <a:srgbClr val="000000">
-                      <a:alpha val="43137"/>
-                    </a:srgbClr>
-                  </a:outerShdw>
-                </a:effectLst>
-                <a:latin typeface="Franklin Gothic Medium" panose="020B0603020102020204" pitchFamily="34" charset="0"/>
-              </a:rPr>
-              <a:t>Su función principal es la organización del código para reducir los conflictos entre nombres.</a:t>
-            </a:r>
-          </a:p>
-          <a:p>
-            <a:pPr>
-              <a:defRPr/>
-            </a:pPr>
-            <a:endParaRPr lang="es-ES" sz="2000" dirty="0">
-              <a:effectLst>
-                <a:outerShdw blurRad="38100" dist="38100" dir="2700000" algn="tl">
-                  <a:srgbClr val="000000">
-                    <a:alpha val="43137"/>
-                  </a:srgbClr>
-                </a:outerShdw>
-              </a:effectLst>
-              <a:latin typeface="Franklin Gothic Medium" panose="020B0603020102020204" pitchFamily="34" charset="0"/>
-            </a:endParaRPr>
-          </a:p>
-          <a:p>
-            <a:pPr>
-              <a:defRPr/>
-            </a:pPr>
-            <a:r>
-              <a:rPr lang="es-ES" dirty="0">
-                <a:effectLst>
-                  <a:outerShdw blurRad="38100" dist="38100" dir="2700000" algn="tl">
-                    <a:srgbClr val="000000">
-                      <a:alpha val="43137"/>
-                    </a:srgbClr>
-                  </a:outerShdw>
-                </a:effectLst>
-                <a:latin typeface="Franklin Gothic Medium" panose="020B0603020102020204" pitchFamily="34" charset="0"/>
-              </a:rPr>
-              <a:t>Esto hace posible utilizar en un mismo programa componentes de distinta procedencia.</a:t>
-            </a:r>
-          </a:p>
-          <a:p>
-            <a:pPr marL="0" indent="0">
-              <a:buNone/>
-            </a:pPr>
-            <a:endParaRPr lang="es-AR" dirty="0"/>
-          </a:p>
-        </p:txBody>
-      </p:sp>
-    </p:spTree>
-    <p:extLst>
-      <p:ext uri="{BB962C8B-B14F-4D97-AF65-F5344CB8AC3E}">
-        <p14:creationId xmlns:p14="http://schemas.microsoft.com/office/powerpoint/2010/main" val="87974574"/>
-      </p:ext>
-    </p:extLst>
-  </p:cSld>
-  <p:clrMapOvr>
-    <a:masterClrMapping/>
-  </p:clrMapOvr>
-  <p:timing>
-    <p:tnLst>
-      <p:par>
-        <p:cTn id="1" dur="indefinite" restart="never" nodeType="tmRoot"/>
-      </p:par>
-    </p:tnLst>
-  </p:timing>
 </p:sld>
 </file>
 
@@ -14541,7 +14518,7 @@
           <a:lstStyle/>
           <a:p>
             <a:r>
-              <a:rPr lang="es-AR" dirty="0" err="1" smtClean="0"/>
+              <a:rPr lang="es-AR" dirty="0" err="1"/>
               <a:t>Namespace</a:t>
             </a:r>
             <a:endParaRPr lang="es-AR" dirty="0"/>
@@ -14560,19 +14537,21 @@
         </p:nvSpPr>
         <p:spPr>
           <a:xfrm>
-            <a:off x="680321" y="2336872"/>
-            <a:ext cx="9613861" cy="4151013"/>
+            <a:off x="680322" y="2148114"/>
+            <a:ext cx="9726422" cy="4571999"/>
           </a:xfrm>
         </p:spPr>
         <p:txBody>
-          <a:bodyPr/>
+          <a:bodyPr>
+            <a:normAutofit lnSpcReduction="10000"/>
+          </a:bodyPr>
           <a:lstStyle/>
           <a:p>
             <a:pPr>
               <a:defRPr/>
             </a:pPr>
             <a:r>
-              <a:rPr lang="es-ES" sz="2800" dirty="0" err="1">
+              <a:rPr lang="es-ES" dirty="0">
                 <a:effectLst>
                   <a:outerShdw blurRad="38100" dist="38100" dir="2700000" algn="tl">
                     <a:srgbClr val="000000">
@@ -14582,27 +14561,14 @@
                 </a:effectLst>
                 <a:latin typeface="Franklin Gothic Medium" panose="020B0603020102020204" pitchFamily="34" charset="0"/>
               </a:rPr>
-              <a:t>System.Console.WriteLine</a:t>
-            </a:r>
-            <a:r>
-              <a:rPr lang="es-ES" sz="2800" dirty="0">
-                <a:effectLst>
-                  <a:outerShdw blurRad="38100" dist="38100" dir="2700000" algn="tl">
-                    <a:srgbClr val="000000">
-                      <a:alpha val="43137"/>
-                    </a:srgbClr>
-                  </a:outerShdw>
-                </a:effectLst>
-                <a:latin typeface="Franklin Gothic Medium" panose="020B0603020102020204" pitchFamily="34" charset="0"/>
-              </a:rPr>
-              <a:t>()</a:t>
+              <a:t>Es una agrupación lógica de clases y otros elementos.</a:t>
             </a:r>
           </a:p>
           <a:p>
             <a:pPr>
               <a:defRPr/>
             </a:pPr>
-            <a:endParaRPr lang="es-ES" dirty="0">
+            <a:endParaRPr lang="es-ES" sz="2000" dirty="0">
               <a:effectLst>
                 <a:outerShdw blurRad="38100" dist="38100" dir="2700000" algn="tl">
                   <a:srgbClr val="000000">
@@ -14618,7 +14584,7 @@
               <a:defRPr/>
             </a:pPr>
             <a:r>
-              <a:rPr lang="es-ES" sz="2800" dirty="0" smtClean="0">
+              <a:rPr lang="es-ES" dirty="0">
                 <a:effectLst>
                   <a:outerShdw blurRad="38100" dist="38100" dir="2700000" algn="tl">
                     <a:srgbClr val="000000">
@@ -14628,9 +14594,40 @@
                 </a:effectLst>
                 <a:latin typeface="Franklin Gothic Medium" panose="020B0603020102020204" pitchFamily="34" charset="0"/>
               </a:rPr>
-              <a:t>Siendo:</a:t>
-            </a:r>
-            <a:endParaRPr lang="es-ES" sz="2800" dirty="0">
+              <a:t>Toda clase esta dentro de un </a:t>
+            </a:r>
+            <a:r>
+              <a:rPr lang="es-ES" dirty="0" err="1">
+                <a:effectLst>
+                  <a:outerShdw blurRad="38100" dist="38100" dir="2700000" algn="tl">
+                    <a:srgbClr val="000000">
+                      <a:alpha val="43137"/>
+                    </a:srgbClr>
+                  </a:outerShdw>
+                </a:effectLst>
+                <a:latin typeface="Franklin Gothic Medium" panose="020B0603020102020204" pitchFamily="34" charset="0"/>
+              </a:rPr>
+              <a:t>NameSpace</a:t>
+            </a:r>
+            <a:r>
+              <a:rPr lang="es-ES" dirty="0">
+                <a:effectLst>
+                  <a:outerShdw blurRad="38100" dist="38100" dir="2700000" algn="tl">
+                    <a:srgbClr val="000000">
+                      <a:alpha val="43137"/>
+                    </a:srgbClr>
+                  </a:outerShdw>
+                </a:effectLst>
+                <a:latin typeface="Franklin Gothic Medium" panose="020B0603020102020204" pitchFamily="34" charset="0"/>
+              </a:rPr>
+              <a:t>.</a:t>
+            </a:r>
+          </a:p>
+          <a:p>
+            <a:pPr>
+              <a:defRPr/>
+            </a:pPr>
+            <a:endParaRPr lang="es-ES" sz="2000" dirty="0">
               <a:effectLst>
                 <a:outerShdw blurRad="38100" dist="38100" dir="2700000" algn="tl">
                   <a:srgbClr val="000000">
@@ -14642,22 +14639,9 @@
             </a:endParaRPr>
           </a:p>
           <a:p>
-            <a:pPr lvl="1">
+            <a:pPr>
               <a:defRPr/>
             </a:pPr>
-            <a:r>
-              <a:rPr lang="es-ES" b="1" dirty="0" err="1">
-                <a:effectLst>
-                  <a:outerShdw blurRad="38100" dist="38100" dir="2700000" algn="tl">
-                    <a:srgbClr val="000000">
-                      <a:alpha val="43137"/>
-                    </a:srgbClr>
-                  </a:outerShdw>
-                </a:effectLst>
-                <a:latin typeface="Franklin Gothic Medium" panose="020B0603020102020204" pitchFamily="34" charset="0"/>
-              </a:rPr>
-              <a:t>System</a:t>
-            </a:r>
             <a:r>
               <a:rPr lang="es-ES" dirty="0">
                 <a:effectLst>
@@ -14669,21 +14653,28 @@
                 </a:effectLst>
                 <a:latin typeface="Franklin Gothic Medium" panose="020B0603020102020204" pitchFamily="34" charset="0"/>
               </a:rPr>
-              <a:t> es el </a:t>
-            </a:r>
-            <a:r>
-              <a:rPr lang="es-ES" dirty="0" err="1">
-                <a:effectLst>
-                  <a:outerShdw blurRad="38100" dist="38100" dir="2700000" algn="tl">
-                    <a:srgbClr val="000000">
-                      <a:alpha val="43137"/>
-                    </a:srgbClr>
-                  </a:outerShdw>
-                </a:effectLst>
-                <a:latin typeface="Franklin Gothic Medium" panose="020B0603020102020204" pitchFamily="34" charset="0"/>
-              </a:rPr>
-              <a:t>NameSpace</a:t>
-            </a:r>
+              <a:t>Proporcionan un marco de trabajo jerárquico sobre el cuál se construye y organiza todo el código.</a:t>
+            </a:r>
+          </a:p>
+          <a:p>
+            <a:pPr>
+              <a:defRPr/>
+            </a:pPr>
+            <a:endParaRPr lang="es-ES" sz="2000" dirty="0">
+              <a:effectLst>
+                <a:outerShdw blurRad="38100" dist="38100" dir="2700000" algn="tl">
+                  <a:srgbClr val="000000">
+                    <a:alpha val="43137"/>
+                  </a:srgbClr>
+                </a:outerShdw>
+              </a:effectLst>
+              <a:latin typeface="Franklin Gothic Medium" panose="020B0603020102020204" pitchFamily="34" charset="0"/>
+            </a:endParaRPr>
+          </a:p>
+          <a:p>
+            <a:pPr>
+              <a:defRPr/>
+            </a:pPr>
             <a:r>
               <a:rPr lang="es-ES" dirty="0">
                 <a:effectLst>
@@ -14695,21 +14686,28 @@
                 </a:effectLst>
                 <a:latin typeface="Franklin Gothic Medium" panose="020B0603020102020204" pitchFamily="34" charset="0"/>
               </a:rPr>
-              <a:t> de la BCL (Base </a:t>
-            </a:r>
-            <a:r>
-              <a:rPr lang="es-ES" dirty="0" err="1">
-                <a:effectLst>
-                  <a:outerShdw blurRad="38100" dist="38100" dir="2700000" algn="tl">
-                    <a:srgbClr val="000000">
-                      <a:alpha val="43137"/>
-                    </a:srgbClr>
-                  </a:outerShdw>
-                </a:effectLst>
-                <a:latin typeface="Franklin Gothic Medium" panose="020B0603020102020204" pitchFamily="34" charset="0"/>
-              </a:rPr>
-              <a:t>Class</a:t>
-            </a:r>
+              <a:t>Su función principal es la organización del código para reducir los conflictos entre nombres.</a:t>
+            </a:r>
+          </a:p>
+          <a:p>
+            <a:pPr>
+              <a:defRPr/>
+            </a:pPr>
+            <a:endParaRPr lang="es-ES" sz="2000" dirty="0">
+              <a:effectLst>
+                <a:outerShdw blurRad="38100" dist="38100" dir="2700000" algn="tl">
+                  <a:srgbClr val="000000">
+                    <a:alpha val="43137"/>
+                  </a:srgbClr>
+                </a:outerShdw>
+              </a:effectLst>
+              <a:latin typeface="Franklin Gothic Medium" panose="020B0603020102020204" pitchFamily="34" charset="0"/>
+            </a:endParaRPr>
+          </a:p>
+          <a:p>
+            <a:pPr>
+              <a:defRPr/>
+            </a:pPr>
             <a:r>
               <a:rPr lang="es-ES" dirty="0">
                 <a:effectLst>
@@ -14721,208 +14719,27 @@
                 </a:effectLst>
                 <a:latin typeface="Franklin Gothic Medium" panose="020B0603020102020204" pitchFamily="34" charset="0"/>
               </a:rPr>
-              <a:t> Library).</a:t>
-            </a:r>
-          </a:p>
-          <a:p>
-            <a:pPr lvl="1">
-              <a:defRPr/>
+              <a:t>Esto hace posible utilizar en un mismo programa componentes de distinta procedencia.</a:t>
+            </a:r>
+          </a:p>
+          <a:p>
+            <a:pPr marL="0" indent="0">
+              <a:buNone/>
             </a:pPr>
-            <a:endParaRPr lang="es-ES" sz="2200" dirty="0">
-              <a:effectLst>
-                <a:outerShdw blurRad="38100" dist="38100" dir="2700000" algn="tl">
-                  <a:srgbClr val="000000">
-                    <a:alpha val="43137"/>
-                  </a:srgbClr>
-                </a:outerShdw>
-              </a:effectLst>
-              <a:latin typeface="Franklin Gothic Medium" panose="020B0603020102020204" pitchFamily="34" charset="0"/>
-            </a:endParaRPr>
-          </a:p>
-          <a:p>
-            <a:pPr lvl="1">
-              <a:defRPr/>
-            </a:pPr>
-            <a:r>
-              <a:rPr lang="es-ES" b="1" dirty="0" err="1">
-                <a:effectLst>
-                  <a:outerShdw blurRad="38100" dist="38100" dir="2700000" algn="tl">
-                    <a:srgbClr val="000000">
-                      <a:alpha val="43137"/>
-                    </a:srgbClr>
-                  </a:outerShdw>
-                </a:effectLst>
-                <a:latin typeface="Franklin Gothic Medium" panose="020B0603020102020204" pitchFamily="34" charset="0"/>
-              </a:rPr>
-              <a:t>Console</a:t>
-            </a:r>
-            <a:r>
-              <a:rPr lang="es-ES" dirty="0">
-                <a:effectLst>
-                  <a:outerShdw blurRad="38100" dist="38100" dir="2700000" algn="tl">
-                    <a:srgbClr val="000000">
-                      <a:alpha val="43137"/>
-                    </a:srgbClr>
-                  </a:outerShdw>
-                </a:effectLst>
-                <a:latin typeface="Franklin Gothic Medium" panose="020B0603020102020204" pitchFamily="34" charset="0"/>
-              </a:rPr>
-              <a:t> es una clase dentro del </a:t>
-            </a:r>
-            <a:r>
-              <a:rPr lang="es-ES" dirty="0" err="1">
-                <a:effectLst>
-                  <a:outerShdw blurRad="38100" dist="38100" dir="2700000" algn="tl">
-                    <a:srgbClr val="000000">
-                      <a:alpha val="43137"/>
-                    </a:srgbClr>
-                  </a:outerShdw>
-                </a:effectLst>
-                <a:latin typeface="Franklin Gothic Medium" panose="020B0603020102020204" pitchFamily="34" charset="0"/>
-              </a:rPr>
-              <a:t>NameSpace</a:t>
-            </a:r>
-            <a:r>
-              <a:rPr lang="es-ES" dirty="0">
-                <a:effectLst>
-                  <a:outerShdw blurRad="38100" dist="38100" dir="2700000" algn="tl">
-                    <a:srgbClr val="000000">
-                      <a:alpha val="43137"/>
-                    </a:srgbClr>
-                  </a:outerShdw>
-                </a:effectLst>
-                <a:latin typeface="Franklin Gothic Medium" panose="020B0603020102020204" pitchFamily="34" charset="0"/>
-              </a:rPr>
-              <a:t> </a:t>
-            </a:r>
-            <a:r>
-              <a:rPr lang="es-ES" dirty="0" err="1">
-                <a:effectLst>
-                  <a:outerShdw blurRad="38100" dist="38100" dir="2700000" algn="tl">
-                    <a:srgbClr val="000000">
-                      <a:alpha val="43137"/>
-                    </a:srgbClr>
-                  </a:outerShdw>
-                </a:effectLst>
-                <a:latin typeface="Franklin Gothic Medium" panose="020B0603020102020204" pitchFamily="34" charset="0"/>
-              </a:rPr>
-              <a:t>System</a:t>
-            </a:r>
-            <a:r>
-              <a:rPr lang="es-ES" dirty="0">
-                <a:effectLst>
-                  <a:outerShdw blurRad="38100" dist="38100" dir="2700000" algn="tl">
-                    <a:srgbClr val="000000">
-                      <a:alpha val="43137"/>
-                    </a:srgbClr>
-                  </a:outerShdw>
-                </a:effectLst>
-                <a:latin typeface="Franklin Gothic Medium" panose="020B0603020102020204" pitchFamily="34" charset="0"/>
-              </a:rPr>
-              <a:t>.</a:t>
-            </a:r>
-          </a:p>
-          <a:p>
-            <a:pPr lvl="1">
-              <a:defRPr/>
-            </a:pPr>
-            <a:endParaRPr lang="es-ES" sz="2200" dirty="0">
-              <a:effectLst>
-                <a:outerShdw blurRad="38100" dist="38100" dir="2700000" algn="tl">
-                  <a:srgbClr val="000000">
-                    <a:alpha val="43137"/>
-                  </a:srgbClr>
-                </a:outerShdw>
-              </a:effectLst>
-              <a:latin typeface="Franklin Gothic Medium" panose="020B0603020102020204" pitchFamily="34" charset="0"/>
-            </a:endParaRPr>
-          </a:p>
-          <a:p>
-            <a:pPr lvl="1">
-              <a:defRPr/>
-            </a:pPr>
-            <a:r>
-              <a:rPr lang="es-ES" b="1" dirty="0" err="1">
-                <a:effectLst>
-                  <a:outerShdw blurRad="38100" dist="38100" dir="2700000" algn="tl">
-                    <a:srgbClr val="000000">
-                      <a:alpha val="43137"/>
-                    </a:srgbClr>
-                  </a:outerShdw>
-                </a:effectLst>
-                <a:latin typeface="Franklin Gothic Medium" panose="020B0603020102020204" pitchFamily="34" charset="0"/>
-              </a:rPr>
-              <a:t>WriteLine</a:t>
-            </a:r>
-            <a:r>
-              <a:rPr lang="es-ES" dirty="0">
-                <a:effectLst>
-                  <a:outerShdw blurRad="38100" dist="38100" dir="2700000" algn="tl">
-                    <a:srgbClr val="000000">
-                      <a:alpha val="43137"/>
-                    </a:srgbClr>
-                  </a:outerShdw>
-                </a:effectLst>
-                <a:latin typeface="Franklin Gothic Medium" panose="020B0603020102020204" pitchFamily="34" charset="0"/>
-              </a:rPr>
-              <a:t> es uno de los métodos de la clase </a:t>
-            </a:r>
-            <a:r>
-              <a:rPr lang="es-ES" dirty="0" err="1">
-                <a:effectLst>
-                  <a:outerShdw blurRad="38100" dist="38100" dir="2700000" algn="tl">
-                    <a:srgbClr val="000000">
-                      <a:alpha val="43137"/>
-                    </a:srgbClr>
-                  </a:outerShdw>
-                </a:effectLst>
-                <a:latin typeface="Franklin Gothic Medium" panose="020B0603020102020204" pitchFamily="34" charset="0"/>
-              </a:rPr>
-              <a:t>Console</a:t>
-            </a:r>
-            <a:r>
-              <a:rPr lang="es-ES" dirty="0" smtClean="0">
-                <a:effectLst>
-                  <a:outerShdw blurRad="38100" dist="38100" dir="2700000" algn="tl">
-                    <a:srgbClr val="000000">
-                      <a:alpha val="43137"/>
-                    </a:srgbClr>
-                  </a:outerShdw>
-                </a:effectLst>
-                <a:latin typeface="Franklin Gothic Medium" panose="020B0603020102020204" pitchFamily="34" charset="0"/>
-              </a:rPr>
-              <a:t>.</a:t>
-            </a:r>
-            <a:endParaRPr lang="es-ES" dirty="0">
-              <a:effectLst>
-                <a:outerShdw blurRad="38100" dist="38100" dir="2700000" algn="tl">
-                  <a:srgbClr val="000000">
-                    <a:alpha val="43137"/>
-                  </a:srgbClr>
-                </a:outerShdw>
-              </a:effectLst>
-              <a:latin typeface="Franklin Gothic Medium" panose="020B0603020102020204" pitchFamily="34" charset="0"/>
-            </a:endParaRPr>
+            <a:endParaRPr lang="es-AR" dirty="0"/>
           </a:p>
         </p:txBody>
       </p:sp>
     </p:spTree>
     <p:extLst>
       <p:ext uri="{BB962C8B-B14F-4D97-AF65-F5344CB8AC3E}">
-        <p14:creationId xmlns:p14="http://schemas.microsoft.com/office/powerpoint/2010/main" val="4104479294"/>
+        <p14:creationId xmlns:p14="http://schemas.microsoft.com/office/powerpoint/2010/main" val="87974574"/>
       </p:ext>
     </p:extLst>
   </p:cSld>
   <p:clrMapOvr>
     <a:masterClrMapping/>
   </p:clrMapOvr>
-  <p:timing>
-    <p:tnLst>
-      <p:par>
-        <p:cTn id="1" dur="indefinite" restart="never" nodeType="tmRoot"/>
-      </p:par>
-    </p:tnLst>
-  </p:timing>
 </p:sld>
 </file>
 
@@ -14959,8 +14776,8 @@
           <a:lstStyle/>
           <a:p>
             <a:r>
-              <a:rPr lang="es-AR" dirty="0" smtClean="0"/>
-              <a:t>Directivas</a:t>
+              <a:rPr lang="es-AR" dirty="0" err="1"/>
+              <a:t>Namespace</a:t>
             </a:r>
             <a:endParaRPr lang="es-AR" dirty="0"/>
           </a:p>
@@ -14978,19 +14795,30 @@
         </p:nvSpPr>
         <p:spPr>
           <a:xfrm>
-            <a:off x="680321" y="2336873"/>
-            <a:ext cx="9613861" cy="4136498"/>
+            <a:off x="680321" y="2336872"/>
+            <a:ext cx="9613861" cy="4151013"/>
           </a:xfrm>
         </p:spPr>
         <p:txBody>
-          <a:bodyPr>
-            <a:normAutofit lnSpcReduction="10000"/>
-          </a:bodyPr>
+          <a:bodyPr/>
           <a:lstStyle/>
           <a:p>
             <a:pPr>
               <a:defRPr/>
             </a:pPr>
+            <a:r>
+              <a:rPr lang="es-ES" sz="2800" dirty="0" err="1">
+                <a:effectLst>
+                  <a:outerShdw blurRad="38100" dist="38100" dir="2700000" algn="tl">
+                    <a:srgbClr val="000000">
+                      <a:alpha val="43137"/>
+                    </a:srgbClr>
+                  </a:outerShdw>
+                </a:effectLst>
+                <a:latin typeface="Franklin Gothic Medium" panose="020B0603020102020204" pitchFamily="34" charset="0"/>
+              </a:rPr>
+              <a:t>System.Console.WriteLine</a:t>
+            </a:r>
             <a:r>
               <a:rPr lang="es-ES" sz="2800" dirty="0">
                 <a:effectLst>
@@ -15002,21 +14830,28 @@
                 </a:effectLst>
                 <a:latin typeface="Franklin Gothic Medium" panose="020B0603020102020204" pitchFamily="34" charset="0"/>
               </a:rPr>
-              <a:t>Son elementos que permiten a un programa identificar los </a:t>
-            </a:r>
-            <a:r>
-              <a:rPr lang="es-ES" sz="2800" dirty="0" err="1">
-                <a:effectLst>
-                  <a:outerShdw blurRad="38100" dist="38100" dir="2700000" algn="tl">
-                    <a:srgbClr val="000000">
-                      <a:alpha val="43137"/>
-                    </a:srgbClr>
-                  </a:outerShdw>
-                </a:effectLst>
-                <a:latin typeface="Franklin Gothic Medium" panose="020B0603020102020204" pitchFamily="34" charset="0"/>
-              </a:rPr>
-              <a:t>NameSpaces</a:t>
-            </a:r>
+              <a:t>()</a:t>
+            </a:r>
+          </a:p>
+          <a:p>
+            <a:pPr>
+              <a:defRPr/>
+            </a:pPr>
+            <a:endParaRPr lang="es-ES" dirty="0">
+              <a:effectLst>
+                <a:outerShdw blurRad="38100" dist="38100" dir="2700000" algn="tl">
+                  <a:srgbClr val="000000">
+                    <a:alpha val="43137"/>
+                  </a:srgbClr>
+                </a:outerShdw>
+              </a:effectLst>
+              <a:latin typeface="Franklin Gothic Medium" panose="020B0603020102020204" pitchFamily="34" charset="0"/>
+            </a:endParaRPr>
+          </a:p>
+          <a:p>
+            <a:pPr>
+              <a:defRPr/>
+            </a:pPr>
             <a:r>
               <a:rPr lang="es-ES" sz="2800" dirty="0">
                 <a:effectLst>
@@ -15028,11 +14863,94 @@
                 </a:effectLst>
                 <a:latin typeface="Franklin Gothic Medium" panose="020B0603020102020204" pitchFamily="34" charset="0"/>
               </a:rPr>
-              <a:t> que se usarán en el mismo.</a:t>
-            </a:r>
-          </a:p>
-          <a:p>
-            <a:pPr>
+              <a:t>Siendo:</a:t>
+            </a:r>
+          </a:p>
+          <a:p>
+            <a:pPr lvl="1">
+              <a:defRPr/>
+            </a:pPr>
+            <a:r>
+              <a:rPr lang="es-ES" b="1" dirty="0" err="1">
+                <a:effectLst>
+                  <a:outerShdw blurRad="38100" dist="38100" dir="2700000" algn="tl">
+                    <a:srgbClr val="000000">
+                      <a:alpha val="43137"/>
+                    </a:srgbClr>
+                  </a:outerShdw>
+                </a:effectLst>
+                <a:latin typeface="Franklin Gothic Medium" panose="020B0603020102020204" pitchFamily="34" charset="0"/>
+              </a:rPr>
+              <a:t>System</a:t>
+            </a:r>
+            <a:r>
+              <a:rPr lang="es-ES" dirty="0">
+                <a:effectLst>
+                  <a:outerShdw blurRad="38100" dist="38100" dir="2700000" algn="tl">
+                    <a:srgbClr val="000000">
+                      <a:alpha val="43137"/>
+                    </a:srgbClr>
+                  </a:outerShdw>
+                </a:effectLst>
+                <a:latin typeface="Franklin Gothic Medium" panose="020B0603020102020204" pitchFamily="34" charset="0"/>
+              </a:rPr>
+              <a:t> es el </a:t>
+            </a:r>
+            <a:r>
+              <a:rPr lang="es-ES" dirty="0" err="1">
+                <a:effectLst>
+                  <a:outerShdw blurRad="38100" dist="38100" dir="2700000" algn="tl">
+                    <a:srgbClr val="000000">
+                      <a:alpha val="43137"/>
+                    </a:srgbClr>
+                  </a:outerShdw>
+                </a:effectLst>
+                <a:latin typeface="Franklin Gothic Medium" panose="020B0603020102020204" pitchFamily="34" charset="0"/>
+              </a:rPr>
+              <a:t>NameSpace</a:t>
+            </a:r>
+            <a:r>
+              <a:rPr lang="es-ES" dirty="0">
+                <a:effectLst>
+                  <a:outerShdw blurRad="38100" dist="38100" dir="2700000" algn="tl">
+                    <a:srgbClr val="000000">
+                      <a:alpha val="43137"/>
+                    </a:srgbClr>
+                  </a:outerShdw>
+                </a:effectLst>
+                <a:latin typeface="Franklin Gothic Medium" panose="020B0603020102020204" pitchFamily="34" charset="0"/>
+              </a:rPr>
+              <a:t> de la BCL (Base </a:t>
+            </a:r>
+            <a:r>
+              <a:rPr lang="es-ES" dirty="0" err="1">
+                <a:effectLst>
+                  <a:outerShdw blurRad="38100" dist="38100" dir="2700000" algn="tl">
+                    <a:srgbClr val="000000">
+                      <a:alpha val="43137"/>
+                    </a:srgbClr>
+                  </a:outerShdw>
+                </a:effectLst>
+                <a:latin typeface="Franklin Gothic Medium" panose="020B0603020102020204" pitchFamily="34" charset="0"/>
+              </a:rPr>
+              <a:t>Class</a:t>
+            </a:r>
+            <a:r>
+              <a:rPr lang="es-ES" dirty="0">
+                <a:effectLst>
+                  <a:outerShdw blurRad="38100" dist="38100" dir="2700000" algn="tl">
+                    <a:srgbClr val="000000">
+                      <a:alpha val="43137"/>
+                    </a:srgbClr>
+                  </a:outerShdw>
+                </a:effectLst>
+                <a:latin typeface="Franklin Gothic Medium" panose="020B0603020102020204" pitchFamily="34" charset="0"/>
+              </a:rPr>
+              <a:t> Library).</a:t>
+            </a:r>
+          </a:p>
+          <a:p>
+            <a:pPr lvl="1">
               <a:defRPr/>
             </a:pPr>
             <a:endParaRPr lang="es-ES" sz="2200" dirty="0">
@@ -15047,11 +14965,11 @@
             </a:endParaRPr>
           </a:p>
           <a:p>
-            <a:pPr>
+            <a:pPr lvl="1">
               <a:defRPr/>
             </a:pPr>
             <a:r>
-              <a:rPr lang="es-ES" sz="2800" dirty="0">
+              <a:rPr lang="es-ES" b="1" dirty="0" err="1">
                 <a:effectLst>
                   <a:outerShdw blurRad="38100" dist="38100" dir="2700000" algn="tl">
                     <a:srgbClr val="000000">
@@ -15061,10 +14979,10 @@
                 </a:effectLst>
                 <a:latin typeface="Franklin Gothic Medium" panose="020B0603020102020204" pitchFamily="34" charset="0"/>
               </a:rPr>
-              <a:t>Permiten el uso de los miembros de un </a:t>
-            </a:r>
-            <a:r>
-              <a:rPr lang="es-ES" sz="2800" dirty="0" err="1">
+              <a:t>Console</a:t>
+            </a:r>
+            <a:r>
+              <a:rPr lang="es-ES" dirty="0">
                 <a:effectLst>
                   <a:outerShdw blurRad="38100" dist="38100" dir="2700000" algn="tl">
                     <a:srgbClr val="000000">
@@ -15074,10 +14992,10 @@
                 </a:effectLst>
                 <a:latin typeface="Franklin Gothic Medium" panose="020B0603020102020204" pitchFamily="34" charset="0"/>
               </a:rPr>
-              <a:t>NameSpace</a:t>
-            </a:r>
-            <a:r>
-              <a:rPr lang="es-ES" sz="2800" dirty="0">
+              <a:t> es una clase dentro del </a:t>
+            </a:r>
+            <a:r>
+              <a:rPr lang="es-ES" dirty="0" err="1">
                 <a:effectLst>
                   <a:outerShdw blurRad="38100" dist="38100" dir="2700000" algn="tl">
                     <a:srgbClr val="000000">
@@ -15087,11 +15005,50 @@
                 </a:effectLst>
                 <a:latin typeface="Franklin Gothic Medium" panose="020B0603020102020204" pitchFamily="34" charset="0"/>
               </a:rPr>
-              <a:t> sin tener que especificar un nombre completamente cualificado.</a:t>
-            </a:r>
-          </a:p>
-          <a:p>
-            <a:pPr>
+              <a:t>NameSpace</a:t>
+            </a:r>
+            <a:r>
+              <a:rPr lang="es-ES" dirty="0">
+                <a:effectLst>
+                  <a:outerShdw blurRad="38100" dist="38100" dir="2700000" algn="tl">
+                    <a:srgbClr val="000000">
+                      <a:alpha val="43137"/>
+                    </a:srgbClr>
+                  </a:outerShdw>
+                </a:effectLst>
+                <a:latin typeface="Franklin Gothic Medium" panose="020B0603020102020204" pitchFamily="34" charset="0"/>
+              </a:rPr>
+              <a:t> </a:t>
+            </a:r>
+            <a:r>
+              <a:rPr lang="es-ES" dirty="0" err="1">
+                <a:effectLst>
+                  <a:outerShdw blurRad="38100" dist="38100" dir="2700000" algn="tl">
+                    <a:srgbClr val="000000">
+                      <a:alpha val="43137"/>
+                    </a:srgbClr>
+                  </a:outerShdw>
+                </a:effectLst>
+                <a:latin typeface="Franklin Gothic Medium" panose="020B0603020102020204" pitchFamily="34" charset="0"/>
+              </a:rPr>
+              <a:t>System</a:t>
+            </a:r>
+            <a:r>
+              <a:rPr lang="es-ES" dirty="0">
+                <a:effectLst>
+                  <a:outerShdw blurRad="38100" dist="38100" dir="2700000" algn="tl">
+                    <a:srgbClr val="000000">
+                      <a:alpha val="43137"/>
+                    </a:srgbClr>
+                  </a:outerShdw>
+                </a:effectLst>
+                <a:latin typeface="Franklin Gothic Medium" panose="020B0603020102020204" pitchFamily="34" charset="0"/>
+              </a:rPr>
+              <a:t>.</a:t>
+            </a:r>
+          </a:p>
+          <a:p>
+            <a:pPr lvl="1">
               <a:defRPr/>
             </a:pPr>
             <a:endParaRPr lang="es-ES" sz="2200" dirty="0">
@@ -15106,11 +15063,11 @@
             </a:endParaRPr>
           </a:p>
           <a:p>
-            <a:pPr>
+            <a:pPr lvl="1">
               <a:defRPr/>
             </a:pPr>
             <a:r>
-              <a:rPr lang="es-ES" sz="2800" dirty="0">
+              <a:rPr lang="es-ES" b="1" dirty="0" err="1">
                 <a:effectLst>
                   <a:outerShdw blurRad="38100" dist="38100" dir="2700000" algn="tl">
                     <a:srgbClr val="000000">
@@ -15120,10 +15077,10 @@
                 </a:effectLst>
                 <a:latin typeface="Franklin Gothic Medium" panose="020B0603020102020204" pitchFamily="34" charset="0"/>
               </a:rPr>
-              <a:t>C# posee dos directivas de </a:t>
-            </a:r>
-            <a:r>
-              <a:rPr lang="es-ES" sz="2800" dirty="0" err="1">
+              <a:t>WriteLine</a:t>
+            </a:r>
+            <a:r>
+              <a:rPr lang="es-ES" dirty="0">
                 <a:effectLst>
                   <a:outerShdw blurRad="38100" dist="38100" dir="2700000" algn="tl">
                     <a:srgbClr val="000000">
@@ -15133,10 +15090,10 @@
                 </a:effectLst>
                 <a:latin typeface="Franklin Gothic Medium" panose="020B0603020102020204" pitchFamily="34" charset="0"/>
               </a:rPr>
-              <a:t>NameSpace</a:t>
-            </a:r>
-            <a:r>
-              <a:rPr lang="es-ES" sz="2800" dirty="0">
+              <a:t> es uno de los métodos de la clase </a:t>
+            </a:r>
+            <a:r>
+              <a:rPr lang="es-ES" dirty="0" err="1">
                 <a:effectLst>
                   <a:outerShdw blurRad="38100" dist="38100" dir="2700000" algn="tl">
                     <a:srgbClr val="000000">
@@ -15146,15 +15103,10 @@
                 </a:effectLst>
                 <a:latin typeface="Franklin Gothic Medium" panose="020B0603020102020204" pitchFamily="34" charset="0"/>
               </a:rPr>
-              <a:t>:</a:t>
-            </a:r>
-          </a:p>
-          <a:p>
-            <a:pPr lvl="1">
-              <a:defRPr/>
-            </a:pPr>
-            <a:r>
-              <a:rPr lang="es-ES" sz="2400" dirty="0" err="1">
+              <a:t>Console</a:t>
+            </a:r>
+            <a:r>
+              <a:rPr lang="es-ES" dirty="0">
                 <a:effectLst>
                   <a:outerShdw blurRad="38100" dist="38100" dir="2700000" algn="tl">
                     <a:srgbClr val="000000">
@@ -15164,62 +15116,21 @@
                 </a:effectLst>
                 <a:latin typeface="Franklin Gothic Medium" panose="020B0603020102020204" pitchFamily="34" charset="0"/>
               </a:rPr>
-              <a:t>Using</a:t>
-            </a:r>
-            <a:endParaRPr lang="es-ES" sz="2400" dirty="0">
-              <a:effectLst>
-                <a:outerShdw blurRad="38100" dist="38100" dir="2700000" algn="tl">
-                  <a:srgbClr val="000000">
-                    <a:alpha val="43137"/>
-                  </a:srgbClr>
-                </a:outerShdw>
-              </a:effectLst>
-              <a:latin typeface="Franklin Gothic Medium" panose="020B0603020102020204" pitchFamily="34" charset="0"/>
-            </a:endParaRPr>
-          </a:p>
-          <a:p>
-            <a:pPr lvl="1">
-              <a:defRPr/>
-            </a:pPr>
-            <a:r>
-              <a:rPr lang="es-ES" sz="2400" dirty="0">
-                <a:effectLst>
-                  <a:outerShdw blurRad="38100" dist="38100" dir="2700000" algn="tl">
-                    <a:srgbClr val="000000">
-                      <a:alpha val="43137"/>
-                    </a:srgbClr>
-                  </a:outerShdw>
-                </a:effectLst>
-                <a:latin typeface="Franklin Gothic Medium" panose="020B0603020102020204" pitchFamily="34" charset="0"/>
-              </a:rPr>
-              <a:t>Alias</a:t>
-            </a:r>
-          </a:p>
-          <a:p>
-            <a:pPr marL="0" indent="0">
-              <a:buNone/>
-            </a:pPr>
-            <a:endParaRPr lang="es-AR" dirty="0"/>
+              <a:t>.</a:t>
+            </a:r>
           </a:p>
         </p:txBody>
       </p:sp>
     </p:spTree>
     <p:extLst>
       <p:ext uri="{BB962C8B-B14F-4D97-AF65-F5344CB8AC3E}">
-        <p14:creationId xmlns:p14="http://schemas.microsoft.com/office/powerpoint/2010/main" val="1324256106"/>
+        <p14:creationId xmlns:p14="http://schemas.microsoft.com/office/powerpoint/2010/main" val="4104479294"/>
       </p:ext>
     </p:extLst>
   </p:cSld>
   <p:clrMapOvr>
     <a:masterClrMapping/>
   </p:clrMapOvr>
-  <p:timing>
-    <p:tnLst>
-      <p:par>
-        <p:cTn id="1" dur="indefinite" restart="never" nodeType="tmRoot"/>
-      </p:par>
-    </p:tnLst>
-  </p:timing>
 </p:sld>
 </file>
 
@@ -15256,10 +15167,9 @@
           <a:lstStyle/>
           <a:p>
             <a:r>
-              <a:rPr lang="es-AR" dirty="0" smtClean="0"/>
+              <a:rPr lang="es-AR" dirty="0"/>
               <a:t>P.O.O.</a:t>
             </a:r>
-            <a:endParaRPr lang="es-AR" dirty="0"/>
           </a:p>
         </p:txBody>
       </p:sp>
@@ -15431,13 +15341,6 @@
   <p:clrMapOvr>
     <a:masterClrMapping/>
   </p:clrMapOvr>
-  <p:timing>
-    <p:tnLst>
-      <p:par>
-        <p:cTn id="1" dur="indefinite" restart="never" nodeType="tmRoot"/>
-      </p:par>
-    </p:tnLst>
-  </p:timing>
 </p:sld>
 </file>
 
@@ -15474,7 +15377,296 @@
           <a:lstStyle/>
           <a:p>
             <a:r>
-              <a:rPr lang="es-AR" dirty="0" err="1" smtClean="0"/>
+              <a:rPr lang="es-AR" dirty="0"/>
+              <a:t>Directivas</a:t>
+            </a:r>
+          </a:p>
+        </p:txBody>
+      </p:sp>
+      <p:sp>
+        <p:nvSpPr>
+          <p:cNvPr id="3" name="Marcador de contenido 2"/>
+          <p:cNvSpPr>
+            <a:spLocks noGrp="1"/>
+          </p:cNvSpPr>
+          <p:nvPr>
+            <p:ph idx="1"/>
+          </p:nvPr>
+        </p:nvSpPr>
+        <p:spPr>
+          <a:xfrm>
+            <a:off x="680321" y="2336873"/>
+            <a:ext cx="9613861" cy="4136498"/>
+          </a:xfrm>
+        </p:spPr>
+        <p:txBody>
+          <a:bodyPr>
+            <a:normAutofit lnSpcReduction="10000"/>
+          </a:bodyPr>
+          <a:lstStyle/>
+          <a:p>
+            <a:pPr>
+              <a:defRPr/>
+            </a:pPr>
+            <a:r>
+              <a:rPr lang="es-ES" sz="2800" dirty="0">
+                <a:effectLst>
+                  <a:outerShdw blurRad="38100" dist="38100" dir="2700000" algn="tl">
+                    <a:srgbClr val="000000">
+                      <a:alpha val="43137"/>
+                    </a:srgbClr>
+                  </a:outerShdw>
+                </a:effectLst>
+                <a:latin typeface="Franklin Gothic Medium" panose="020B0603020102020204" pitchFamily="34" charset="0"/>
+              </a:rPr>
+              <a:t>Son elementos que permiten a un programa identificar los </a:t>
+            </a:r>
+            <a:r>
+              <a:rPr lang="es-ES" sz="2800" dirty="0" err="1">
+                <a:effectLst>
+                  <a:outerShdw blurRad="38100" dist="38100" dir="2700000" algn="tl">
+                    <a:srgbClr val="000000">
+                      <a:alpha val="43137"/>
+                    </a:srgbClr>
+                  </a:outerShdw>
+                </a:effectLst>
+                <a:latin typeface="Franklin Gothic Medium" panose="020B0603020102020204" pitchFamily="34" charset="0"/>
+              </a:rPr>
+              <a:t>NameSpaces</a:t>
+            </a:r>
+            <a:r>
+              <a:rPr lang="es-ES" sz="2800" dirty="0">
+                <a:effectLst>
+                  <a:outerShdw blurRad="38100" dist="38100" dir="2700000" algn="tl">
+                    <a:srgbClr val="000000">
+                      <a:alpha val="43137"/>
+                    </a:srgbClr>
+                  </a:outerShdw>
+                </a:effectLst>
+                <a:latin typeface="Franklin Gothic Medium" panose="020B0603020102020204" pitchFamily="34" charset="0"/>
+              </a:rPr>
+              <a:t> que se usarán en el mismo.</a:t>
+            </a:r>
+          </a:p>
+          <a:p>
+            <a:pPr>
+              <a:defRPr/>
+            </a:pPr>
+            <a:endParaRPr lang="es-ES" sz="2200" dirty="0">
+              <a:effectLst>
+                <a:outerShdw blurRad="38100" dist="38100" dir="2700000" algn="tl">
+                  <a:srgbClr val="000000">
+                    <a:alpha val="43137"/>
+                  </a:srgbClr>
+                </a:outerShdw>
+              </a:effectLst>
+              <a:latin typeface="Franklin Gothic Medium" panose="020B0603020102020204" pitchFamily="34" charset="0"/>
+            </a:endParaRPr>
+          </a:p>
+          <a:p>
+            <a:pPr>
+              <a:defRPr/>
+            </a:pPr>
+            <a:r>
+              <a:rPr lang="es-ES" sz="2800" dirty="0">
+                <a:effectLst>
+                  <a:outerShdw blurRad="38100" dist="38100" dir="2700000" algn="tl">
+                    <a:srgbClr val="000000">
+                      <a:alpha val="43137"/>
+                    </a:srgbClr>
+                  </a:outerShdw>
+                </a:effectLst>
+                <a:latin typeface="Franklin Gothic Medium" panose="020B0603020102020204" pitchFamily="34" charset="0"/>
+              </a:rPr>
+              <a:t>Permiten el uso de los miembros de un </a:t>
+            </a:r>
+            <a:r>
+              <a:rPr lang="es-ES" sz="2800" dirty="0" err="1">
+                <a:effectLst>
+                  <a:outerShdw blurRad="38100" dist="38100" dir="2700000" algn="tl">
+                    <a:srgbClr val="000000">
+                      <a:alpha val="43137"/>
+                    </a:srgbClr>
+                  </a:outerShdw>
+                </a:effectLst>
+                <a:latin typeface="Franklin Gothic Medium" panose="020B0603020102020204" pitchFamily="34" charset="0"/>
+              </a:rPr>
+              <a:t>NameSpace</a:t>
+            </a:r>
+            <a:r>
+              <a:rPr lang="es-ES" sz="2800" dirty="0">
+                <a:effectLst>
+                  <a:outerShdw blurRad="38100" dist="38100" dir="2700000" algn="tl">
+                    <a:srgbClr val="000000">
+                      <a:alpha val="43137"/>
+                    </a:srgbClr>
+                  </a:outerShdw>
+                </a:effectLst>
+                <a:latin typeface="Franklin Gothic Medium" panose="020B0603020102020204" pitchFamily="34" charset="0"/>
+              </a:rPr>
+              <a:t> sin tener que especificar un nombre completamente cualificado.</a:t>
+            </a:r>
+          </a:p>
+          <a:p>
+            <a:pPr>
+              <a:defRPr/>
+            </a:pPr>
+            <a:endParaRPr lang="es-ES" sz="2200" dirty="0">
+              <a:effectLst>
+                <a:outerShdw blurRad="38100" dist="38100" dir="2700000" algn="tl">
+                  <a:srgbClr val="000000">
+                    <a:alpha val="43137"/>
+                  </a:srgbClr>
+                </a:outerShdw>
+              </a:effectLst>
+              <a:latin typeface="Franklin Gothic Medium" panose="020B0603020102020204" pitchFamily="34" charset="0"/>
+            </a:endParaRPr>
+          </a:p>
+          <a:p>
+            <a:pPr>
+              <a:defRPr/>
+            </a:pPr>
+            <a:r>
+              <a:rPr lang="es-ES" sz="2800" dirty="0">
+                <a:effectLst>
+                  <a:outerShdw blurRad="38100" dist="38100" dir="2700000" algn="tl">
+                    <a:srgbClr val="000000">
+                      <a:alpha val="43137"/>
+                    </a:srgbClr>
+                  </a:outerShdw>
+                </a:effectLst>
+                <a:latin typeface="Franklin Gothic Medium" panose="020B0603020102020204" pitchFamily="34" charset="0"/>
+              </a:rPr>
+              <a:t>C# posee dos directivas de </a:t>
+            </a:r>
+            <a:r>
+              <a:rPr lang="es-ES" sz="2800" dirty="0" err="1">
+                <a:effectLst>
+                  <a:outerShdw blurRad="38100" dist="38100" dir="2700000" algn="tl">
+                    <a:srgbClr val="000000">
+                      <a:alpha val="43137"/>
+                    </a:srgbClr>
+                  </a:outerShdw>
+                </a:effectLst>
+                <a:latin typeface="Franklin Gothic Medium" panose="020B0603020102020204" pitchFamily="34" charset="0"/>
+              </a:rPr>
+              <a:t>NameSpace</a:t>
+            </a:r>
+            <a:r>
+              <a:rPr lang="es-ES" sz="2800" dirty="0">
+                <a:effectLst>
+                  <a:outerShdw blurRad="38100" dist="38100" dir="2700000" algn="tl">
+                    <a:srgbClr val="000000">
+                      <a:alpha val="43137"/>
+                    </a:srgbClr>
+                  </a:outerShdw>
+                </a:effectLst>
+                <a:latin typeface="Franklin Gothic Medium" panose="020B0603020102020204" pitchFamily="34" charset="0"/>
+              </a:rPr>
+              <a:t>:</a:t>
+            </a:r>
+          </a:p>
+          <a:p>
+            <a:pPr lvl="1">
+              <a:defRPr/>
+            </a:pPr>
+            <a:r>
+              <a:rPr lang="es-ES" sz="2400" dirty="0" err="1">
+                <a:effectLst>
+                  <a:outerShdw blurRad="38100" dist="38100" dir="2700000" algn="tl">
+                    <a:srgbClr val="000000">
+                      <a:alpha val="43137"/>
+                    </a:srgbClr>
+                  </a:outerShdw>
+                </a:effectLst>
+                <a:latin typeface="Franklin Gothic Medium" panose="020B0603020102020204" pitchFamily="34" charset="0"/>
+              </a:rPr>
+              <a:t>Using</a:t>
+            </a:r>
+            <a:endParaRPr lang="es-ES" sz="2400" dirty="0">
+              <a:effectLst>
+                <a:outerShdw blurRad="38100" dist="38100" dir="2700000" algn="tl">
+                  <a:srgbClr val="000000">
+                    <a:alpha val="43137"/>
+                  </a:srgbClr>
+                </a:outerShdw>
+              </a:effectLst>
+              <a:latin typeface="Franklin Gothic Medium" panose="020B0603020102020204" pitchFamily="34" charset="0"/>
+            </a:endParaRPr>
+          </a:p>
+          <a:p>
+            <a:pPr lvl="1">
+              <a:defRPr/>
+            </a:pPr>
+            <a:r>
+              <a:rPr lang="es-ES" sz="2400" dirty="0">
+                <a:effectLst>
+                  <a:outerShdw blurRad="38100" dist="38100" dir="2700000" algn="tl">
+                    <a:srgbClr val="000000">
+                      <a:alpha val="43137"/>
+                    </a:srgbClr>
+                  </a:outerShdw>
+                </a:effectLst>
+                <a:latin typeface="Franklin Gothic Medium" panose="020B0603020102020204" pitchFamily="34" charset="0"/>
+              </a:rPr>
+              <a:t>Alias</a:t>
+            </a:r>
+          </a:p>
+          <a:p>
+            <a:pPr marL="0" indent="0">
+              <a:buNone/>
+            </a:pPr>
+            <a:endParaRPr lang="es-AR" dirty="0"/>
+          </a:p>
+        </p:txBody>
+      </p:sp>
+    </p:spTree>
+    <p:extLst>
+      <p:ext uri="{BB962C8B-B14F-4D97-AF65-F5344CB8AC3E}">
+        <p14:creationId xmlns:p14="http://schemas.microsoft.com/office/powerpoint/2010/main" val="1324256106"/>
+      </p:ext>
+    </p:extLst>
+  </p:cSld>
+  <p:clrMapOvr>
+    <a:masterClrMapping/>
+  </p:clrMapOvr>
+</p:sld>
+</file>
+
+<file path=ppt/slides/slide21.xml><?xml version="1.0" encoding="utf-8"?>
+<p:sld xmlns:a="http://schemas.openxmlformats.org/drawingml/2006/main" xmlns:r="http://schemas.openxmlformats.org/officeDocument/2006/relationships" xmlns:p="http://schemas.openxmlformats.org/presentationml/2006/main">
+  <p:cSld>
+    <p:spTree>
+      <p:nvGrpSpPr>
+        <p:cNvPr id="1" name=""/>
+        <p:cNvGrpSpPr/>
+        <p:nvPr/>
+      </p:nvGrpSpPr>
+      <p:grpSpPr>
+        <a:xfrm>
+          <a:off x="0" y="0"/>
+          <a:ext cx="0" cy="0"/>
+          <a:chOff x="0" y="0"/>
+          <a:chExt cx="0" cy="0"/>
+        </a:xfrm>
+      </p:grpSpPr>
+      <p:sp>
+        <p:nvSpPr>
+          <p:cNvPr id="2" name="Título 1"/>
+          <p:cNvSpPr>
+            <a:spLocks noGrp="1"/>
+          </p:cNvSpPr>
+          <p:nvPr>
+            <p:ph type="title"/>
+          </p:nvPr>
+        </p:nvSpPr>
+        <p:spPr/>
+        <p:txBody>
+          <a:bodyPr/>
+          <a:lstStyle/>
+          <a:p>
+            <a:r>
+              <a:rPr lang="es-AR" dirty="0" err="1"/>
               <a:t>Using</a:t>
             </a:r>
             <a:endParaRPr lang="es-AR" dirty="0"/>
@@ -16153,17 +16345,10 @@
   <p:clrMapOvr>
     <a:masterClrMapping/>
   </p:clrMapOvr>
-  <p:timing>
-    <p:tnLst>
-      <p:par>
-        <p:cTn id="1" dur="indefinite" restart="never" nodeType="tmRoot"/>
-      </p:par>
-    </p:tnLst>
-  </p:timing>
 </p:sld>
 </file>
 
-<file path=ppt/slides/slide21.xml><?xml version="1.0" encoding="utf-8"?>
+<file path=ppt/slides/slide22.xml><?xml version="1.0" encoding="utf-8"?>
 <p:sld xmlns:a="http://schemas.openxmlformats.org/drawingml/2006/main" xmlns:r="http://schemas.openxmlformats.org/officeDocument/2006/relationships" xmlns:p="http://schemas.openxmlformats.org/presentationml/2006/main">
   <p:cSld>
     <p:spTree>
@@ -16196,10 +16381,9 @@
           <a:lstStyle/>
           <a:p>
             <a:r>
-              <a:rPr lang="es-AR" dirty="0" smtClean="0"/>
+              <a:rPr lang="es-AR" dirty="0"/>
               <a:t>Alias</a:t>
             </a:r>
-            <a:endParaRPr lang="es-AR" dirty="0"/>
           </a:p>
         </p:txBody>
       </p:sp>
@@ -16221,7 +16405,7 @@
           <a:lstStyle/>
           <a:p>
             <a:r>
-              <a:rPr lang="es-AR" sz="2800" dirty="0" smtClean="0">
+              <a:rPr lang="es-AR" sz="2800" dirty="0">
                 <a:effectLst>
                   <a:outerShdw blurRad="38100" dist="38100" dir="2700000" algn="tl">
                     <a:srgbClr val="000000">
@@ -16234,7 +16418,7 @@
               <a:t>Permite utilizar un nombre distinto para un </a:t>
             </a:r>
             <a:r>
-              <a:rPr lang="es-AR" sz="2800" dirty="0" err="1" smtClean="0">
+              <a:rPr lang="es-AR" sz="2800" dirty="0" err="1">
                 <a:effectLst>
                   <a:outerShdw blurRad="38100" dist="38100" dir="2700000" algn="tl">
                     <a:srgbClr val="000000">
@@ -16247,7 +16431,7 @@
               <a:t>Namespace</a:t>
             </a:r>
             <a:r>
-              <a:rPr lang="es-AR" sz="2800" dirty="0" smtClean="0">
+              <a:rPr lang="es-AR" sz="2800" dirty="0">
                 <a:effectLst>
                   <a:outerShdw blurRad="38100" dist="38100" dir="2700000" algn="tl">
                     <a:srgbClr val="000000">
@@ -16262,7 +16446,7 @@
           </a:p>
           <a:p>
             <a:r>
-              <a:rPr lang="es-AR" sz="2800" dirty="0" smtClean="0">
+              <a:rPr lang="es-AR" sz="2800" dirty="0">
                 <a:effectLst>
                   <a:outerShdw blurRad="38100" dist="38100" dir="2700000" algn="tl">
                     <a:srgbClr val="000000">
@@ -16274,16 +16458,6 @@
               </a:rPr>
               <a:t>Generalmente se utiliza para abreviar nombres largos.</a:t>
             </a:r>
-            <a:endParaRPr lang="es-AR" sz="2800" dirty="0">
-              <a:effectLst>
-                <a:outerShdw blurRad="38100" dist="38100" dir="2700000" algn="tl">
-                  <a:srgbClr val="000000">
-                    <a:alpha val="43137"/>
-                  </a:srgbClr>
-                </a:outerShdw>
-              </a:effectLst>
-              <a:latin typeface="Franklin Gothic Medium" panose="020B0603020102020204" pitchFamily="34" charset="0"/>
-            </a:endParaRPr>
           </a:p>
         </p:txBody>
       </p:sp>
@@ -16596,7 +16770,7 @@
               <a:t>System.Console</a:t>
             </a:r>
             <a:r>
-              <a:rPr lang="es-AR" sz="2000" dirty="0" smtClean="0">
+              <a:rPr lang="es-AR" sz="2000" dirty="0">
                 <a:solidFill>
                   <a:srgbClr val="000000"/>
                 </a:solidFill>
@@ -16611,16 +16785,7 @@
                 </a:solidFill>
                 <a:latin typeface="Consolas" panose="020B0609020204030204" pitchFamily="49" charset="0"/>
               </a:rPr>
-              <a:t>//Directiva </a:t>
-            </a:r>
-            <a:r>
-              <a:rPr lang="es-AR" sz="2000" dirty="0" smtClean="0">
-                <a:solidFill>
-                  <a:srgbClr val="008000"/>
-                </a:solidFill>
-                <a:latin typeface="Consolas" panose="020B0609020204030204" pitchFamily="49" charset="0"/>
-              </a:rPr>
-              <a:t>ALIAS</a:t>
+              <a:t>//Directiva ALIAS</a:t>
             </a:r>
             <a:endParaRPr lang="es-AR" sz="2000" dirty="0">
               <a:solidFill>
@@ -16842,7 +17007,7 @@
               <a:t>        </a:t>
             </a:r>
             <a:r>
-              <a:rPr lang="es-AR" sz="2000" dirty="0" err="1" smtClean="0">
+              <a:rPr lang="es-AR" sz="2000" dirty="0" err="1">
                 <a:solidFill>
                   <a:srgbClr val="000000"/>
                 </a:solidFill>
@@ -16851,7 +17016,7 @@
               <a:t>SC.WriteLine</a:t>
             </a:r>
             <a:r>
-              <a:rPr lang="es-AR" sz="2000" dirty="0" smtClean="0">
+              <a:rPr lang="es-AR" sz="2000" dirty="0">
                 <a:solidFill>
                   <a:srgbClr val="000000"/>
                 </a:solidFill>
@@ -16860,22 +17025,13 @@
               <a:t>(</a:t>
             </a:r>
             <a:r>
-              <a:rPr lang="es-AR" sz="2000" dirty="0" smtClean="0">
+              <a:rPr lang="es-AR" sz="2000" dirty="0">
                 <a:solidFill>
                   <a:srgbClr val="A31515"/>
                 </a:solidFill>
                 <a:latin typeface="Consolas" panose="020B0609020204030204" pitchFamily="49" charset="0"/>
               </a:rPr>
-              <a:t>"</a:t>
-            </a:r>
-            <a:r>
-              <a:rPr lang="es-AR" sz="2000" dirty="0">
-                <a:solidFill>
-                  <a:srgbClr val="A31515"/>
-                </a:solidFill>
-                <a:latin typeface="Consolas" panose="020B0609020204030204" pitchFamily="49" charset="0"/>
-              </a:rPr>
-              <a:t>Hola"</a:t>
+              <a:t>"Hola"</a:t>
             </a:r>
             <a:r>
               <a:rPr lang="es-AR" sz="2000" dirty="0">
@@ -16940,17 +17096,10 @@
   <p:clrMapOvr>
     <a:masterClrMapping/>
   </p:clrMapOvr>
-  <p:timing>
-    <p:tnLst>
-      <p:par>
-        <p:cTn id="1" dur="indefinite" restart="never" nodeType="tmRoot"/>
-      </p:par>
-    </p:tnLst>
-  </p:timing>
 </p:sld>
 </file>
 
-<file path=ppt/slides/slide22.xml><?xml version="1.0" encoding="utf-8"?>
+<file path=ppt/slides/slide23.xml><?xml version="1.0" encoding="utf-8"?>
 <p:sld xmlns:a="http://schemas.openxmlformats.org/drawingml/2006/main" xmlns:r="http://schemas.openxmlformats.org/officeDocument/2006/relationships" xmlns:p="http://schemas.openxmlformats.org/presentationml/2006/main">
   <p:cSld>
     <p:spTree>
@@ -16983,10 +17132,9 @@
           <a:lstStyle/>
           <a:p>
             <a:r>
-              <a:rPr lang="es-AR" dirty="0" smtClean="0"/>
+              <a:rPr lang="es-AR" dirty="0"/>
               <a:t>Métodos (1/2)</a:t>
             </a:r>
-            <a:endParaRPr lang="es-AR" dirty="0"/>
           </a:p>
         </p:txBody>
       </p:sp>
@@ -17002,8 +17150,8 @@
         </p:nvSpPr>
         <p:spPr>
           <a:xfrm>
-            <a:off x="680321" y="3889829"/>
-            <a:ext cx="10742422" cy="2264228"/>
+            <a:off x="680321" y="4969692"/>
+            <a:ext cx="10742422" cy="1500777"/>
           </a:xfrm>
         </p:spPr>
         <p:txBody>
@@ -17110,7 +17258,7 @@
         </p:nvSpPr>
         <p:spPr>
           <a:xfrm>
-            <a:off x="680321" y="2075543"/>
+            <a:off x="680321" y="3429000"/>
             <a:ext cx="10588693" cy="1393368"/>
           </a:xfrm>
           <a:prstGeom prst="rect">
@@ -17390,7 +17538,7 @@
               <a:buNone/>
             </a:pPr>
             <a:r>
-              <a:rPr lang="es-AR" altLang="es-AR" sz="2000" b="1" dirty="0" err="1" smtClean="0">
+              <a:rPr lang="es-AR" altLang="es-AR" sz="2000" b="1" dirty="0" err="1">
                 <a:solidFill>
                   <a:srgbClr val="0000FF"/>
                 </a:solidFill>
@@ -17400,7 +17548,7 @@
               <a:t>namespace</a:t>
             </a:r>
             <a:r>
-              <a:rPr lang="es-AR" altLang="es-AR" sz="2000" b="1" dirty="0" smtClean="0">
+              <a:rPr lang="es-AR" altLang="es-AR" sz="2000" b="1" dirty="0">
                 <a:solidFill>
                   <a:srgbClr val="0000FF"/>
                 </a:solidFill>
@@ -17410,7 +17558,7 @@
               <a:t> </a:t>
             </a:r>
             <a:r>
-              <a:rPr lang="es-AR" altLang="es-AR" sz="2000" b="1" dirty="0" smtClean="0">
+              <a:rPr lang="es-AR" altLang="es-AR" sz="2000" b="1" dirty="0">
                 <a:solidFill>
                   <a:schemeClr val="bg1"/>
                 </a:solidFill>
@@ -17419,13 +17567,6 @@
               </a:rPr>
               <a:t>Identificador</a:t>
             </a:r>
-            <a:endParaRPr lang="es-AR" altLang="es-AR" sz="2000" b="1" dirty="0">
-              <a:solidFill>
-                <a:schemeClr val="bg1"/>
-              </a:solidFill>
-              <a:latin typeface="Arial Narrow" panose="020B0606020202030204" pitchFamily="34" charset="0"/>
-              <a:cs typeface="Times New Roman" panose="02020603050405020304" pitchFamily="18" charset="0"/>
-            </a:endParaRPr>
           </a:p>
           <a:p>
             <a:pPr marL="0" lvl="0" indent="0" defTabSz="914400" fontAlgn="base">
@@ -17486,25 +17627,8 @@
                 <a:latin typeface="Arial Narrow" panose="020B0606020202030204" pitchFamily="34" charset="0"/>
                 <a:cs typeface="Times New Roman" panose="02020603050405020304" pitchFamily="18" charset="0"/>
               </a:rPr>
-              <a:t>// </a:t>
-            </a:r>
-            <a:r>
-              <a:rPr lang="es-AR" altLang="es-AR" sz="2000" b="1" dirty="0" smtClean="0">
-                <a:solidFill>
-                  <a:srgbClr val="66CC66"/>
-                </a:solidFill>
-                <a:latin typeface="Arial Narrow" panose="020B0606020202030204" pitchFamily="34" charset="0"/>
-                <a:cs typeface="Times New Roman" panose="02020603050405020304" pitchFamily="18" charset="0"/>
-              </a:rPr>
-              <a:t>Miembros</a:t>
-            </a:r>
-            <a:endParaRPr lang="es-AR" altLang="es-AR" sz="2000" b="1" dirty="0">
-              <a:solidFill>
-                <a:srgbClr val="66CC66"/>
-              </a:solidFill>
-              <a:latin typeface="Arial Narrow" panose="020B0606020202030204" pitchFamily="34" charset="0"/>
-              <a:cs typeface="Times New Roman" panose="02020603050405020304" pitchFamily="18" charset="0"/>
-            </a:endParaRPr>
+              <a:t>// Miembros</a:t>
+            </a:r>
           </a:p>
           <a:p>
             <a:pPr marL="0" lvl="0" indent="0" defTabSz="914400" fontAlgn="base">
@@ -17557,6 +17681,227 @@
           </a:p>
         </p:txBody>
       </p:sp>
+      <p:sp>
+        <p:nvSpPr>
+          <p:cNvPr id="5" name="Marcador de contenido 2">
+            <a:extLst>
+              <a:ext uri="{FF2B5EF4-FFF2-40B4-BE49-F238E27FC236}">
+                <a16:creationId xmlns:a16="http://schemas.microsoft.com/office/drawing/2014/main" id="{00F57F28-A12F-45E9-ADDC-612D3C2701C0}"/>
+              </a:ext>
+            </a:extLst>
+          </p:cNvPr>
+          <p:cNvSpPr txBox="1">
+            <a:spLocks/>
+          </p:cNvSpPr>
+          <p:nvPr/>
+        </p:nvSpPr>
+        <p:spPr>
+          <a:xfrm>
+            <a:off x="680321" y="2046078"/>
+            <a:ext cx="10742422" cy="1500777"/>
+          </a:xfrm>
+          <a:prstGeom prst="rect">
+            <a:avLst/>
+          </a:prstGeom>
+        </p:spPr>
+        <p:txBody>
+          <a:bodyPr vert="horz" lIns="91440" tIns="45720" rIns="91440" bIns="45720" rtlCol="0">
+            <a:normAutofit fontScale="92500" lnSpcReduction="10000"/>
+          </a:bodyPr>
+          <a:lstStyle>
+            <a:lvl1pPr marL="228600" indent="-228600" algn="l" defTabSz="914400" rtl="0" eaLnBrk="1" latinLnBrk="0" hangingPunct="1">
+              <a:lnSpc>
+                <a:spcPct val="90000"/>
+              </a:lnSpc>
+              <a:spcBef>
+                <a:spcPts val="1000"/>
+              </a:spcBef>
+              <a:buFont typeface="Arial" panose="020B0604020202020204" pitchFamily="34" charset="0"/>
+              <a:buChar char="•"/>
+              <a:defRPr sz="2400" kern="1200">
+                <a:solidFill>
+                  <a:schemeClr val="tx1"/>
+                </a:solidFill>
+                <a:latin typeface="+mn-lt"/>
+                <a:ea typeface="+mn-ea"/>
+                <a:cs typeface="+mn-cs"/>
+              </a:defRPr>
+            </a:lvl1pPr>
+            <a:lvl2pPr marL="685800" indent="-228600" algn="l" defTabSz="914400" rtl="0" eaLnBrk="1" latinLnBrk="0" hangingPunct="1">
+              <a:lnSpc>
+                <a:spcPct val="90000"/>
+              </a:lnSpc>
+              <a:spcBef>
+                <a:spcPts val="500"/>
+              </a:spcBef>
+              <a:buFont typeface="Arial" panose="020B0604020202020204" pitchFamily="34" charset="0"/>
+              <a:buChar char="•"/>
+              <a:defRPr sz="2000" kern="1200">
+                <a:solidFill>
+                  <a:schemeClr val="tx1"/>
+                </a:solidFill>
+                <a:latin typeface="+mn-lt"/>
+                <a:ea typeface="+mn-ea"/>
+                <a:cs typeface="+mn-cs"/>
+              </a:defRPr>
+            </a:lvl2pPr>
+            <a:lvl3pPr marL="1143000" indent="-228600" algn="l" defTabSz="914400" rtl="0" eaLnBrk="1" latinLnBrk="0" hangingPunct="1">
+              <a:lnSpc>
+                <a:spcPct val="90000"/>
+              </a:lnSpc>
+              <a:spcBef>
+                <a:spcPts val="500"/>
+              </a:spcBef>
+              <a:buFont typeface="Arial" panose="020B0604020202020204" pitchFamily="34" charset="0"/>
+              <a:buChar char="•"/>
+              <a:defRPr sz="1800" kern="1200">
+                <a:solidFill>
+                  <a:schemeClr val="tx1"/>
+                </a:solidFill>
+                <a:latin typeface="+mn-lt"/>
+                <a:ea typeface="+mn-ea"/>
+                <a:cs typeface="+mn-cs"/>
+              </a:defRPr>
+            </a:lvl3pPr>
+            <a:lvl4pPr marL="1600200" indent="-228600" algn="l" defTabSz="914400" rtl="0" eaLnBrk="1" latinLnBrk="0" hangingPunct="1">
+              <a:lnSpc>
+                <a:spcPct val="90000"/>
+              </a:lnSpc>
+              <a:spcBef>
+                <a:spcPts val="500"/>
+              </a:spcBef>
+              <a:buFont typeface="Arial" panose="020B0604020202020204" pitchFamily="34" charset="0"/>
+              <a:buChar char="•"/>
+              <a:defRPr sz="1600" kern="1200">
+                <a:solidFill>
+                  <a:schemeClr val="tx1"/>
+                </a:solidFill>
+                <a:latin typeface="+mn-lt"/>
+                <a:ea typeface="+mn-ea"/>
+                <a:cs typeface="+mn-cs"/>
+              </a:defRPr>
+            </a:lvl4pPr>
+            <a:lvl5pPr marL="2057400" indent="-228600" algn="l" defTabSz="914400" rtl="0" eaLnBrk="1" latinLnBrk="0" hangingPunct="1">
+              <a:lnSpc>
+                <a:spcPct val="90000"/>
+              </a:lnSpc>
+              <a:spcBef>
+                <a:spcPts val="500"/>
+              </a:spcBef>
+              <a:buFont typeface="Arial" panose="020B0604020202020204" pitchFamily="34" charset="0"/>
+              <a:buChar char="•"/>
+              <a:defRPr sz="1600" kern="1200">
+                <a:solidFill>
+                  <a:schemeClr val="tx1"/>
+                </a:solidFill>
+                <a:latin typeface="+mn-lt"/>
+                <a:ea typeface="+mn-ea"/>
+                <a:cs typeface="+mn-cs"/>
+              </a:defRPr>
+            </a:lvl5pPr>
+            <a:lvl6pPr marL="2514600" indent="-228600" algn="l" defTabSz="914400" rtl="0" eaLnBrk="1" latinLnBrk="0" hangingPunct="1">
+              <a:lnSpc>
+                <a:spcPct val="90000"/>
+              </a:lnSpc>
+              <a:spcBef>
+                <a:spcPts val="500"/>
+              </a:spcBef>
+              <a:buFont typeface="Arial" panose="020B0604020202020204" pitchFamily="34" charset="0"/>
+              <a:buChar char="•"/>
+              <a:defRPr sz="1400" kern="1200">
+                <a:solidFill>
+                  <a:schemeClr val="tx1"/>
+                </a:solidFill>
+                <a:latin typeface="+mn-lt"/>
+                <a:ea typeface="+mn-ea"/>
+                <a:cs typeface="+mn-cs"/>
+              </a:defRPr>
+            </a:lvl6pPr>
+            <a:lvl7pPr marL="2971800" indent="-228600" algn="l" defTabSz="914400" rtl="0" eaLnBrk="1" latinLnBrk="0" hangingPunct="1">
+              <a:lnSpc>
+                <a:spcPct val="90000"/>
+              </a:lnSpc>
+              <a:spcBef>
+                <a:spcPts val="500"/>
+              </a:spcBef>
+              <a:buFont typeface="Arial" panose="020B0604020202020204" pitchFamily="34" charset="0"/>
+              <a:buChar char="•"/>
+              <a:defRPr sz="1400" kern="1200">
+                <a:solidFill>
+                  <a:schemeClr val="tx1"/>
+                </a:solidFill>
+                <a:latin typeface="+mn-lt"/>
+                <a:ea typeface="+mn-ea"/>
+                <a:cs typeface="+mn-cs"/>
+              </a:defRPr>
+            </a:lvl7pPr>
+            <a:lvl8pPr marL="3429000" indent="-228600" algn="l" defTabSz="914400" rtl="0" eaLnBrk="1" latinLnBrk="0" hangingPunct="1">
+              <a:lnSpc>
+                <a:spcPct val="90000"/>
+              </a:lnSpc>
+              <a:spcBef>
+                <a:spcPts val="500"/>
+              </a:spcBef>
+              <a:buFont typeface="Arial" panose="020B0604020202020204" pitchFamily="34" charset="0"/>
+              <a:buChar char="•"/>
+              <a:defRPr sz="1400" kern="1200">
+                <a:solidFill>
+                  <a:schemeClr val="tx1"/>
+                </a:solidFill>
+                <a:latin typeface="+mn-lt"/>
+                <a:ea typeface="+mn-ea"/>
+                <a:cs typeface="+mn-cs"/>
+              </a:defRPr>
+            </a:lvl8pPr>
+            <a:lvl9pPr marL="3886200" indent="-228600" algn="l" defTabSz="914400" rtl="0" eaLnBrk="1" latinLnBrk="0" hangingPunct="1">
+              <a:lnSpc>
+                <a:spcPct val="90000"/>
+              </a:lnSpc>
+              <a:spcBef>
+                <a:spcPts val="500"/>
+              </a:spcBef>
+              <a:buFont typeface="Arial" panose="020B0604020202020204" pitchFamily="34" charset="0"/>
+              <a:buChar char="•"/>
+              <a:defRPr sz="1400" kern="1200">
+                <a:solidFill>
+                  <a:schemeClr val="tx1"/>
+                </a:solidFill>
+                <a:latin typeface="+mn-lt"/>
+                <a:ea typeface="+mn-ea"/>
+                <a:cs typeface="+mn-cs"/>
+              </a:defRPr>
+            </a:lvl9pPr>
+          </a:lstStyle>
+          <a:p>
+            <a:pPr>
+              <a:defRPr/>
+            </a:pPr>
+            <a:r>
+              <a:rPr lang="es-AR" sz="2800" dirty="0">
+                <a:effectLst>
+                  <a:outerShdw blurRad="38100" dist="38100" dir="2700000" algn="tl">
+                    <a:srgbClr val="000000">
+                      <a:alpha val="43137"/>
+                    </a:srgbClr>
+                  </a:outerShdw>
+                </a:effectLst>
+                <a:latin typeface="Franklin Gothic Medium" panose="020B0603020102020204" pitchFamily="34" charset="0"/>
+              </a:rPr>
+              <a:t>Las funciones se definen fuera de las clases. Los métodos se definen dentro de y son parte de las clases. La diferencia mas notables es como se "llaman" a las funciones o métodos. Los métodos se "llaman" con un nombre de objeto seguido de un punto.</a:t>
+            </a:r>
+            <a:endParaRPr lang="es-ES" dirty="0">
+              <a:effectLst>
+                <a:outerShdw blurRad="38100" dist="38100" dir="2700000" algn="tl">
+                  <a:srgbClr val="000000">
+                    <a:alpha val="43137"/>
+                  </a:srgbClr>
+                </a:outerShdw>
+              </a:effectLst>
+              <a:latin typeface="Franklin Gothic Medium" panose="020B0603020102020204" pitchFamily="34" charset="0"/>
+            </a:endParaRPr>
+          </a:p>
+        </p:txBody>
+      </p:sp>
     </p:spTree>
     <p:extLst>
       <p:ext uri="{BB962C8B-B14F-4D97-AF65-F5344CB8AC3E}">
@@ -17567,17 +17912,10 @@
   <p:clrMapOvr>
     <a:masterClrMapping/>
   </p:clrMapOvr>
-  <p:timing>
-    <p:tnLst>
-      <p:par>
-        <p:cTn id="1" dur="indefinite" restart="never" nodeType="tmRoot"/>
-      </p:par>
-    </p:tnLst>
-  </p:timing>
 </p:sld>
 </file>
 
-<file path=ppt/slides/slide23.xml><?xml version="1.0" encoding="utf-8"?>
+<file path=ppt/slides/slide24.xml><?xml version="1.0" encoding="utf-8"?>
 <p:sld xmlns:a="http://schemas.openxmlformats.org/drawingml/2006/main" xmlns:r="http://schemas.openxmlformats.org/officeDocument/2006/relationships" xmlns:p="http://schemas.openxmlformats.org/presentationml/2006/main">
   <p:cSld>
     <p:spTree>
@@ -17610,10 +17948,9 @@
           <a:lstStyle/>
           <a:p>
             <a:r>
-              <a:rPr lang="es-AR" dirty="0" smtClean="0"/>
+              <a:rPr lang="es-AR" dirty="0"/>
               <a:t>Miembros</a:t>
             </a:r>
-            <a:endParaRPr lang="es-AR" dirty="0"/>
           </a:p>
         </p:txBody>
       </p:sp>
@@ -17643,7 +17980,13 @@
                 <a:tableStyleId>{5C22544A-7EE6-4342-B048-85BDC9FD1C3A}</a:tableStyleId>
               </a:tblPr>
               <a:tblGrid>
-                <a:gridCol w="9613900"/>
+                <a:gridCol w="9613900">
+                  <a:extLst>
+                    <a:ext uri="{9D8B030D-6E8A-4147-A177-3AD203B41FA5}">
+                      <a16:colId xmlns:a16="http://schemas.microsoft.com/office/drawing/2014/main" val="20000"/>
+                    </a:ext>
+                  </a:extLst>
+                </a:gridCol>
               </a:tblGrid>
               <a:tr h="370840">
                 <a:tc>
@@ -17670,7 +18013,7 @@
                         <a:tabLst/>
                       </a:pPr>
                       <a:r>
-                        <a:rPr kumimoji="0" lang="es-ES" sz="2400" b="0" i="0" u="none" strike="noStrike" cap="none" normalizeH="0" baseline="0" dirty="0" smtClean="0">
+                        <a:rPr kumimoji="0" lang="es-ES" sz="2400" b="0" i="0" u="none" strike="noStrike" cap="none" normalizeH="0" baseline="0" dirty="0">
                           <a:ln>
                             <a:noFill/>
                           </a:ln>
@@ -17686,6 +18029,11 @@
                   </a:txBody>
                   <a:tcPr marL="90000" marR="90000" marT="46802" marB="46802" horzOverflow="overflow"/>
                 </a:tc>
+                <a:extLst>
+                  <a:ext uri="{0D108BD9-81ED-4DB2-BD59-A6C34878D82A}">
+                    <a16:rowId xmlns:a16="http://schemas.microsoft.com/office/drawing/2014/main" val="10000"/>
+                  </a:ext>
+                </a:extLst>
               </a:tr>
               <a:tr h="370840">
                 <a:tc>
@@ -17712,7 +18060,7 @@
                         <a:tabLst/>
                       </a:pPr>
                       <a:r>
-                        <a:rPr kumimoji="0" lang="es-ES" sz="2400" b="0" i="0" u="none" strike="noStrike" cap="none" normalizeH="0" baseline="0" dirty="0" smtClean="0">
+                        <a:rPr kumimoji="0" lang="es-ES" sz="2400" b="0" i="0" u="none" strike="noStrike" cap="none" normalizeH="0" baseline="0" dirty="0">
                           <a:ln>
                             <a:noFill/>
                           </a:ln>
@@ -17728,6 +18076,11 @@
                   </a:txBody>
                   <a:tcPr marL="90000" marR="90000" marT="46802" marB="46802" horzOverflow="overflow"/>
                 </a:tc>
+                <a:extLst>
+                  <a:ext uri="{0D108BD9-81ED-4DB2-BD59-A6C34878D82A}">
+                    <a16:rowId xmlns:a16="http://schemas.microsoft.com/office/drawing/2014/main" val="10001"/>
+                  </a:ext>
+                </a:extLst>
               </a:tr>
               <a:tr h="370840">
                 <a:tc>
@@ -17754,7 +18107,7 @@
                         <a:tabLst/>
                       </a:pPr>
                       <a:r>
-                        <a:rPr kumimoji="0" lang="es-ES" sz="2400" b="0" i="0" u="none" strike="noStrike" cap="none" normalizeH="0" baseline="0" dirty="0" smtClean="0">
+                        <a:rPr kumimoji="0" lang="es-ES" sz="2400" b="0" i="0" u="none" strike="noStrike" cap="none" normalizeH="0" baseline="0" dirty="0">
                           <a:ln>
                             <a:noFill/>
                           </a:ln>
@@ -17770,6 +18123,11 @@
                   </a:txBody>
                   <a:tcPr marL="90000" marR="90000" marT="46802" marB="46802" horzOverflow="overflow"/>
                 </a:tc>
+                <a:extLst>
+                  <a:ext uri="{0D108BD9-81ED-4DB2-BD59-A6C34878D82A}">
+                    <a16:rowId xmlns:a16="http://schemas.microsoft.com/office/drawing/2014/main" val="10002"/>
+                  </a:ext>
+                </a:extLst>
               </a:tr>
               <a:tr h="370840">
                 <a:tc>
@@ -17796,7 +18154,7 @@
                         <a:tabLst/>
                       </a:pPr>
                       <a:r>
-                        <a:rPr kumimoji="0" lang="es-ES" sz="2400" b="0" i="0" u="none" strike="noStrike" cap="none" normalizeH="0" baseline="0" dirty="0" smtClean="0">
+                        <a:rPr kumimoji="0" lang="es-ES" sz="2400" b="0" i="0" u="none" strike="noStrike" cap="none" normalizeH="0" baseline="0" dirty="0">
                           <a:ln>
                             <a:noFill/>
                           </a:ln>
@@ -17812,6 +18170,11 @@
                   </a:txBody>
                   <a:tcPr marL="90000" marR="90000" marT="46802" marB="46802" horzOverflow="overflow"/>
                 </a:tc>
+                <a:extLst>
+                  <a:ext uri="{0D108BD9-81ED-4DB2-BD59-A6C34878D82A}">
+                    <a16:rowId xmlns:a16="http://schemas.microsoft.com/office/drawing/2014/main" val="10003"/>
+                  </a:ext>
+                </a:extLst>
               </a:tr>
               <a:tr h="370840">
                 <a:tc>
@@ -17838,7 +18201,7 @@
                         <a:tabLst/>
                       </a:pPr>
                       <a:r>
-                        <a:rPr kumimoji="0" lang="es-ES" sz="2400" b="0" i="0" u="none" strike="noStrike" cap="none" normalizeH="0" baseline="0" dirty="0" smtClean="0">
+                        <a:rPr kumimoji="0" lang="es-ES" sz="2400" b="0" i="0" u="none" strike="noStrike" cap="none" normalizeH="0" baseline="0" dirty="0">
                           <a:ln>
                             <a:noFill/>
                           </a:ln>
@@ -17854,6 +18217,11 @@
                   </a:txBody>
                   <a:tcPr marL="90000" marR="90000" marT="46802" marB="46802" horzOverflow="overflow"/>
                 </a:tc>
+                <a:extLst>
+                  <a:ext uri="{0D108BD9-81ED-4DB2-BD59-A6C34878D82A}">
+                    <a16:rowId xmlns:a16="http://schemas.microsoft.com/office/drawing/2014/main" val="10004"/>
+                  </a:ext>
+                </a:extLst>
               </a:tr>
               <a:tr h="370840">
                 <a:tc>
@@ -17880,7 +18248,7 @@
                         <a:tabLst/>
                       </a:pPr>
                       <a:r>
-                        <a:rPr kumimoji="0" lang="es-ES" sz="2400" b="0" i="0" u="none" strike="noStrike" cap="none" normalizeH="0" baseline="0" dirty="0" smtClean="0">
+                        <a:rPr kumimoji="0" lang="es-ES" sz="2400" b="0" i="0" u="none" strike="noStrike" cap="none" normalizeH="0" baseline="0" dirty="0">
                           <a:ln>
                             <a:noFill/>
                           </a:ln>
@@ -17896,6 +18264,11 @@
                   </a:txBody>
                   <a:tcPr marL="90000" marR="90000" marT="46802" marB="46802" horzOverflow="overflow"/>
                 </a:tc>
+                <a:extLst>
+                  <a:ext uri="{0D108BD9-81ED-4DB2-BD59-A6C34878D82A}">
+                    <a16:rowId xmlns:a16="http://schemas.microsoft.com/office/drawing/2014/main" val="10005"/>
+                  </a:ext>
+                </a:extLst>
               </a:tr>
               <a:tr h="370840">
                 <a:tc>
@@ -17922,7 +18295,7 @@
                         <a:tabLst/>
                       </a:pPr>
                       <a:r>
-                        <a:rPr kumimoji="0" lang="es-ES" sz="2400" b="0" i="0" u="none" strike="noStrike" cap="none" normalizeH="0" baseline="0" dirty="0" smtClean="0">
+                        <a:rPr kumimoji="0" lang="es-ES" sz="2400" b="0" i="0" u="none" strike="noStrike" cap="none" normalizeH="0" baseline="0" dirty="0">
                           <a:ln>
                             <a:noFill/>
                           </a:ln>
@@ -17938,6 +18311,11 @@
                   </a:txBody>
                   <a:tcPr marL="90000" marR="90000" marT="46802" marB="46802" horzOverflow="overflow"/>
                 </a:tc>
+                <a:extLst>
+                  <a:ext uri="{0D108BD9-81ED-4DB2-BD59-A6C34878D82A}">
+                    <a16:rowId xmlns:a16="http://schemas.microsoft.com/office/drawing/2014/main" val="10006"/>
+                  </a:ext>
+                </a:extLst>
               </a:tr>
               <a:tr h="370840">
                 <a:tc>
@@ -17964,7 +18342,7 @@
                         <a:tabLst/>
                       </a:pPr>
                       <a:r>
-                        <a:rPr kumimoji="0" lang="es-ES" sz="2400" b="0" i="0" u="none" strike="noStrike" cap="none" normalizeH="0" baseline="0" dirty="0" smtClean="0">
+                        <a:rPr kumimoji="0" lang="es-ES" sz="2400" b="0" i="0" u="none" strike="noStrike" cap="none" normalizeH="0" baseline="0" dirty="0">
                           <a:ln>
                             <a:noFill/>
                           </a:ln>
@@ -17980,6 +18358,11 @@
                   </a:txBody>
                   <a:tcPr marL="90000" marR="90000" marT="46802" marB="46802" horzOverflow="overflow"/>
                 </a:tc>
+                <a:extLst>
+                  <a:ext uri="{0D108BD9-81ED-4DB2-BD59-A6C34878D82A}">
+                    <a16:rowId xmlns:a16="http://schemas.microsoft.com/office/drawing/2014/main" val="10007"/>
+                  </a:ext>
+                </a:extLst>
               </a:tr>
               <a:tr h="370840">
                 <a:tc>
@@ -18006,7 +18389,7 @@
                         <a:tabLst/>
                       </a:pPr>
                       <a:r>
-                        <a:rPr kumimoji="0" lang="es-ES" sz="2400" b="0" i="0" u="none" strike="noStrike" cap="none" normalizeH="0" baseline="0" dirty="0" smtClean="0">
+                        <a:rPr kumimoji="0" lang="es-ES" sz="2400" b="0" i="0" u="none" strike="noStrike" cap="none" normalizeH="0" baseline="0" dirty="0">
                           <a:ln>
                             <a:noFill/>
                           </a:ln>
@@ -18022,6 +18405,11 @@
                   </a:txBody>
                   <a:tcPr marL="90000" marR="90000" marT="46802" marB="46802" horzOverflow="overflow"/>
                 </a:tc>
+                <a:extLst>
+                  <a:ext uri="{0D108BD9-81ED-4DB2-BD59-A6C34878D82A}">
+                    <a16:rowId xmlns:a16="http://schemas.microsoft.com/office/drawing/2014/main" val="10008"/>
+                  </a:ext>
+                </a:extLst>
               </a:tr>
             </a:tbl>
           </a:graphicData>
@@ -18176,7 +18564,7 @@
           <a:p>
             <a:pPr algn="ctr"/>
             <a:r>
-              <a:rPr lang="es-AR" sz="4000" b="1" dirty="0" smtClean="0">
+              <a:rPr lang="es-AR" sz="4000" b="1" dirty="0">
                 <a:effectLst>
                   <a:outerShdw blurRad="38100" dist="38100" dir="2700000" algn="tl">
                     <a:srgbClr val="000000">
@@ -18187,15 +18575,6 @@
               </a:rPr>
               <a:t>PILARES</a:t>
             </a:r>
-            <a:endParaRPr lang="es-AR" sz="4000" b="1" dirty="0">
-              <a:effectLst>
-                <a:outerShdw blurRad="38100" dist="38100" dir="2700000" algn="tl">
-                  <a:srgbClr val="000000">
-                    <a:alpha val="43137"/>
-                  </a:srgbClr>
-                </a:outerShdw>
-              </a:effectLst>
-            </a:endParaRPr>
           </a:p>
         </p:txBody>
       </p:sp>
@@ -18236,7 +18615,7 @@
           <a:p>
             <a:pPr algn="ctr"/>
             <a:r>
-              <a:rPr lang="es-AR" b="1" dirty="0" smtClean="0">
+              <a:rPr lang="es-AR" b="1" dirty="0">
                 <a:effectLst>
                   <a:outerShdw blurRad="38100" dist="38100" dir="2700000" algn="tl">
                     <a:srgbClr val="000000">
@@ -18247,15 +18626,6 @@
               </a:rPr>
               <a:t>ABSTRACCIÓN</a:t>
             </a:r>
-            <a:endParaRPr lang="es-AR" b="1" dirty="0">
-              <a:effectLst>
-                <a:outerShdw blurRad="38100" dist="38100" dir="2700000" algn="tl">
-                  <a:srgbClr val="000000">
-                    <a:alpha val="43137"/>
-                  </a:srgbClr>
-                </a:outerShdw>
-              </a:effectLst>
-            </a:endParaRPr>
           </a:p>
         </p:txBody>
       </p:sp>
@@ -18296,7 +18666,7 @@
           <a:p>
             <a:pPr algn="ctr"/>
             <a:r>
-              <a:rPr lang="es-AR" b="1" dirty="0" smtClean="0">
+              <a:rPr lang="es-AR" b="1" dirty="0">
                 <a:effectLst>
                   <a:outerShdw blurRad="38100" dist="38100" dir="2700000" algn="tl">
                     <a:srgbClr val="000000">
@@ -18307,15 +18677,6 @@
               </a:rPr>
               <a:t>ENCAPSULAMIENTO</a:t>
             </a:r>
-            <a:endParaRPr lang="es-AR" b="1" dirty="0">
-              <a:effectLst>
-                <a:outerShdw blurRad="38100" dist="38100" dir="2700000" algn="tl">
-                  <a:srgbClr val="000000">
-                    <a:alpha val="43137"/>
-                  </a:srgbClr>
-                </a:outerShdw>
-              </a:effectLst>
-            </a:endParaRPr>
           </a:p>
         </p:txBody>
       </p:sp>
@@ -18356,7 +18717,7 @@
           <a:p>
             <a:pPr algn="ctr"/>
             <a:r>
-              <a:rPr lang="es-AR" b="1" dirty="0" smtClean="0">
+              <a:rPr lang="es-AR" b="1" dirty="0">
                 <a:effectLst>
                   <a:outerShdw blurRad="38100" dist="38100" dir="2700000" algn="tl">
                     <a:srgbClr val="000000">
@@ -18367,15 +18728,6 @@
               </a:rPr>
               <a:t>HERENCIA</a:t>
             </a:r>
-            <a:endParaRPr lang="es-AR" b="1" dirty="0">
-              <a:effectLst>
-                <a:outerShdw blurRad="38100" dist="38100" dir="2700000" algn="tl">
-                  <a:srgbClr val="000000">
-                    <a:alpha val="43137"/>
-                  </a:srgbClr>
-                </a:outerShdw>
-              </a:effectLst>
-            </a:endParaRPr>
           </a:p>
         </p:txBody>
       </p:sp>
@@ -18416,7 +18768,7 @@
           <a:p>
             <a:pPr algn="ctr"/>
             <a:r>
-              <a:rPr lang="es-AR" b="1" dirty="0" smtClean="0">
+              <a:rPr lang="es-AR" b="1" dirty="0">
                 <a:effectLst>
                   <a:outerShdw blurRad="38100" dist="38100" dir="2700000" algn="tl">
                     <a:srgbClr val="000000">
@@ -18427,15 +18779,6 @@
               </a:rPr>
               <a:t>POLIMORFISMO</a:t>
             </a:r>
-            <a:endParaRPr lang="es-AR" b="1" dirty="0">
-              <a:effectLst>
-                <a:outerShdw blurRad="38100" dist="38100" dir="2700000" algn="tl">
-                  <a:srgbClr val="000000">
-                    <a:alpha val="43137"/>
-                  </a:srgbClr>
-                </a:outerShdw>
-              </a:effectLst>
-            </a:endParaRPr>
           </a:p>
         </p:txBody>
       </p:sp>
@@ -18693,10 +19036,9 @@
           <a:lstStyle/>
           <a:p>
             <a:r>
-              <a:rPr lang="es-AR" dirty="0" smtClean="0"/>
+              <a:rPr lang="es-AR" dirty="0"/>
               <a:t>Abstracción</a:t>
             </a:r>
-            <a:endParaRPr lang="es-AR" dirty="0"/>
           </a:p>
         </p:txBody>
       </p:sp>
@@ -18886,13 +19228,6 @@
   <p:clrMapOvr>
     <a:masterClrMapping/>
   </p:clrMapOvr>
-  <p:timing>
-    <p:tnLst>
-      <p:par>
-        <p:cTn id="1" dur="indefinite" restart="never" nodeType="tmRoot"/>
-      </p:par>
-    </p:tnLst>
-  </p:timing>
 </p:sld>
 </file>
 
@@ -19070,13 +19405,6 @@
   <p:clrMapOvr>
     <a:masterClrMapping/>
   </p:clrMapOvr>
-  <p:timing>
-    <p:tnLst>
-      <p:par>
-        <p:cTn id="1" dur="indefinite" restart="never" nodeType="tmRoot"/>
-      </p:par>
-    </p:tnLst>
-  </p:timing>
 </p:sld>
 </file>
 
@@ -19145,19 +19473,6 @@
               <a:defRPr/>
             </a:pPr>
             <a:r>
-              <a:rPr lang="es-CR" sz="2800" dirty="0" smtClean="0">
-                <a:effectLst>
-                  <a:outerShdw blurRad="38100" dist="38100" dir="2700000" algn="tl">
-                    <a:srgbClr val="000000">
-                      <a:alpha val="43137"/>
-                    </a:srgbClr>
-                  </a:outerShdw>
-                </a:effectLst>
-                <a:latin typeface="Franklin Gothic Medium" panose="020B0603020102020204" pitchFamily="34" charset="0"/>
-              </a:rPr>
-              <a:t>La relación entre clases es del tipo “es un </a:t>
-            </a:r>
-            <a:r>
               <a:rPr lang="es-CR" sz="2800" dirty="0">
                 <a:effectLst>
                   <a:outerShdw blurRad="38100" dist="38100" dir="2700000" algn="tl">
@@ -19168,21 +19483,13 @@
                 </a:effectLst>
                 <a:latin typeface="Franklin Gothic Medium" panose="020B0603020102020204" pitchFamily="34" charset="0"/>
               </a:rPr>
-              <a:t>tipo de</a:t>
-            </a:r>
-            <a:r>
-              <a:rPr lang="es-CR" sz="2800" dirty="0" smtClean="0">
-                <a:effectLst>
-                  <a:outerShdw blurRad="38100" dist="38100" dir="2700000" algn="tl">
-                    <a:srgbClr val="000000">
-                      <a:alpha val="43137"/>
-                    </a:srgbClr>
-                  </a:outerShdw>
-                </a:effectLst>
-                <a:latin typeface="Franklin Gothic Medium" panose="020B0603020102020204" pitchFamily="34" charset="0"/>
-              </a:rPr>
-              <a:t>”.</a:t>
-            </a:r>
+              <a:t>La relación entre clases es del tipo “es un tipo de”.</a:t>
+            </a:r>
+          </a:p>
+          <a:p>
+            <a:pPr>
+              <a:defRPr/>
+            </a:pPr>
             <a:endParaRPr lang="es-CR" sz="2800" dirty="0">
               <a:effectLst>
                 <a:outerShdw blurRad="38100" dist="38100" dir="2700000" algn="tl">
@@ -19198,34 +19505,6 @@
             <a:pPr>
               <a:defRPr/>
             </a:pPr>
-            <a:endParaRPr lang="es-CR" sz="2800" dirty="0" smtClean="0">
-              <a:effectLst>
-                <a:outerShdw blurRad="38100" dist="38100" dir="2700000" algn="tl">
-                  <a:srgbClr val="000000">
-                    <a:alpha val="43137"/>
-                  </a:srgbClr>
-                </a:outerShdw>
-              </a:effectLst>
-              <a:latin typeface="Franklin Gothic Medium" panose="020B0603020102020204" pitchFamily="34" charset="0"/>
-            </a:endParaRPr>
-          </a:p>
-          <a:p>
-            <a:pPr>
-              <a:defRPr/>
-            </a:pPr>
-            <a:r>
-              <a:rPr lang="es-CR" sz="2800" dirty="0" smtClean="0">
-                <a:effectLst>
-                  <a:outerShdw blurRad="38100" dist="38100" dir="2700000" algn="tl">
-                    <a:srgbClr val="000000">
-                      <a:alpha val="43137"/>
-                    </a:srgbClr>
-                  </a:outerShdw>
-                </a:effectLst>
-                <a:latin typeface="Franklin Gothic Medium" panose="020B0603020102020204" pitchFamily="34" charset="0"/>
-              </a:rPr>
-              <a:t>Va </a:t>
-            </a:r>
             <a:r>
               <a:rPr lang="es-CR" sz="2800" dirty="0">
                 <a:effectLst>
@@ -19237,33 +19516,7 @@
                 </a:effectLst>
                 <a:latin typeface="Franklin Gothic Medium" panose="020B0603020102020204" pitchFamily="34" charset="0"/>
               </a:rPr>
-              <a:t>de la generalización a la </a:t>
-            </a:r>
-            <a:r>
-              <a:rPr lang="es-CR" sz="2800" dirty="0" smtClean="0">
-                <a:effectLst>
-                  <a:outerShdw blurRad="38100" dist="38100" dir="2700000" algn="tl">
-                    <a:srgbClr val="000000">
-                      <a:alpha val="43137"/>
-                    </a:srgbClr>
-                  </a:outerShdw>
-                </a:effectLst>
-                <a:latin typeface="Franklin Gothic Medium" panose="020B0603020102020204" pitchFamily="34" charset="0"/>
-              </a:rPr>
-              <a:t>especialización</a:t>
-            </a:r>
-            <a:r>
-              <a:rPr lang="es-CR" sz="2800" dirty="0">
-                <a:effectLst>
-                  <a:outerShdw blurRad="38100" dist="38100" dir="2700000" algn="tl">
-                    <a:srgbClr val="000000">
-                      <a:alpha val="43137"/>
-                    </a:srgbClr>
-                  </a:outerShdw>
-                </a:effectLst>
-                <a:latin typeface="Franklin Gothic Medium" panose="020B0603020102020204" pitchFamily="34" charset="0"/>
-              </a:rPr>
-              <a:t>.</a:t>
+              <a:t>Va de la generalización a la especialización.</a:t>
             </a:r>
           </a:p>
           <a:p>
@@ -19398,7 +19651,13 @@
                 <a:tableStyleId>{5C22544A-7EE6-4342-B048-85BDC9FD1C3A}</a:tableStyleId>
               </a:tblPr>
               <a:tblGrid>
-                <a:gridCol w="3081020"/>
+                <a:gridCol w="3081020">
+                  <a:extLst>
+                    <a:ext uri="{9D8B030D-6E8A-4147-A177-3AD203B41FA5}">
+                      <a16:colId xmlns:a16="http://schemas.microsoft.com/office/drawing/2014/main" val="20000"/>
+                    </a:ext>
+                  </a:extLst>
+                </a:gridCol>
               </a:tblGrid>
               <a:tr h="370840">
                 <a:tc>
@@ -19407,14 +19666,18 @@
                     <a:lstStyle/>
                     <a:p>
                       <a:r>
-                        <a:rPr lang="es-AR" dirty="0" smtClean="0"/>
+                        <a:rPr lang="es-AR" dirty="0"/>
                         <a:t>Figura</a:t>
                       </a:r>
-                      <a:endParaRPr lang="es-AR" dirty="0"/>
                     </a:p>
                   </a:txBody>
                   <a:tcPr/>
                 </a:tc>
+                <a:extLst>
+                  <a:ext uri="{0D108BD9-81ED-4DB2-BD59-A6C34878D82A}">
+                    <a16:rowId xmlns:a16="http://schemas.microsoft.com/office/drawing/2014/main" val="10000"/>
+                  </a:ext>
+                </a:extLst>
               </a:tr>
               <a:tr h="370840">
                 <a:tc>
@@ -19423,15 +19686,15 @@
                     <a:lstStyle/>
                     <a:p>
                       <a:r>
-                        <a:rPr lang="es-AR" dirty="0" err="1" smtClean="0"/>
+                        <a:rPr lang="es-AR" dirty="0" err="1"/>
                         <a:t>area</a:t>
                       </a:r>
                       <a:r>
-                        <a:rPr lang="es-AR" dirty="0" smtClean="0"/>
+                        <a:rPr lang="es-AR" dirty="0"/>
                         <a:t>() : </a:t>
                       </a:r>
                       <a:r>
-                        <a:rPr lang="es-AR" dirty="0" err="1" smtClean="0"/>
+                        <a:rPr lang="es-AR" dirty="0" err="1"/>
                         <a:t>void</a:t>
                       </a:r>
                       <a:endParaRPr lang="es-AR" dirty="0"/>
@@ -19439,6 +19702,11 @@
                   </a:txBody>
                   <a:tcPr/>
                 </a:tc>
+                <a:extLst>
+                  <a:ext uri="{0D108BD9-81ED-4DB2-BD59-A6C34878D82A}">
+                    <a16:rowId xmlns:a16="http://schemas.microsoft.com/office/drawing/2014/main" val="10001"/>
+                  </a:ext>
+                </a:extLst>
               </a:tr>
               <a:tr h="370840">
                 <a:tc>
@@ -19447,15 +19715,15 @@
                     <a:lstStyle/>
                     <a:p>
                       <a:r>
-                        <a:rPr lang="es-AR" dirty="0" err="1" smtClean="0"/>
+                        <a:rPr lang="es-AR" dirty="0" err="1"/>
                         <a:t>perimetro</a:t>
                       </a:r>
                       <a:r>
-                        <a:rPr lang="es-AR" dirty="0" smtClean="0"/>
+                        <a:rPr lang="es-AR" dirty="0"/>
                         <a:t>() : </a:t>
                       </a:r>
                       <a:r>
-                        <a:rPr lang="es-AR" dirty="0" err="1" smtClean="0"/>
+                        <a:rPr lang="es-AR" dirty="0" err="1"/>
                         <a:t>void</a:t>
                       </a:r>
                       <a:endParaRPr lang="es-AR" dirty="0"/>
@@ -19463,6 +19731,11 @@
                   </a:txBody>
                   <a:tcPr/>
                 </a:tc>
+                <a:extLst>
+                  <a:ext uri="{0D108BD9-81ED-4DB2-BD59-A6C34878D82A}">
+                    <a16:rowId xmlns:a16="http://schemas.microsoft.com/office/drawing/2014/main" val="10002"/>
+                  </a:ext>
+                </a:extLst>
               </a:tr>
             </a:tbl>
           </a:graphicData>
@@ -19493,7 +19766,13 @@
                 <a:tableStyleId>{5C22544A-7EE6-4342-B048-85BDC9FD1C3A}</a:tableStyleId>
               </a:tblPr>
               <a:tblGrid>
-                <a:gridCol w="3086101"/>
+                <a:gridCol w="3086101">
+                  <a:extLst>
+                    <a:ext uri="{9D8B030D-6E8A-4147-A177-3AD203B41FA5}">
+                      <a16:colId xmlns:a16="http://schemas.microsoft.com/office/drawing/2014/main" val="20000"/>
+                    </a:ext>
+                  </a:extLst>
+                </a:gridCol>
               </a:tblGrid>
               <a:tr h="370840">
                 <a:tc>
@@ -19502,14 +19781,18 @@
                     <a:lstStyle/>
                     <a:p>
                       <a:r>
-                        <a:rPr lang="es-AR" dirty="0" smtClean="0"/>
+                        <a:rPr lang="es-AR" dirty="0"/>
                         <a:t>Círculo</a:t>
                       </a:r>
-                      <a:endParaRPr lang="es-AR" dirty="0"/>
                     </a:p>
                   </a:txBody>
                   <a:tcPr/>
                 </a:tc>
+                <a:extLst>
+                  <a:ext uri="{0D108BD9-81ED-4DB2-BD59-A6C34878D82A}">
+                    <a16:rowId xmlns:a16="http://schemas.microsoft.com/office/drawing/2014/main" val="10000"/>
+                  </a:ext>
+                </a:extLst>
               </a:tr>
               <a:tr h="370840">
                 <a:tc>
@@ -19522,6 +19805,11 @@
                   </a:txBody>
                   <a:tcPr/>
                 </a:tc>
+                <a:extLst>
+                  <a:ext uri="{0D108BD9-81ED-4DB2-BD59-A6C34878D82A}">
+                    <a16:rowId xmlns:a16="http://schemas.microsoft.com/office/drawing/2014/main" val="10001"/>
+                  </a:ext>
+                </a:extLst>
               </a:tr>
             </a:tbl>
           </a:graphicData>
@@ -19586,10 +19874,9 @@
           <a:lstStyle/>
           <a:p>
             <a:r>
-              <a:rPr lang="es-AR" dirty="0" smtClean="0"/>
+              <a:rPr lang="es-AR" dirty="0"/>
               <a:t>“Es un tipo de”</a:t>
             </a:r>
-            <a:endParaRPr lang="es-AR" dirty="0"/>
           </a:p>
         </p:txBody>
       </p:sp>
@@ -19603,14 +19890,6 @@
   <p:clrMapOvr>
     <a:masterClrMapping/>
   </p:clrMapOvr>
-  <mc:AlternateContent xmlns:mc="http://schemas.openxmlformats.org/markup-compatibility/2006" xmlns:p14="http://schemas.microsoft.com/office/powerpoint/2010/main">
-    <mc:Choice Requires="p14">
-      <p:transition p14:dur="0"/>
-    </mc:Choice>
-    <mc:Fallback xmlns="">
-      <p:transition/>
-    </mc:Fallback>
-  </mc:AlternateContent>
   <p:timing>
     <p:tnLst>
       <p:par>
@@ -20119,7 +20398,13 @@
                 <a:tableStyleId>{5C22544A-7EE6-4342-B048-85BDC9FD1C3A}</a:tableStyleId>
               </a:tblPr>
               <a:tblGrid>
-                <a:gridCol w="3081020"/>
+                <a:gridCol w="3081020">
+                  <a:extLst>
+                    <a:ext uri="{9D8B030D-6E8A-4147-A177-3AD203B41FA5}">
+                      <a16:colId xmlns:a16="http://schemas.microsoft.com/office/drawing/2014/main" val="20000"/>
+                    </a:ext>
+                  </a:extLst>
+                </a:gridCol>
               </a:tblGrid>
               <a:tr h="370840">
                 <a:tc>
@@ -20128,14 +20413,18 @@
                     <a:lstStyle/>
                     <a:p>
                       <a:r>
-                        <a:rPr lang="es-AR" dirty="0" smtClean="0"/>
+                        <a:rPr lang="es-AR" dirty="0"/>
                         <a:t>Figura</a:t>
                       </a:r>
-                      <a:endParaRPr lang="es-AR" dirty="0"/>
                     </a:p>
                   </a:txBody>
                   <a:tcPr/>
                 </a:tc>
+                <a:extLst>
+                  <a:ext uri="{0D108BD9-81ED-4DB2-BD59-A6C34878D82A}">
+                    <a16:rowId xmlns:a16="http://schemas.microsoft.com/office/drawing/2014/main" val="10000"/>
+                  </a:ext>
+                </a:extLst>
               </a:tr>
               <a:tr h="370840">
                 <a:tc>
@@ -20144,15 +20433,15 @@
                     <a:lstStyle/>
                     <a:p>
                       <a:r>
-                        <a:rPr lang="es-AR" dirty="0" err="1" smtClean="0"/>
+                        <a:rPr lang="es-AR" dirty="0" err="1"/>
                         <a:t>area</a:t>
                       </a:r>
                       <a:r>
-                        <a:rPr lang="es-AR" dirty="0" smtClean="0"/>
+                        <a:rPr lang="es-AR" dirty="0"/>
                         <a:t>() : </a:t>
                       </a:r>
                       <a:r>
-                        <a:rPr lang="es-AR" dirty="0" err="1" smtClean="0"/>
+                        <a:rPr lang="es-AR" dirty="0" err="1"/>
                         <a:t>void</a:t>
                       </a:r>
                       <a:endParaRPr lang="es-AR" dirty="0"/>
@@ -20160,6 +20449,11 @@
                   </a:txBody>
                   <a:tcPr/>
                 </a:tc>
+                <a:extLst>
+                  <a:ext uri="{0D108BD9-81ED-4DB2-BD59-A6C34878D82A}">
+                    <a16:rowId xmlns:a16="http://schemas.microsoft.com/office/drawing/2014/main" val="10001"/>
+                  </a:ext>
+                </a:extLst>
               </a:tr>
               <a:tr h="370840">
                 <a:tc>
@@ -20168,15 +20462,15 @@
                     <a:lstStyle/>
                     <a:p>
                       <a:r>
-                        <a:rPr lang="es-AR" dirty="0" err="1" smtClean="0"/>
+                        <a:rPr lang="es-AR" dirty="0" err="1"/>
                         <a:t>perimetro</a:t>
                       </a:r>
                       <a:r>
-                        <a:rPr lang="es-AR" dirty="0" smtClean="0"/>
+                        <a:rPr lang="es-AR" dirty="0"/>
                         <a:t>() : </a:t>
                       </a:r>
                       <a:r>
-                        <a:rPr lang="es-AR" dirty="0" err="1" smtClean="0"/>
+                        <a:rPr lang="es-AR" dirty="0" err="1"/>
                         <a:t>void</a:t>
                       </a:r>
                       <a:endParaRPr lang="es-AR" dirty="0"/>
@@ -20184,6 +20478,11 @@
                   </a:txBody>
                   <a:tcPr/>
                 </a:tc>
+                <a:extLst>
+                  <a:ext uri="{0D108BD9-81ED-4DB2-BD59-A6C34878D82A}">
+                    <a16:rowId xmlns:a16="http://schemas.microsoft.com/office/drawing/2014/main" val="10002"/>
+                  </a:ext>
+                </a:extLst>
               </a:tr>
             </a:tbl>
           </a:graphicData>
@@ -20214,7 +20513,13 @@
                 <a:tableStyleId>{5C22544A-7EE6-4342-B048-85BDC9FD1C3A}</a:tableStyleId>
               </a:tblPr>
               <a:tblGrid>
-                <a:gridCol w="3081020"/>
+                <a:gridCol w="3081020">
+                  <a:extLst>
+                    <a:ext uri="{9D8B030D-6E8A-4147-A177-3AD203B41FA5}">
+                      <a16:colId xmlns:a16="http://schemas.microsoft.com/office/drawing/2014/main" val="20000"/>
+                    </a:ext>
+                  </a:extLst>
+                </a:gridCol>
               </a:tblGrid>
               <a:tr h="370840">
                 <a:tc>
@@ -20223,14 +20528,18 @@
                     <a:lstStyle/>
                     <a:p>
                       <a:r>
-                        <a:rPr lang="es-AR" dirty="0" smtClean="0"/>
+                        <a:rPr lang="es-AR" dirty="0"/>
                         <a:t>Círculo</a:t>
                       </a:r>
-                      <a:endParaRPr lang="es-AR" dirty="0"/>
                     </a:p>
                   </a:txBody>
                   <a:tcPr/>
                 </a:tc>
+                <a:extLst>
+                  <a:ext uri="{0D108BD9-81ED-4DB2-BD59-A6C34878D82A}">
+                    <a16:rowId xmlns:a16="http://schemas.microsoft.com/office/drawing/2014/main" val="10000"/>
+                  </a:ext>
+                </a:extLst>
               </a:tr>
               <a:tr h="370840">
                 <a:tc>
@@ -20239,15 +20548,15 @@
                     <a:lstStyle/>
                     <a:p>
                       <a:r>
-                        <a:rPr lang="es-AR" dirty="0" err="1" smtClean="0"/>
+                        <a:rPr lang="es-AR" dirty="0" err="1"/>
                         <a:t>area</a:t>
                       </a:r>
                       <a:r>
-                        <a:rPr lang="es-AR" dirty="0" smtClean="0"/>
+                        <a:rPr lang="es-AR" dirty="0"/>
                         <a:t>() : </a:t>
                       </a:r>
                       <a:r>
-                        <a:rPr lang="es-AR" dirty="0" err="1" smtClean="0"/>
+                        <a:rPr lang="es-AR" dirty="0" err="1"/>
                         <a:t>void</a:t>
                       </a:r>
                       <a:endParaRPr lang="es-AR" dirty="0"/>
@@ -20255,6 +20564,11 @@
                   </a:txBody>
                   <a:tcPr/>
                 </a:tc>
+                <a:extLst>
+                  <a:ext uri="{0D108BD9-81ED-4DB2-BD59-A6C34878D82A}">
+                    <a16:rowId xmlns:a16="http://schemas.microsoft.com/office/drawing/2014/main" val="10001"/>
+                  </a:ext>
+                </a:extLst>
               </a:tr>
               <a:tr h="370840">
                 <a:tc>
@@ -20263,15 +20577,15 @@
                     <a:lstStyle/>
                     <a:p>
                       <a:r>
-                        <a:rPr lang="es-AR" dirty="0" err="1" smtClean="0"/>
+                        <a:rPr lang="es-AR" dirty="0" err="1"/>
                         <a:t>perimetro</a:t>
                       </a:r>
                       <a:r>
-                        <a:rPr lang="es-AR" dirty="0" smtClean="0"/>
+                        <a:rPr lang="es-AR" dirty="0"/>
                         <a:t>() : </a:t>
                       </a:r>
                       <a:r>
-                        <a:rPr lang="es-AR" dirty="0" err="1" smtClean="0"/>
+                        <a:rPr lang="es-AR" dirty="0" err="1"/>
                         <a:t>void</a:t>
                       </a:r>
                       <a:endParaRPr lang="es-AR" dirty="0"/>
@@ -20279,6 +20593,11 @@
                   </a:txBody>
                   <a:tcPr/>
                 </a:tc>
+                <a:extLst>
+                  <a:ext uri="{0D108BD9-81ED-4DB2-BD59-A6C34878D82A}">
+                    <a16:rowId xmlns:a16="http://schemas.microsoft.com/office/drawing/2014/main" val="10002"/>
+                  </a:ext>
+                </a:extLst>
               </a:tr>
             </a:tbl>
           </a:graphicData>
@@ -20309,7 +20628,13 @@
                 <a:tableStyleId>{5C22544A-7EE6-4342-B048-85BDC9FD1C3A}</a:tableStyleId>
               </a:tblPr>
               <a:tblGrid>
-                <a:gridCol w="3081020"/>
+                <a:gridCol w="3081020">
+                  <a:extLst>
+                    <a:ext uri="{9D8B030D-6E8A-4147-A177-3AD203B41FA5}">
+                      <a16:colId xmlns:a16="http://schemas.microsoft.com/office/drawing/2014/main" val="20000"/>
+                    </a:ext>
+                  </a:extLst>
+                </a:gridCol>
               </a:tblGrid>
               <a:tr h="370840">
                 <a:tc>
@@ -20318,14 +20643,18 @@
                     <a:lstStyle/>
                     <a:p>
                       <a:r>
-                        <a:rPr lang="es-AR" dirty="0" smtClean="0"/>
+                        <a:rPr lang="es-AR" dirty="0"/>
                         <a:t>Cuadrado</a:t>
                       </a:r>
-                      <a:endParaRPr lang="es-AR" dirty="0"/>
                     </a:p>
                   </a:txBody>
                   <a:tcPr/>
                 </a:tc>
+                <a:extLst>
+                  <a:ext uri="{0D108BD9-81ED-4DB2-BD59-A6C34878D82A}">
+                    <a16:rowId xmlns:a16="http://schemas.microsoft.com/office/drawing/2014/main" val="10000"/>
+                  </a:ext>
+                </a:extLst>
               </a:tr>
               <a:tr h="370840">
                 <a:tc>
@@ -20334,15 +20663,15 @@
                     <a:lstStyle/>
                     <a:p>
                       <a:r>
-                        <a:rPr lang="es-AR" dirty="0" err="1" smtClean="0"/>
+                        <a:rPr lang="es-AR" dirty="0" err="1"/>
                         <a:t>area</a:t>
                       </a:r>
                       <a:r>
-                        <a:rPr lang="es-AR" dirty="0" smtClean="0"/>
+                        <a:rPr lang="es-AR" dirty="0"/>
                         <a:t>() : </a:t>
                       </a:r>
                       <a:r>
-                        <a:rPr lang="es-AR" dirty="0" err="1" smtClean="0"/>
+                        <a:rPr lang="es-AR" dirty="0" err="1"/>
                         <a:t>void</a:t>
                       </a:r>
                       <a:endParaRPr lang="es-AR" dirty="0"/>
@@ -20350,6 +20679,11 @@
                   </a:txBody>
                   <a:tcPr/>
                 </a:tc>
+                <a:extLst>
+                  <a:ext uri="{0D108BD9-81ED-4DB2-BD59-A6C34878D82A}">
+                    <a16:rowId xmlns:a16="http://schemas.microsoft.com/office/drawing/2014/main" val="10001"/>
+                  </a:ext>
+                </a:extLst>
               </a:tr>
               <a:tr h="370840">
                 <a:tc>
@@ -20358,15 +20692,15 @@
                     <a:lstStyle/>
                     <a:p>
                       <a:r>
-                        <a:rPr lang="es-AR" dirty="0" err="1" smtClean="0"/>
+                        <a:rPr lang="es-AR" dirty="0" err="1"/>
                         <a:t>perimetro</a:t>
                       </a:r>
                       <a:r>
-                        <a:rPr lang="es-AR" dirty="0" smtClean="0"/>
+                        <a:rPr lang="es-AR" dirty="0"/>
                         <a:t>() : </a:t>
                       </a:r>
                       <a:r>
-                        <a:rPr lang="es-AR" dirty="0" err="1" smtClean="0"/>
+                        <a:rPr lang="es-AR" dirty="0" err="1"/>
                         <a:t>void</a:t>
                       </a:r>
                       <a:endParaRPr lang="es-AR" dirty="0"/>
@@ -20374,6 +20708,11 @@
                   </a:txBody>
                   <a:tcPr/>
                 </a:tc>
+                <a:extLst>
+                  <a:ext uri="{0D108BD9-81ED-4DB2-BD59-A6C34878D82A}">
+                    <a16:rowId xmlns:a16="http://schemas.microsoft.com/office/drawing/2014/main" val="10002"/>
+                  </a:ext>
+                </a:extLst>
               </a:tr>
             </a:tbl>
           </a:graphicData>
@@ -20404,7 +20743,13 @@
                 <a:tableStyleId>{5C22544A-7EE6-4342-B048-85BDC9FD1C3A}</a:tableStyleId>
               </a:tblPr>
               <a:tblGrid>
-                <a:gridCol w="3081020"/>
+                <a:gridCol w="3081020">
+                  <a:extLst>
+                    <a:ext uri="{9D8B030D-6E8A-4147-A177-3AD203B41FA5}">
+                      <a16:colId xmlns:a16="http://schemas.microsoft.com/office/drawing/2014/main" val="20000"/>
+                    </a:ext>
+                  </a:extLst>
+                </a:gridCol>
               </a:tblGrid>
               <a:tr h="370840">
                 <a:tc>
@@ -20413,14 +20758,18 @@
                     <a:lstStyle/>
                     <a:p>
                       <a:r>
-                        <a:rPr lang="es-AR" dirty="0" smtClean="0"/>
+                        <a:rPr lang="es-AR" dirty="0"/>
                         <a:t>Triangulo</a:t>
                       </a:r>
-                      <a:endParaRPr lang="es-AR" dirty="0"/>
                     </a:p>
                   </a:txBody>
                   <a:tcPr/>
                 </a:tc>
+                <a:extLst>
+                  <a:ext uri="{0D108BD9-81ED-4DB2-BD59-A6C34878D82A}">
+                    <a16:rowId xmlns:a16="http://schemas.microsoft.com/office/drawing/2014/main" val="10000"/>
+                  </a:ext>
+                </a:extLst>
               </a:tr>
               <a:tr h="370840">
                 <a:tc>
@@ -20429,15 +20778,15 @@
                     <a:lstStyle/>
                     <a:p>
                       <a:r>
-                        <a:rPr lang="es-AR" dirty="0" err="1" smtClean="0"/>
+                        <a:rPr lang="es-AR" dirty="0" err="1"/>
                         <a:t>area</a:t>
                       </a:r>
                       <a:r>
-                        <a:rPr lang="es-AR" dirty="0" smtClean="0"/>
+                        <a:rPr lang="es-AR" dirty="0"/>
                         <a:t>() : </a:t>
                       </a:r>
                       <a:r>
-                        <a:rPr lang="es-AR" dirty="0" err="1" smtClean="0"/>
+                        <a:rPr lang="es-AR" dirty="0" err="1"/>
                         <a:t>void</a:t>
                       </a:r>
                       <a:endParaRPr lang="es-AR" dirty="0"/>
@@ -20445,6 +20794,11 @@
                   </a:txBody>
                   <a:tcPr/>
                 </a:tc>
+                <a:extLst>
+                  <a:ext uri="{0D108BD9-81ED-4DB2-BD59-A6C34878D82A}">
+                    <a16:rowId xmlns:a16="http://schemas.microsoft.com/office/drawing/2014/main" val="10001"/>
+                  </a:ext>
+                </a:extLst>
               </a:tr>
               <a:tr h="370840">
                 <a:tc>
@@ -20453,15 +20807,15 @@
                     <a:lstStyle/>
                     <a:p>
                       <a:r>
-                        <a:rPr lang="es-AR" dirty="0" err="1" smtClean="0"/>
+                        <a:rPr lang="es-AR" dirty="0" err="1"/>
                         <a:t>perimetro</a:t>
                       </a:r>
                       <a:r>
-                        <a:rPr lang="es-AR" dirty="0" smtClean="0"/>
+                        <a:rPr lang="es-AR" dirty="0"/>
                         <a:t>() : </a:t>
                       </a:r>
                       <a:r>
-                        <a:rPr lang="es-AR" dirty="0" err="1" smtClean="0"/>
+                        <a:rPr lang="es-AR" dirty="0" err="1"/>
                         <a:t>void</a:t>
                       </a:r>
                       <a:endParaRPr lang="es-AR" dirty="0"/>
@@ -20469,6 +20823,11 @@
                   </a:txBody>
                   <a:tcPr/>
                 </a:tc>
+                <a:extLst>
+                  <a:ext uri="{0D108BD9-81ED-4DB2-BD59-A6C34878D82A}">
+                    <a16:rowId xmlns:a16="http://schemas.microsoft.com/office/drawing/2014/main" val="10002"/>
+                  </a:ext>
+                </a:extLst>
               </a:tr>
             </a:tbl>
           </a:graphicData>
@@ -21040,21 +21399,7 @@
                 <a:latin typeface="Franklin Gothic Medium" panose="020B0603020102020204" pitchFamily="34" charset="0"/>
                 <a:sym typeface="Wingdings" pitchFamily="2" charset="2"/>
               </a:rPr>
-              <a:t>Es una abstracción de un objeto</a:t>
-            </a:r>
-            <a:r>
-              <a:rPr lang="es-ES" sz="2800" dirty="0" smtClean="0">
-                <a:effectLst>
-                  <a:outerShdw blurRad="38100" dist="38100" dir="2700000" algn="tl">
-                    <a:srgbClr val="000000">
-                      <a:alpha val="43137"/>
-                    </a:srgbClr>
-                  </a:outerShdw>
-                </a:effectLst>
-                <a:latin typeface="Franklin Gothic Medium" panose="020B0603020102020204" pitchFamily="34" charset="0"/>
-                <a:sym typeface="Wingdings" pitchFamily="2" charset="2"/>
-              </a:rPr>
-              <a:t>.</a:t>
+              <a:t>Es una abstracción de un objeto.</a:t>
             </a:r>
             <a:endParaRPr lang="es-AR" sz="2800" dirty="0">
               <a:effectLst>
@@ -21080,13 +21425,6 @@
   <p:clrMapOvr>
     <a:masterClrMapping/>
   </p:clrMapOvr>
-  <p:timing>
-    <p:tnLst>
-      <p:par>
-        <p:cTn id="1" dur="indefinite" restart="never" nodeType="tmRoot"/>
-      </p:par>
-    </p:tnLst>
-  </p:timing>
 </p:sld>
 </file>
 
@@ -21123,10 +21461,9 @@
           <a:lstStyle/>
           <a:p>
             <a:r>
-              <a:rPr lang="es-AR" dirty="0" smtClean="0"/>
+              <a:rPr lang="es-AR" dirty="0"/>
               <a:t>Sintaxis</a:t>
             </a:r>
-            <a:endParaRPr lang="es-AR" dirty="0"/>
           </a:p>
         </p:txBody>
       </p:sp>
@@ -21291,7 +21628,7 @@
               <a:t>	Ejemplo: </a:t>
             </a:r>
             <a:r>
-              <a:rPr lang="es-ES" sz="2400" dirty="0" err="1" smtClean="0">
+              <a:rPr lang="es-ES" sz="2400" dirty="0" err="1">
                 <a:effectLst>
                   <a:outerShdw blurRad="38100" dist="38100" dir="2700000" algn="tl">
                     <a:srgbClr val="000000">
@@ -21698,7 +22035,7 @@
               <a:buNone/>
             </a:pPr>
             <a:r>
-              <a:rPr lang="es-AR" altLang="es-AR" sz="2000" b="1" dirty="0" smtClean="0">
+              <a:rPr lang="es-AR" altLang="es-AR" sz="2000" b="1" dirty="0">
                 <a:solidFill>
                   <a:srgbClr val="000000"/>
                 </a:solidFill>
@@ -21708,24 +22045,14 @@
               <a:t>        </a:t>
             </a:r>
             <a:r>
-              <a:rPr lang="es-AR" altLang="es-AR" sz="2000" b="1" dirty="0" smtClean="0">
+              <a:rPr lang="es-AR" altLang="es-AR" sz="2000" b="1" dirty="0">
                 <a:solidFill>
                   <a:srgbClr val="66CC66"/>
                 </a:solidFill>
                 <a:latin typeface="Arial Narrow" panose="020B0606020202030204" pitchFamily="34" charset="0"/>
                 <a:cs typeface="Times New Roman" panose="02020603050405020304" pitchFamily="18" charset="0"/>
               </a:rPr>
-              <a:t>// </a:t>
-            </a:r>
-            <a:r>
-              <a:rPr lang="es-AR" altLang="es-AR" sz="2000" b="1" dirty="0">
-                <a:solidFill>
-                  <a:srgbClr val="66CC66"/>
-                </a:solidFill>
-                <a:latin typeface="Arial Narrow" panose="020B0606020202030204" pitchFamily="34" charset="0"/>
-                <a:cs typeface="Times New Roman" panose="02020603050405020304" pitchFamily="18" charset="0"/>
-              </a:rPr>
-              <a:t>miembros: atributos y métodos</a:t>
+              <a:t>// miembros: atributos y métodos</a:t>
             </a:r>
           </a:p>
           <a:p>
@@ -21766,13 +22093,6 @@
   <p:clrMapOvr>
     <a:masterClrMapping/>
   </p:clrMapOvr>
-  <p:timing>
-    <p:tnLst>
-      <p:par>
-        <p:cTn id="1" dur="indefinite" restart="never" nodeType="tmRoot"/>
-      </p:par>
-    </p:tnLst>
-  </p:timing>
 </p:sld>
 </file>
 
